--- a/画面デザイン.pptx
+++ b/画面デザイン.pptx
@@ -5,17 +5,20 @@
     <p:sldMasterId id="2147483648" r:id="rId1"/>
   </p:sldMasterIdLst>
   <p:notesMasterIdLst>
-    <p:notesMasterId r:id="rId10"/>
+    <p:notesMasterId r:id="rId13"/>
   </p:notesMasterIdLst>
   <p:sldIdLst>
     <p:sldId id="258" r:id="rId2"/>
-    <p:sldId id="257" r:id="rId3"/>
-    <p:sldId id="261" r:id="rId4"/>
-    <p:sldId id="262" r:id="rId5"/>
-    <p:sldId id="259" r:id="rId6"/>
-    <p:sldId id="263" r:id="rId7"/>
-    <p:sldId id="260" r:id="rId8"/>
-    <p:sldId id="264" r:id="rId9"/>
+    <p:sldId id="267" r:id="rId3"/>
+    <p:sldId id="257" r:id="rId4"/>
+    <p:sldId id="261" r:id="rId5"/>
+    <p:sldId id="262" r:id="rId6"/>
+    <p:sldId id="265" r:id="rId7"/>
+    <p:sldId id="259" r:id="rId8"/>
+    <p:sldId id="263" r:id="rId9"/>
+    <p:sldId id="268" r:id="rId10"/>
+    <p:sldId id="260" r:id="rId11"/>
+    <p:sldId id="264" r:id="rId12"/>
   </p:sldIdLst>
   <p:sldSz cx="12192000" cy="6858000"/>
   <p:notesSz cx="6858000" cy="9144000"/>
@@ -567,7 +570,7 @@
           <a:p>
             <a:r>
               <a:rPr kumimoji="1" lang="ja-JP" altLang="en-US" dirty="0"/>
-              <a:t>マイページ</a:t>
+              <a:t>ログイン</a:t>
             </a:r>
           </a:p>
         </p:txBody>
@@ -614,7 +617,340 @@
 </p:notes>
 </file>
 
+<file path=ppt/notesSlides/notesSlide10.xml><?xml version="1.0" encoding="utf-8"?>
+<p:notes xmlns:a="http://schemas.openxmlformats.org/drawingml/2006/main" xmlns:r="http://schemas.openxmlformats.org/officeDocument/2006/relationships" xmlns:p="http://schemas.openxmlformats.org/presentationml/2006/main">
+  <p:cSld>
+    <p:spTree>
+      <p:nvGrpSpPr>
+        <p:cNvPr id="1" name="">
+          <a:extLst>
+            <a:ext uri="{FF2B5EF4-FFF2-40B4-BE49-F238E27FC236}">
+              <a16:creationId xmlns:a16="http://schemas.microsoft.com/office/drawing/2014/main" id="{BD1658A7-5F54-7161-D62C-7542F7EB9459}"/>
+            </a:ext>
+          </a:extLst>
+        </p:cNvPr>
+        <p:cNvGrpSpPr/>
+        <p:nvPr/>
+      </p:nvGrpSpPr>
+      <p:grpSpPr>
+        <a:xfrm>
+          <a:off x="0" y="0"/>
+          <a:ext cx="0" cy="0"/>
+          <a:chOff x="0" y="0"/>
+          <a:chExt cx="0" cy="0"/>
+        </a:xfrm>
+      </p:grpSpPr>
+      <p:sp>
+        <p:nvSpPr>
+          <p:cNvPr id="2" name="スライド イメージ プレースホルダー 1">
+            <a:extLst>
+              <a:ext uri="{FF2B5EF4-FFF2-40B4-BE49-F238E27FC236}">
+                <a16:creationId xmlns:a16="http://schemas.microsoft.com/office/drawing/2014/main" id="{AF5A077C-4CE4-67D3-1B02-A0AC41C4EB71}"/>
+              </a:ext>
+            </a:extLst>
+          </p:cNvPr>
+          <p:cNvSpPr>
+            <a:spLocks noGrp="1" noRot="1" noChangeAspect="1"/>
+          </p:cNvSpPr>
+          <p:nvPr>
+            <p:ph type="sldImg"/>
+          </p:nvPr>
+        </p:nvSpPr>
+        <p:spPr/>
+      </p:sp>
+      <p:sp>
+        <p:nvSpPr>
+          <p:cNvPr id="3" name="ノート プレースホルダー 2">
+            <a:extLst>
+              <a:ext uri="{FF2B5EF4-FFF2-40B4-BE49-F238E27FC236}">
+                <a16:creationId xmlns:a16="http://schemas.microsoft.com/office/drawing/2014/main" id="{907E7E92-C1C9-4B12-6CE5-BA94CF1BD461}"/>
+              </a:ext>
+            </a:extLst>
+          </p:cNvPr>
+          <p:cNvSpPr>
+            <a:spLocks noGrp="1"/>
+          </p:cNvSpPr>
+          <p:nvPr>
+            <p:ph type="body" idx="1"/>
+          </p:nvPr>
+        </p:nvSpPr>
+        <p:spPr/>
+        <p:txBody>
+          <a:bodyPr/>
+          <a:lstStyle/>
+          <a:p>
+            <a:r>
+              <a:rPr kumimoji="1" lang="ja-JP" altLang="en-US" dirty="0"/>
+              <a:t>社員紹介</a:t>
+            </a:r>
+          </a:p>
+        </p:txBody>
+      </p:sp>
+      <p:sp>
+        <p:nvSpPr>
+          <p:cNvPr id="4" name="スライド番号プレースホルダー 3">
+            <a:extLst>
+              <a:ext uri="{FF2B5EF4-FFF2-40B4-BE49-F238E27FC236}">
+                <a16:creationId xmlns:a16="http://schemas.microsoft.com/office/drawing/2014/main" id="{1E3A3BFD-F8B6-C532-79FD-C92C3D3C7A28}"/>
+              </a:ext>
+            </a:extLst>
+          </p:cNvPr>
+          <p:cNvSpPr>
+            <a:spLocks noGrp="1"/>
+          </p:cNvSpPr>
+          <p:nvPr>
+            <p:ph type="sldNum" sz="quarter" idx="5"/>
+          </p:nvPr>
+        </p:nvSpPr>
+        <p:spPr/>
+        <p:txBody>
+          <a:bodyPr/>
+          <a:lstStyle/>
+          <a:p>
+            <a:fld id="{56685100-E143-4576-864F-ED8A1259C883}" type="slidenum">
+              <a:rPr kumimoji="1" lang="ja-JP" altLang="en-US" smtClean="0"/>
+              <a:t>10</a:t>
+            </a:fld>
+            <a:endParaRPr kumimoji="1" lang="ja-JP" altLang="en-US"/>
+          </a:p>
+        </p:txBody>
+      </p:sp>
+    </p:spTree>
+    <p:extLst>
+      <p:ext uri="{BB962C8B-B14F-4D97-AF65-F5344CB8AC3E}">
+        <p14:creationId xmlns:p14="http://schemas.microsoft.com/office/powerpoint/2010/main" val="1133699207"/>
+      </p:ext>
+    </p:extLst>
+  </p:cSld>
+  <p:clrMapOvr>
+    <a:masterClrMapping/>
+  </p:clrMapOvr>
+</p:notes>
+</file>
+
+<file path=ppt/notesSlides/notesSlide11.xml><?xml version="1.0" encoding="utf-8"?>
+<p:notes xmlns:a="http://schemas.openxmlformats.org/drawingml/2006/main" xmlns:r="http://schemas.openxmlformats.org/officeDocument/2006/relationships" xmlns:p="http://schemas.openxmlformats.org/presentationml/2006/main">
+  <p:cSld>
+    <p:spTree>
+      <p:nvGrpSpPr>
+        <p:cNvPr id="1" name="">
+          <a:extLst>
+            <a:ext uri="{FF2B5EF4-FFF2-40B4-BE49-F238E27FC236}">
+              <a16:creationId xmlns:a16="http://schemas.microsoft.com/office/drawing/2014/main" id="{37E457ED-951B-2899-4D01-95440A72BC16}"/>
+            </a:ext>
+          </a:extLst>
+        </p:cNvPr>
+        <p:cNvGrpSpPr/>
+        <p:nvPr/>
+      </p:nvGrpSpPr>
+      <p:grpSpPr>
+        <a:xfrm>
+          <a:off x="0" y="0"/>
+          <a:ext cx="0" cy="0"/>
+          <a:chOff x="0" y="0"/>
+          <a:chExt cx="0" cy="0"/>
+        </a:xfrm>
+      </p:grpSpPr>
+      <p:sp>
+        <p:nvSpPr>
+          <p:cNvPr id="2" name="スライド イメージ プレースホルダー 1">
+            <a:extLst>
+              <a:ext uri="{FF2B5EF4-FFF2-40B4-BE49-F238E27FC236}">
+                <a16:creationId xmlns:a16="http://schemas.microsoft.com/office/drawing/2014/main" id="{EDD7F73D-5039-282D-B7CA-1B3AE9DD8926}"/>
+              </a:ext>
+            </a:extLst>
+          </p:cNvPr>
+          <p:cNvSpPr>
+            <a:spLocks noGrp="1" noRot="1" noChangeAspect="1"/>
+          </p:cNvSpPr>
+          <p:nvPr>
+            <p:ph type="sldImg"/>
+          </p:nvPr>
+        </p:nvSpPr>
+        <p:spPr/>
+      </p:sp>
+      <p:sp>
+        <p:nvSpPr>
+          <p:cNvPr id="3" name="ノート プレースホルダー 2">
+            <a:extLst>
+              <a:ext uri="{FF2B5EF4-FFF2-40B4-BE49-F238E27FC236}">
+                <a16:creationId xmlns:a16="http://schemas.microsoft.com/office/drawing/2014/main" id="{2C82E0F8-C184-D8B6-DA27-C27091F5AB14}"/>
+              </a:ext>
+            </a:extLst>
+          </p:cNvPr>
+          <p:cNvSpPr>
+            <a:spLocks noGrp="1"/>
+          </p:cNvSpPr>
+          <p:nvPr>
+            <p:ph type="body" idx="1"/>
+          </p:nvPr>
+        </p:nvSpPr>
+        <p:spPr/>
+        <p:txBody>
+          <a:bodyPr/>
+          <a:lstStyle/>
+          <a:p>
+            <a:r>
+              <a:rPr kumimoji="1" lang="ja-JP" altLang="en-US" dirty="0"/>
+              <a:t>個人紹介</a:t>
+            </a:r>
+          </a:p>
+        </p:txBody>
+      </p:sp>
+      <p:sp>
+        <p:nvSpPr>
+          <p:cNvPr id="4" name="スライド番号プレースホルダー 3">
+            <a:extLst>
+              <a:ext uri="{FF2B5EF4-FFF2-40B4-BE49-F238E27FC236}">
+                <a16:creationId xmlns:a16="http://schemas.microsoft.com/office/drawing/2014/main" id="{EBF25FC5-E270-E46A-D9E1-69EF92938811}"/>
+              </a:ext>
+            </a:extLst>
+          </p:cNvPr>
+          <p:cNvSpPr>
+            <a:spLocks noGrp="1"/>
+          </p:cNvSpPr>
+          <p:nvPr>
+            <p:ph type="sldNum" sz="quarter" idx="5"/>
+          </p:nvPr>
+        </p:nvSpPr>
+        <p:spPr/>
+        <p:txBody>
+          <a:bodyPr/>
+          <a:lstStyle/>
+          <a:p>
+            <a:fld id="{56685100-E143-4576-864F-ED8A1259C883}" type="slidenum">
+              <a:rPr kumimoji="1" lang="ja-JP" altLang="en-US" smtClean="0"/>
+              <a:t>11</a:t>
+            </a:fld>
+            <a:endParaRPr kumimoji="1" lang="ja-JP" altLang="en-US"/>
+          </a:p>
+        </p:txBody>
+      </p:sp>
+    </p:spTree>
+    <p:extLst>
+      <p:ext uri="{BB962C8B-B14F-4D97-AF65-F5344CB8AC3E}">
+        <p14:creationId xmlns:p14="http://schemas.microsoft.com/office/powerpoint/2010/main" val="563426724"/>
+      </p:ext>
+    </p:extLst>
+  </p:cSld>
+  <p:clrMapOvr>
+    <a:masterClrMapping/>
+  </p:clrMapOvr>
+</p:notes>
+</file>
+
 <file path=ppt/notesSlides/notesSlide2.xml><?xml version="1.0" encoding="utf-8"?>
+<p:notes xmlns:a="http://schemas.openxmlformats.org/drawingml/2006/main" xmlns:r="http://schemas.openxmlformats.org/officeDocument/2006/relationships" xmlns:p="http://schemas.openxmlformats.org/presentationml/2006/main">
+  <p:cSld>
+    <p:spTree>
+      <p:nvGrpSpPr>
+        <p:cNvPr id="1" name="">
+          <a:extLst>
+            <a:ext uri="{FF2B5EF4-FFF2-40B4-BE49-F238E27FC236}">
+              <a16:creationId xmlns:a16="http://schemas.microsoft.com/office/drawing/2014/main" id="{7AD4FD63-52A7-33ED-5A86-A688686BDE85}"/>
+            </a:ext>
+          </a:extLst>
+        </p:cNvPr>
+        <p:cNvGrpSpPr/>
+        <p:nvPr/>
+      </p:nvGrpSpPr>
+      <p:grpSpPr>
+        <a:xfrm>
+          <a:off x="0" y="0"/>
+          <a:ext cx="0" cy="0"/>
+          <a:chOff x="0" y="0"/>
+          <a:chExt cx="0" cy="0"/>
+        </a:xfrm>
+      </p:grpSpPr>
+      <p:sp>
+        <p:nvSpPr>
+          <p:cNvPr id="2" name="スライド イメージ プレースホルダー 1">
+            <a:extLst>
+              <a:ext uri="{FF2B5EF4-FFF2-40B4-BE49-F238E27FC236}">
+                <a16:creationId xmlns:a16="http://schemas.microsoft.com/office/drawing/2014/main" id="{D205DF09-C4B9-38FD-8528-2439715F0F9A}"/>
+              </a:ext>
+            </a:extLst>
+          </p:cNvPr>
+          <p:cNvSpPr>
+            <a:spLocks noGrp="1" noRot="1" noChangeAspect="1"/>
+          </p:cNvSpPr>
+          <p:nvPr>
+            <p:ph type="sldImg"/>
+          </p:nvPr>
+        </p:nvSpPr>
+        <p:spPr/>
+      </p:sp>
+      <p:sp>
+        <p:nvSpPr>
+          <p:cNvPr id="3" name="ノート プレースホルダー 2">
+            <a:extLst>
+              <a:ext uri="{FF2B5EF4-FFF2-40B4-BE49-F238E27FC236}">
+                <a16:creationId xmlns:a16="http://schemas.microsoft.com/office/drawing/2014/main" id="{E85D4728-0C7F-80EE-F7CB-53D4969AA968}"/>
+              </a:ext>
+            </a:extLst>
+          </p:cNvPr>
+          <p:cNvSpPr>
+            <a:spLocks noGrp="1"/>
+          </p:cNvSpPr>
+          <p:nvPr>
+            <p:ph type="body" idx="1"/>
+          </p:nvPr>
+        </p:nvSpPr>
+        <p:spPr/>
+        <p:txBody>
+          <a:bodyPr/>
+          <a:lstStyle/>
+          <a:p>
+            <a:r>
+              <a:rPr kumimoji="1" lang="ja-JP" altLang="en-US" dirty="0"/>
+              <a:t>マイページ</a:t>
+            </a:r>
+          </a:p>
+        </p:txBody>
+      </p:sp>
+      <p:sp>
+        <p:nvSpPr>
+          <p:cNvPr id="4" name="スライド番号プレースホルダー 3">
+            <a:extLst>
+              <a:ext uri="{FF2B5EF4-FFF2-40B4-BE49-F238E27FC236}">
+                <a16:creationId xmlns:a16="http://schemas.microsoft.com/office/drawing/2014/main" id="{9644437F-BD2C-274A-4CEB-9200C0A39E11}"/>
+              </a:ext>
+            </a:extLst>
+          </p:cNvPr>
+          <p:cNvSpPr>
+            <a:spLocks noGrp="1"/>
+          </p:cNvSpPr>
+          <p:nvPr>
+            <p:ph type="sldNum" sz="quarter" idx="5"/>
+          </p:nvPr>
+        </p:nvSpPr>
+        <p:spPr/>
+        <p:txBody>
+          <a:bodyPr/>
+          <a:lstStyle/>
+          <a:p>
+            <a:fld id="{56685100-E143-4576-864F-ED8A1259C883}" type="slidenum">
+              <a:rPr kumimoji="1" lang="ja-JP" altLang="en-US" smtClean="0"/>
+              <a:t>2</a:t>
+            </a:fld>
+            <a:endParaRPr kumimoji="1" lang="ja-JP" altLang="en-US"/>
+          </a:p>
+        </p:txBody>
+      </p:sp>
+    </p:spTree>
+    <p:extLst>
+      <p:ext uri="{BB962C8B-B14F-4D97-AF65-F5344CB8AC3E}">
+        <p14:creationId xmlns:p14="http://schemas.microsoft.com/office/powerpoint/2010/main" val="47452975"/>
+      </p:ext>
+    </p:extLst>
+  </p:cSld>
+  <p:clrMapOvr>
+    <a:masterClrMapping/>
+  </p:clrMapOvr>
+</p:notes>
+</file>
+
+<file path=ppt/notesSlides/notesSlide3.xml><?xml version="1.0" encoding="utf-8"?>
 <p:notes xmlns:a="http://schemas.openxmlformats.org/drawingml/2006/main" xmlns:r="http://schemas.openxmlformats.org/officeDocument/2006/relationships" xmlns:p="http://schemas.openxmlformats.org/presentationml/2006/main">
   <p:cSld>
     <p:spTree>
@@ -682,7 +1018,7 @@
           <a:p>
             <a:fld id="{56685100-E143-4576-864F-ED8A1259C883}" type="slidenum">
               <a:rPr kumimoji="1" lang="ja-JP" altLang="en-US" smtClean="0"/>
-              <a:t>2</a:t>
+              <a:t>3</a:t>
             </a:fld>
             <a:endParaRPr kumimoji="1" lang="ja-JP" altLang="en-US"/>
           </a:p>
@@ -701,7 +1037,7 @@
 </p:notes>
 </file>
 
-<file path=ppt/notesSlides/notesSlide3.xml><?xml version="1.0" encoding="utf-8"?>
+<file path=ppt/notesSlides/notesSlide4.xml><?xml version="1.0" encoding="utf-8"?>
 <p:notes xmlns:a="http://schemas.openxmlformats.org/drawingml/2006/main" xmlns:r="http://schemas.openxmlformats.org/officeDocument/2006/relationships" xmlns:p="http://schemas.openxmlformats.org/presentationml/2006/main">
   <p:cSld>
     <p:spTree>
@@ -793,7 +1129,7 @@
           <a:p>
             <a:fld id="{56685100-E143-4576-864F-ED8A1259C883}" type="slidenum">
               <a:rPr kumimoji="1" lang="ja-JP" altLang="en-US" smtClean="0"/>
-              <a:t>3</a:t>
+              <a:t>4</a:t>
             </a:fld>
             <a:endParaRPr kumimoji="1" lang="ja-JP" altLang="en-US"/>
           </a:p>
@@ -812,7 +1148,7 @@
 </p:notes>
 </file>
 
-<file path=ppt/notesSlides/notesSlide4.xml><?xml version="1.0" encoding="utf-8"?>
+<file path=ppt/notesSlides/notesSlide5.xml><?xml version="1.0" encoding="utf-8"?>
 <p:notes xmlns:a="http://schemas.openxmlformats.org/drawingml/2006/main" xmlns:r="http://schemas.openxmlformats.org/officeDocument/2006/relationships" xmlns:p="http://schemas.openxmlformats.org/presentationml/2006/main">
   <p:cSld>
     <p:spTree>
@@ -904,7 +1240,7 @@
           <a:p>
             <a:fld id="{56685100-E143-4576-864F-ED8A1259C883}" type="slidenum">
               <a:rPr kumimoji="1" lang="ja-JP" altLang="en-US" smtClean="0"/>
-              <a:t>4</a:t>
+              <a:t>5</a:t>
             </a:fld>
             <a:endParaRPr kumimoji="1" lang="ja-JP" altLang="en-US"/>
           </a:p>
@@ -923,7 +1259,118 @@
 </p:notes>
 </file>
 
-<file path=ppt/notesSlides/notesSlide5.xml><?xml version="1.0" encoding="utf-8"?>
+<file path=ppt/notesSlides/notesSlide6.xml><?xml version="1.0" encoding="utf-8"?>
+<p:notes xmlns:a="http://schemas.openxmlformats.org/drawingml/2006/main" xmlns:r="http://schemas.openxmlformats.org/officeDocument/2006/relationships" xmlns:p="http://schemas.openxmlformats.org/presentationml/2006/main">
+  <p:cSld>
+    <p:spTree>
+      <p:nvGrpSpPr>
+        <p:cNvPr id="1" name="">
+          <a:extLst>
+            <a:ext uri="{FF2B5EF4-FFF2-40B4-BE49-F238E27FC236}">
+              <a16:creationId xmlns:a16="http://schemas.microsoft.com/office/drawing/2014/main" id="{9C6F1096-2C09-1D69-8F43-5E0FB48998F0}"/>
+            </a:ext>
+          </a:extLst>
+        </p:cNvPr>
+        <p:cNvGrpSpPr/>
+        <p:nvPr/>
+      </p:nvGrpSpPr>
+      <p:grpSpPr>
+        <a:xfrm>
+          <a:off x="0" y="0"/>
+          <a:ext cx="0" cy="0"/>
+          <a:chOff x="0" y="0"/>
+          <a:chExt cx="0" cy="0"/>
+        </a:xfrm>
+      </p:grpSpPr>
+      <p:sp>
+        <p:nvSpPr>
+          <p:cNvPr id="2" name="スライド イメージ プレースホルダー 1">
+            <a:extLst>
+              <a:ext uri="{FF2B5EF4-FFF2-40B4-BE49-F238E27FC236}">
+                <a16:creationId xmlns:a16="http://schemas.microsoft.com/office/drawing/2014/main" id="{6DC92F68-C168-54F4-0D5A-459ECB2A97B6}"/>
+              </a:ext>
+            </a:extLst>
+          </p:cNvPr>
+          <p:cNvSpPr>
+            <a:spLocks noGrp="1" noRot="1" noChangeAspect="1"/>
+          </p:cNvSpPr>
+          <p:nvPr>
+            <p:ph type="sldImg"/>
+          </p:nvPr>
+        </p:nvSpPr>
+        <p:spPr/>
+      </p:sp>
+      <p:sp>
+        <p:nvSpPr>
+          <p:cNvPr id="3" name="ノート プレースホルダー 2">
+            <a:extLst>
+              <a:ext uri="{FF2B5EF4-FFF2-40B4-BE49-F238E27FC236}">
+                <a16:creationId xmlns:a16="http://schemas.microsoft.com/office/drawing/2014/main" id="{1B70CA0B-55C3-F7A9-93C8-33A4F874749B}"/>
+              </a:ext>
+            </a:extLst>
+          </p:cNvPr>
+          <p:cNvSpPr>
+            <a:spLocks noGrp="1"/>
+          </p:cNvSpPr>
+          <p:nvPr>
+            <p:ph type="body" idx="1"/>
+          </p:nvPr>
+        </p:nvSpPr>
+        <p:spPr/>
+        <p:txBody>
+          <a:bodyPr/>
+          <a:lstStyle/>
+          <a:p>
+            <a:r>
+              <a:rPr kumimoji="1" lang="ja-JP" altLang="en-US" dirty="0"/>
+              <a:t>スケジュール編集（編集の為のロールは要検討）</a:t>
+            </a:r>
+          </a:p>
+        </p:txBody>
+      </p:sp>
+      <p:sp>
+        <p:nvSpPr>
+          <p:cNvPr id="4" name="スライド番号プレースホルダー 3">
+            <a:extLst>
+              <a:ext uri="{FF2B5EF4-FFF2-40B4-BE49-F238E27FC236}">
+                <a16:creationId xmlns:a16="http://schemas.microsoft.com/office/drawing/2014/main" id="{A0141F3C-8528-1015-9BF0-C450150B36F0}"/>
+              </a:ext>
+            </a:extLst>
+          </p:cNvPr>
+          <p:cNvSpPr>
+            <a:spLocks noGrp="1"/>
+          </p:cNvSpPr>
+          <p:nvPr>
+            <p:ph type="sldNum" sz="quarter" idx="5"/>
+          </p:nvPr>
+        </p:nvSpPr>
+        <p:spPr/>
+        <p:txBody>
+          <a:bodyPr/>
+          <a:lstStyle/>
+          <a:p>
+            <a:fld id="{56685100-E143-4576-864F-ED8A1259C883}" type="slidenum">
+              <a:rPr kumimoji="1" lang="ja-JP" altLang="en-US" smtClean="0"/>
+              <a:t>6</a:t>
+            </a:fld>
+            <a:endParaRPr kumimoji="1" lang="ja-JP" altLang="en-US"/>
+          </a:p>
+        </p:txBody>
+      </p:sp>
+    </p:spTree>
+    <p:extLst>
+      <p:ext uri="{BB962C8B-B14F-4D97-AF65-F5344CB8AC3E}">
+        <p14:creationId xmlns:p14="http://schemas.microsoft.com/office/powerpoint/2010/main" val="2376355859"/>
+      </p:ext>
+    </p:extLst>
+  </p:cSld>
+  <p:clrMapOvr>
+    <a:masterClrMapping/>
+  </p:clrMapOvr>
+</p:notes>
+</file>
+
+<file path=ppt/notesSlides/notesSlide7.xml><?xml version="1.0" encoding="utf-8"?>
 <p:notes xmlns:a="http://schemas.openxmlformats.org/drawingml/2006/main" xmlns:r="http://schemas.openxmlformats.org/officeDocument/2006/relationships" xmlns:p="http://schemas.openxmlformats.org/presentationml/2006/main">
   <p:cSld>
     <p:spTree>
@@ -1015,7 +1462,7 @@
           <a:p>
             <a:fld id="{56685100-E143-4576-864F-ED8A1259C883}" type="slidenum">
               <a:rPr kumimoji="1" lang="ja-JP" altLang="en-US" smtClean="0"/>
-              <a:t>5</a:t>
+              <a:t>7</a:t>
             </a:fld>
             <a:endParaRPr kumimoji="1" lang="ja-JP" altLang="en-US"/>
           </a:p>
@@ -1034,7 +1481,7 @@
 </p:notes>
 </file>
 
-<file path=ppt/notesSlides/notesSlide6.xml><?xml version="1.0" encoding="utf-8"?>
+<file path=ppt/notesSlides/notesSlide8.xml><?xml version="1.0" encoding="utf-8"?>
 <p:notes xmlns:a="http://schemas.openxmlformats.org/drawingml/2006/main" xmlns:r="http://schemas.openxmlformats.org/officeDocument/2006/relationships" xmlns:p="http://schemas.openxmlformats.org/presentationml/2006/main">
   <p:cSld>
     <p:spTree>
@@ -1126,7 +1573,7 @@
           <a:p>
             <a:fld id="{56685100-E143-4576-864F-ED8A1259C883}" type="slidenum">
               <a:rPr kumimoji="1" lang="ja-JP" altLang="en-US" smtClean="0"/>
-              <a:t>6</a:t>
+              <a:t>8</a:t>
             </a:fld>
             <a:endParaRPr kumimoji="1" lang="ja-JP" altLang="en-US"/>
           </a:p>
@@ -1145,7 +1592,7 @@
 </p:notes>
 </file>
 
-<file path=ppt/notesSlides/notesSlide7.xml><?xml version="1.0" encoding="utf-8"?>
+<file path=ppt/notesSlides/notesSlide9.xml><?xml version="1.0" encoding="utf-8"?>
 <p:notes xmlns:a="http://schemas.openxmlformats.org/drawingml/2006/main" xmlns:r="http://schemas.openxmlformats.org/officeDocument/2006/relationships" xmlns:p="http://schemas.openxmlformats.org/presentationml/2006/main">
   <p:cSld>
     <p:spTree>
@@ -1153,7 +1600,7 @@
         <p:cNvPr id="1" name="">
           <a:extLst>
             <a:ext uri="{FF2B5EF4-FFF2-40B4-BE49-F238E27FC236}">
-              <a16:creationId xmlns:a16="http://schemas.microsoft.com/office/drawing/2014/main" id="{BD1658A7-5F54-7161-D62C-7542F7EB9459}"/>
+              <a16:creationId xmlns:a16="http://schemas.microsoft.com/office/drawing/2014/main" id="{2146F68C-EB03-926C-243C-19A22AEA7AE1}"/>
             </a:ext>
           </a:extLst>
         </p:cNvPr>
@@ -1173,7 +1620,7 @@
           <p:cNvPr id="2" name="スライド イメージ プレースホルダー 1">
             <a:extLst>
               <a:ext uri="{FF2B5EF4-FFF2-40B4-BE49-F238E27FC236}">
-                <a16:creationId xmlns:a16="http://schemas.microsoft.com/office/drawing/2014/main" id="{AF5A077C-4CE4-67D3-1B02-A0AC41C4EB71}"/>
+                <a16:creationId xmlns:a16="http://schemas.microsoft.com/office/drawing/2014/main" id="{4F2EE55A-A870-F0F4-C99C-E973966F64ED}"/>
               </a:ext>
             </a:extLst>
           </p:cNvPr>
@@ -1191,7 +1638,7 @@
           <p:cNvPr id="3" name="ノート プレースホルダー 2">
             <a:extLst>
               <a:ext uri="{FF2B5EF4-FFF2-40B4-BE49-F238E27FC236}">
-                <a16:creationId xmlns:a16="http://schemas.microsoft.com/office/drawing/2014/main" id="{907E7E92-C1C9-4B12-6CE5-BA94CF1BD461}"/>
+                <a16:creationId xmlns:a16="http://schemas.microsoft.com/office/drawing/2014/main" id="{EACF70E7-3B3B-5AB9-7EDE-C1A8261F58D4}"/>
               </a:ext>
             </a:extLst>
           </p:cNvPr>
@@ -1209,7 +1656,7 @@
           <a:p>
             <a:r>
               <a:rPr kumimoji="1" lang="ja-JP" altLang="en-US" dirty="0"/>
-              <a:t>社員紹介</a:t>
+              <a:t>お知らせ編集（編集の為のロールは要検討）</a:t>
             </a:r>
           </a:p>
         </p:txBody>
@@ -1219,7 +1666,7 @@
           <p:cNvPr id="4" name="スライド番号プレースホルダー 3">
             <a:extLst>
               <a:ext uri="{FF2B5EF4-FFF2-40B4-BE49-F238E27FC236}">
-                <a16:creationId xmlns:a16="http://schemas.microsoft.com/office/drawing/2014/main" id="{1E3A3BFD-F8B6-C532-79FD-C92C3D3C7A28}"/>
+                <a16:creationId xmlns:a16="http://schemas.microsoft.com/office/drawing/2014/main" id="{329A89AE-3A8A-5F51-2971-FCB5D521E6F8}"/>
               </a:ext>
             </a:extLst>
           </p:cNvPr>
@@ -1237,7 +1684,7 @@
           <a:p>
             <a:fld id="{56685100-E143-4576-864F-ED8A1259C883}" type="slidenum">
               <a:rPr kumimoji="1" lang="ja-JP" altLang="en-US" smtClean="0"/>
-              <a:t>7</a:t>
+              <a:t>9</a:t>
             </a:fld>
             <a:endParaRPr kumimoji="1" lang="ja-JP" altLang="en-US"/>
           </a:p>
@@ -1246,118 +1693,7 @@
     </p:spTree>
     <p:extLst>
       <p:ext uri="{BB962C8B-B14F-4D97-AF65-F5344CB8AC3E}">
-        <p14:creationId xmlns:p14="http://schemas.microsoft.com/office/powerpoint/2010/main" val="1133699207"/>
-      </p:ext>
-    </p:extLst>
-  </p:cSld>
-  <p:clrMapOvr>
-    <a:masterClrMapping/>
-  </p:clrMapOvr>
-</p:notes>
-</file>
-
-<file path=ppt/notesSlides/notesSlide8.xml><?xml version="1.0" encoding="utf-8"?>
-<p:notes xmlns:a="http://schemas.openxmlformats.org/drawingml/2006/main" xmlns:r="http://schemas.openxmlformats.org/officeDocument/2006/relationships" xmlns:p="http://schemas.openxmlformats.org/presentationml/2006/main">
-  <p:cSld>
-    <p:spTree>
-      <p:nvGrpSpPr>
-        <p:cNvPr id="1" name="">
-          <a:extLst>
-            <a:ext uri="{FF2B5EF4-FFF2-40B4-BE49-F238E27FC236}">
-              <a16:creationId xmlns:a16="http://schemas.microsoft.com/office/drawing/2014/main" id="{37E457ED-951B-2899-4D01-95440A72BC16}"/>
-            </a:ext>
-          </a:extLst>
-        </p:cNvPr>
-        <p:cNvGrpSpPr/>
-        <p:nvPr/>
-      </p:nvGrpSpPr>
-      <p:grpSpPr>
-        <a:xfrm>
-          <a:off x="0" y="0"/>
-          <a:ext cx="0" cy="0"/>
-          <a:chOff x="0" y="0"/>
-          <a:chExt cx="0" cy="0"/>
-        </a:xfrm>
-      </p:grpSpPr>
-      <p:sp>
-        <p:nvSpPr>
-          <p:cNvPr id="2" name="スライド イメージ プレースホルダー 1">
-            <a:extLst>
-              <a:ext uri="{FF2B5EF4-FFF2-40B4-BE49-F238E27FC236}">
-                <a16:creationId xmlns:a16="http://schemas.microsoft.com/office/drawing/2014/main" id="{EDD7F73D-5039-282D-B7CA-1B3AE9DD8926}"/>
-              </a:ext>
-            </a:extLst>
-          </p:cNvPr>
-          <p:cNvSpPr>
-            <a:spLocks noGrp="1" noRot="1" noChangeAspect="1"/>
-          </p:cNvSpPr>
-          <p:nvPr>
-            <p:ph type="sldImg"/>
-          </p:nvPr>
-        </p:nvSpPr>
-        <p:spPr/>
-      </p:sp>
-      <p:sp>
-        <p:nvSpPr>
-          <p:cNvPr id="3" name="ノート プレースホルダー 2">
-            <a:extLst>
-              <a:ext uri="{FF2B5EF4-FFF2-40B4-BE49-F238E27FC236}">
-                <a16:creationId xmlns:a16="http://schemas.microsoft.com/office/drawing/2014/main" id="{2C82E0F8-C184-D8B6-DA27-C27091F5AB14}"/>
-              </a:ext>
-            </a:extLst>
-          </p:cNvPr>
-          <p:cNvSpPr>
-            <a:spLocks noGrp="1"/>
-          </p:cNvSpPr>
-          <p:nvPr>
-            <p:ph type="body" idx="1"/>
-          </p:nvPr>
-        </p:nvSpPr>
-        <p:spPr/>
-        <p:txBody>
-          <a:bodyPr/>
-          <a:lstStyle/>
-          <a:p>
-            <a:r>
-              <a:rPr kumimoji="1" lang="ja-JP" altLang="en-US" dirty="0"/>
-              <a:t>個人紹介</a:t>
-            </a:r>
-          </a:p>
-        </p:txBody>
-      </p:sp>
-      <p:sp>
-        <p:nvSpPr>
-          <p:cNvPr id="4" name="スライド番号プレースホルダー 3">
-            <a:extLst>
-              <a:ext uri="{FF2B5EF4-FFF2-40B4-BE49-F238E27FC236}">
-                <a16:creationId xmlns:a16="http://schemas.microsoft.com/office/drawing/2014/main" id="{EBF25FC5-E270-E46A-D9E1-69EF92938811}"/>
-              </a:ext>
-            </a:extLst>
-          </p:cNvPr>
-          <p:cNvSpPr>
-            <a:spLocks noGrp="1"/>
-          </p:cNvSpPr>
-          <p:nvPr>
-            <p:ph type="sldNum" sz="quarter" idx="5"/>
-          </p:nvPr>
-        </p:nvSpPr>
-        <p:spPr/>
-        <p:txBody>
-          <a:bodyPr/>
-          <a:lstStyle/>
-          <a:p>
-            <a:fld id="{56685100-E143-4576-864F-ED8A1259C883}" type="slidenum">
-              <a:rPr kumimoji="1" lang="ja-JP" altLang="en-US" smtClean="0"/>
-              <a:t>8</a:t>
-            </a:fld>
-            <a:endParaRPr kumimoji="1" lang="ja-JP" altLang="en-US"/>
-          </a:p>
-        </p:txBody>
-      </p:sp>
-    </p:spTree>
-    <p:extLst>
-      <p:ext uri="{BB962C8B-B14F-4D97-AF65-F5344CB8AC3E}">
-        <p14:creationId xmlns:p14="http://schemas.microsoft.com/office/powerpoint/2010/main" val="563426724"/>
+        <p14:creationId xmlns:p14="http://schemas.microsoft.com/office/powerpoint/2010/main" val="1402187381"/>
       </p:ext>
     </p:extLst>
   </p:cSld>
@@ -4915,6 +5251,460 @@
           <a:lstStyle/>
           <a:p>
             <a:pPr algn="ctr"/>
+            <a:endParaRPr kumimoji="1" lang="ja-JP" altLang="en-US" dirty="0"/>
+          </a:p>
+        </p:txBody>
+      </p:sp>
+      <p:grpSp>
+        <p:nvGrpSpPr>
+          <p:cNvPr id="26" name="グループ化 25">
+            <a:extLst>
+              <a:ext uri="{FF2B5EF4-FFF2-40B4-BE49-F238E27FC236}">
+                <a16:creationId xmlns:a16="http://schemas.microsoft.com/office/drawing/2014/main" id="{659B3A34-8365-0DBF-2C55-4F7F65A4E5C4}"/>
+              </a:ext>
+            </a:extLst>
+          </p:cNvPr>
+          <p:cNvGrpSpPr/>
+          <p:nvPr/>
+        </p:nvGrpSpPr>
+        <p:grpSpPr>
+          <a:xfrm>
+            <a:off x="4187952" y="704088"/>
+            <a:ext cx="3520440" cy="1773936"/>
+            <a:chOff x="4526280" y="694944"/>
+            <a:chExt cx="3520440" cy="1773936"/>
+          </a:xfrm>
+        </p:grpSpPr>
+        <p:sp>
+          <p:nvSpPr>
+            <p:cNvPr id="24" name="正方形/長方形 23">
+              <a:extLst>
+                <a:ext uri="{FF2B5EF4-FFF2-40B4-BE49-F238E27FC236}">
+                  <a16:creationId xmlns:a16="http://schemas.microsoft.com/office/drawing/2014/main" id="{A6FDAD0B-145E-4D13-26FC-1D997D7E4FCF}"/>
+                </a:ext>
+              </a:extLst>
+            </p:cNvPr>
+            <p:cNvSpPr/>
+            <p:nvPr/>
+          </p:nvSpPr>
+          <p:spPr>
+            <a:xfrm>
+              <a:off x="4526280" y="694944"/>
+              <a:ext cx="3520440" cy="1773936"/>
+            </a:xfrm>
+            <a:prstGeom prst="rect">
+              <a:avLst/>
+            </a:prstGeom>
+          </p:spPr>
+          <p:style>
+            <a:lnRef idx="2">
+              <a:schemeClr val="dk1"/>
+            </a:lnRef>
+            <a:fillRef idx="1">
+              <a:schemeClr val="lt1"/>
+            </a:fillRef>
+            <a:effectRef idx="0">
+              <a:schemeClr val="dk1"/>
+            </a:effectRef>
+            <a:fontRef idx="minor">
+              <a:schemeClr val="dk1"/>
+            </a:fontRef>
+          </p:style>
+          <p:txBody>
+            <a:bodyPr rtlCol="0" anchor="ctr"/>
+            <a:lstStyle/>
+            <a:p>
+              <a:pPr algn="ctr"/>
+              <a:endParaRPr kumimoji="1" lang="ja-JP" altLang="en-US"/>
+            </a:p>
+          </p:txBody>
+        </p:sp>
+        <p:sp>
+          <p:nvSpPr>
+            <p:cNvPr id="25" name="テキスト ボックス 24">
+              <a:extLst>
+                <a:ext uri="{FF2B5EF4-FFF2-40B4-BE49-F238E27FC236}">
+                  <a16:creationId xmlns:a16="http://schemas.microsoft.com/office/drawing/2014/main" id="{5F73369A-F534-F998-AF7B-C357DE27C484}"/>
+                </a:ext>
+              </a:extLst>
+            </p:cNvPr>
+            <p:cNvSpPr txBox="1"/>
+            <p:nvPr/>
+          </p:nvSpPr>
+          <p:spPr>
+            <a:xfrm>
+              <a:off x="4745736" y="896112"/>
+              <a:ext cx="3017520" cy="1200329"/>
+            </a:xfrm>
+            <a:prstGeom prst="rect">
+              <a:avLst/>
+            </a:prstGeom>
+            <a:noFill/>
+          </p:spPr>
+          <p:txBody>
+            <a:bodyPr wrap="square" rtlCol="0">
+              <a:spAutoFit/>
+            </a:bodyPr>
+            <a:lstStyle/>
+            <a:p>
+              <a:r>
+                <a:rPr kumimoji="1" lang="ja-JP" altLang="en-US" dirty="0"/>
+                <a:t>ログイン画面</a:t>
+              </a:r>
+              <a:endParaRPr kumimoji="1" lang="en-US" altLang="ja-JP" dirty="0"/>
+            </a:p>
+            <a:p>
+              <a:endParaRPr kumimoji="1" lang="en-US" altLang="ja-JP" dirty="0"/>
+            </a:p>
+            <a:p>
+              <a:r>
+                <a:rPr kumimoji="1" lang="ja-JP" altLang="en-US" dirty="0"/>
+                <a:t>何かメッセージを表示したい場合はこの辺りに表示</a:t>
+              </a:r>
+            </a:p>
+          </p:txBody>
+        </p:sp>
+      </p:grpSp>
+      <p:grpSp>
+        <p:nvGrpSpPr>
+          <p:cNvPr id="31" name="グループ化 30">
+            <a:extLst>
+              <a:ext uri="{FF2B5EF4-FFF2-40B4-BE49-F238E27FC236}">
+                <a16:creationId xmlns:a16="http://schemas.microsoft.com/office/drawing/2014/main" id="{8750C2E9-7974-0CB2-DAC5-7A116B096FE6}"/>
+              </a:ext>
+            </a:extLst>
+          </p:cNvPr>
+          <p:cNvGrpSpPr/>
+          <p:nvPr/>
+        </p:nvGrpSpPr>
+        <p:grpSpPr>
+          <a:xfrm>
+            <a:off x="3310128" y="3163824"/>
+            <a:ext cx="5276088" cy="1603248"/>
+            <a:chOff x="3145536" y="3959352"/>
+            <a:chExt cx="5276088" cy="1603248"/>
+          </a:xfrm>
+        </p:grpSpPr>
+        <p:sp>
+          <p:nvSpPr>
+            <p:cNvPr id="27" name="正方形/長方形 26">
+              <a:extLst>
+                <a:ext uri="{FF2B5EF4-FFF2-40B4-BE49-F238E27FC236}">
+                  <a16:creationId xmlns:a16="http://schemas.microsoft.com/office/drawing/2014/main" id="{1438F024-5C2B-09D0-B540-98944D6E6549}"/>
+                </a:ext>
+              </a:extLst>
+            </p:cNvPr>
+            <p:cNvSpPr/>
+            <p:nvPr/>
+          </p:nvSpPr>
+          <p:spPr>
+            <a:xfrm>
+              <a:off x="4901184" y="3959352"/>
+              <a:ext cx="3520440" cy="640080"/>
+            </a:xfrm>
+            <a:prstGeom prst="rect">
+              <a:avLst/>
+            </a:prstGeom>
+          </p:spPr>
+          <p:style>
+            <a:lnRef idx="2">
+              <a:schemeClr val="dk1"/>
+            </a:lnRef>
+            <a:fillRef idx="1">
+              <a:schemeClr val="lt1"/>
+            </a:fillRef>
+            <a:effectRef idx="0">
+              <a:schemeClr val="dk1"/>
+            </a:effectRef>
+            <a:fontRef idx="minor">
+              <a:schemeClr val="dk1"/>
+            </a:fontRef>
+          </p:style>
+          <p:txBody>
+            <a:bodyPr rtlCol="0" anchor="ctr"/>
+            <a:lstStyle/>
+            <a:p>
+              <a:pPr algn="ctr"/>
+              <a:endParaRPr kumimoji="1" lang="ja-JP" altLang="en-US"/>
+            </a:p>
+          </p:txBody>
+        </p:sp>
+        <p:sp>
+          <p:nvSpPr>
+            <p:cNvPr id="28" name="正方形/長方形 27">
+              <a:extLst>
+                <a:ext uri="{FF2B5EF4-FFF2-40B4-BE49-F238E27FC236}">
+                  <a16:creationId xmlns:a16="http://schemas.microsoft.com/office/drawing/2014/main" id="{E3FCB406-6E2F-45E9-4599-E73FA088C0A2}"/>
+                </a:ext>
+              </a:extLst>
+            </p:cNvPr>
+            <p:cNvSpPr/>
+            <p:nvPr/>
+          </p:nvSpPr>
+          <p:spPr>
+            <a:xfrm>
+              <a:off x="4892040" y="4922520"/>
+              <a:ext cx="3520440" cy="640080"/>
+            </a:xfrm>
+            <a:prstGeom prst="rect">
+              <a:avLst/>
+            </a:prstGeom>
+          </p:spPr>
+          <p:style>
+            <a:lnRef idx="2">
+              <a:schemeClr val="dk1"/>
+            </a:lnRef>
+            <a:fillRef idx="1">
+              <a:schemeClr val="lt1"/>
+            </a:fillRef>
+            <a:effectRef idx="0">
+              <a:schemeClr val="dk1"/>
+            </a:effectRef>
+            <a:fontRef idx="minor">
+              <a:schemeClr val="dk1"/>
+            </a:fontRef>
+          </p:style>
+          <p:txBody>
+            <a:bodyPr rtlCol="0" anchor="ctr"/>
+            <a:lstStyle/>
+            <a:p>
+              <a:pPr algn="ctr"/>
+              <a:endParaRPr kumimoji="1" lang="ja-JP" altLang="en-US"/>
+            </a:p>
+          </p:txBody>
+        </p:sp>
+        <p:sp>
+          <p:nvSpPr>
+            <p:cNvPr id="29" name="テキスト ボックス 28">
+              <a:extLst>
+                <a:ext uri="{FF2B5EF4-FFF2-40B4-BE49-F238E27FC236}">
+                  <a16:creationId xmlns:a16="http://schemas.microsoft.com/office/drawing/2014/main" id="{0C0E189B-0501-E0F0-7122-4D739A23FCDC}"/>
+                </a:ext>
+              </a:extLst>
+            </p:cNvPr>
+            <p:cNvSpPr txBox="1"/>
+            <p:nvPr/>
+          </p:nvSpPr>
+          <p:spPr>
+            <a:xfrm>
+              <a:off x="3145536" y="4151376"/>
+              <a:ext cx="1261872" cy="369332"/>
+            </a:xfrm>
+            <a:prstGeom prst="rect">
+              <a:avLst/>
+            </a:prstGeom>
+            <a:noFill/>
+          </p:spPr>
+          <p:txBody>
+            <a:bodyPr wrap="square" rtlCol="0">
+              <a:spAutoFit/>
+            </a:bodyPr>
+            <a:lstStyle/>
+            <a:p>
+              <a:r>
+                <a:rPr kumimoji="1" lang="en-US" altLang="ja-JP" dirty="0"/>
+                <a:t>Name:</a:t>
+              </a:r>
+              <a:endParaRPr kumimoji="1" lang="ja-JP" altLang="en-US" dirty="0"/>
+            </a:p>
+          </p:txBody>
+        </p:sp>
+        <p:sp>
+          <p:nvSpPr>
+            <p:cNvPr id="30" name="テキスト ボックス 29">
+              <a:extLst>
+                <a:ext uri="{FF2B5EF4-FFF2-40B4-BE49-F238E27FC236}">
+                  <a16:creationId xmlns:a16="http://schemas.microsoft.com/office/drawing/2014/main" id="{9D0DBBDD-0CB0-F789-0396-825C73D03D7D}"/>
+                </a:ext>
+              </a:extLst>
+            </p:cNvPr>
+            <p:cNvSpPr txBox="1"/>
+            <p:nvPr/>
+          </p:nvSpPr>
+          <p:spPr>
+            <a:xfrm>
+              <a:off x="3154680" y="5057894"/>
+              <a:ext cx="1453896" cy="369332"/>
+            </a:xfrm>
+            <a:prstGeom prst="rect">
+              <a:avLst/>
+            </a:prstGeom>
+            <a:noFill/>
+          </p:spPr>
+          <p:txBody>
+            <a:bodyPr wrap="square" rtlCol="0">
+              <a:spAutoFit/>
+            </a:bodyPr>
+            <a:lstStyle/>
+            <a:p>
+              <a:r>
+                <a:rPr lang="en-US" altLang="ja-JP" dirty="0"/>
+                <a:t>Password</a:t>
+              </a:r>
+              <a:r>
+                <a:rPr kumimoji="1" lang="en-US" altLang="ja-JP" dirty="0"/>
+                <a:t>:</a:t>
+              </a:r>
+              <a:endParaRPr kumimoji="1" lang="ja-JP" altLang="en-US" dirty="0"/>
+            </a:p>
+          </p:txBody>
+        </p:sp>
+      </p:grpSp>
+      <p:sp>
+        <p:nvSpPr>
+          <p:cNvPr id="33" name="正方形/長方形 32">
+            <a:extLst>
+              <a:ext uri="{FF2B5EF4-FFF2-40B4-BE49-F238E27FC236}">
+                <a16:creationId xmlns:a16="http://schemas.microsoft.com/office/drawing/2014/main" id="{629588B9-DF11-C816-758F-D789F4593780}"/>
+              </a:ext>
+            </a:extLst>
+          </p:cNvPr>
+          <p:cNvSpPr/>
+          <p:nvPr/>
+        </p:nvSpPr>
+        <p:spPr>
+          <a:xfrm>
+            <a:off x="4773168" y="5239512"/>
+            <a:ext cx="2450592" cy="786384"/>
+          </a:xfrm>
+          <a:prstGeom prst="rect">
+            <a:avLst/>
+          </a:prstGeom>
+        </p:spPr>
+        <p:style>
+          <a:lnRef idx="2">
+            <a:schemeClr val="dk1"/>
+          </a:lnRef>
+          <a:fillRef idx="1">
+            <a:schemeClr val="lt1"/>
+          </a:fillRef>
+          <a:effectRef idx="0">
+            <a:schemeClr val="dk1"/>
+          </a:effectRef>
+          <a:fontRef idx="minor">
+            <a:schemeClr val="dk1"/>
+          </a:fontRef>
+        </p:style>
+        <p:txBody>
+          <a:bodyPr rtlCol="0" anchor="ctr"/>
+          <a:lstStyle/>
+          <a:p>
+            <a:pPr algn="ctr"/>
+            <a:endParaRPr kumimoji="1" lang="ja-JP" altLang="en-US"/>
+          </a:p>
+        </p:txBody>
+      </p:sp>
+      <p:sp>
+        <p:nvSpPr>
+          <p:cNvPr id="32" name="テキスト ボックス 31">
+            <a:extLst>
+              <a:ext uri="{FF2B5EF4-FFF2-40B4-BE49-F238E27FC236}">
+                <a16:creationId xmlns:a16="http://schemas.microsoft.com/office/drawing/2014/main" id="{FBD7AB46-25FD-5E5E-CDEE-A957C25BA544}"/>
+              </a:ext>
+            </a:extLst>
+          </p:cNvPr>
+          <p:cNvSpPr txBox="1"/>
+          <p:nvPr/>
+        </p:nvSpPr>
+        <p:spPr>
+          <a:xfrm>
+            <a:off x="5111496" y="5458968"/>
+            <a:ext cx="1883664" cy="369332"/>
+          </a:xfrm>
+          <a:prstGeom prst="rect">
+            <a:avLst/>
+          </a:prstGeom>
+          <a:noFill/>
+        </p:spPr>
+        <p:txBody>
+          <a:bodyPr wrap="square" rtlCol="0">
+            <a:spAutoFit/>
+          </a:bodyPr>
+          <a:lstStyle/>
+          <a:p>
+            <a:r>
+              <a:rPr kumimoji="1" lang="ja-JP" altLang="en-US" dirty="0"/>
+              <a:t>ログインボタン</a:t>
+            </a:r>
+          </a:p>
+        </p:txBody>
+      </p:sp>
+    </p:spTree>
+    <p:extLst>
+      <p:ext uri="{BB962C8B-B14F-4D97-AF65-F5344CB8AC3E}">
+        <p14:creationId xmlns:p14="http://schemas.microsoft.com/office/powerpoint/2010/main" val="3044678577"/>
+      </p:ext>
+    </p:extLst>
+  </p:cSld>
+  <p:clrMapOvr>
+    <a:masterClrMapping/>
+  </p:clrMapOvr>
+</p:sld>
+</file>
+
+<file path=ppt/slides/slide10.xml><?xml version="1.0" encoding="utf-8"?>
+<p:sld xmlns:a="http://schemas.openxmlformats.org/drawingml/2006/main" xmlns:r="http://schemas.openxmlformats.org/officeDocument/2006/relationships" xmlns:p="http://schemas.openxmlformats.org/presentationml/2006/main">
+  <p:cSld>
+    <p:spTree>
+      <p:nvGrpSpPr>
+        <p:cNvPr id="1" name="">
+          <a:extLst>
+            <a:ext uri="{FF2B5EF4-FFF2-40B4-BE49-F238E27FC236}">
+              <a16:creationId xmlns:a16="http://schemas.microsoft.com/office/drawing/2014/main" id="{D8CBE962-AB0F-A9CC-0540-288403548C7C}"/>
+            </a:ext>
+          </a:extLst>
+        </p:cNvPr>
+        <p:cNvGrpSpPr/>
+        <p:nvPr/>
+      </p:nvGrpSpPr>
+      <p:grpSpPr>
+        <a:xfrm>
+          <a:off x="0" y="0"/>
+          <a:ext cx="0" cy="0"/>
+          <a:chOff x="0" y="0"/>
+          <a:chExt cx="0" cy="0"/>
+        </a:xfrm>
+      </p:grpSpPr>
+      <p:sp>
+        <p:nvSpPr>
+          <p:cNvPr id="2" name="正方形/長方形 1">
+            <a:extLst>
+              <a:ext uri="{FF2B5EF4-FFF2-40B4-BE49-F238E27FC236}">
+                <a16:creationId xmlns:a16="http://schemas.microsoft.com/office/drawing/2014/main" id="{F54B1125-67DE-78F8-3ABD-64C04A2B0459}"/>
+              </a:ext>
+            </a:extLst>
+          </p:cNvPr>
+          <p:cNvSpPr/>
+          <p:nvPr/>
+        </p:nvSpPr>
+        <p:spPr>
+          <a:xfrm>
+            <a:off x="1362456" y="283464"/>
+            <a:ext cx="9646920" cy="6089904"/>
+          </a:xfrm>
+          <a:prstGeom prst="rect">
+            <a:avLst/>
+          </a:prstGeom>
+        </p:spPr>
+        <p:style>
+          <a:lnRef idx="2">
+            <a:schemeClr val="dk1"/>
+          </a:lnRef>
+          <a:fillRef idx="1">
+            <a:schemeClr val="lt1"/>
+          </a:fillRef>
+          <a:effectRef idx="0">
+            <a:schemeClr val="dk1"/>
+          </a:effectRef>
+          <a:fontRef idx="minor">
+            <a:schemeClr val="dk1"/>
+          </a:fontRef>
+        </p:style>
+        <p:txBody>
+          <a:bodyPr rtlCol="0" anchor="ctr"/>
+          <a:lstStyle/>
+          <a:p>
+            <a:pPr algn="ctr"/>
             <a:endParaRPr kumimoji="1" lang="ja-JP" altLang="en-US"/>
           </a:p>
         </p:txBody>
@@ -4924,7 +5714,7 @@
           <p:cNvPr id="4" name="直線コネクタ 3">
             <a:extLst>
               <a:ext uri="{FF2B5EF4-FFF2-40B4-BE49-F238E27FC236}">
-                <a16:creationId xmlns:a16="http://schemas.microsoft.com/office/drawing/2014/main" id="{B77EB89D-7921-4958-6CEB-559292AAEB1F}"/>
+                <a16:creationId xmlns:a16="http://schemas.microsoft.com/office/drawing/2014/main" id="{837463C2-75C6-C0D0-E3C0-F7E19B3DA1B0}"/>
               </a:ext>
             </a:extLst>
           </p:cNvPr>
@@ -4960,7 +5750,7 @@
           <p:cNvPr id="6" name="正方形/長方形 5">
             <a:extLst>
               <a:ext uri="{FF2B5EF4-FFF2-40B4-BE49-F238E27FC236}">
-                <a16:creationId xmlns:a16="http://schemas.microsoft.com/office/drawing/2014/main" id="{44B8B3CD-670C-F01D-2E20-C42EBA8403FE}"/>
+                <a16:creationId xmlns:a16="http://schemas.microsoft.com/office/drawing/2014/main" id="{10EFF72A-B276-623D-B936-D5047E2795E6}"/>
               </a:ext>
             </a:extLst>
           </p:cNvPr>
@@ -5004,7 +5794,7 @@
           <p:cNvPr id="7" name="正方形/長方形 6">
             <a:extLst>
               <a:ext uri="{FF2B5EF4-FFF2-40B4-BE49-F238E27FC236}">
-                <a16:creationId xmlns:a16="http://schemas.microsoft.com/office/drawing/2014/main" id="{3AA75D06-621B-3CA0-6C0E-1F69BF48CB08}"/>
+                <a16:creationId xmlns:a16="http://schemas.microsoft.com/office/drawing/2014/main" id="{2A528630-3706-5488-3EAF-C002387CBF11}"/>
               </a:ext>
             </a:extLst>
           </p:cNvPr>
@@ -5048,7 +5838,7 @@
           <p:cNvPr id="8" name="正方形/長方形 7">
             <a:extLst>
               <a:ext uri="{FF2B5EF4-FFF2-40B4-BE49-F238E27FC236}">
-                <a16:creationId xmlns:a16="http://schemas.microsoft.com/office/drawing/2014/main" id="{F990D466-206D-246B-307D-AE269A1FF4CF}"/>
+                <a16:creationId xmlns:a16="http://schemas.microsoft.com/office/drawing/2014/main" id="{D5F1E020-0784-C032-2B97-ACFDEFA70CC5}"/>
               </a:ext>
             </a:extLst>
           </p:cNvPr>
@@ -5092,7 +5882,7 @@
           <p:cNvPr id="9" name="正方形/長方形 8">
             <a:extLst>
               <a:ext uri="{FF2B5EF4-FFF2-40B4-BE49-F238E27FC236}">
-                <a16:creationId xmlns:a16="http://schemas.microsoft.com/office/drawing/2014/main" id="{7B6070DB-2AD8-F3AA-6E8A-0EF8D28D655A}"/>
+                <a16:creationId xmlns:a16="http://schemas.microsoft.com/office/drawing/2014/main" id="{D196FFB4-DEA6-73FF-A63A-36B2887F8C74}"/>
               </a:ext>
             </a:extLst>
           </p:cNvPr>
@@ -5136,7 +5926,7 @@
           <p:cNvPr id="10" name="テキスト ボックス 9">
             <a:extLst>
               <a:ext uri="{FF2B5EF4-FFF2-40B4-BE49-F238E27FC236}">
-                <a16:creationId xmlns:a16="http://schemas.microsoft.com/office/drawing/2014/main" id="{3F800D8B-14F0-D571-A658-3D012BB9D2DC}"/>
+                <a16:creationId xmlns:a16="http://schemas.microsoft.com/office/drawing/2014/main" id="{B3B843F4-8BD0-8DB6-C9E4-04B0ABC1F382}"/>
               </a:ext>
             </a:extLst>
           </p:cNvPr>
@@ -5171,7 +5961,7 @@
           <p:cNvPr id="11" name="テキスト ボックス 10">
             <a:extLst>
               <a:ext uri="{FF2B5EF4-FFF2-40B4-BE49-F238E27FC236}">
-                <a16:creationId xmlns:a16="http://schemas.microsoft.com/office/drawing/2014/main" id="{FC02B8F7-8177-1668-3C14-0B26F2FBEC00}"/>
+                <a16:creationId xmlns:a16="http://schemas.microsoft.com/office/drawing/2014/main" id="{CEBB229B-5217-314C-0F2A-8157C708748D}"/>
               </a:ext>
             </a:extLst>
           </p:cNvPr>
@@ -5206,7 +5996,7 @@
           <p:cNvPr id="12" name="テキスト ボックス 11">
             <a:extLst>
               <a:ext uri="{FF2B5EF4-FFF2-40B4-BE49-F238E27FC236}">
-                <a16:creationId xmlns:a16="http://schemas.microsoft.com/office/drawing/2014/main" id="{276B4A78-BC11-CDF8-5150-8D93561CD2C5}"/>
+                <a16:creationId xmlns:a16="http://schemas.microsoft.com/office/drawing/2014/main" id="{0E294FF1-7879-E2AF-CAC8-5FA4B7D4FDB4}"/>
               </a:ext>
             </a:extLst>
           </p:cNvPr>
@@ -5242,7 +6032,7 @@
           <p:cNvPr id="13" name="テキスト ボックス 12">
             <a:extLst>
               <a:ext uri="{FF2B5EF4-FFF2-40B4-BE49-F238E27FC236}">
-                <a16:creationId xmlns:a16="http://schemas.microsoft.com/office/drawing/2014/main" id="{70C7FCFF-2092-B8E3-FE02-0F8E5E3790C9}"/>
+                <a16:creationId xmlns:a16="http://schemas.microsoft.com/office/drawing/2014/main" id="{A90825B5-D9EB-6E91-B770-F0C423C600E6}"/>
               </a:ext>
             </a:extLst>
           </p:cNvPr>
@@ -5273,10 +6063,111 @@
           </a:p>
         </p:txBody>
       </p:sp>
+      <p:grpSp>
+        <p:nvGrpSpPr>
+          <p:cNvPr id="14" name="グループ化 13">
+            <a:extLst>
+              <a:ext uri="{FF2B5EF4-FFF2-40B4-BE49-F238E27FC236}">
+                <a16:creationId xmlns:a16="http://schemas.microsoft.com/office/drawing/2014/main" id="{AD45B9C8-3E93-B7B3-3EA5-B8659564435C}"/>
+              </a:ext>
+            </a:extLst>
+          </p:cNvPr>
+          <p:cNvGrpSpPr/>
+          <p:nvPr/>
+        </p:nvGrpSpPr>
+        <p:grpSpPr>
+          <a:xfrm>
+            <a:off x="5553457" y="396987"/>
+            <a:ext cx="2583941" cy="246221"/>
+            <a:chOff x="5553457" y="396987"/>
+            <a:chExt cx="2583941" cy="246221"/>
+          </a:xfrm>
+        </p:grpSpPr>
+        <p:sp>
+          <p:nvSpPr>
+            <p:cNvPr id="15" name="正方形/長方形 14">
+              <a:extLst>
+                <a:ext uri="{FF2B5EF4-FFF2-40B4-BE49-F238E27FC236}">
+                  <a16:creationId xmlns:a16="http://schemas.microsoft.com/office/drawing/2014/main" id="{382A319A-FCD2-1375-5179-5B7482C15A5C}"/>
+                </a:ext>
+              </a:extLst>
+            </p:cNvPr>
+            <p:cNvSpPr/>
+            <p:nvPr/>
+          </p:nvSpPr>
+          <p:spPr>
+            <a:xfrm>
+              <a:off x="5553457" y="415745"/>
+              <a:ext cx="2583941" cy="188082"/>
+            </a:xfrm>
+            <a:prstGeom prst="rect">
+              <a:avLst/>
+            </a:prstGeom>
+          </p:spPr>
+          <p:style>
+            <a:lnRef idx="2">
+              <a:schemeClr val="dk1"/>
+            </a:lnRef>
+            <a:fillRef idx="1">
+              <a:schemeClr val="lt1"/>
+            </a:fillRef>
+            <a:effectRef idx="0">
+              <a:schemeClr val="dk1"/>
+            </a:effectRef>
+            <a:fontRef idx="minor">
+              <a:schemeClr val="dk1"/>
+            </a:fontRef>
+          </p:style>
+          <p:txBody>
+            <a:bodyPr rtlCol="0" anchor="ctr"/>
+            <a:lstStyle/>
+            <a:p>
+              <a:pPr algn="ctr"/>
+              <a:endParaRPr kumimoji="1" lang="ja-JP" altLang="en-US"/>
+            </a:p>
+          </p:txBody>
+        </p:sp>
+        <p:sp>
+          <p:nvSpPr>
+            <p:cNvPr id="16" name="テキスト ボックス 15">
+              <a:extLst>
+                <a:ext uri="{FF2B5EF4-FFF2-40B4-BE49-F238E27FC236}">
+                  <a16:creationId xmlns:a16="http://schemas.microsoft.com/office/drawing/2014/main" id="{E68DDF37-B717-47D7-286F-28A7C3B13977}"/>
+                </a:ext>
+              </a:extLst>
+            </p:cNvPr>
+            <p:cNvSpPr txBox="1"/>
+            <p:nvPr/>
+          </p:nvSpPr>
+          <p:spPr>
+            <a:xfrm>
+              <a:off x="5650230" y="396987"/>
+              <a:ext cx="1874520" cy="246221"/>
+            </a:xfrm>
+            <a:prstGeom prst="rect">
+              <a:avLst/>
+            </a:prstGeom>
+            <a:noFill/>
+          </p:spPr>
+          <p:txBody>
+            <a:bodyPr wrap="square" rtlCol="0">
+              <a:spAutoFit/>
+            </a:bodyPr>
+            <a:lstStyle/>
+            <a:p>
+              <a:r>
+                <a:rPr lang="ja-JP" altLang="en-US" sz="1000" dirty="0"/>
+                <a:t>ホーム画面に戻るボタン</a:t>
+              </a:r>
+              <a:endParaRPr kumimoji="1" lang="ja-JP" altLang="en-US" sz="1000" dirty="0"/>
+            </a:p>
+          </p:txBody>
+        </p:sp>
+      </p:grpSp>
     </p:spTree>
     <p:extLst>
       <p:ext uri="{BB962C8B-B14F-4D97-AF65-F5344CB8AC3E}">
-        <p14:creationId xmlns:p14="http://schemas.microsoft.com/office/powerpoint/2010/main" val="3044678577"/>
+        <p14:creationId xmlns:p14="http://schemas.microsoft.com/office/powerpoint/2010/main" val="892108531"/>
       </p:ext>
     </p:extLst>
   </p:cSld>
@@ -5286,12 +6177,18 @@
 </p:sld>
 </file>
 
-<file path=ppt/slides/slide2.xml><?xml version="1.0" encoding="utf-8"?>
+<file path=ppt/slides/slide11.xml><?xml version="1.0" encoding="utf-8"?>
 <p:sld xmlns:a="http://schemas.openxmlformats.org/drawingml/2006/main" xmlns:r="http://schemas.openxmlformats.org/officeDocument/2006/relationships" xmlns:p="http://schemas.openxmlformats.org/presentationml/2006/main">
   <p:cSld>
     <p:spTree>
       <p:nvGrpSpPr>
-        <p:cNvPr id="1" name=""/>
+        <p:cNvPr id="1" name="">
+          <a:extLst>
+            <a:ext uri="{FF2B5EF4-FFF2-40B4-BE49-F238E27FC236}">
+              <a16:creationId xmlns:a16="http://schemas.microsoft.com/office/drawing/2014/main" id="{DC487313-2453-9577-FC60-6583D010E92F}"/>
+            </a:ext>
+          </a:extLst>
+        </p:cNvPr>
         <p:cNvGrpSpPr/>
         <p:nvPr/>
       </p:nvGrpSpPr>
@@ -5308,7 +6205,7 @@
           <p:cNvPr id="2" name="正方形/長方形 1">
             <a:extLst>
               <a:ext uri="{FF2B5EF4-FFF2-40B4-BE49-F238E27FC236}">
-                <a16:creationId xmlns:a16="http://schemas.microsoft.com/office/drawing/2014/main" id="{CFAF57F0-744F-1510-7D42-E032840C8473}"/>
+                <a16:creationId xmlns:a16="http://schemas.microsoft.com/office/drawing/2014/main" id="{A5543FDD-FB23-3888-6776-03EA062DCF79}"/>
               </a:ext>
             </a:extLst>
           </p:cNvPr>
@@ -5352,7 +6249,7 @@
           <p:cNvPr id="4" name="直線コネクタ 3">
             <a:extLst>
               <a:ext uri="{FF2B5EF4-FFF2-40B4-BE49-F238E27FC236}">
-                <a16:creationId xmlns:a16="http://schemas.microsoft.com/office/drawing/2014/main" id="{D9D3F587-7A00-34BC-E961-B832216DD00D}"/>
+                <a16:creationId xmlns:a16="http://schemas.microsoft.com/office/drawing/2014/main" id="{D87DE9E2-784C-5B38-3FDA-BD99D2A51E57}"/>
               </a:ext>
             </a:extLst>
           </p:cNvPr>
@@ -5388,7 +6285,7 @@
           <p:cNvPr id="6" name="正方形/長方形 5">
             <a:extLst>
               <a:ext uri="{FF2B5EF4-FFF2-40B4-BE49-F238E27FC236}">
-                <a16:creationId xmlns:a16="http://schemas.microsoft.com/office/drawing/2014/main" id="{E5046038-0C81-3BF2-22E3-556894BBA75D}"/>
+                <a16:creationId xmlns:a16="http://schemas.microsoft.com/office/drawing/2014/main" id="{94152BFC-B00D-6CA0-DF7D-128B9105FB38}"/>
               </a:ext>
             </a:extLst>
           </p:cNvPr>
@@ -5432,7 +6329,7 @@
           <p:cNvPr id="7" name="正方形/長方形 6">
             <a:extLst>
               <a:ext uri="{FF2B5EF4-FFF2-40B4-BE49-F238E27FC236}">
-                <a16:creationId xmlns:a16="http://schemas.microsoft.com/office/drawing/2014/main" id="{FE29F0BA-BD92-9CDF-8F15-9F6DEA2D783D}"/>
+                <a16:creationId xmlns:a16="http://schemas.microsoft.com/office/drawing/2014/main" id="{30C59DDB-93F5-FF46-1ABE-2D4B6C674814}"/>
               </a:ext>
             </a:extLst>
           </p:cNvPr>
@@ -5476,7 +6373,7 @@
           <p:cNvPr id="8" name="正方形/長方形 7">
             <a:extLst>
               <a:ext uri="{FF2B5EF4-FFF2-40B4-BE49-F238E27FC236}">
-                <a16:creationId xmlns:a16="http://schemas.microsoft.com/office/drawing/2014/main" id="{52EF2D8B-A1A9-8453-38AC-7A067C9185C1}"/>
+                <a16:creationId xmlns:a16="http://schemas.microsoft.com/office/drawing/2014/main" id="{2E62F195-802E-1A97-6E65-B4232ACAA2A7}"/>
               </a:ext>
             </a:extLst>
           </p:cNvPr>
@@ -5520,7 +6417,7 @@
           <p:cNvPr id="9" name="正方形/長方形 8">
             <a:extLst>
               <a:ext uri="{FF2B5EF4-FFF2-40B4-BE49-F238E27FC236}">
-                <a16:creationId xmlns:a16="http://schemas.microsoft.com/office/drawing/2014/main" id="{46194650-3461-0BF7-A14D-74AC5142F3C1}"/>
+                <a16:creationId xmlns:a16="http://schemas.microsoft.com/office/drawing/2014/main" id="{519B7246-2F37-C00A-BBA6-A0F61B725769}"/>
               </a:ext>
             </a:extLst>
           </p:cNvPr>
@@ -5564,7 +6461,7 @@
           <p:cNvPr id="10" name="テキスト ボックス 9">
             <a:extLst>
               <a:ext uri="{FF2B5EF4-FFF2-40B4-BE49-F238E27FC236}">
-                <a16:creationId xmlns:a16="http://schemas.microsoft.com/office/drawing/2014/main" id="{A9045D37-5923-D843-A709-0187C4C44EE2}"/>
+                <a16:creationId xmlns:a16="http://schemas.microsoft.com/office/drawing/2014/main" id="{D7A8ABD4-C3FF-FD26-2108-B7DCA93651D1}"/>
               </a:ext>
             </a:extLst>
           </p:cNvPr>
@@ -5599,7 +6496,7 @@
           <p:cNvPr id="11" name="テキスト ボックス 10">
             <a:extLst>
               <a:ext uri="{FF2B5EF4-FFF2-40B4-BE49-F238E27FC236}">
-                <a16:creationId xmlns:a16="http://schemas.microsoft.com/office/drawing/2014/main" id="{2A2ABA0F-FBEF-40EB-170E-32DFC4904244}"/>
+                <a16:creationId xmlns:a16="http://schemas.microsoft.com/office/drawing/2014/main" id="{215C0BAC-46D5-786F-FDC9-25E0D2E1F683}"/>
               </a:ext>
             </a:extLst>
           </p:cNvPr>
@@ -5634,7 +6531,7 @@
           <p:cNvPr id="12" name="テキスト ボックス 11">
             <a:extLst>
               <a:ext uri="{FF2B5EF4-FFF2-40B4-BE49-F238E27FC236}">
-                <a16:creationId xmlns:a16="http://schemas.microsoft.com/office/drawing/2014/main" id="{3656F985-AB64-10D9-CD39-C8DCCAE78802}"/>
+                <a16:creationId xmlns:a16="http://schemas.microsoft.com/office/drawing/2014/main" id="{24217F78-8762-E448-77A9-FD21F8864D45}"/>
               </a:ext>
             </a:extLst>
           </p:cNvPr>
@@ -5670,7 +6567,7 @@
           <p:cNvPr id="13" name="テキスト ボックス 12">
             <a:extLst>
               <a:ext uri="{FF2B5EF4-FFF2-40B4-BE49-F238E27FC236}">
-                <a16:creationId xmlns:a16="http://schemas.microsoft.com/office/drawing/2014/main" id="{D88367DE-9583-133B-2365-54E2B0D2FDF1}"/>
+                <a16:creationId xmlns:a16="http://schemas.microsoft.com/office/drawing/2014/main" id="{D2DD27FC-F48E-CF77-32C8-811B48949926}"/>
               </a:ext>
             </a:extLst>
           </p:cNvPr>
@@ -5701,12 +6598,169 @@
           </a:p>
         </p:txBody>
       </p:sp>
+      <p:sp>
+        <p:nvSpPr>
+          <p:cNvPr id="3" name="正方形/長方形 2">
+            <a:extLst>
+              <a:ext uri="{FF2B5EF4-FFF2-40B4-BE49-F238E27FC236}">
+                <a16:creationId xmlns:a16="http://schemas.microsoft.com/office/drawing/2014/main" id="{223D012A-C55D-8047-05F6-5405C166E81D}"/>
+              </a:ext>
+            </a:extLst>
+          </p:cNvPr>
+          <p:cNvSpPr/>
+          <p:nvPr/>
+        </p:nvSpPr>
+        <p:spPr>
+          <a:xfrm>
+            <a:off x="1993392" y="1883664"/>
+            <a:ext cx="8522208" cy="3072377"/>
+          </a:xfrm>
+          <a:prstGeom prst="rect">
+            <a:avLst/>
+          </a:prstGeom>
+        </p:spPr>
+        <p:style>
+          <a:lnRef idx="2">
+            <a:schemeClr val="dk1"/>
+          </a:lnRef>
+          <a:fillRef idx="1">
+            <a:schemeClr val="lt1"/>
+          </a:fillRef>
+          <a:effectRef idx="0">
+            <a:schemeClr val="dk1"/>
+          </a:effectRef>
+          <a:fontRef idx="minor">
+            <a:schemeClr val="dk1"/>
+          </a:fontRef>
+        </p:style>
+        <p:txBody>
+          <a:bodyPr rtlCol="0" anchor="ctr"/>
+          <a:lstStyle/>
+          <a:p>
+            <a:pPr algn="ctr"/>
+            <a:endParaRPr kumimoji="1" lang="ja-JP" altLang="en-US"/>
+          </a:p>
+        </p:txBody>
+      </p:sp>
+      <p:sp>
+        <p:nvSpPr>
+          <p:cNvPr id="5" name="テキスト ボックス 4">
+            <a:extLst>
+              <a:ext uri="{FF2B5EF4-FFF2-40B4-BE49-F238E27FC236}">
+                <a16:creationId xmlns:a16="http://schemas.microsoft.com/office/drawing/2014/main" id="{724B36CE-9C9D-5B57-290E-073CE06B2481}"/>
+              </a:ext>
+            </a:extLst>
+          </p:cNvPr>
+          <p:cNvSpPr txBox="1"/>
+          <p:nvPr/>
+        </p:nvSpPr>
+        <p:spPr>
+          <a:xfrm>
+            <a:off x="2331720" y="2203704"/>
+            <a:ext cx="7866888" cy="2308324"/>
+          </a:xfrm>
+          <a:prstGeom prst="rect">
+            <a:avLst/>
+          </a:prstGeom>
+          <a:noFill/>
+        </p:spPr>
+        <p:txBody>
+          <a:bodyPr wrap="square" rtlCol="0">
+            <a:spAutoFit/>
+          </a:bodyPr>
+          <a:lstStyle/>
+          <a:p>
+            <a:r>
+              <a:rPr lang="ja-JP" altLang="en-US" dirty="0"/>
+              <a:t>個人の紹介画面</a:t>
+            </a:r>
+            <a:endParaRPr lang="en-US" altLang="ja-JP" dirty="0"/>
+          </a:p>
+          <a:p>
+            <a:pPr marL="285750" indent="-285750">
+              <a:buFont typeface="Arial" panose="020B0604020202020204" pitchFamily="34" charset="0"/>
+              <a:buChar char="•"/>
+            </a:pPr>
+            <a:r>
+              <a:rPr kumimoji="1" lang="ja-JP" altLang="en-US" dirty="0"/>
+              <a:t>名前</a:t>
+            </a:r>
+            <a:endParaRPr kumimoji="1" lang="en-US" altLang="ja-JP" dirty="0"/>
+          </a:p>
+          <a:p>
+            <a:pPr marL="285750" indent="-285750">
+              <a:buFont typeface="Arial" panose="020B0604020202020204" pitchFamily="34" charset="0"/>
+              <a:buChar char="•"/>
+            </a:pPr>
+            <a:r>
+              <a:rPr lang="ja-JP" altLang="en-US" dirty="0"/>
+              <a:t>連絡先（メール）</a:t>
+            </a:r>
+            <a:endParaRPr kumimoji="1" lang="en-US" altLang="ja-JP" dirty="0"/>
+          </a:p>
+          <a:p>
+            <a:pPr marL="285750" indent="-285750">
+              <a:buFont typeface="Arial" panose="020B0604020202020204" pitchFamily="34" charset="0"/>
+              <a:buChar char="•"/>
+            </a:pPr>
+            <a:r>
+              <a:rPr lang="ja-JP" altLang="en-US" dirty="0"/>
+              <a:t>所属</a:t>
+            </a:r>
+            <a:endParaRPr lang="en-US" altLang="ja-JP" dirty="0"/>
+          </a:p>
+          <a:p>
+            <a:pPr marL="285750" indent="-285750">
+              <a:buFont typeface="Arial" panose="020B0604020202020204" pitchFamily="34" charset="0"/>
+              <a:buChar char="•"/>
+            </a:pPr>
+            <a:r>
+              <a:rPr kumimoji="1" lang="ja-JP" altLang="en-US" dirty="0"/>
+              <a:t>（プロフィール写真）</a:t>
+            </a:r>
+            <a:endParaRPr kumimoji="1" lang="en-US" altLang="ja-JP" dirty="0"/>
+          </a:p>
+          <a:p>
+            <a:pPr marL="285750" indent="-285750">
+              <a:buFont typeface="Arial" panose="020B0604020202020204" pitchFamily="34" charset="0"/>
+              <a:buChar char="•"/>
+            </a:pPr>
+            <a:r>
+              <a:rPr lang="ja-JP" altLang="en-US" dirty="0"/>
+              <a:t>挨拶（コメント）</a:t>
+            </a:r>
+            <a:endParaRPr lang="en-US" altLang="ja-JP" dirty="0"/>
+          </a:p>
+          <a:p>
+            <a:pPr marL="285750" indent="-285750">
+              <a:buFont typeface="Arial" panose="020B0604020202020204" pitchFamily="34" charset="0"/>
+              <a:buChar char="•"/>
+            </a:pPr>
+            <a:r>
+              <a:rPr lang="ja-JP" altLang="en-US" dirty="0"/>
+              <a:t>編集ボタン</a:t>
+            </a:r>
+            <a:endParaRPr lang="en-US" altLang="ja-JP" dirty="0"/>
+          </a:p>
+          <a:p>
+            <a:pPr marL="285750" indent="-285750">
+              <a:buFont typeface="Arial" panose="020B0604020202020204" pitchFamily="34" charset="0"/>
+              <a:buChar char="•"/>
+            </a:pPr>
+            <a:r>
+              <a:rPr lang="ja-JP" altLang="en-US" dirty="0"/>
+              <a:t>削除ボタン</a:t>
+            </a:r>
+            <a:endParaRPr lang="en-US" altLang="ja-JP" dirty="0"/>
+          </a:p>
+        </p:txBody>
+      </p:sp>
       <p:grpSp>
         <p:nvGrpSpPr>
           <p:cNvPr id="14" name="グループ化 13">
             <a:extLst>
               <a:ext uri="{FF2B5EF4-FFF2-40B4-BE49-F238E27FC236}">
-                <a16:creationId xmlns:a16="http://schemas.microsoft.com/office/drawing/2014/main" id="{65B9D86B-EA85-101D-4812-7C3EFD7C30FB}"/>
+                <a16:creationId xmlns:a16="http://schemas.microsoft.com/office/drawing/2014/main" id="{4C21B962-B76C-8CBA-A69A-C8B46A3C2130}"/>
               </a:ext>
             </a:extLst>
           </p:cNvPr>
@@ -5715,18 +6769,18 @@
         </p:nvGrpSpPr>
         <p:grpSpPr>
           <a:xfrm>
-            <a:off x="1837944" y="1901952"/>
-            <a:ext cx="8567928" cy="618031"/>
-            <a:chOff x="1837944" y="1901952"/>
-            <a:chExt cx="8567928" cy="618031"/>
+            <a:off x="5553457" y="396987"/>
+            <a:ext cx="2583941" cy="246221"/>
+            <a:chOff x="5553457" y="396987"/>
+            <a:chExt cx="2583941" cy="246221"/>
           </a:xfrm>
         </p:grpSpPr>
         <p:sp>
           <p:nvSpPr>
-            <p:cNvPr id="3" name="正方形/長方形 2">
+            <p:cNvPr id="15" name="正方形/長方形 14">
               <a:extLst>
                 <a:ext uri="{FF2B5EF4-FFF2-40B4-BE49-F238E27FC236}">
-                  <a16:creationId xmlns:a16="http://schemas.microsoft.com/office/drawing/2014/main" id="{6F5D0973-E7EB-BBBD-C7C2-3D3CF66AC57B}"/>
+                  <a16:creationId xmlns:a16="http://schemas.microsoft.com/office/drawing/2014/main" id="{84FEC255-32E3-1B5B-277D-FBDF6CB7D185}"/>
                 </a:ext>
               </a:extLst>
             </p:cNvPr>
@@ -5735,8 +6789,543 @@
           </p:nvSpPr>
           <p:spPr>
             <a:xfrm>
-              <a:off x="1837944" y="1901952"/>
-              <a:ext cx="8567928" cy="618031"/>
+              <a:off x="5553457" y="415745"/>
+              <a:ext cx="2583941" cy="188082"/>
+            </a:xfrm>
+            <a:prstGeom prst="rect">
+              <a:avLst/>
+            </a:prstGeom>
+          </p:spPr>
+          <p:style>
+            <a:lnRef idx="2">
+              <a:schemeClr val="dk1"/>
+            </a:lnRef>
+            <a:fillRef idx="1">
+              <a:schemeClr val="lt1"/>
+            </a:fillRef>
+            <a:effectRef idx="0">
+              <a:schemeClr val="dk1"/>
+            </a:effectRef>
+            <a:fontRef idx="minor">
+              <a:schemeClr val="dk1"/>
+            </a:fontRef>
+          </p:style>
+          <p:txBody>
+            <a:bodyPr rtlCol="0" anchor="ctr"/>
+            <a:lstStyle/>
+            <a:p>
+              <a:pPr algn="ctr"/>
+              <a:endParaRPr kumimoji="1" lang="ja-JP" altLang="en-US"/>
+            </a:p>
+          </p:txBody>
+        </p:sp>
+        <p:sp>
+          <p:nvSpPr>
+            <p:cNvPr id="16" name="テキスト ボックス 15">
+              <a:extLst>
+                <a:ext uri="{FF2B5EF4-FFF2-40B4-BE49-F238E27FC236}">
+                  <a16:creationId xmlns:a16="http://schemas.microsoft.com/office/drawing/2014/main" id="{CA67FC1C-75DB-E8BB-DB08-C1E1499F234E}"/>
+                </a:ext>
+              </a:extLst>
+            </p:cNvPr>
+            <p:cNvSpPr txBox="1"/>
+            <p:nvPr/>
+          </p:nvSpPr>
+          <p:spPr>
+            <a:xfrm>
+              <a:off x="5650230" y="396987"/>
+              <a:ext cx="1874520" cy="246221"/>
+            </a:xfrm>
+            <a:prstGeom prst="rect">
+              <a:avLst/>
+            </a:prstGeom>
+            <a:noFill/>
+          </p:spPr>
+          <p:txBody>
+            <a:bodyPr wrap="square" rtlCol="0">
+              <a:spAutoFit/>
+            </a:bodyPr>
+            <a:lstStyle/>
+            <a:p>
+              <a:r>
+                <a:rPr lang="ja-JP" altLang="en-US" sz="1000" dirty="0"/>
+                <a:t>ホーム画面に戻るボタン</a:t>
+              </a:r>
+              <a:endParaRPr kumimoji="1" lang="ja-JP" altLang="en-US" sz="1000" dirty="0"/>
+            </a:p>
+          </p:txBody>
+        </p:sp>
+      </p:grpSp>
+    </p:spTree>
+    <p:extLst>
+      <p:ext uri="{BB962C8B-B14F-4D97-AF65-F5344CB8AC3E}">
+        <p14:creationId xmlns:p14="http://schemas.microsoft.com/office/powerpoint/2010/main" val="2996944598"/>
+      </p:ext>
+    </p:extLst>
+  </p:cSld>
+  <p:clrMapOvr>
+    <a:masterClrMapping/>
+  </p:clrMapOvr>
+</p:sld>
+</file>
+
+<file path=ppt/slides/slide2.xml><?xml version="1.0" encoding="utf-8"?>
+<p:sld xmlns:a="http://schemas.openxmlformats.org/drawingml/2006/main" xmlns:r="http://schemas.openxmlformats.org/officeDocument/2006/relationships" xmlns:p="http://schemas.openxmlformats.org/presentationml/2006/main">
+  <p:cSld>
+    <p:spTree>
+      <p:nvGrpSpPr>
+        <p:cNvPr id="1" name="">
+          <a:extLst>
+            <a:ext uri="{FF2B5EF4-FFF2-40B4-BE49-F238E27FC236}">
+              <a16:creationId xmlns:a16="http://schemas.microsoft.com/office/drawing/2014/main" id="{98E447E2-B4ED-3E54-83EB-2CEA2027C2F7}"/>
+            </a:ext>
+          </a:extLst>
+        </p:cNvPr>
+        <p:cNvGrpSpPr/>
+        <p:nvPr/>
+      </p:nvGrpSpPr>
+      <p:grpSpPr>
+        <a:xfrm>
+          <a:off x="0" y="0"/>
+          <a:ext cx="0" cy="0"/>
+          <a:chOff x="0" y="0"/>
+          <a:chExt cx="0" cy="0"/>
+        </a:xfrm>
+      </p:grpSpPr>
+      <p:sp>
+        <p:nvSpPr>
+          <p:cNvPr id="2" name="正方形/長方形 1">
+            <a:extLst>
+              <a:ext uri="{FF2B5EF4-FFF2-40B4-BE49-F238E27FC236}">
+                <a16:creationId xmlns:a16="http://schemas.microsoft.com/office/drawing/2014/main" id="{293ADB59-D5D8-0720-7C70-95F1C211C9AF}"/>
+              </a:ext>
+            </a:extLst>
+          </p:cNvPr>
+          <p:cNvSpPr/>
+          <p:nvPr/>
+        </p:nvSpPr>
+        <p:spPr>
+          <a:xfrm>
+            <a:off x="1362456" y="283464"/>
+            <a:ext cx="9646920" cy="6089904"/>
+          </a:xfrm>
+          <a:prstGeom prst="rect">
+            <a:avLst/>
+          </a:prstGeom>
+        </p:spPr>
+        <p:style>
+          <a:lnRef idx="2">
+            <a:schemeClr val="dk1"/>
+          </a:lnRef>
+          <a:fillRef idx="1">
+            <a:schemeClr val="lt1"/>
+          </a:fillRef>
+          <a:effectRef idx="0">
+            <a:schemeClr val="dk1"/>
+          </a:effectRef>
+          <a:fontRef idx="minor">
+            <a:schemeClr val="dk1"/>
+          </a:fontRef>
+        </p:style>
+        <p:txBody>
+          <a:bodyPr rtlCol="0" anchor="ctr"/>
+          <a:lstStyle/>
+          <a:p>
+            <a:pPr algn="ctr"/>
+            <a:endParaRPr kumimoji="1" lang="ja-JP" altLang="en-US" dirty="0"/>
+          </a:p>
+        </p:txBody>
+      </p:sp>
+      <p:cxnSp>
+        <p:nvCxnSpPr>
+          <p:cNvPr id="4" name="直線コネクタ 3">
+            <a:extLst>
+              <a:ext uri="{FF2B5EF4-FFF2-40B4-BE49-F238E27FC236}">
+                <a16:creationId xmlns:a16="http://schemas.microsoft.com/office/drawing/2014/main" id="{40584A01-A4B9-838C-2A0A-3A860AEE83DB}"/>
+              </a:ext>
+            </a:extLst>
+          </p:cNvPr>
+          <p:cNvCxnSpPr/>
+          <p:nvPr/>
+        </p:nvCxnSpPr>
+        <p:spPr>
+          <a:xfrm>
+            <a:off x="1362456" y="1545336"/>
+            <a:ext cx="9646920" cy="0"/>
+          </a:xfrm>
+          <a:prstGeom prst="line">
+            <a:avLst/>
+          </a:prstGeom>
+        </p:spPr>
+        <p:style>
+          <a:lnRef idx="2">
+            <a:schemeClr val="accent1"/>
+          </a:lnRef>
+          <a:fillRef idx="0">
+            <a:schemeClr val="accent1"/>
+          </a:fillRef>
+          <a:effectRef idx="1">
+            <a:schemeClr val="accent1"/>
+          </a:effectRef>
+          <a:fontRef idx="minor">
+            <a:schemeClr val="tx1"/>
+          </a:fontRef>
+        </p:style>
+      </p:cxnSp>
+      <p:sp>
+        <p:nvSpPr>
+          <p:cNvPr id="6" name="正方形/長方形 5">
+            <a:extLst>
+              <a:ext uri="{FF2B5EF4-FFF2-40B4-BE49-F238E27FC236}">
+                <a16:creationId xmlns:a16="http://schemas.microsoft.com/office/drawing/2014/main" id="{8F693E74-2DEC-78BB-E667-56CDA2E4A802}"/>
+              </a:ext>
+            </a:extLst>
+          </p:cNvPr>
+          <p:cNvSpPr/>
+          <p:nvPr/>
+        </p:nvSpPr>
+        <p:spPr>
+          <a:xfrm>
+            <a:off x="1600200" y="753411"/>
+            <a:ext cx="2852928" cy="640068"/>
+          </a:xfrm>
+          <a:prstGeom prst="rect">
+            <a:avLst/>
+          </a:prstGeom>
+        </p:spPr>
+        <p:style>
+          <a:lnRef idx="2">
+            <a:schemeClr val="dk1"/>
+          </a:lnRef>
+          <a:fillRef idx="1">
+            <a:schemeClr val="lt1"/>
+          </a:fillRef>
+          <a:effectRef idx="0">
+            <a:schemeClr val="dk1"/>
+          </a:effectRef>
+          <a:fontRef idx="minor">
+            <a:schemeClr val="dk1"/>
+          </a:fontRef>
+        </p:style>
+        <p:txBody>
+          <a:bodyPr rtlCol="0" anchor="ctr"/>
+          <a:lstStyle/>
+          <a:p>
+            <a:pPr algn="ctr"/>
+            <a:endParaRPr kumimoji="1" lang="ja-JP" altLang="en-US"/>
+          </a:p>
+        </p:txBody>
+      </p:sp>
+      <p:sp>
+        <p:nvSpPr>
+          <p:cNvPr id="7" name="正方形/長方形 6">
+            <a:extLst>
+              <a:ext uri="{FF2B5EF4-FFF2-40B4-BE49-F238E27FC236}">
+                <a16:creationId xmlns:a16="http://schemas.microsoft.com/office/drawing/2014/main" id="{8F484476-8AD5-1BF3-DA08-065061080E1D}"/>
+              </a:ext>
+            </a:extLst>
+          </p:cNvPr>
+          <p:cNvSpPr/>
+          <p:nvPr/>
+        </p:nvSpPr>
+        <p:spPr>
+          <a:xfrm>
+            <a:off x="4788408" y="704113"/>
+            <a:ext cx="2852928" cy="640068"/>
+          </a:xfrm>
+          <a:prstGeom prst="rect">
+            <a:avLst/>
+          </a:prstGeom>
+        </p:spPr>
+        <p:style>
+          <a:lnRef idx="2">
+            <a:schemeClr val="dk1"/>
+          </a:lnRef>
+          <a:fillRef idx="1">
+            <a:schemeClr val="lt1"/>
+          </a:fillRef>
+          <a:effectRef idx="0">
+            <a:schemeClr val="dk1"/>
+          </a:effectRef>
+          <a:fontRef idx="minor">
+            <a:schemeClr val="dk1"/>
+          </a:fontRef>
+        </p:style>
+        <p:txBody>
+          <a:bodyPr rtlCol="0" anchor="ctr"/>
+          <a:lstStyle/>
+          <a:p>
+            <a:pPr algn="ctr"/>
+            <a:endParaRPr kumimoji="1" lang="ja-JP" altLang="en-US"/>
+          </a:p>
+        </p:txBody>
+      </p:sp>
+      <p:sp>
+        <p:nvSpPr>
+          <p:cNvPr id="8" name="正方形/長方形 7">
+            <a:extLst>
+              <a:ext uri="{FF2B5EF4-FFF2-40B4-BE49-F238E27FC236}">
+                <a16:creationId xmlns:a16="http://schemas.microsoft.com/office/drawing/2014/main" id="{A290BB13-10B6-0FD5-DE9E-6FFE54B148C0}"/>
+              </a:ext>
+            </a:extLst>
+          </p:cNvPr>
+          <p:cNvSpPr/>
+          <p:nvPr/>
+        </p:nvSpPr>
+        <p:spPr>
+          <a:xfrm>
+            <a:off x="7976616" y="704113"/>
+            <a:ext cx="2852928" cy="640068"/>
+          </a:xfrm>
+          <a:prstGeom prst="rect">
+            <a:avLst/>
+          </a:prstGeom>
+        </p:spPr>
+        <p:style>
+          <a:lnRef idx="2">
+            <a:schemeClr val="dk1"/>
+          </a:lnRef>
+          <a:fillRef idx="1">
+            <a:schemeClr val="lt1"/>
+          </a:fillRef>
+          <a:effectRef idx="0">
+            <a:schemeClr val="dk1"/>
+          </a:effectRef>
+          <a:fontRef idx="minor">
+            <a:schemeClr val="dk1"/>
+          </a:fontRef>
+        </p:style>
+        <p:txBody>
+          <a:bodyPr rtlCol="0" anchor="ctr"/>
+          <a:lstStyle/>
+          <a:p>
+            <a:pPr algn="ctr"/>
+            <a:endParaRPr kumimoji="1" lang="ja-JP" altLang="en-US"/>
+          </a:p>
+        </p:txBody>
+      </p:sp>
+      <p:sp>
+        <p:nvSpPr>
+          <p:cNvPr id="9" name="正方形/長方形 8">
+            <a:extLst>
+              <a:ext uri="{FF2B5EF4-FFF2-40B4-BE49-F238E27FC236}">
+                <a16:creationId xmlns:a16="http://schemas.microsoft.com/office/drawing/2014/main" id="{C2793BB3-12CF-405D-A49A-730ABAE688C4}"/>
+              </a:ext>
+            </a:extLst>
+          </p:cNvPr>
+          <p:cNvSpPr/>
+          <p:nvPr/>
+        </p:nvSpPr>
+        <p:spPr>
+          <a:xfrm>
+            <a:off x="8339328" y="402336"/>
+            <a:ext cx="2395728" cy="219456"/>
+          </a:xfrm>
+          <a:prstGeom prst="rect">
+            <a:avLst/>
+          </a:prstGeom>
+        </p:spPr>
+        <p:style>
+          <a:lnRef idx="2">
+            <a:schemeClr val="dk1"/>
+          </a:lnRef>
+          <a:fillRef idx="1">
+            <a:schemeClr val="lt1"/>
+          </a:fillRef>
+          <a:effectRef idx="0">
+            <a:schemeClr val="dk1"/>
+          </a:effectRef>
+          <a:fontRef idx="minor">
+            <a:schemeClr val="dk1"/>
+          </a:fontRef>
+        </p:style>
+        <p:txBody>
+          <a:bodyPr rtlCol="0" anchor="ctr"/>
+          <a:lstStyle/>
+          <a:p>
+            <a:pPr algn="ctr"/>
+            <a:endParaRPr kumimoji="1" lang="ja-JP" altLang="en-US"/>
+          </a:p>
+        </p:txBody>
+      </p:sp>
+      <p:sp>
+        <p:nvSpPr>
+          <p:cNvPr id="10" name="テキスト ボックス 9">
+            <a:extLst>
+              <a:ext uri="{FF2B5EF4-FFF2-40B4-BE49-F238E27FC236}">
+                <a16:creationId xmlns:a16="http://schemas.microsoft.com/office/drawing/2014/main" id="{487CDAA4-709F-0BA7-C9ED-36DDFD55D08E}"/>
+              </a:ext>
+            </a:extLst>
+          </p:cNvPr>
+          <p:cNvSpPr txBox="1"/>
+          <p:nvPr/>
+        </p:nvSpPr>
+        <p:spPr>
+          <a:xfrm>
+            <a:off x="8531352" y="402336"/>
+            <a:ext cx="1874520" cy="246221"/>
+          </a:xfrm>
+          <a:prstGeom prst="rect">
+            <a:avLst/>
+          </a:prstGeom>
+          <a:noFill/>
+        </p:spPr>
+        <p:txBody>
+          <a:bodyPr wrap="square" rtlCol="0">
+            <a:spAutoFit/>
+          </a:bodyPr>
+          <a:lstStyle/>
+          <a:p>
+            <a:r>
+              <a:rPr kumimoji="1" lang="ja-JP" altLang="en-US" sz="1000" dirty="0"/>
+              <a:t>ログアウト</a:t>
+            </a:r>
+          </a:p>
+        </p:txBody>
+      </p:sp>
+      <p:sp>
+        <p:nvSpPr>
+          <p:cNvPr id="11" name="テキスト ボックス 10">
+            <a:extLst>
+              <a:ext uri="{FF2B5EF4-FFF2-40B4-BE49-F238E27FC236}">
+                <a16:creationId xmlns:a16="http://schemas.microsoft.com/office/drawing/2014/main" id="{BD96601C-C26E-1BE7-C08E-6D6DAE917600}"/>
+              </a:ext>
+            </a:extLst>
+          </p:cNvPr>
+          <p:cNvSpPr txBox="1"/>
+          <p:nvPr/>
+        </p:nvSpPr>
+        <p:spPr>
+          <a:xfrm>
+            <a:off x="2157984" y="888779"/>
+            <a:ext cx="2295144" cy="369332"/>
+          </a:xfrm>
+          <a:prstGeom prst="rect">
+            <a:avLst/>
+          </a:prstGeom>
+          <a:noFill/>
+        </p:spPr>
+        <p:txBody>
+          <a:bodyPr wrap="square" rtlCol="0">
+            <a:spAutoFit/>
+          </a:bodyPr>
+          <a:lstStyle/>
+          <a:p>
+            <a:r>
+              <a:rPr kumimoji="1" lang="ja-JP" altLang="en-US" dirty="0"/>
+              <a:t>スケジュール</a:t>
+            </a:r>
+          </a:p>
+        </p:txBody>
+      </p:sp>
+      <p:sp>
+        <p:nvSpPr>
+          <p:cNvPr id="12" name="テキスト ボックス 11">
+            <a:extLst>
+              <a:ext uri="{FF2B5EF4-FFF2-40B4-BE49-F238E27FC236}">
+                <a16:creationId xmlns:a16="http://schemas.microsoft.com/office/drawing/2014/main" id="{FC4B815E-8C7B-A293-85EF-5324ADD493E9}"/>
+              </a:ext>
+            </a:extLst>
+          </p:cNvPr>
+          <p:cNvSpPr txBox="1"/>
+          <p:nvPr/>
+        </p:nvSpPr>
+        <p:spPr>
+          <a:xfrm>
+            <a:off x="5346192" y="839481"/>
+            <a:ext cx="2295144" cy="369332"/>
+          </a:xfrm>
+          <a:prstGeom prst="rect">
+            <a:avLst/>
+          </a:prstGeom>
+          <a:noFill/>
+        </p:spPr>
+        <p:txBody>
+          <a:bodyPr wrap="square" rtlCol="0">
+            <a:spAutoFit/>
+          </a:bodyPr>
+          <a:lstStyle/>
+          <a:p>
+            <a:r>
+              <a:rPr lang="ja-JP" altLang="en-US" dirty="0"/>
+              <a:t>お知らせ</a:t>
+            </a:r>
+            <a:endParaRPr kumimoji="1" lang="ja-JP" altLang="en-US" dirty="0"/>
+          </a:p>
+        </p:txBody>
+      </p:sp>
+      <p:sp>
+        <p:nvSpPr>
+          <p:cNvPr id="13" name="テキスト ボックス 12">
+            <a:extLst>
+              <a:ext uri="{FF2B5EF4-FFF2-40B4-BE49-F238E27FC236}">
+                <a16:creationId xmlns:a16="http://schemas.microsoft.com/office/drawing/2014/main" id="{6E8C9BE1-E54F-EAF9-E37E-8EFD3EFA2F30}"/>
+              </a:ext>
+            </a:extLst>
+          </p:cNvPr>
+          <p:cNvSpPr txBox="1"/>
+          <p:nvPr/>
+        </p:nvSpPr>
+        <p:spPr>
+          <a:xfrm>
+            <a:off x="8439912" y="856513"/>
+            <a:ext cx="2295144" cy="369332"/>
+          </a:xfrm>
+          <a:prstGeom prst="rect">
+            <a:avLst/>
+          </a:prstGeom>
+          <a:noFill/>
+        </p:spPr>
+        <p:txBody>
+          <a:bodyPr wrap="square" rtlCol="0">
+            <a:spAutoFit/>
+          </a:bodyPr>
+          <a:lstStyle/>
+          <a:p>
+            <a:r>
+              <a:rPr lang="ja-JP" altLang="en-US" dirty="0"/>
+              <a:t>社員紹介</a:t>
+            </a:r>
+            <a:endParaRPr kumimoji="1" lang="ja-JP" altLang="en-US" dirty="0"/>
+          </a:p>
+        </p:txBody>
+      </p:sp>
+      <p:grpSp>
+        <p:nvGrpSpPr>
+          <p:cNvPr id="16" name="グループ化 15">
+            <a:extLst>
+              <a:ext uri="{FF2B5EF4-FFF2-40B4-BE49-F238E27FC236}">
+                <a16:creationId xmlns:a16="http://schemas.microsoft.com/office/drawing/2014/main" id="{BB154FF8-88BF-39EE-7163-00F86247C108}"/>
+              </a:ext>
+            </a:extLst>
+          </p:cNvPr>
+          <p:cNvGrpSpPr/>
+          <p:nvPr/>
+        </p:nvGrpSpPr>
+        <p:grpSpPr>
+          <a:xfrm>
+            <a:off x="2351532" y="2587752"/>
+            <a:ext cx="7123176" cy="896111"/>
+            <a:chOff x="2653284" y="1910429"/>
+            <a:chExt cx="7123176" cy="896111"/>
+          </a:xfrm>
+        </p:grpSpPr>
+        <p:sp>
+          <p:nvSpPr>
+            <p:cNvPr id="3" name="正方形/長方形 2">
+              <a:extLst>
+                <a:ext uri="{FF2B5EF4-FFF2-40B4-BE49-F238E27FC236}">
+                  <a16:creationId xmlns:a16="http://schemas.microsoft.com/office/drawing/2014/main" id="{3FF8B913-C176-ED1D-CEC2-88513047D883}"/>
+                </a:ext>
+              </a:extLst>
+            </p:cNvPr>
+            <p:cNvSpPr/>
+            <p:nvPr/>
+          </p:nvSpPr>
+          <p:spPr>
+            <a:xfrm>
+              <a:off x="2653284" y="1910429"/>
+              <a:ext cx="7123176" cy="896111"/>
             </a:xfrm>
             <a:prstGeom prst="rect">
               <a:avLst/>
@@ -5770,7 +7359,7 @@
             <p:cNvPr id="5" name="テキスト ボックス 4">
               <a:extLst>
                 <a:ext uri="{FF2B5EF4-FFF2-40B4-BE49-F238E27FC236}">
-                  <a16:creationId xmlns:a16="http://schemas.microsoft.com/office/drawing/2014/main" id="{DD64BF39-691E-08B1-F02B-F9CCF0A2E8A4}"/>
+                  <a16:creationId xmlns:a16="http://schemas.microsoft.com/office/drawing/2014/main" id="{63763F6C-3BA5-5574-A682-315FDC44FDE0}"/>
                 </a:ext>
               </a:extLst>
             </p:cNvPr>
@@ -5779,8 +7368,8 @@
           </p:nvSpPr>
           <p:spPr>
             <a:xfrm>
-              <a:off x="1993392" y="2026301"/>
-              <a:ext cx="8165592" cy="369332"/>
+              <a:off x="2871216" y="2148840"/>
+              <a:ext cx="6446520" cy="369332"/>
             </a:xfrm>
             <a:prstGeom prst="rect">
               <a:avLst/>
@@ -5795,7 +7384,15 @@
             <a:p>
               <a:r>
                 <a:rPr kumimoji="1" lang="ja-JP" altLang="en-US" dirty="0"/>
-                <a:t>自分の週スケジュール（名前をクリックで月スケ、タイトルで詳細に遷移）</a:t>
+                <a:t>最新のお知らせ（一番最近の１つ、または</a:t>
+              </a:r>
+              <a:r>
+                <a:rPr kumimoji="1" lang="en-US" altLang="ja-JP" dirty="0"/>
+                <a:t>3</a:t>
+              </a:r>
+              <a:r>
+                <a:rPr kumimoji="1" lang="ja-JP" altLang="en-US" dirty="0"/>
+                <a:t>つくらいまで）</a:t>
               </a:r>
             </a:p>
           </p:txBody>
@@ -5803,10 +7400,10 @@
       </p:grpSp>
       <p:grpSp>
         <p:nvGrpSpPr>
-          <p:cNvPr id="21" name="グループ化 20">
-            <a:extLst>
-              <a:ext uri="{FF2B5EF4-FFF2-40B4-BE49-F238E27FC236}">
-                <a16:creationId xmlns:a16="http://schemas.microsoft.com/office/drawing/2014/main" id="{CBFAFACC-48DA-A76A-36D9-E07B541A4519}"/>
+          <p:cNvPr id="17" name="グループ化 16">
+            <a:extLst>
+              <a:ext uri="{FF2B5EF4-FFF2-40B4-BE49-F238E27FC236}">
+                <a16:creationId xmlns:a16="http://schemas.microsoft.com/office/drawing/2014/main" id="{F261E656-618A-51F9-1A15-35D9887B5703}"/>
               </a:ext>
             </a:extLst>
           </p:cNvPr>
@@ -5815,18 +7412,18 @@
         </p:nvGrpSpPr>
         <p:grpSpPr>
           <a:xfrm>
-            <a:off x="1837944" y="3341321"/>
-            <a:ext cx="8567928" cy="618031"/>
-            <a:chOff x="1837944" y="1901952"/>
-            <a:chExt cx="8567928" cy="618031"/>
+            <a:off x="2458974" y="4425363"/>
+            <a:ext cx="7271004" cy="1307592"/>
+            <a:chOff x="2505456" y="4078224"/>
+            <a:chExt cx="7271004" cy="1307592"/>
           </a:xfrm>
         </p:grpSpPr>
         <p:sp>
           <p:nvSpPr>
-            <p:cNvPr id="22" name="正方形/長方形 21">
+            <p:cNvPr id="14" name="正方形/長方形 13">
               <a:extLst>
                 <a:ext uri="{FF2B5EF4-FFF2-40B4-BE49-F238E27FC236}">
-                  <a16:creationId xmlns:a16="http://schemas.microsoft.com/office/drawing/2014/main" id="{71E967EA-E2F6-CA96-BBBF-111940616E55}"/>
+                  <a16:creationId xmlns:a16="http://schemas.microsoft.com/office/drawing/2014/main" id="{5111B62B-2FDB-D6A2-5FBE-7DEC05AB7DB7}"/>
                 </a:ext>
               </a:extLst>
             </p:cNvPr>
@@ -5835,8 +7432,8 @@
           </p:nvSpPr>
           <p:spPr>
             <a:xfrm>
-              <a:off x="1837944" y="1901952"/>
-              <a:ext cx="8567928" cy="618031"/>
+              <a:off x="2505456" y="4078224"/>
+              <a:ext cx="7271004" cy="1307592"/>
             </a:xfrm>
             <a:prstGeom prst="rect">
               <a:avLst/>
@@ -5867,10 +7464,10 @@
         </p:sp>
         <p:sp>
           <p:nvSpPr>
-            <p:cNvPr id="23" name="テキスト ボックス 22">
+            <p:cNvPr id="15" name="テキスト ボックス 14">
               <a:extLst>
                 <a:ext uri="{FF2B5EF4-FFF2-40B4-BE49-F238E27FC236}">
-                  <a16:creationId xmlns:a16="http://schemas.microsoft.com/office/drawing/2014/main" id="{561A5511-A755-0CEF-9264-79D726A2F07C}"/>
+                  <a16:creationId xmlns:a16="http://schemas.microsoft.com/office/drawing/2014/main" id="{170A933F-316B-DA9D-86E7-63473E81E8CC}"/>
                 </a:ext>
               </a:extLst>
             </p:cNvPr>
@@ -5879,8 +7476,8 @@
           </p:nvSpPr>
           <p:spPr>
             <a:xfrm>
-              <a:off x="1993392" y="2026301"/>
-              <a:ext cx="8165592" cy="369332"/>
+              <a:off x="3209544" y="4407408"/>
+              <a:ext cx="4974336" cy="923330"/>
             </a:xfrm>
             <a:prstGeom prst="rect">
               <a:avLst/>
@@ -5895,34 +7492,41 @@
             <a:p>
               <a:r>
                 <a:rPr lang="ja-JP" altLang="en-US" dirty="0"/>
-                <a:t>社員</a:t>
+                <a:t>今日のスケジュール</a:t>
               </a:r>
-              <a:r>
-                <a:rPr lang="en-US" altLang="ja-JP" dirty="0"/>
-                <a:t>A</a:t>
-              </a:r>
+              <a:endParaRPr lang="en-US" altLang="ja-JP" dirty="0"/>
+            </a:p>
+            <a:p>
+              <a:pPr marL="285750" indent="-285750">
+                <a:buFont typeface="Arial" panose="020B0604020202020204" pitchFamily="34" charset="0"/>
+                <a:buChar char="•"/>
+              </a:pPr>
               <a:r>
                 <a:rPr kumimoji="1" lang="ja-JP" altLang="en-US" dirty="0"/>
-                <a:t>の週スケジュール（名前をクリックで月スケ</a:t>
+                <a:t>タイトル</a:t>
               </a:r>
+              <a:endParaRPr kumimoji="1" lang="en-US" altLang="ja-JP" dirty="0"/>
+            </a:p>
+            <a:p>
+              <a:pPr marL="285750" indent="-285750">
+                <a:buFont typeface="Arial" panose="020B0604020202020204" pitchFamily="34" charset="0"/>
+                <a:buChar char="•"/>
+              </a:pPr>
               <a:r>
                 <a:rPr lang="ja-JP" altLang="en-US" dirty="0"/>
-                <a:t>、タイトルで詳細に遷移</a:t>
+                <a:t>時間</a:t>
               </a:r>
-              <a:r>
-                <a:rPr kumimoji="1" lang="ja-JP" altLang="en-US" dirty="0"/>
-                <a:t>）</a:t>
-              </a:r>
+              <a:endParaRPr kumimoji="1" lang="ja-JP" altLang="en-US" dirty="0"/>
             </a:p>
           </p:txBody>
         </p:sp>
       </p:grpSp>
       <p:grpSp>
         <p:nvGrpSpPr>
-          <p:cNvPr id="24" name="グループ化 23">
-            <a:extLst>
-              <a:ext uri="{FF2B5EF4-FFF2-40B4-BE49-F238E27FC236}">
-                <a16:creationId xmlns:a16="http://schemas.microsoft.com/office/drawing/2014/main" id="{225493D9-1C80-4BAA-12CB-7D94E4878A1A}"/>
+          <p:cNvPr id="23" name="グループ化 22">
+            <a:extLst>
+              <a:ext uri="{FF2B5EF4-FFF2-40B4-BE49-F238E27FC236}">
+                <a16:creationId xmlns:a16="http://schemas.microsoft.com/office/drawing/2014/main" id="{E1BF6C46-69A7-3860-F030-72A906144066}"/>
               </a:ext>
             </a:extLst>
           </p:cNvPr>
@@ -5931,18 +7535,18 @@
         </p:nvGrpSpPr>
         <p:grpSpPr>
           <a:xfrm>
-            <a:off x="1837944" y="5003648"/>
-            <a:ext cx="8567928" cy="618031"/>
-            <a:chOff x="1837944" y="1901952"/>
-            <a:chExt cx="8567928" cy="618031"/>
+            <a:off x="5553457" y="396987"/>
+            <a:ext cx="2583941" cy="246221"/>
+            <a:chOff x="5553457" y="396987"/>
+            <a:chExt cx="2583941" cy="246221"/>
           </a:xfrm>
         </p:grpSpPr>
         <p:sp>
           <p:nvSpPr>
-            <p:cNvPr id="25" name="正方形/長方形 24">
+            <p:cNvPr id="18" name="正方形/長方形 17">
               <a:extLst>
                 <a:ext uri="{FF2B5EF4-FFF2-40B4-BE49-F238E27FC236}">
-                  <a16:creationId xmlns:a16="http://schemas.microsoft.com/office/drawing/2014/main" id="{51CD0FE1-FA05-C1A4-744F-706912462E1B}"/>
+                  <a16:creationId xmlns:a16="http://schemas.microsoft.com/office/drawing/2014/main" id="{8D411BAA-CB5B-1D5B-FEDA-179736A4141A}"/>
                 </a:ext>
               </a:extLst>
             </p:cNvPr>
@@ -5951,8 +7555,8 @@
           </p:nvSpPr>
           <p:spPr>
             <a:xfrm>
-              <a:off x="1837944" y="1901952"/>
-              <a:ext cx="8567928" cy="618031"/>
+              <a:off x="5553457" y="415745"/>
+              <a:ext cx="2583941" cy="188082"/>
             </a:xfrm>
             <a:prstGeom prst="rect">
               <a:avLst/>
@@ -5983,10 +7587,10 @@
         </p:sp>
         <p:sp>
           <p:nvSpPr>
-            <p:cNvPr id="26" name="テキスト ボックス 25">
+            <p:cNvPr id="22" name="テキスト ボックス 21">
               <a:extLst>
                 <a:ext uri="{FF2B5EF4-FFF2-40B4-BE49-F238E27FC236}">
-                  <a16:creationId xmlns:a16="http://schemas.microsoft.com/office/drawing/2014/main" id="{7ECE1599-0992-1F66-E63B-4FEBBBC653F4}"/>
+                  <a16:creationId xmlns:a16="http://schemas.microsoft.com/office/drawing/2014/main" id="{5FBD1ECD-D92B-A9E8-FEF5-3D37B1EC42FF}"/>
                 </a:ext>
               </a:extLst>
             </p:cNvPr>
@@ -5995,8 +7599,8 @@
           </p:nvSpPr>
           <p:spPr>
             <a:xfrm>
-              <a:off x="1993392" y="2026301"/>
-              <a:ext cx="8165592" cy="369332"/>
+              <a:off x="5650230" y="396987"/>
+              <a:ext cx="1874520" cy="246221"/>
             </a:xfrm>
             <a:prstGeom prst="rect">
               <a:avLst/>
@@ -6010,25 +7614,1050 @@
             <a:lstStyle/>
             <a:p>
               <a:r>
-                <a:rPr lang="ja-JP" altLang="en-US" dirty="0"/>
-                <a:t>社員</a:t>
+                <a:rPr lang="ja-JP" altLang="en-US" sz="1000" dirty="0"/>
+                <a:t>ホーム画面に戻るボタン</a:t>
               </a:r>
-              <a:r>
-                <a:rPr lang="en-US" altLang="ja-JP" dirty="0"/>
-                <a:t>B</a:t>
-              </a:r>
+              <a:endParaRPr kumimoji="1" lang="ja-JP" altLang="en-US" sz="1000" dirty="0"/>
+            </a:p>
+          </p:txBody>
+        </p:sp>
+      </p:grpSp>
+    </p:spTree>
+    <p:extLst>
+      <p:ext uri="{BB962C8B-B14F-4D97-AF65-F5344CB8AC3E}">
+        <p14:creationId xmlns:p14="http://schemas.microsoft.com/office/powerpoint/2010/main" val="1960209872"/>
+      </p:ext>
+    </p:extLst>
+  </p:cSld>
+  <p:clrMapOvr>
+    <a:masterClrMapping/>
+  </p:clrMapOvr>
+</p:sld>
+</file>
+
+<file path=ppt/slides/slide3.xml><?xml version="1.0" encoding="utf-8"?>
+<p:sld xmlns:a="http://schemas.openxmlformats.org/drawingml/2006/main" xmlns:r="http://schemas.openxmlformats.org/officeDocument/2006/relationships" xmlns:p="http://schemas.openxmlformats.org/presentationml/2006/main">
+  <p:cSld>
+    <p:spTree>
+      <p:nvGrpSpPr>
+        <p:cNvPr id="1" name=""/>
+        <p:cNvGrpSpPr/>
+        <p:nvPr/>
+      </p:nvGrpSpPr>
+      <p:grpSpPr>
+        <a:xfrm>
+          <a:off x="0" y="0"/>
+          <a:ext cx="0" cy="0"/>
+          <a:chOff x="0" y="0"/>
+          <a:chExt cx="0" cy="0"/>
+        </a:xfrm>
+      </p:grpSpPr>
+      <p:sp>
+        <p:nvSpPr>
+          <p:cNvPr id="2" name="正方形/長方形 1">
+            <a:extLst>
+              <a:ext uri="{FF2B5EF4-FFF2-40B4-BE49-F238E27FC236}">
+                <a16:creationId xmlns:a16="http://schemas.microsoft.com/office/drawing/2014/main" id="{CFAF57F0-744F-1510-7D42-E032840C8473}"/>
+              </a:ext>
+            </a:extLst>
+          </p:cNvPr>
+          <p:cNvSpPr/>
+          <p:nvPr/>
+        </p:nvSpPr>
+        <p:spPr>
+          <a:xfrm>
+            <a:off x="1362456" y="283464"/>
+            <a:ext cx="9646920" cy="6089904"/>
+          </a:xfrm>
+          <a:prstGeom prst="rect">
+            <a:avLst/>
+          </a:prstGeom>
+        </p:spPr>
+        <p:style>
+          <a:lnRef idx="2">
+            <a:schemeClr val="dk1"/>
+          </a:lnRef>
+          <a:fillRef idx="1">
+            <a:schemeClr val="lt1"/>
+          </a:fillRef>
+          <a:effectRef idx="0">
+            <a:schemeClr val="dk1"/>
+          </a:effectRef>
+          <a:fontRef idx="minor">
+            <a:schemeClr val="dk1"/>
+          </a:fontRef>
+        </p:style>
+        <p:txBody>
+          <a:bodyPr rtlCol="0" anchor="ctr"/>
+          <a:lstStyle/>
+          <a:p>
+            <a:pPr algn="ctr"/>
+            <a:endParaRPr kumimoji="1" lang="ja-JP" altLang="en-US"/>
+          </a:p>
+        </p:txBody>
+      </p:sp>
+      <p:cxnSp>
+        <p:nvCxnSpPr>
+          <p:cNvPr id="4" name="直線コネクタ 3">
+            <a:extLst>
+              <a:ext uri="{FF2B5EF4-FFF2-40B4-BE49-F238E27FC236}">
+                <a16:creationId xmlns:a16="http://schemas.microsoft.com/office/drawing/2014/main" id="{D9D3F587-7A00-34BC-E961-B832216DD00D}"/>
+              </a:ext>
+            </a:extLst>
+          </p:cNvPr>
+          <p:cNvCxnSpPr/>
+          <p:nvPr/>
+        </p:nvCxnSpPr>
+        <p:spPr>
+          <a:xfrm>
+            <a:off x="1362456" y="1545336"/>
+            <a:ext cx="9646920" cy="0"/>
+          </a:xfrm>
+          <a:prstGeom prst="line">
+            <a:avLst/>
+          </a:prstGeom>
+        </p:spPr>
+        <p:style>
+          <a:lnRef idx="2">
+            <a:schemeClr val="accent1"/>
+          </a:lnRef>
+          <a:fillRef idx="0">
+            <a:schemeClr val="accent1"/>
+          </a:fillRef>
+          <a:effectRef idx="1">
+            <a:schemeClr val="accent1"/>
+          </a:effectRef>
+          <a:fontRef idx="minor">
+            <a:schemeClr val="tx1"/>
+          </a:fontRef>
+        </p:style>
+      </p:cxnSp>
+      <p:sp>
+        <p:nvSpPr>
+          <p:cNvPr id="6" name="正方形/長方形 5">
+            <a:extLst>
+              <a:ext uri="{FF2B5EF4-FFF2-40B4-BE49-F238E27FC236}">
+                <a16:creationId xmlns:a16="http://schemas.microsoft.com/office/drawing/2014/main" id="{E5046038-0C81-3BF2-22E3-556894BBA75D}"/>
+              </a:ext>
+            </a:extLst>
+          </p:cNvPr>
+          <p:cNvSpPr/>
+          <p:nvPr/>
+        </p:nvSpPr>
+        <p:spPr>
+          <a:xfrm>
+            <a:off x="1600200" y="753411"/>
+            <a:ext cx="2852928" cy="640068"/>
+          </a:xfrm>
+          <a:prstGeom prst="rect">
+            <a:avLst/>
+          </a:prstGeom>
+        </p:spPr>
+        <p:style>
+          <a:lnRef idx="2">
+            <a:schemeClr val="dk1"/>
+          </a:lnRef>
+          <a:fillRef idx="1">
+            <a:schemeClr val="lt1"/>
+          </a:fillRef>
+          <a:effectRef idx="0">
+            <a:schemeClr val="dk1"/>
+          </a:effectRef>
+          <a:fontRef idx="minor">
+            <a:schemeClr val="dk1"/>
+          </a:fontRef>
+        </p:style>
+        <p:txBody>
+          <a:bodyPr rtlCol="0" anchor="ctr"/>
+          <a:lstStyle/>
+          <a:p>
+            <a:pPr algn="ctr"/>
+            <a:endParaRPr kumimoji="1" lang="ja-JP" altLang="en-US"/>
+          </a:p>
+        </p:txBody>
+      </p:sp>
+      <p:sp>
+        <p:nvSpPr>
+          <p:cNvPr id="7" name="正方形/長方形 6">
+            <a:extLst>
+              <a:ext uri="{FF2B5EF4-FFF2-40B4-BE49-F238E27FC236}">
+                <a16:creationId xmlns:a16="http://schemas.microsoft.com/office/drawing/2014/main" id="{FE29F0BA-BD92-9CDF-8F15-9F6DEA2D783D}"/>
+              </a:ext>
+            </a:extLst>
+          </p:cNvPr>
+          <p:cNvSpPr/>
+          <p:nvPr/>
+        </p:nvSpPr>
+        <p:spPr>
+          <a:xfrm>
+            <a:off x="4788408" y="704113"/>
+            <a:ext cx="2852928" cy="640068"/>
+          </a:xfrm>
+          <a:prstGeom prst="rect">
+            <a:avLst/>
+          </a:prstGeom>
+        </p:spPr>
+        <p:style>
+          <a:lnRef idx="2">
+            <a:schemeClr val="dk1"/>
+          </a:lnRef>
+          <a:fillRef idx="1">
+            <a:schemeClr val="lt1"/>
+          </a:fillRef>
+          <a:effectRef idx="0">
+            <a:schemeClr val="dk1"/>
+          </a:effectRef>
+          <a:fontRef idx="minor">
+            <a:schemeClr val="dk1"/>
+          </a:fontRef>
+        </p:style>
+        <p:txBody>
+          <a:bodyPr rtlCol="0" anchor="ctr"/>
+          <a:lstStyle/>
+          <a:p>
+            <a:pPr algn="ctr"/>
+            <a:endParaRPr kumimoji="1" lang="ja-JP" altLang="en-US"/>
+          </a:p>
+        </p:txBody>
+      </p:sp>
+      <p:sp>
+        <p:nvSpPr>
+          <p:cNvPr id="8" name="正方形/長方形 7">
+            <a:extLst>
+              <a:ext uri="{FF2B5EF4-FFF2-40B4-BE49-F238E27FC236}">
+                <a16:creationId xmlns:a16="http://schemas.microsoft.com/office/drawing/2014/main" id="{52EF2D8B-A1A9-8453-38AC-7A067C9185C1}"/>
+              </a:ext>
+            </a:extLst>
+          </p:cNvPr>
+          <p:cNvSpPr/>
+          <p:nvPr/>
+        </p:nvSpPr>
+        <p:spPr>
+          <a:xfrm>
+            <a:off x="7976616" y="704113"/>
+            <a:ext cx="2852928" cy="640068"/>
+          </a:xfrm>
+          <a:prstGeom prst="rect">
+            <a:avLst/>
+          </a:prstGeom>
+        </p:spPr>
+        <p:style>
+          <a:lnRef idx="2">
+            <a:schemeClr val="dk1"/>
+          </a:lnRef>
+          <a:fillRef idx="1">
+            <a:schemeClr val="lt1"/>
+          </a:fillRef>
+          <a:effectRef idx="0">
+            <a:schemeClr val="dk1"/>
+          </a:effectRef>
+          <a:fontRef idx="minor">
+            <a:schemeClr val="dk1"/>
+          </a:fontRef>
+        </p:style>
+        <p:txBody>
+          <a:bodyPr rtlCol="0" anchor="ctr"/>
+          <a:lstStyle/>
+          <a:p>
+            <a:pPr algn="ctr"/>
+            <a:endParaRPr kumimoji="1" lang="ja-JP" altLang="en-US"/>
+          </a:p>
+        </p:txBody>
+      </p:sp>
+      <p:sp>
+        <p:nvSpPr>
+          <p:cNvPr id="9" name="正方形/長方形 8">
+            <a:extLst>
+              <a:ext uri="{FF2B5EF4-FFF2-40B4-BE49-F238E27FC236}">
+                <a16:creationId xmlns:a16="http://schemas.microsoft.com/office/drawing/2014/main" id="{46194650-3461-0BF7-A14D-74AC5142F3C1}"/>
+              </a:ext>
+            </a:extLst>
+          </p:cNvPr>
+          <p:cNvSpPr/>
+          <p:nvPr/>
+        </p:nvSpPr>
+        <p:spPr>
+          <a:xfrm>
+            <a:off x="8339328" y="402336"/>
+            <a:ext cx="2395728" cy="219456"/>
+          </a:xfrm>
+          <a:prstGeom prst="rect">
+            <a:avLst/>
+          </a:prstGeom>
+        </p:spPr>
+        <p:style>
+          <a:lnRef idx="2">
+            <a:schemeClr val="dk1"/>
+          </a:lnRef>
+          <a:fillRef idx="1">
+            <a:schemeClr val="lt1"/>
+          </a:fillRef>
+          <a:effectRef idx="0">
+            <a:schemeClr val="dk1"/>
+          </a:effectRef>
+          <a:fontRef idx="minor">
+            <a:schemeClr val="dk1"/>
+          </a:fontRef>
+        </p:style>
+        <p:txBody>
+          <a:bodyPr rtlCol="0" anchor="ctr"/>
+          <a:lstStyle/>
+          <a:p>
+            <a:pPr algn="ctr"/>
+            <a:endParaRPr kumimoji="1" lang="ja-JP" altLang="en-US"/>
+          </a:p>
+        </p:txBody>
+      </p:sp>
+      <p:sp>
+        <p:nvSpPr>
+          <p:cNvPr id="10" name="テキスト ボックス 9">
+            <a:extLst>
+              <a:ext uri="{FF2B5EF4-FFF2-40B4-BE49-F238E27FC236}">
+                <a16:creationId xmlns:a16="http://schemas.microsoft.com/office/drawing/2014/main" id="{A9045D37-5923-D843-A709-0187C4C44EE2}"/>
+              </a:ext>
+            </a:extLst>
+          </p:cNvPr>
+          <p:cNvSpPr txBox="1"/>
+          <p:nvPr/>
+        </p:nvSpPr>
+        <p:spPr>
+          <a:xfrm>
+            <a:off x="8531352" y="402336"/>
+            <a:ext cx="1874520" cy="246221"/>
+          </a:xfrm>
+          <a:prstGeom prst="rect">
+            <a:avLst/>
+          </a:prstGeom>
+          <a:noFill/>
+        </p:spPr>
+        <p:txBody>
+          <a:bodyPr wrap="square" rtlCol="0">
+            <a:spAutoFit/>
+          </a:bodyPr>
+          <a:lstStyle/>
+          <a:p>
+            <a:r>
+              <a:rPr kumimoji="1" lang="ja-JP" altLang="en-US" sz="1000" dirty="0"/>
+              <a:t>ログアウト</a:t>
+            </a:r>
+          </a:p>
+        </p:txBody>
+      </p:sp>
+      <p:sp>
+        <p:nvSpPr>
+          <p:cNvPr id="11" name="テキスト ボックス 10">
+            <a:extLst>
+              <a:ext uri="{FF2B5EF4-FFF2-40B4-BE49-F238E27FC236}">
+                <a16:creationId xmlns:a16="http://schemas.microsoft.com/office/drawing/2014/main" id="{2A2ABA0F-FBEF-40EB-170E-32DFC4904244}"/>
+              </a:ext>
+            </a:extLst>
+          </p:cNvPr>
+          <p:cNvSpPr txBox="1"/>
+          <p:nvPr/>
+        </p:nvSpPr>
+        <p:spPr>
+          <a:xfrm>
+            <a:off x="2157984" y="888779"/>
+            <a:ext cx="2295144" cy="369332"/>
+          </a:xfrm>
+          <a:prstGeom prst="rect">
+            <a:avLst/>
+          </a:prstGeom>
+          <a:noFill/>
+        </p:spPr>
+        <p:txBody>
+          <a:bodyPr wrap="square" rtlCol="0">
+            <a:spAutoFit/>
+          </a:bodyPr>
+          <a:lstStyle/>
+          <a:p>
+            <a:r>
+              <a:rPr kumimoji="1" lang="ja-JP" altLang="en-US" dirty="0"/>
+              <a:t>スケジュール</a:t>
+            </a:r>
+          </a:p>
+        </p:txBody>
+      </p:sp>
+      <p:sp>
+        <p:nvSpPr>
+          <p:cNvPr id="12" name="テキスト ボックス 11">
+            <a:extLst>
+              <a:ext uri="{FF2B5EF4-FFF2-40B4-BE49-F238E27FC236}">
+                <a16:creationId xmlns:a16="http://schemas.microsoft.com/office/drawing/2014/main" id="{3656F985-AB64-10D9-CD39-C8DCCAE78802}"/>
+              </a:ext>
+            </a:extLst>
+          </p:cNvPr>
+          <p:cNvSpPr txBox="1"/>
+          <p:nvPr/>
+        </p:nvSpPr>
+        <p:spPr>
+          <a:xfrm>
+            <a:off x="5346192" y="839481"/>
+            <a:ext cx="2295144" cy="369332"/>
+          </a:xfrm>
+          <a:prstGeom prst="rect">
+            <a:avLst/>
+          </a:prstGeom>
+          <a:noFill/>
+        </p:spPr>
+        <p:txBody>
+          <a:bodyPr wrap="square" rtlCol="0">
+            <a:spAutoFit/>
+          </a:bodyPr>
+          <a:lstStyle/>
+          <a:p>
+            <a:r>
+              <a:rPr lang="ja-JP" altLang="en-US" dirty="0"/>
+              <a:t>お知らせ</a:t>
+            </a:r>
+            <a:endParaRPr kumimoji="1" lang="ja-JP" altLang="en-US" dirty="0"/>
+          </a:p>
+        </p:txBody>
+      </p:sp>
+      <p:sp>
+        <p:nvSpPr>
+          <p:cNvPr id="13" name="テキスト ボックス 12">
+            <a:extLst>
+              <a:ext uri="{FF2B5EF4-FFF2-40B4-BE49-F238E27FC236}">
+                <a16:creationId xmlns:a16="http://schemas.microsoft.com/office/drawing/2014/main" id="{D88367DE-9583-133B-2365-54E2B0D2FDF1}"/>
+              </a:ext>
+            </a:extLst>
+          </p:cNvPr>
+          <p:cNvSpPr txBox="1"/>
+          <p:nvPr/>
+        </p:nvSpPr>
+        <p:spPr>
+          <a:xfrm>
+            <a:off x="8439912" y="856513"/>
+            <a:ext cx="2295144" cy="369332"/>
+          </a:xfrm>
+          <a:prstGeom prst="rect">
+            <a:avLst/>
+          </a:prstGeom>
+          <a:noFill/>
+        </p:spPr>
+        <p:txBody>
+          <a:bodyPr wrap="square" rtlCol="0">
+            <a:spAutoFit/>
+          </a:bodyPr>
+          <a:lstStyle/>
+          <a:p>
+            <a:r>
+              <a:rPr lang="ja-JP" altLang="en-US" dirty="0"/>
+              <a:t>社員紹介</a:t>
+            </a:r>
+            <a:endParaRPr kumimoji="1" lang="ja-JP" altLang="en-US" dirty="0"/>
+          </a:p>
+        </p:txBody>
+      </p:sp>
+      <p:grpSp>
+        <p:nvGrpSpPr>
+          <p:cNvPr id="20" name="グループ化 19">
+            <a:extLst>
+              <a:ext uri="{FF2B5EF4-FFF2-40B4-BE49-F238E27FC236}">
+                <a16:creationId xmlns:a16="http://schemas.microsoft.com/office/drawing/2014/main" id="{35BB5F0C-7EC2-F122-23C2-D37EAC789955}"/>
+              </a:ext>
+            </a:extLst>
+          </p:cNvPr>
+          <p:cNvGrpSpPr/>
+          <p:nvPr/>
+        </p:nvGrpSpPr>
+        <p:grpSpPr>
+          <a:xfrm>
+            <a:off x="1758696" y="2182699"/>
+            <a:ext cx="8613648" cy="3150994"/>
+            <a:chOff x="1792224" y="2470685"/>
+            <a:chExt cx="8613648" cy="3150994"/>
+          </a:xfrm>
+        </p:grpSpPr>
+        <p:grpSp>
+          <p:nvGrpSpPr>
+            <p:cNvPr id="14" name="グループ化 13">
+              <a:extLst>
+                <a:ext uri="{FF2B5EF4-FFF2-40B4-BE49-F238E27FC236}">
+                  <a16:creationId xmlns:a16="http://schemas.microsoft.com/office/drawing/2014/main" id="{65B9D86B-EA85-101D-4812-7C3EFD7C30FB}"/>
+                </a:ext>
+              </a:extLst>
+            </p:cNvPr>
+            <p:cNvGrpSpPr/>
+            <p:nvPr/>
+          </p:nvGrpSpPr>
+          <p:grpSpPr>
+            <a:xfrm>
+              <a:off x="1792224" y="3059872"/>
+              <a:ext cx="8567928" cy="618031"/>
+              <a:chOff x="1837944" y="1901952"/>
+              <a:chExt cx="8567928" cy="618031"/>
+            </a:xfrm>
+          </p:grpSpPr>
+          <p:sp>
+            <p:nvSpPr>
+              <p:cNvPr id="3" name="正方形/長方形 2">
+                <a:extLst>
+                  <a:ext uri="{FF2B5EF4-FFF2-40B4-BE49-F238E27FC236}">
+                    <a16:creationId xmlns:a16="http://schemas.microsoft.com/office/drawing/2014/main" id="{6F5D0973-E7EB-BBBD-C7C2-3D3CF66AC57B}"/>
+                  </a:ext>
+                </a:extLst>
+              </p:cNvPr>
+              <p:cNvSpPr/>
+              <p:nvPr/>
+            </p:nvSpPr>
+            <p:spPr>
+              <a:xfrm>
+                <a:off x="1837944" y="1901952"/>
+                <a:ext cx="8567928" cy="618031"/>
+              </a:xfrm>
+              <a:prstGeom prst="rect">
+                <a:avLst/>
+              </a:prstGeom>
+            </p:spPr>
+            <p:style>
+              <a:lnRef idx="2">
+                <a:schemeClr val="dk1"/>
+              </a:lnRef>
+              <a:fillRef idx="1">
+                <a:schemeClr val="lt1"/>
+              </a:fillRef>
+              <a:effectRef idx="0">
+                <a:schemeClr val="dk1"/>
+              </a:effectRef>
+              <a:fontRef idx="minor">
+                <a:schemeClr val="dk1"/>
+              </a:fontRef>
+            </p:style>
+            <p:txBody>
+              <a:bodyPr rtlCol="0" anchor="ctr"/>
+              <a:lstStyle/>
+              <a:p>
+                <a:pPr algn="ctr"/>
+                <a:endParaRPr kumimoji="1" lang="ja-JP" altLang="en-US"/>
+              </a:p>
+            </p:txBody>
+          </p:sp>
+          <p:sp>
+            <p:nvSpPr>
+              <p:cNvPr id="5" name="テキスト ボックス 4">
+                <a:extLst>
+                  <a:ext uri="{FF2B5EF4-FFF2-40B4-BE49-F238E27FC236}">
+                    <a16:creationId xmlns:a16="http://schemas.microsoft.com/office/drawing/2014/main" id="{DD64BF39-691E-08B1-F02B-F9CCF0A2E8A4}"/>
+                  </a:ext>
+                </a:extLst>
+              </p:cNvPr>
+              <p:cNvSpPr txBox="1"/>
+              <p:nvPr/>
+            </p:nvSpPr>
+            <p:spPr>
+              <a:xfrm>
+                <a:off x="1993392" y="2026301"/>
+                <a:ext cx="8165592" cy="369332"/>
+              </a:xfrm>
+              <a:prstGeom prst="rect">
+                <a:avLst/>
+              </a:prstGeom>
+              <a:noFill/>
+            </p:spPr>
+            <p:txBody>
+              <a:bodyPr wrap="square" rtlCol="0">
+                <a:spAutoFit/>
+              </a:bodyPr>
+              <a:lstStyle/>
+              <a:p>
+                <a:r>
+                  <a:rPr kumimoji="1" lang="ja-JP" altLang="en-US" dirty="0"/>
+                  <a:t>自分の週スケジュール（名前をクリックで月スケ、タイトルで詳細に遷移）</a:t>
+                </a:r>
+              </a:p>
+            </p:txBody>
+          </p:sp>
+        </p:grpSp>
+        <p:grpSp>
+          <p:nvGrpSpPr>
+            <p:cNvPr id="21" name="グループ化 20">
+              <a:extLst>
+                <a:ext uri="{FF2B5EF4-FFF2-40B4-BE49-F238E27FC236}">
+                  <a16:creationId xmlns:a16="http://schemas.microsoft.com/office/drawing/2014/main" id="{CBFAFACC-48DA-A76A-36D9-E07B541A4519}"/>
+                </a:ext>
+              </a:extLst>
+            </p:cNvPr>
+            <p:cNvGrpSpPr/>
+            <p:nvPr/>
+          </p:nvGrpSpPr>
+          <p:grpSpPr>
+            <a:xfrm>
+              <a:off x="1812036" y="4014427"/>
+              <a:ext cx="8567928" cy="618031"/>
+              <a:chOff x="1837944" y="1901952"/>
+              <a:chExt cx="8567928" cy="618031"/>
+            </a:xfrm>
+          </p:grpSpPr>
+          <p:sp>
+            <p:nvSpPr>
+              <p:cNvPr id="22" name="正方形/長方形 21">
+                <a:extLst>
+                  <a:ext uri="{FF2B5EF4-FFF2-40B4-BE49-F238E27FC236}">
+                    <a16:creationId xmlns:a16="http://schemas.microsoft.com/office/drawing/2014/main" id="{71E967EA-E2F6-CA96-BBBF-111940616E55}"/>
+                  </a:ext>
+                </a:extLst>
+              </p:cNvPr>
+              <p:cNvSpPr/>
+              <p:nvPr/>
+            </p:nvSpPr>
+            <p:spPr>
+              <a:xfrm>
+                <a:off x="1837944" y="1901952"/>
+                <a:ext cx="8567928" cy="618031"/>
+              </a:xfrm>
+              <a:prstGeom prst="rect">
+                <a:avLst/>
+              </a:prstGeom>
+            </p:spPr>
+            <p:style>
+              <a:lnRef idx="2">
+                <a:schemeClr val="dk1"/>
+              </a:lnRef>
+              <a:fillRef idx="1">
+                <a:schemeClr val="lt1"/>
+              </a:fillRef>
+              <a:effectRef idx="0">
+                <a:schemeClr val="dk1"/>
+              </a:effectRef>
+              <a:fontRef idx="minor">
+                <a:schemeClr val="dk1"/>
+              </a:fontRef>
+            </p:style>
+            <p:txBody>
+              <a:bodyPr rtlCol="0" anchor="ctr"/>
+              <a:lstStyle/>
+              <a:p>
+                <a:pPr algn="ctr"/>
+                <a:endParaRPr kumimoji="1" lang="ja-JP" altLang="en-US"/>
+              </a:p>
+            </p:txBody>
+          </p:sp>
+          <p:sp>
+            <p:nvSpPr>
+              <p:cNvPr id="23" name="テキスト ボックス 22">
+                <a:extLst>
+                  <a:ext uri="{FF2B5EF4-FFF2-40B4-BE49-F238E27FC236}">
+                    <a16:creationId xmlns:a16="http://schemas.microsoft.com/office/drawing/2014/main" id="{561A5511-A755-0CEF-9264-79D726A2F07C}"/>
+                  </a:ext>
+                </a:extLst>
+              </p:cNvPr>
+              <p:cNvSpPr txBox="1"/>
+              <p:nvPr/>
+            </p:nvSpPr>
+            <p:spPr>
+              <a:xfrm>
+                <a:off x="1993392" y="2026301"/>
+                <a:ext cx="8165592" cy="369332"/>
+              </a:xfrm>
+              <a:prstGeom prst="rect">
+                <a:avLst/>
+              </a:prstGeom>
+              <a:noFill/>
+            </p:spPr>
+            <p:txBody>
+              <a:bodyPr wrap="square" rtlCol="0">
+                <a:spAutoFit/>
+              </a:bodyPr>
+              <a:lstStyle/>
+              <a:p>
+                <a:r>
+                  <a:rPr lang="ja-JP" altLang="en-US" dirty="0"/>
+                  <a:t>社員</a:t>
+                </a:r>
+                <a:r>
+                  <a:rPr lang="en-US" altLang="ja-JP" dirty="0"/>
+                  <a:t>A</a:t>
+                </a:r>
+                <a:r>
+                  <a:rPr kumimoji="1" lang="ja-JP" altLang="en-US" dirty="0"/>
+                  <a:t>の週スケジュール（名前をクリックで月スケ</a:t>
+                </a:r>
+                <a:r>
+                  <a:rPr lang="ja-JP" altLang="en-US" dirty="0"/>
+                  <a:t>、タイトルで詳細に遷移</a:t>
+                </a:r>
+                <a:r>
+                  <a:rPr kumimoji="1" lang="ja-JP" altLang="en-US" dirty="0"/>
+                  <a:t>）</a:t>
+                </a:r>
+              </a:p>
+            </p:txBody>
+          </p:sp>
+        </p:grpSp>
+        <p:grpSp>
+          <p:nvGrpSpPr>
+            <p:cNvPr id="24" name="グループ化 23">
+              <a:extLst>
+                <a:ext uri="{FF2B5EF4-FFF2-40B4-BE49-F238E27FC236}">
+                  <a16:creationId xmlns:a16="http://schemas.microsoft.com/office/drawing/2014/main" id="{225493D9-1C80-4BAA-12CB-7D94E4878A1A}"/>
+                </a:ext>
+              </a:extLst>
+            </p:cNvPr>
+            <p:cNvGrpSpPr/>
+            <p:nvPr/>
+          </p:nvGrpSpPr>
+          <p:grpSpPr>
+            <a:xfrm>
+              <a:off x="1837944" y="5003648"/>
+              <a:ext cx="8567928" cy="618031"/>
+              <a:chOff x="1837944" y="1901952"/>
+              <a:chExt cx="8567928" cy="618031"/>
+            </a:xfrm>
+          </p:grpSpPr>
+          <p:sp>
+            <p:nvSpPr>
+              <p:cNvPr id="25" name="正方形/長方形 24">
+                <a:extLst>
+                  <a:ext uri="{FF2B5EF4-FFF2-40B4-BE49-F238E27FC236}">
+                    <a16:creationId xmlns:a16="http://schemas.microsoft.com/office/drawing/2014/main" id="{51CD0FE1-FA05-C1A4-744F-706912462E1B}"/>
+                  </a:ext>
+                </a:extLst>
+              </p:cNvPr>
+              <p:cNvSpPr/>
+              <p:nvPr/>
+            </p:nvSpPr>
+            <p:spPr>
+              <a:xfrm>
+                <a:off x="1837944" y="1901952"/>
+                <a:ext cx="8567928" cy="618031"/>
+              </a:xfrm>
+              <a:prstGeom prst="rect">
+                <a:avLst/>
+              </a:prstGeom>
+            </p:spPr>
+            <p:style>
+              <a:lnRef idx="2">
+                <a:schemeClr val="dk1"/>
+              </a:lnRef>
+              <a:fillRef idx="1">
+                <a:schemeClr val="lt1"/>
+              </a:fillRef>
+              <a:effectRef idx="0">
+                <a:schemeClr val="dk1"/>
+              </a:effectRef>
+              <a:fontRef idx="minor">
+                <a:schemeClr val="dk1"/>
+              </a:fontRef>
+            </p:style>
+            <p:txBody>
+              <a:bodyPr rtlCol="0" anchor="ctr"/>
+              <a:lstStyle/>
+              <a:p>
+                <a:pPr algn="ctr"/>
+                <a:endParaRPr kumimoji="1" lang="ja-JP" altLang="en-US"/>
+              </a:p>
+            </p:txBody>
+          </p:sp>
+          <p:sp>
+            <p:nvSpPr>
+              <p:cNvPr id="26" name="テキスト ボックス 25">
+                <a:extLst>
+                  <a:ext uri="{FF2B5EF4-FFF2-40B4-BE49-F238E27FC236}">
+                    <a16:creationId xmlns:a16="http://schemas.microsoft.com/office/drawing/2014/main" id="{7ECE1599-0992-1F66-E63B-4FEBBBC653F4}"/>
+                  </a:ext>
+                </a:extLst>
+              </p:cNvPr>
+              <p:cNvSpPr txBox="1"/>
+              <p:nvPr/>
+            </p:nvSpPr>
+            <p:spPr>
+              <a:xfrm>
+                <a:off x="1993392" y="2026301"/>
+                <a:ext cx="8165592" cy="369332"/>
+              </a:xfrm>
+              <a:prstGeom prst="rect">
+                <a:avLst/>
+              </a:prstGeom>
+              <a:noFill/>
+            </p:spPr>
+            <p:txBody>
+              <a:bodyPr wrap="square" rtlCol="0">
+                <a:spAutoFit/>
+              </a:bodyPr>
+              <a:lstStyle/>
+              <a:p>
+                <a:r>
+                  <a:rPr lang="ja-JP" altLang="en-US" dirty="0"/>
+                  <a:t>社員</a:t>
+                </a:r>
+                <a:r>
+                  <a:rPr lang="en-US" altLang="ja-JP" dirty="0"/>
+                  <a:t>B</a:t>
+                </a:r>
+                <a:r>
+                  <a:rPr kumimoji="1" lang="ja-JP" altLang="en-US" dirty="0"/>
+                  <a:t>の週スケジュール（名前をクリックで月スケ</a:t>
+                </a:r>
+                <a:r>
+                  <a:rPr lang="ja-JP" altLang="en-US" dirty="0"/>
+                  <a:t>、タイトルで詳細に遷移</a:t>
+                </a:r>
+                <a:r>
+                  <a:rPr kumimoji="1" lang="ja-JP" altLang="en-US" dirty="0"/>
+                  <a:t>）</a:t>
+                </a:r>
+              </a:p>
+            </p:txBody>
+          </p:sp>
+        </p:grpSp>
+        <p:sp>
+          <p:nvSpPr>
+            <p:cNvPr id="15" name="正方形/長方形 14">
+              <a:extLst>
+                <a:ext uri="{FF2B5EF4-FFF2-40B4-BE49-F238E27FC236}">
+                  <a16:creationId xmlns:a16="http://schemas.microsoft.com/office/drawing/2014/main" id="{E394A2E3-F4F1-D31D-4990-E3AA7352231B}"/>
+                </a:ext>
+              </a:extLst>
+            </p:cNvPr>
+            <p:cNvSpPr/>
+            <p:nvPr/>
+          </p:nvSpPr>
+          <p:spPr>
+            <a:xfrm>
+              <a:off x="1967484" y="2490230"/>
+              <a:ext cx="2942844" cy="384047"/>
+            </a:xfrm>
+            <a:prstGeom prst="rect">
+              <a:avLst/>
+            </a:prstGeom>
+          </p:spPr>
+          <p:style>
+            <a:lnRef idx="2">
+              <a:schemeClr val="dk1"/>
+            </a:lnRef>
+            <a:fillRef idx="1">
+              <a:schemeClr val="lt1"/>
+            </a:fillRef>
+            <a:effectRef idx="0">
+              <a:schemeClr val="dk1"/>
+            </a:effectRef>
+            <a:fontRef idx="minor">
+              <a:schemeClr val="dk1"/>
+            </a:fontRef>
+          </p:style>
+          <p:txBody>
+            <a:bodyPr rtlCol="0" anchor="ctr"/>
+            <a:lstStyle/>
+            <a:p>
+              <a:pPr algn="ctr"/>
+              <a:endParaRPr kumimoji="1" lang="ja-JP" altLang="en-US"/>
+            </a:p>
+          </p:txBody>
+        </p:sp>
+        <p:sp>
+          <p:nvSpPr>
+            <p:cNvPr id="17" name="正方形/長方形 16">
+              <a:extLst>
+                <a:ext uri="{FF2B5EF4-FFF2-40B4-BE49-F238E27FC236}">
+                  <a16:creationId xmlns:a16="http://schemas.microsoft.com/office/drawing/2014/main" id="{5B04A4FE-3F0D-6ADA-43FF-AA969C071615}"/>
+                </a:ext>
+              </a:extLst>
+            </p:cNvPr>
+            <p:cNvSpPr/>
+            <p:nvPr/>
+          </p:nvSpPr>
+          <p:spPr>
+            <a:xfrm>
+              <a:off x="5042916" y="2470685"/>
+              <a:ext cx="850392" cy="384047"/>
+            </a:xfrm>
+            <a:prstGeom prst="rect">
+              <a:avLst/>
+            </a:prstGeom>
+          </p:spPr>
+          <p:style>
+            <a:lnRef idx="2">
+              <a:schemeClr val="dk1"/>
+            </a:lnRef>
+            <a:fillRef idx="1">
+              <a:schemeClr val="lt1"/>
+            </a:fillRef>
+            <a:effectRef idx="0">
+              <a:schemeClr val="dk1"/>
+            </a:effectRef>
+            <a:fontRef idx="minor">
+              <a:schemeClr val="dk1"/>
+            </a:fontRef>
+          </p:style>
+          <p:txBody>
+            <a:bodyPr rtlCol="0" anchor="ctr"/>
+            <a:lstStyle/>
+            <a:p>
+              <a:pPr algn="ctr"/>
+              <a:endParaRPr kumimoji="1" lang="ja-JP" altLang="en-US"/>
+            </a:p>
+          </p:txBody>
+        </p:sp>
+        <p:sp>
+          <p:nvSpPr>
+            <p:cNvPr id="18" name="テキスト ボックス 17">
+              <a:extLst>
+                <a:ext uri="{FF2B5EF4-FFF2-40B4-BE49-F238E27FC236}">
+                  <a16:creationId xmlns:a16="http://schemas.microsoft.com/office/drawing/2014/main" id="{AB4A4171-14D2-324B-63A5-705DF3C8A785}"/>
+                </a:ext>
+              </a:extLst>
+            </p:cNvPr>
+            <p:cNvSpPr txBox="1"/>
+            <p:nvPr/>
+          </p:nvSpPr>
+          <p:spPr>
+            <a:xfrm>
+              <a:off x="2157984" y="2531324"/>
+              <a:ext cx="2514600" cy="369332"/>
+            </a:xfrm>
+            <a:prstGeom prst="rect">
+              <a:avLst/>
+            </a:prstGeom>
+            <a:noFill/>
+          </p:spPr>
+          <p:txBody>
+            <a:bodyPr wrap="square" rtlCol="0">
+              <a:spAutoFit/>
+            </a:bodyPr>
+            <a:lstStyle/>
+            <a:p>
               <a:r>
                 <a:rPr kumimoji="1" lang="ja-JP" altLang="en-US" dirty="0"/>
-                <a:t>の週スケジュール（名前をクリックで月スケ</a:t>
+                <a:t>検索窓</a:t>
               </a:r>
+            </a:p>
+          </p:txBody>
+        </p:sp>
+        <p:sp>
+          <p:nvSpPr>
+            <p:cNvPr id="19" name="テキスト ボックス 18">
+              <a:extLst>
+                <a:ext uri="{FF2B5EF4-FFF2-40B4-BE49-F238E27FC236}">
+                  <a16:creationId xmlns:a16="http://schemas.microsoft.com/office/drawing/2014/main" id="{8F1DADE0-53C0-EEC2-1444-EEC2C07A4EA8}"/>
+                </a:ext>
+              </a:extLst>
+            </p:cNvPr>
+            <p:cNvSpPr txBox="1"/>
+            <p:nvPr/>
+          </p:nvSpPr>
+          <p:spPr>
+            <a:xfrm>
+              <a:off x="5202936" y="2531324"/>
+              <a:ext cx="690372" cy="261610"/>
+            </a:xfrm>
+            <a:prstGeom prst="rect">
+              <a:avLst/>
+            </a:prstGeom>
+            <a:noFill/>
+          </p:spPr>
+          <p:txBody>
+            <a:bodyPr wrap="square" rtlCol="0">
+              <a:spAutoFit/>
+            </a:bodyPr>
+            <a:lstStyle/>
+            <a:p>
               <a:r>
-                <a:rPr lang="ja-JP" altLang="en-US" dirty="0"/>
-                <a:t>、タイトルで詳細に遷移</a:t>
+                <a:rPr kumimoji="1" lang="ja-JP" altLang="en-US" sz="1100" dirty="0"/>
+                <a:t>ボタン</a:t>
               </a:r>
+            </a:p>
+          </p:txBody>
+        </p:sp>
+      </p:grpSp>
+      <p:grpSp>
+        <p:nvGrpSpPr>
+          <p:cNvPr id="27" name="グループ化 26">
+            <a:extLst>
+              <a:ext uri="{FF2B5EF4-FFF2-40B4-BE49-F238E27FC236}">
+                <a16:creationId xmlns:a16="http://schemas.microsoft.com/office/drawing/2014/main" id="{BC02A9D1-D44A-E488-B445-5013D4DB8E18}"/>
+              </a:ext>
+            </a:extLst>
+          </p:cNvPr>
+          <p:cNvGrpSpPr/>
+          <p:nvPr/>
+        </p:nvGrpSpPr>
+        <p:grpSpPr>
+          <a:xfrm>
+            <a:off x="5553457" y="396987"/>
+            <a:ext cx="2583941" cy="246221"/>
+            <a:chOff x="5553457" y="396987"/>
+            <a:chExt cx="2583941" cy="246221"/>
+          </a:xfrm>
+        </p:grpSpPr>
+        <p:sp>
+          <p:nvSpPr>
+            <p:cNvPr id="28" name="正方形/長方形 27">
+              <a:extLst>
+                <a:ext uri="{FF2B5EF4-FFF2-40B4-BE49-F238E27FC236}">
+                  <a16:creationId xmlns:a16="http://schemas.microsoft.com/office/drawing/2014/main" id="{88955EB8-47C3-68E9-C863-D168D50F2CF0}"/>
+                </a:ext>
+              </a:extLst>
+            </p:cNvPr>
+            <p:cNvSpPr/>
+            <p:nvPr/>
+          </p:nvSpPr>
+          <p:spPr>
+            <a:xfrm>
+              <a:off x="5553457" y="415745"/>
+              <a:ext cx="2583941" cy="188082"/>
+            </a:xfrm>
+            <a:prstGeom prst="rect">
+              <a:avLst/>
+            </a:prstGeom>
+          </p:spPr>
+          <p:style>
+            <a:lnRef idx="2">
+              <a:schemeClr val="dk1"/>
+            </a:lnRef>
+            <a:fillRef idx="1">
+              <a:schemeClr val="lt1"/>
+            </a:fillRef>
+            <a:effectRef idx="0">
+              <a:schemeClr val="dk1"/>
+            </a:effectRef>
+            <a:fontRef idx="minor">
+              <a:schemeClr val="dk1"/>
+            </a:fontRef>
+          </p:style>
+          <p:txBody>
+            <a:bodyPr rtlCol="0" anchor="ctr"/>
+            <a:lstStyle/>
+            <a:p>
+              <a:pPr algn="ctr"/>
+              <a:endParaRPr kumimoji="1" lang="ja-JP" altLang="en-US"/>
+            </a:p>
+          </p:txBody>
+        </p:sp>
+        <p:sp>
+          <p:nvSpPr>
+            <p:cNvPr id="29" name="テキスト ボックス 28">
+              <a:extLst>
+                <a:ext uri="{FF2B5EF4-FFF2-40B4-BE49-F238E27FC236}">
+                  <a16:creationId xmlns:a16="http://schemas.microsoft.com/office/drawing/2014/main" id="{C9854F5E-1B2F-5AE9-4763-24CC0D038680}"/>
+                </a:ext>
+              </a:extLst>
+            </p:cNvPr>
+            <p:cNvSpPr txBox="1"/>
+            <p:nvPr/>
+          </p:nvSpPr>
+          <p:spPr>
+            <a:xfrm>
+              <a:off x="5650230" y="396987"/>
+              <a:ext cx="1874520" cy="246221"/>
+            </a:xfrm>
+            <a:prstGeom prst="rect">
+              <a:avLst/>
+            </a:prstGeom>
+            <a:noFill/>
+          </p:spPr>
+          <p:txBody>
+            <a:bodyPr wrap="square" rtlCol="0">
+              <a:spAutoFit/>
+            </a:bodyPr>
+            <a:lstStyle/>
+            <a:p>
               <a:r>
-                <a:rPr kumimoji="1" lang="ja-JP" altLang="en-US" dirty="0"/>
-                <a:t>）</a:t>
+                <a:rPr lang="ja-JP" altLang="en-US" sz="1000" dirty="0"/>
+                <a:t>ホーム画面に戻るボタン</a:t>
               </a:r>
+              <a:endParaRPr kumimoji="1" lang="ja-JP" altLang="en-US" sz="1000" dirty="0"/>
             </a:p>
           </p:txBody>
         </p:sp>
@@ -6046,7 +8675,7 @@
 </p:sld>
 </file>
 
-<file path=ppt/slides/slide3.xml><?xml version="1.0" encoding="utf-8"?>
+<file path=ppt/slides/slide4.xml><?xml version="1.0" encoding="utf-8"?>
 <p:sld xmlns:a="http://schemas.openxmlformats.org/drawingml/2006/main" xmlns:r="http://schemas.openxmlformats.org/officeDocument/2006/relationships" xmlns:p="http://schemas.openxmlformats.org/presentationml/2006/main">
   <p:cSld>
     <p:spTree>
@@ -6554,6 +9183,107 @@
           </a:p>
         </p:txBody>
       </p:sp>
+      <p:grpSp>
+        <p:nvGrpSpPr>
+          <p:cNvPr id="14" name="グループ化 13">
+            <a:extLst>
+              <a:ext uri="{FF2B5EF4-FFF2-40B4-BE49-F238E27FC236}">
+                <a16:creationId xmlns:a16="http://schemas.microsoft.com/office/drawing/2014/main" id="{7D21344A-E21C-EE21-4819-69E1A3573EB2}"/>
+              </a:ext>
+            </a:extLst>
+          </p:cNvPr>
+          <p:cNvGrpSpPr/>
+          <p:nvPr/>
+        </p:nvGrpSpPr>
+        <p:grpSpPr>
+          <a:xfrm>
+            <a:off x="5553457" y="396987"/>
+            <a:ext cx="2583941" cy="246221"/>
+            <a:chOff x="5553457" y="396987"/>
+            <a:chExt cx="2583941" cy="246221"/>
+          </a:xfrm>
+        </p:grpSpPr>
+        <p:sp>
+          <p:nvSpPr>
+            <p:cNvPr id="15" name="正方形/長方形 14">
+              <a:extLst>
+                <a:ext uri="{FF2B5EF4-FFF2-40B4-BE49-F238E27FC236}">
+                  <a16:creationId xmlns:a16="http://schemas.microsoft.com/office/drawing/2014/main" id="{C5D2962F-6B9C-83EC-D727-3CAAFEF4185D}"/>
+                </a:ext>
+              </a:extLst>
+            </p:cNvPr>
+            <p:cNvSpPr/>
+            <p:nvPr/>
+          </p:nvSpPr>
+          <p:spPr>
+            <a:xfrm>
+              <a:off x="5553457" y="415745"/>
+              <a:ext cx="2583941" cy="188082"/>
+            </a:xfrm>
+            <a:prstGeom prst="rect">
+              <a:avLst/>
+            </a:prstGeom>
+          </p:spPr>
+          <p:style>
+            <a:lnRef idx="2">
+              <a:schemeClr val="dk1"/>
+            </a:lnRef>
+            <a:fillRef idx="1">
+              <a:schemeClr val="lt1"/>
+            </a:fillRef>
+            <a:effectRef idx="0">
+              <a:schemeClr val="dk1"/>
+            </a:effectRef>
+            <a:fontRef idx="minor">
+              <a:schemeClr val="dk1"/>
+            </a:fontRef>
+          </p:style>
+          <p:txBody>
+            <a:bodyPr rtlCol="0" anchor="ctr"/>
+            <a:lstStyle/>
+            <a:p>
+              <a:pPr algn="ctr"/>
+              <a:endParaRPr kumimoji="1" lang="ja-JP" altLang="en-US"/>
+            </a:p>
+          </p:txBody>
+        </p:sp>
+        <p:sp>
+          <p:nvSpPr>
+            <p:cNvPr id="16" name="テキスト ボックス 15">
+              <a:extLst>
+                <a:ext uri="{FF2B5EF4-FFF2-40B4-BE49-F238E27FC236}">
+                  <a16:creationId xmlns:a16="http://schemas.microsoft.com/office/drawing/2014/main" id="{FFB0780A-AD86-3AEF-58C1-1B6A1B58953D}"/>
+                </a:ext>
+              </a:extLst>
+            </p:cNvPr>
+            <p:cNvSpPr txBox="1"/>
+            <p:nvPr/>
+          </p:nvSpPr>
+          <p:spPr>
+            <a:xfrm>
+              <a:off x="5650230" y="396987"/>
+              <a:ext cx="1874520" cy="246221"/>
+            </a:xfrm>
+            <a:prstGeom prst="rect">
+              <a:avLst/>
+            </a:prstGeom>
+            <a:noFill/>
+          </p:spPr>
+          <p:txBody>
+            <a:bodyPr wrap="square" rtlCol="0">
+              <a:spAutoFit/>
+            </a:bodyPr>
+            <a:lstStyle/>
+            <a:p>
+              <a:r>
+                <a:rPr lang="ja-JP" altLang="en-US" sz="1000" dirty="0"/>
+                <a:t>ホーム画面に戻るボタン</a:t>
+              </a:r>
+              <a:endParaRPr kumimoji="1" lang="ja-JP" altLang="en-US" sz="1000" dirty="0"/>
+            </a:p>
+          </p:txBody>
+        </p:sp>
+      </p:grpSp>
     </p:spTree>
     <p:extLst>
       <p:ext uri="{BB962C8B-B14F-4D97-AF65-F5344CB8AC3E}">
@@ -6567,7 +9297,7 @@
 </p:sld>
 </file>
 
-<file path=ppt/slides/slide4.xml><?xml version="1.0" encoding="utf-8"?>
+<file path=ppt/slides/slide5.xml><?xml version="1.0" encoding="utf-8"?>
 <p:sld xmlns:a="http://schemas.openxmlformats.org/drawingml/2006/main" xmlns:r="http://schemas.openxmlformats.org/officeDocument/2006/relationships" xmlns:p="http://schemas.openxmlformats.org/presentationml/2006/main">
   <p:cSld>
     <p:spTree>
@@ -7003,7 +9733,7 @@
         <p:grpSpPr>
           <a:xfrm>
             <a:off x="1792224" y="2655351"/>
-            <a:ext cx="8705088" cy="3449238"/>
+            <a:ext cx="8705088" cy="2542029"/>
             <a:chOff x="1792224" y="1783080"/>
             <a:chExt cx="8705088" cy="4321509"/>
           </a:xfrm>
@@ -7067,7 +9797,7 @@
           <p:spPr>
             <a:xfrm>
               <a:off x="2340864" y="2139696"/>
-              <a:ext cx="7909560" cy="1850927"/>
+              <a:ext cx="7909560" cy="1503878"/>
             </a:xfrm>
             <a:prstGeom prst="rect">
               <a:avLst/>
@@ -7119,17 +9849,6 @@
               </a:r>
               <a:endParaRPr lang="en-US" altLang="ja-JP" dirty="0"/>
             </a:p>
-            <a:p>
-              <a:pPr marL="285750" indent="-285750">
-                <a:buFont typeface="Arial" panose="020B0604020202020204" pitchFamily="34" charset="0"/>
-                <a:buChar char="•"/>
-              </a:pPr>
-              <a:r>
-                <a:rPr kumimoji="1" lang="ja-JP" altLang="en-US" dirty="0"/>
-                <a:t>一覧に戻るボタン</a:t>
-              </a:r>
-              <a:endParaRPr kumimoji="1" lang="en-US" altLang="ja-JP" dirty="0"/>
-            </a:p>
           </p:txBody>
         </p:sp>
       </p:grpSp>
@@ -7212,6 +9931,311 @@
           </a:p>
         </p:txBody>
       </p:sp>
+      <p:grpSp>
+        <p:nvGrpSpPr>
+          <p:cNvPr id="19" name="グループ化 18">
+            <a:extLst>
+              <a:ext uri="{FF2B5EF4-FFF2-40B4-BE49-F238E27FC236}">
+                <a16:creationId xmlns:a16="http://schemas.microsoft.com/office/drawing/2014/main" id="{2AA48181-2710-70D9-9D4E-EFC3B4B183BE}"/>
+              </a:ext>
+            </a:extLst>
+          </p:cNvPr>
+          <p:cNvGrpSpPr/>
+          <p:nvPr/>
+        </p:nvGrpSpPr>
+        <p:grpSpPr>
+          <a:xfrm>
+            <a:off x="8165592" y="5349240"/>
+            <a:ext cx="1892808" cy="584775"/>
+            <a:chOff x="8165592" y="5349240"/>
+            <a:chExt cx="1892808" cy="584775"/>
+          </a:xfrm>
+        </p:grpSpPr>
+        <p:sp>
+          <p:nvSpPr>
+            <p:cNvPr id="17" name="正方形/長方形 16">
+              <a:extLst>
+                <a:ext uri="{FF2B5EF4-FFF2-40B4-BE49-F238E27FC236}">
+                  <a16:creationId xmlns:a16="http://schemas.microsoft.com/office/drawing/2014/main" id="{9709FCE5-5849-6BBC-020F-0F1130FCAEE3}"/>
+                </a:ext>
+              </a:extLst>
+            </p:cNvPr>
+            <p:cNvSpPr/>
+            <p:nvPr/>
+          </p:nvSpPr>
+          <p:spPr>
+            <a:xfrm>
+              <a:off x="8165592" y="5349240"/>
+              <a:ext cx="1892808" cy="512054"/>
+            </a:xfrm>
+            <a:prstGeom prst="rect">
+              <a:avLst/>
+            </a:prstGeom>
+          </p:spPr>
+          <p:style>
+            <a:lnRef idx="2">
+              <a:schemeClr val="dk1"/>
+            </a:lnRef>
+            <a:fillRef idx="1">
+              <a:schemeClr val="lt1"/>
+            </a:fillRef>
+            <a:effectRef idx="0">
+              <a:schemeClr val="dk1"/>
+            </a:effectRef>
+            <a:fontRef idx="minor">
+              <a:schemeClr val="dk1"/>
+            </a:fontRef>
+          </p:style>
+          <p:txBody>
+            <a:bodyPr rtlCol="0" anchor="ctr"/>
+            <a:lstStyle/>
+            <a:p>
+              <a:pPr algn="ctr"/>
+              <a:endParaRPr kumimoji="1" lang="ja-JP" altLang="en-US"/>
+            </a:p>
+          </p:txBody>
+        </p:sp>
+        <p:sp>
+          <p:nvSpPr>
+            <p:cNvPr id="18" name="テキスト ボックス 17">
+              <a:extLst>
+                <a:ext uri="{FF2B5EF4-FFF2-40B4-BE49-F238E27FC236}">
+                  <a16:creationId xmlns:a16="http://schemas.microsoft.com/office/drawing/2014/main" id="{C6A96F9D-907F-80B5-D8CE-67EDC9C4008F}"/>
+                </a:ext>
+              </a:extLst>
+            </p:cNvPr>
+            <p:cNvSpPr txBox="1"/>
+            <p:nvPr/>
+          </p:nvSpPr>
+          <p:spPr>
+            <a:xfrm>
+              <a:off x="8339328" y="5349240"/>
+              <a:ext cx="1371600" cy="584775"/>
+            </a:xfrm>
+            <a:prstGeom prst="rect">
+              <a:avLst/>
+            </a:prstGeom>
+            <a:noFill/>
+          </p:spPr>
+          <p:txBody>
+            <a:bodyPr wrap="square" rtlCol="0">
+              <a:spAutoFit/>
+            </a:bodyPr>
+            <a:lstStyle/>
+            <a:p>
+              <a:r>
+                <a:rPr kumimoji="1" lang="ja-JP" altLang="en-US" sz="1600" dirty="0"/>
+                <a:t>一覧に戻るボタン</a:t>
+              </a:r>
+            </a:p>
+          </p:txBody>
+        </p:sp>
+      </p:grpSp>
+      <p:grpSp>
+        <p:nvGrpSpPr>
+          <p:cNvPr id="20" name="グループ化 19">
+            <a:extLst>
+              <a:ext uri="{FF2B5EF4-FFF2-40B4-BE49-F238E27FC236}">
+                <a16:creationId xmlns:a16="http://schemas.microsoft.com/office/drawing/2014/main" id="{1DA1E7D5-6C2A-CE60-1DAA-4620E0F31709}"/>
+              </a:ext>
+            </a:extLst>
+          </p:cNvPr>
+          <p:cNvGrpSpPr/>
+          <p:nvPr/>
+        </p:nvGrpSpPr>
+        <p:grpSpPr>
+          <a:xfrm>
+            <a:off x="5934456" y="5349239"/>
+            <a:ext cx="1892808" cy="512054"/>
+            <a:chOff x="8165592" y="5349240"/>
+            <a:chExt cx="1892808" cy="512054"/>
+          </a:xfrm>
+        </p:grpSpPr>
+        <p:sp>
+          <p:nvSpPr>
+            <p:cNvPr id="21" name="正方形/長方形 20">
+              <a:extLst>
+                <a:ext uri="{FF2B5EF4-FFF2-40B4-BE49-F238E27FC236}">
+                  <a16:creationId xmlns:a16="http://schemas.microsoft.com/office/drawing/2014/main" id="{CF681152-4DCB-C6DE-E65E-100B2E86EF9A}"/>
+                </a:ext>
+              </a:extLst>
+            </p:cNvPr>
+            <p:cNvSpPr/>
+            <p:nvPr/>
+          </p:nvSpPr>
+          <p:spPr>
+            <a:xfrm>
+              <a:off x="8165592" y="5349240"/>
+              <a:ext cx="1892808" cy="512054"/>
+            </a:xfrm>
+            <a:prstGeom prst="rect">
+              <a:avLst/>
+            </a:prstGeom>
+          </p:spPr>
+          <p:style>
+            <a:lnRef idx="2">
+              <a:schemeClr val="dk1"/>
+            </a:lnRef>
+            <a:fillRef idx="1">
+              <a:schemeClr val="lt1"/>
+            </a:fillRef>
+            <a:effectRef idx="0">
+              <a:schemeClr val="dk1"/>
+            </a:effectRef>
+            <a:fontRef idx="minor">
+              <a:schemeClr val="dk1"/>
+            </a:fontRef>
+          </p:style>
+          <p:txBody>
+            <a:bodyPr rtlCol="0" anchor="ctr"/>
+            <a:lstStyle/>
+            <a:p>
+              <a:pPr algn="ctr"/>
+              <a:endParaRPr kumimoji="1" lang="ja-JP" altLang="en-US"/>
+            </a:p>
+          </p:txBody>
+        </p:sp>
+        <p:sp>
+          <p:nvSpPr>
+            <p:cNvPr id="22" name="テキスト ボックス 21">
+              <a:extLst>
+                <a:ext uri="{FF2B5EF4-FFF2-40B4-BE49-F238E27FC236}">
+                  <a16:creationId xmlns:a16="http://schemas.microsoft.com/office/drawing/2014/main" id="{8532FE4F-EEC9-6AF7-4020-F863E38209FF}"/>
+                </a:ext>
+              </a:extLst>
+            </p:cNvPr>
+            <p:cNvSpPr txBox="1"/>
+            <p:nvPr/>
+          </p:nvSpPr>
+          <p:spPr>
+            <a:xfrm>
+              <a:off x="8339328" y="5349240"/>
+              <a:ext cx="1371600" cy="338554"/>
+            </a:xfrm>
+            <a:prstGeom prst="rect">
+              <a:avLst/>
+            </a:prstGeom>
+            <a:noFill/>
+          </p:spPr>
+          <p:txBody>
+            <a:bodyPr wrap="square" rtlCol="0">
+              <a:spAutoFit/>
+            </a:bodyPr>
+            <a:lstStyle/>
+            <a:p>
+              <a:r>
+                <a:rPr lang="ja-JP" altLang="en-US" sz="1600" dirty="0"/>
+                <a:t>編集</a:t>
+              </a:r>
+              <a:r>
+                <a:rPr kumimoji="1" lang="ja-JP" altLang="en-US" sz="1600" dirty="0"/>
+                <a:t>ボタン</a:t>
+              </a:r>
+            </a:p>
+          </p:txBody>
+        </p:sp>
+      </p:grpSp>
+      <p:grpSp>
+        <p:nvGrpSpPr>
+          <p:cNvPr id="23" name="グループ化 22">
+            <a:extLst>
+              <a:ext uri="{FF2B5EF4-FFF2-40B4-BE49-F238E27FC236}">
+                <a16:creationId xmlns:a16="http://schemas.microsoft.com/office/drawing/2014/main" id="{3E73050C-CFA4-FB1C-02DF-70C24191E7DB}"/>
+              </a:ext>
+            </a:extLst>
+          </p:cNvPr>
+          <p:cNvGrpSpPr/>
+          <p:nvPr/>
+        </p:nvGrpSpPr>
+        <p:grpSpPr>
+          <a:xfrm>
+            <a:off x="5553457" y="396987"/>
+            <a:ext cx="2583941" cy="246221"/>
+            <a:chOff x="5553457" y="396987"/>
+            <a:chExt cx="2583941" cy="246221"/>
+          </a:xfrm>
+        </p:grpSpPr>
+        <p:sp>
+          <p:nvSpPr>
+            <p:cNvPr id="24" name="正方形/長方形 23">
+              <a:extLst>
+                <a:ext uri="{FF2B5EF4-FFF2-40B4-BE49-F238E27FC236}">
+                  <a16:creationId xmlns:a16="http://schemas.microsoft.com/office/drawing/2014/main" id="{5FCC5DCF-CE80-9596-4011-CD2BBE88725F}"/>
+                </a:ext>
+              </a:extLst>
+            </p:cNvPr>
+            <p:cNvSpPr/>
+            <p:nvPr/>
+          </p:nvSpPr>
+          <p:spPr>
+            <a:xfrm>
+              <a:off x="5553457" y="415745"/>
+              <a:ext cx="2583941" cy="188082"/>
+            </a:xfrm>
+            <a:prstGeom prst="rect">
+              <a:avLst/>
+            </a:prstGeom>
+          </p:spPr>
+          <p:style>
+            <a:lnRef idx="2">
+              <a:schemeClr val="dk1"/>
+            </a:lnRef>
+            <a:fillRef idx="1">
+              <a:schemeClr val="lt1"/>
+            </a:fillRef>
+            <a:effectRef idx="0">
+              <a:schemeClr val="dk1"/>
+            </a:effectRef>
+            <a:fontRef idx="minor">
+              <a:schemeClr val="dk1"/>
+            </a:fontRef>
+          </p:style>
+          <p:txBody>
+            <a:bodyPr rtlCol="0" anchor="ctr"/>
+            <a:lstStyle/>
+            <a:p>
+              <a:pPr algn="ctr"/>
+              <a:endParaRPr kumimoji="1" lang="ja-JP" altLang="en-US"/>
+            </a:p>
+          </p:txBody>
+        </p:sp>
+        <p:sp>
+          <p:nvSpPr>
+            <p:cNvPr id="25" name="テキスト ボックス 24">
+              <a:extLst>
+                <a:ext uri="{FF2B5EF4-FFF2-40B4-BE49-F238E27FC236}">
+                  <a16:creationId xmlns:a16="http://schemas.microsoft.com/office/drawing/2014/main" id="{FCAFCEF0-33B7-8D40-3F8D-98649E94F246}"/>
+                </a:ext>
+              </a:extLst>
+            </p:cNvPr>
+            <p:cNvSpPr txBox="1"/>
+            <p:nvPr/>
+          </p:nvSpPr>
+          <p:spPr>
+            <a:xfrm>
+              <a:off x="5650230" y="396987"/>
+              <a:ext cx="1874520" cy="246221"/>
+            </a:xfrm>
+            <a:prstGeom prst="rect">
+              <a:avLst/>
+            </a:prstGeom>
+            <a:noFill/>
+          </p:spPr>
+          <p:txBody>
+            <a:bodyPr wrap="square" rtlCol="0">
+              <a:spAutoFit/>
+            </a:bodyPr>
+            <a:lstStyle/>
+            <a:p>
+              <a:r>
+                <a:rPr lang="ja-JP" altLang="en-US" sz="1000" dirty="0"/>
+                <a:t>ホーム画面に戻るボタン</a:t>
+              </a:r>
+              <a:endParaRPr kumimoji="1" lang="ja-JP" altLang="en-US" sz="1000" dirty="0"/>
+            </a:p>
+          </p:txBody>
+        </p:sp>
+      </p:grpSp>
     </p:spTree>
     <p:extLst>
       <p:ext uri="{BB962C8B-B14F-4D97-AF65-F5344CB8AC3E}">
@@ -7225,7 +10249,1070 @@
 </p:sld>
 </file>
 
-<file path=ppt/slides/slide5.xml><?xml version="1.0" encoding="utf-8"?>
+<file path=ppt/slides/slide6.xml><?xml version="1.0" encoding="utf-8"?>
+<p:sld xmlns:a="http://schemas.openxmlformats.org/drawingml/2006/main" xmlns:r="http://schemas.openxmlformats.org/officeDocument/2006/relationships" xmlns:p="http://schemas.openxmlformats.org/presentationml/2006/main">
+  <p:cSld>
+    <p:spTree>
+      <p:nvGrpSpPr>
+        <p:cNvPr id="1" name="">
+          <a:extLst>
+            <a:ext uri="{FF2B5EF4-FFF2-40B4-BE49-F238E27FC236}">
+              <a16:creationId xmlns:a16="http://schemas.microsoft.com/office/drawing/2014/main" id="{BC4E170F-FDAD-EA39-9832-DCA9CF31981A}"/>
+            </a:ext>
+          </a:extLst>
+        </p:cNvPr>
+        <p:cNvGrpSpPr/>
+        <p:nvPr/>
+      </p:nvGrpSpPr>
+      <p:grpSpPr>
+        <a:xfrm>
+          <a:off x="0" y="0"/>
+          <a:ext cx="0" cy="0"/>
+          <a:chOff x="0" y="0"/>
+          <a:chExt cx="0" cy="0"/>
+        </a:xfrm>
+      </p:grpSpPr>
+      <p:sp>
+        <p:nvSpPr>
+          <p:cNvPr id="2" name="正方形/長方形 1">
+            <a:extLst>
+              <a:ext uri="{FF2B5EF4-FFF2-40B4-BE49-F238E27FC236}">
+                <a16:creationId xmlns:a16="http://schemas.microsoft.com/office/drawing/2014/main" id="{62BF3C86-21B5-3E5E-CA7C-02A54BCC0603}"/>
+              </a:ext>
+            </a:extLst>
+          </p:cNvPr>
+          <p:cNvSpPr/>
+          <p:nvPr/>
+        </p:nvSpPr>
+        <p:spPr>
+          <a:xfrm>
+            <a:off x="1362456" y="283464"/>
+            <a:ext cx="9646920" cy="6089904"/>
+          </a:xfrm>
+          <a:prstGeom prst="rect">
+            <a:avLst/>
+          </a:prstGeom>
+        </p:spPr>
+        <p:style>
+          <a:lnRef idx="2">
+            <a:schemeClr val="dk1"/>
+          </a:lnRef>
+          <a:fillRef idx="1">
+            <a:schemeClr val="lt1"/>
+          </a:fillRef>
+          <a:effectRef idx="0">
+            <a:schemeClr val="dk1"/>
+          </a:effectRef>
+          <a:fontRef idx="minor">
+            <a:schemeClr val="dk1"/>
+          </a:fontRef>
+        </p:style>
+        <p:txBody>
+          <a:bodyPr rtlCol="0" anchor="ctr"/>
+          <a:lstStyle/>
+          <a:p>
+            <a:pPr algn="ctr"/>
+            <a:endParaRPr kumimoji="1" lang="ja-JP" altLang="en-US"/>
+          </a:p>
+        </p:txBody>
+      </p:sp>
+      <p:cxnSp>
+        <p:nvCxnSpPr>
+          <p:cNvPr id="4" name="直線コネクタ 3">
+            <a:extLst>
+              <a:ext uri="{FF2B5EF4-FFF2-40B4-BE49-F238E27FC236}">
+                <a16:creationId xmlns:a16="http://schemas.microsoft.com/office/drawing/2014/main" id="{7064E0FA-A5A5-6EEE-3074-935BB280DCFF}"/>
+              </a:ext>
+            </a:extLst>
+          </p:cNvPr>
+          <p:cNvCxnSpPr/>
+          <p:nvPr/>
+        </p:nvCxnSpPr>
+        <p:spPr>
+          <a:xfrm>
+            <a:off x="1362456" y="1545336"/>
+            <a:ext cx="9646920" cy="0"/>
+          </a:xfrm>
+          <a:prstGeom prst="line">
+            <a:avLst/>
+          </a:prstGeom>
+        </p:spPr>
+        <p:style>
+          <a:lnRef idx="2">
+            <a:schemeClr val="accent1"/>
+          </a:lnRef>
+          <a:fillRef idx="0">
+            <a:schemeClr val="accent1"/>
+          </a:fillRef>
+          <a:effectRef idx="1">
+            <a:schemeClr val="accent1"/>
+          </a:effectRef>
+          <a:fontRef idx="minor">
+            <a:schemeClr val="tx1"/>
+          </a:fontRef>
+        </p:style>
+      </p:cxnSp>
+      <p:sp>
+        <p:nvSpPr>
+          <p:cNvPr id="6" name="正方形/長方形 5">
+            <a:extLst>
+              <a:ext uri="{FF2B5EF4-FFF2-40B4-BE49-F238E27FC236}">
+                <a16:creationId xmlns:a16="http://schemas.microsoft.com/office/drawing/2014/main" id="{76BBD623-01E4-4276-E015-963D538FA780}"/>
+              </a:ext>
+            </a:extLst>
+          </p:cNvPr>
+          <p:cNvSpPr/>
+          <p:nvPr/>
+        </p:nvSpPr>
+        <p:spPr>
+          <a:xfrm>
+            <a:off x="1600200" y="753411"/>
+            <a:ext cx="2852928" cy="640068"/>
+          </a:xfrm>
+          <a:prstGeom prst="rect">
+            <a:avLst/>
+          </a:prstGeom>
+        </p:spPr>
+        <p:style>
+          <a:lnRef idx="2">
+            <a:schemeClr val="dk1"/>
+          </a:lnRef>
+          <a:fillRef idx="1">
+            <a:schemeClr val="lt1"/>
+          </a:fillRef>
+          <a:effectRef idx="0">
+            <a:schemeClr val="dk1"/>
+          </a:effectRef>
+          <a:fontRef idx="minor">
+            <a:schemeClr val="dk1"/>
+          </a:fontRef>
+        </p:style>
+        <p:txBody>
+          <a:bodyPr rtlCol="0" anchor="ctr"/>
+          <a:lstStyle/>
+          <a:p>
+            <a:pPr algn="ctr"/>
+            <a:endParaRPr kumimoji="1" lang="ja-JP" altLang="en-US"/>
+          </a:p>
+        </p:txBody>
+      </p:sp>
+      <p:sp>
+        <p:nvSpPr>
+          <p:cNvPr id="7" name="正方形/長方形 6">
+            <a:extLst>
+              <a:ext uri="{FF2B5EF4-FFF2-40B4-BE49-F238E27FC236}">
+                <a16:creationId xmlns:a16="http://schemas.microsoft.com/office/drawing/2014/main" id="{B60D22FD-6E4D-D8C7-FCDF-C12C4B768307}"/>
+              </a:ext>
+            </a:extLst>
+          </p:cNvPr>
+          <p:cNvSpPr/>
+          <p:nvPr/>
+        </p:nvSpPr>
+        <p:spPr>
+          <a:xfrm>
+            <a:off x="4788408" y="704113"/>
+            <a:ext cx="2852928" cy="640068"/>
+          </a:xfrm>
+          <a:prstGeom prst="rect">
+            <a:avLst/>
+          </a:prstGeom>
+        </p:spPr>
+        <p:style>
+          <a:lnRef idx="2">
+            <a:schemeClr val="dk1"/>
+          </a:lnRef>
+          <a:fillRef idx="1">
+            <a:schemeClr val="lt1"/>
+          </a:fillRef>
+          <a:effectRef idx="0">
+            <a:schemeClr val="dk1"/>
+          </a:effectRef>
+          <a:fontRef idx="minor">
+            <a:schemeClr val="dk1"/>
+          </a:fontRef>
+        </p:style>
+        <p:txBody>
+          <a:bodyPr rtlCol="0" anchor="ctr"/>
+          <a:lstStyle/>
+          <a:p>
+            <a:pPr algn="ctr"/>
+            <a:endParaRPr kumimoji="1" lang="ja-JP" altLang="en-US"/>
+          </a:p>
+        </p:txBody>
+      </p:sp>
+      <p:sp>
+        <p:nvSpPr>
+          <p:cNvPr id="8" name="正方形/長方形 7">
+            <a:extLst>
+              <a:ext uri="{FF2B5EF4-FFF2-40B4-BE49-F238E27FC236}">
+                <a16:creationId xmlns:a16="http://schemas.microsoft.com/office/drawing/2014/main" id="{485BC34B-F431-CB59-42D5-E5F0E31F3F3E}"/>
+              </a:ext>
+            </a:extLst>
+          </p:cNvPr>
+          <p:cNvSpPr/>
+          <p:nvPr/>
+        </p:nvSpPr>
+        <p:spPr>
+          <a:xfrm>
+            <a:off x="7976616" y="704113"/>
+            <a:ext cx="2852928" cy="640068"/>
+          </a:xfrm>
+          <a:prstGeom prst="rect">
+            <a:avLst/>
+          </a:prstGeom>
+        </p:spPr>
+        <p:style>
+          <a:lnRef idx="2">
+            <a:schemeClr val="dk1"/>
+          </a:lnRef>
+          <a:fillRef idx="1">
+            <a:schemeClr val="lt1"/>
+          </a:fillRef>
+          <a:effectRef idx="0">
+            <a:schemeClr val="dk1"/>
+          </a:effectRef>
+          <a:fontRef idx="minor">
+            <a:schemeClr val="dk1"/>
+          </a:fontRef>
+        </p:style>
+        <p:txBody>
+          <a:bodyPr rtlCol="0" anchor="ctr"/>
+          <a:lstStyle/>
+          <a:p>
+            <a:pPr algn="ctr"/>
+            <a:endParaRPr kumimoji="1" lang="ja-JP" altLang="en-US"/>
+          </a:p>
+        </p:txBody>
+      </p:sp>
+      <p:sp>
+        <p:nvSpPr>
+          <p:cNvPr id="9" name="正方形/長方形 8">
+            <a:extLst>
+              <a:ext uri="{FF2B5EF4-FFF2-40B4-BE49-F238E27FC236}">
+                <a16:creationId xmlns:a16="http://schemas.microsoft.com/office/drawing/2014/main" id="{1BF0ED9B-F526-07B1-0BAB-7017DAE795DB}"/>
+              </a:ext>
+            </a:extLst>
+          </p:cNvPr>
+          <p:cNvSpPr/>
+          <p:nvPr/>
+        </p:nvSpPr>
+        <p:spPr>
+          <a:xfrm>
+            <a:off x="8339328" y="402336"/>
+            <a:ext cx="2395728" cy="219456"/>
+          </a:xfrm>
+          <a:prstGeom prst="rect">
+            <a:avLst/>
+          </a:prstGeom>
+        </p:spPr>
+        <p:style>
+          <a:lnRef idx="2">
+            <a:schemeClr val="dk1"/>
+          </a:lnRef>
+          <a:fillRef idx="1">
+            <a:schemeClr val="lt1"/>
+          </a:fillRef>
+          <a:effectRef idx="0">
+            <a:schemeClr val="dk1"/>
+          </a:effectRef>
+          <a:fontRef idx="minor">
+            <a:schemeClr val="dk1"/>
+          </a:fontRef>
+        </p:style>
+        <p:txBody>
+          <a:bodyPr rtlCol="0" anchor="ctr"/>
+          <a:lstStyle/>
+          <a:p>
+            <a:pPr algn="ctr"/>
+            <a:endParaRPr kumimoji="1" lang="ja-JP" altLang="en-US"/>
+          </a:p>
+        </p:txBody>
+      </p:sp>
+      <p:sp>
+        <p:nvSpPr>
+          <p:cNvPr id="10" name="テキスト ボックス 9">
+            <a:extLst>
+              <a:ext uri="{FF2B5EF4-FFF2-40B4-BE49-F238E27FC236}">
+                <a16:creationId xmlns:a16="http://schemas.microsoft.com/office/drawing/2014/main" id="{4ACADED4-F19D-A7C6-9304-5D2D0C80AAE8}"/>
+              </a:ext>
+            </a:extLst>
+          </p:cNvPr>
+          <p:cNvSpPr txBox="1"/>
+          <p:nvPr/>
+        </p:nvSpPr>
+        <p:spPr>
+          <a:xfrm>
+            <a:off x="8531352" y="402336"/>
+            <a:ext cx="1874520" cy="246221"/>
+          </a:xfrm>
+          <a:prstGeom prst="rect">
+            <a:avLst/>
+          </a:prstGeom>
+          <a:noFill/>
+        </p:spPr>
+        <p:txBody>
+          <a:bodyPr wrap="square" rtlCol="0">
+            <a:spAutoFit/>
+          </a:bodyPr>
+          <a:lstStyle/>
+          <a:p>
+            <a:r>
+              <a:rPr kumimoji="1" lang="ja-JP" altLang="en-US" sz="1000" dirty="0"/>
+              <a:t>ログアウト</a:t>
+            </a:r>
+          </a:p>
+        </p:txBody>
+      </p:sp>
+      <p:sp>
+        <p:nvSpPr>
+          <p:cNvPr id="11" name="テキスト ボックス 10">
+            <a:extLst>
+              <a:ext uri="{FF2B5EF4-FFF2-40B4-BE49-F238E27FC236}">
+                <a16:creationId xmlns:a16="http://schemas.microsoft.com/office/drawing/2014/main" id="{776642EB-CDD6-213F-674E-9AEEF5D567F6}"/>
+              </a:ext>
+            </a:extLst>
+          </p:cNvPr>
+          <p:cNvSpPr txBox="1"/>
+          <p:nvPr/>
+        </p:nvSpPr>
+        <p:spPr>
+          <a:xfrm>
+            <a:off x="2157984" y="888779"/>
+            <a:ext cx="2295144" cy="369332"/>
+          </a:xfrm>
+          <a:prstGeom prst="rect">
+            <a:avLst/>
+          </a:prstGeom>
+          <a:noFill/>
+        </p:spPr>
+        <p:txBody>
+          <a:bodyPr wrap="square" rtlCol="0">
+            <a:spAutoFit/>
+          </a:bodyPr>
+          <a:lstStyle/>
+          <a:p>
+            <a:r>
+              <a:rPr kumimoji="1" lang="ja-JP" altLang="en-US" dirty="0"/>
+              <a:t>スケジュール</a:t>
+            </a:r>
+          </a:p>
+        </p:txBody>
+      </p:sp>
+      <p:sp>
+        <p:nvSpPr>
+          <p:cNvPr id="12" name="テキスト ボックス 11">
+            <a:extLst>
+              <a:ext uri="{FF2B5EF4-FFF2-40B4-BE49-F238E27FC236}">
+                <a16:creationId xmlns:a16="http://schemas.microsoft.com/office/drawing/2014/main" id="{353C3C12-0912-E3DC-6879-06A0ACF4C83B}"/>
+              </a:ext>
+            </a:extLst>
+          </p:cNvPr>
+          <p:cNvSpPr txBox="1"/>
+          <p:nvPr/>
+        </p:nvSpPr>
+        <p:spPr>
+          <a:xfrm>
+            <a:off x="5346192" y="839481"/>
+            <a:ext cx="2295144" cy="369332"/>
+          </a:xfrm>
+          <a:prstGeom prst="rect">
+            <a:avLst/>
+          </a:prstGeom>
+          <a:noFill/>
+        </p:spPr>
+        <p:txBody>
+          <a:bodyPr wrap="square" rtlCol="0">
+            <a:spAutoFit/>
+          </a:bodyPr>
+          <a:lstStyle/>
+          <a:p>
+            <a:r>
+              <a:rPr lang="ja-JP" altLang="en-US" dirty="0"/>
+              <a:t>お知らせ</a:t>
+            </a:r>
+            <a:endParaRPr kumimoji="1" lang="ja-JP" altLang="en-US" dirty="0"/>
+          </a:p>
+        </p:txBody>
+      </p:sp>
+      <p:sp>
+        <p:nvSpPr>
+          <p:cNvPr id="13" name="テキスト ボックス 12">
+            <a:extLst>
+              <a:ext uri="{FF2B5EF4-FFF2-40B4-BE49-F238E27FC236}">
+                <a16:creationId xmlns:a16="http://schemas.microsoft.com/office/drawing/2014/main" id="{399A0014-69EF-3FC8-B57F-FA4B1455D088}"/>
+              </a:ext>
+            </a:extLst>
+          </p:cNvPr>
+          <p:cNvSpPr txBox="1"/>
+          <p:nvPr/>
+        </p:nvSpPr>
+        <p:spPr>
+          <a:xfrm>
+            <a:off x="8439912" y="856513"/>
+            <a:ext cx="2295144" cy="369332"/>
+          </a:xfrm>
+          <a:prstGeom prst="rect">
+            <a:avLst/>
+          </a:prstGeom>
+          <a:noFill/>
+        </p:spPr>
+        <p:txBody>
+          <a:bodyPr wrap="square" rtlCol="0">
+            <a:spAutoFit/>
+          </a:bodyPr>
+          <a:lstStyle/>
+          <a:p>
+            <a:r>
+              <a:rPr lang="ja-JP" altLang="en-US" dirty="0"/>
+              <a:t>社員紹介</a:t>
+            </a:r>
+            <a:endParaRPr kumimoji="1" lang="ja-JP" altLang="en-US" dirty="0"/>
+          </a:p>
+        </p:txBody>
+      </p:sp>
+      <p:sp>
+        <p:nvSpPr>
+          <p:cNvPr id="3" name="正方形/長方形 2">
+            <a:extLst>
+              <a:ext uri="{FF2B5EF4-FFF2-40B4-BE49-F238E27FC236}">
+                <a16:creationId xmlns:a16="http://schemas.microsoft.com/office/drawing/2014/main" id="{503DB0A6-169B-CE95-0C00-310E205A2363}"/>
+              </a:ext>
+            </a:extLst>
+          </p:cNvPr>
+          <p:cNvSpPr/>
+          <p:nvPr/>
+        </p:nvSpPr>
+        <p:spPr>
+          <a:xfrm>
+            <a:off x="3256788" y="2470685"/>
+            <a:ext cx="7333488" cy="1102832"/>
+          </a:xfrm>
+          <a:prstGeom prst="rect">
+            <a:avLst/>
+          </a:prstGeom>
+        </p:spPr>
+        <p:style>
+          <a:lnRef idx="2">
+            <a:schemeClr val="dk1"/>
+          </a:lnRef>
+          <a:fillRef idx="1">
+            <a:schemeClr val="lt1"/>
+          </a:fillRef>
+          <a:effectRef idx="0">
+            <a:schemeClr val="dk1"/>
+          </a:effectRef>
+          <a:fontRef idx="minor">
+            <a:schemeClr val="dk1"/>
+          </a:fontRef>
+        </p:style>
+        <p:txBody>
+          <a:bodyPr rtlCol="0" anchor="ctr"/>
+          <a:lstStyle/>
+          <a:p>
+            <a:pPr algn="ctr"/>
+            <a:endParaRPr kumimoji="1" lang="ja-JP" altLang="en-US"/>
+          </a:p>
+        </p:txBody>
+      </p:sp>
+      <p:grpSp>
+        <p:nvGrpSpPr>
+          <p:cNvPr id="19" name="グループ化 18">
+            <a:extLst>
+              <a:ext uri="{FF2B5EF4-FFF2-40B4-BE49-F238E27FC236}">
+                <a16:creationId xmlns:a16="http://schemas.microsoft.com/office/drawing/2014/main" id="{490BDB17-9BD8-924B-B20C-32E5376ACB0E}"/>
+              </a:ext>
+            </a:extLst>
+          </p:cNvPr>
+          <p:cNvGrpSpPr/>
+          <p:nvPr/>
+        </p:nvGrpSpPr>
+        <p:grpSpPr>
+          <a:xfrm>
+            <a:off x="8165592" y="5349240"/>
+            <a:ext cx="1892808" cy="584775"/>
+            <a:chOff x="8165592" y="5349240"/>
+            <a:chExt cx="1892808" cy="584775"/>
+          </a:xfrm>
+        </p:grpSpPr>
+        <p:sp>
+          <p:nvSpPr>
+            <p:cNvPr id="17" name="正方形/長方形 16">
+              <a:extLst>
+                <a:ext uri="{FF2B5EF4-FFF2-40B4-BE49-F238E27FC236}">
+                  <a16:creationId xmlns:a16="http://schemas.microsoft.com/office/drawing/2014/main" id="{381A16A1-D8F2-6624-25C3-F3FE2BB623E0}"/>
+                </a:ext>
+              </a:extLst>
+            </p:cNvPr>
+            <p:cNvSpPr/>
+            <p:nvPr/>
+          </p:nvSpPr>
+          <p:spPr>
+            <a:xfrm>
+              <a:off x="8165592" y="5349240"/>
+              <a:ext cx="1892808" cy="512054"/>
+            </a:xfrm>
+            <a:prstGeom prst="rect">
+              <a:avLst/>
+            </a:prstGeom>
+          </p:spPr>
+          <p:style>
+            <a:lnRef idx="2">
+              <a:schemeClr val="dk1"/>
+            </a:lnRef>
+            <a:fillRef idx="1">
+              <a:schemeClr val="lt1"/>
+            </a:fillRef>
+            <a:effectRef idx="0">
+              <a:schemeClr val="dk1"/>
+            </a:effectRef>
+            <a:fontRef idx="minor">
+              <a:schemeClr val="dk1"/>
+            </a:fontRef>
+          </p:style>
+          <p:txBody>
+            <a:bodyPr rtlCol="0" anchor="ctr"/>
+            <a:lstStyle/>
+            <a:p>
+              <a:pPr algn="ctr"/>
+              <a:endParaRPr kumimoji="1" lang="ja-JP" altLang="en-US"/>
+            </a:p>
+          </p:txBody>
+        </p:sp>
+        <p:sp>
+          <p:nvSpPr>
+            <p:cNvPr id="18" name="テキスト ボックス 17">
+              <a:extLst>
+                <a:ext uri="{FF2B5EF4-FFF2-40B4-BE49-F238E27FC236}">
+                  <a16:creationId xmlns:a16="http://schemas.microsoft.com/office/drawing/2014/main" id="{474FA656-7065-87AE-32AA-0FFF91C86AA4}"/>
+                </a:ext>
+              </a:extLst>
+            </p:cNvPr>
+            <p:cNvSpPr txBox="1"/>
+            <p:nvPr/>
+          </p:nvSpPr>
+          <p:spPr>
+            <a:xfrm>
+              <a:off x="8339328" y="5349240"/>
+              <a:ext cx="1371600" cy="584775"/>
+            </a:xfrm>
+            <a:prstGeom prst="rect">
+              <a:avLst/>
+            </a:prstGeom>
+            <a:noFill/>
+          </p:spPr>
+          <p:txBody>
+            <a:bodyPr wrap="square" rtlCol="0">
+              <a:spAutoFit/>
+            </a:bodyPr>
+            <a:lstStyle/>
+            <a:p>
+              <a:r>
+                <a:rPr lang="ja-JP" altLang="en-US" sz="1600" dirty="0"/>
+                <a:t>編集キャンセル</a:t>
+              </a:r>
+              <a:r>
+                <a:rPr kumimoji="1" lang="ja-JP" altLang="en-US" sz="1600" dirty="0"/>
+                <a:t>ボタン</a:t>
+              </a:r>
+            </a:p>
+          </p:txBody>
+        </p:sp>
+      </p:grpSp>
+      <p:grpSp>
+        <p:nvGrpSpPr>
+          <p:cNvPr id="20" name="グループ化 19">
+            <a:extLst>
+              <a:ext uri="{FF2B5EF4-FFF2-40B4-BE49-F238E27FC236}">
+                <a16:creationId xmlns:a16="http://schemas.microsoft.com/office/drawing/2014/main" id="{92352BB2-D788-A5A7-485D-52160B10163D}"/>
+              </a:ext>
+            </a:extLst>
+          </p:cNvPr>
+          <p:cNvGrpSpPr/>
+          <p:nvPr/>
+        </p:nvGrpSpPr>
+        <p:grpSpPr>
+          <a:xfrm>
+            <a:off x="5934456" y="5349239"/>
+            <a:ext cx="1892808" cy="512054"/>
+            <a:chOff x="8165592" y="5349240"/>
+            <a:chExt cx="1892808" cy="512054"/>
+          </a:xfrm>
+        </p:grpSpPr>
+        <p:sp>
+          <p:nvSpPr>
+            <p:cNvPr id="21" name="正方形/長方形 20">
+              <a:extLst>
+                <a:ext uri="{FF2B5EF4-FFF2-40B4-BE49-F238E27FC236}">
+                  <a16:creationId xmlns:a16="http://schemas.microsoft.com/office/drawing/2014/main" id="{BD58E3D6-4F5B-230B-EADD-11E5A26352A3}"/>
+                </a:ext>
+              </a:extLst>
+            </p:cNvPr>
+            <p:cNvSpPr/>
+            <p:nvPr/>
+          </p:nvSpPr>
+          <p:spPr>
+            <a:xfrm>
+              <a:off x="8165592" y="5349240"/>
+              <a:ext cx="1892808" cy="512054"/>
+            </a:xfrm>
+            <a:prstGeom prst="rect">
+              <a:avLst/>
+            </a:prstGeom>
+          </p:spPr>
+          <p:style>
+            <a:lnRef idx="2">
+              <a:schemeClr val="dk1"/>
+            </a:lnRef>
+            <a:fillRef idx="1">
+              <a:schemeClr val="lt1"/>
+            </a:fillRef>
+            <a:effectRef idx="0">
+              <a:schemeClr val="dk1"/>
+            </a:effectRef>
+            <a:fontRef idx="minor">
+              <a:schemeClr val="dk1"/>
+            </a:fontRef>
+          </p:style>
+          <p:txBody>
+            <a:bodyPr rtlCol="0" anchor="ctr"/>
+            <a:lstStyle/>
+            <a:p>
+              <a:pPr algn="ctr"/>
+              <a:endParaRPr kumimoji="1" lang="ja-JP" altLang="en-US"/>
+            </a:p>
+          </p:txBody>
+        </p:sp>
+        <p:sp>
+          <p:nvSpPr>
+            <p:cNvPr id="22" name="テキスト ボックス 21">
+              <a:extLst>
+                <a:ext uri="{FF2B5EF4-FFF2-40B4-BE49-F238E27FC236}">
+                  <a16:creationId xmlns:a16="http://schemas.microsoft.com/office/drawing/2014/main" id="{4F5AD6A7-E13A-BF90-B83D-1B9A1AA15554}"/>
+                </a:ext>
+              </a:extLst>
+            </p:cNvPr>
+            <p:cNvSpPr txBox="1"/>
+            <p:nvPr/>
+          </p:nvSpPr>
+          <p:spPr>
+            <a:xfrm>
+              <a:off x="8339328" y="5349240"/>
+              <a:ext cx="1371600" cy="338554"/>
+            </a:xfrm>
+            <a:prstGeom prst="rect">
+              <a:avLst/>
+            </a:prstGeom>
+            <a:noFill/>
+          </p:spPr>
+          <p:txBody>
+            <a:bodyPr wrap="square" rtlCol="0">
+              <a:spAutoFit/>
+            </a:bodyPr>
+            <a:lstStyle/>
+            <a:p>
+              <a:r>
+                <a:rPr kumimoji="1" lang="ja-JP" altLang="en-US" sz="1600" dirty="0"/>
+                <a:t>確定ボタン</a:t>
+              </a:r>
+            </a:p>
+          </p:txBody>
+        </p:sp>
+      </p:grpSp>
+      <p:sp>
+        <p:nvSpPr>
+          <p:cNvPr id="23" name="テキスト ボックス 22">
+            <a:extLst>
+              <a:ext uri="{FF2B5EF4-FFF2-40B4-BE49-F238E27FC236}">
+                <a16:creationId xmlns:a16="http://schemas.microsoft.com/office/drawing/2014/main" id="{C3ED38C1-BC7B-40EF-6176-16BC34636544}"/>
+              </a:ext>
+            </a:extLst>
+          </p:cNvPr>
+          <p:cNvSpPr txBox="1"/>
+          <p:nvPr/>
+        </p:nvSpPr>
+        <p:spPr>
+          <a:xfrm>
+            <a:off x="1600200" y="2642616"/>
+            <a:ext cx="1207008" cy="369332"/>
+          </a:xfrm>
+          <a:prstGeom prst="rect">
+            <a:avLst/>
+          </a:prstGeom>
+          <a:noFill/>
+        </p:spPr>
+        <p:txBody>
+          <a:bodyPr wrap="square" rtlCol="0">
+            <a:spAutoFit/>
+          </a:bodyPr>
+          <a:lstStyle/>
+          <a:p>
+            <a:r>
+              <a:rPr kumimoji="1" lang="ja-JP" altLang="en-US" dirty="0"/>
+              <a:t>本文：</a:t>
+            </a:r>
+          </a:p>
+        </p:txBody>
+      </p:sp>
+      <p:sp>
+        <p:nvSpPr>
+          <p:cNvPr id="24" name="テキスト ボックス 23">
+            <a:extLst>
+              <a:ext uri="{FF2B5EF4-FFF2-40B4-BE49-F238E27FC236}">
+                <a16:creationId xmlns:a16="http://schemas.microsoft.com/office/drawing/2014/main" id="{47041E29-7828-DC6E-57B7-771A6B984514}"/>
+              </a:ext>
+            </a:extLst>
+          </p:cNvPr>
+          <p:cNvSpPr txBox="1"/>
+          <p:nvPr/>
+        </p:nvSpPr>
+        <p:spPr>
+          <a:xfrm>
+            <a:off x="1600200" y="4138660"/>
+            <a:ext cx="1207008" cy="369332"/>
+          </a:xfrm>
+          <a:prstGeom prst="rect">
+            <a:avLst/>
+          </a:prstGeom>
+          <a:noFill/>
+        </p:spPr>
+        <p:txBody>
+          <a:bodyPr wrap="square" rtlCol="0">
+            <a:spAutoFit/>
+          </a:bodyPr>
+          <a:lstStyle/>
+          <a:p>
+            <a:r>
+              <a:rPr lang="ja-JP" altLang="en-US" dirty="0"/>
+              <a:t>参加者</a:t>
+            </a:r>
+            <a:r>
+              <a:rPr kumimoji="1" lang="ja-JP" altLang="en-US" dirty="0"/>
+              <a:t>：</a:t>
+            </a:r>
+          </a:p>
+        </p:txBody>
+      </p:sp>
+      <p:sp>
+        <p:nvSpPr>
+          <p:cNvPr id="25" name="テキスト ボックス 24">
+            <a:extLst>
+              <a:ext uri="{FF2B5EF4-FFF2-40B4-BE49-F238E27FC236}">
+                <a16:creationId xmlns:a16="http://schemas.microsoft.com/office/drawing/2014/main" id="{87BEC0E4-832C-4933-481F-0E9E7AF3AEE6}"/>
+              </a:ext>
+            </a:extLst>
+          </p:cNvPr>
+          <p:cNvSpPr txBox="1"/>
+          <p:nvPr/>
+        </p:nvSpPr>
+        <p:spPr>
+          <a:xfrm>
+            <a:off x="1600200" y="1909310"/>
+            <a:ext cx="1517904" cy="369332"/>
+          </a:xfrm>
+          <a:prstGeom prst="rect">
+            <a:avLst/>
+          </a:prstGeom>
+          <a:noFill/>
+        </p:spPr>
+        <p:txBody>
+          <a:bodyPr wrap="square" rtlCol="0">
+            <a:spAutoFit/>
+          </a:bodyPr>
+          <a:lstStyle/>
+          <a:p>
+            <a:r>
+              <a:rPr lang="ja-JP" altLang="en-US" dirty="0"/>
+              <a:t>タイトル</a:t>
+            </a:r>
+            <a:r>
+              <a:rPr kumimoji="1" lang="ja-JP" altLang="en-US" dirty="0"/>
+              <a:t>：</a:t>
+            </a:r>
+          </a:p>
+        </p:txBody>
+      </p:sp>
+      <p:sp>
+        <p:nvSpPr>
+          <p:cNvPr id="26" name="テキスト ボックス 25">
+            <a:extLst>
+              <a:ext uri="{FF2B5EF4-FFF2-40B4-BE49-F238E27FC236}">
+                <a16:creationId xmlns:a16="http://schemas.microsoft.com/office/drawing/2014/main" id="{5454B29D-4F79-3833-660E-C3974A42DA75}"/>
+              </a:ext>
+            </a:extLst>
+          </p:cNvPr>
+          <p:cNvSpPr txBox="1"/>
+          <p:nvPr/>
+        </p:nvSpPr>
+        <p:spPr>
+          <a:xfrm>
+            <a:off x="1554480" y="4739116"/>
+            <a:ext cx="1207008" cy="369332"/>
+          </a:xfrm>
+          <a:prstGeom prst="rect">
+            <a:avLst/>
+          </a:prstGeom>
+          <a:noFill/>
+        </p:spPr>
+        <p:txBody>
+          <a:bodyPr wrap="square" rtlCol="0">
+            <a:spAutoFit/>
+          </a:bodyPr>
+          <a:lstStyle/>
+          <a:p>
+            <a:r>
+              <a:rPr kumimoji="1" lang="ja-JP" altLang="en-US" dirty="0"/>
+              <a:t>日時：</a:t>
+            </a:r>
+          </a:p>
+        </p:txBody>
+      </p:sp>
+      <p:sp>
+        <p:nvSpPr>
+          <p:cNvPr id="27" name="正方形/長方形 26">
+            <a:extLst>
+              <a:ext uri="{FF2B5EF4-FFF2-40B4-BE49-F238E27FC236}">
+                <a16:creationId xmlns:a16="http://schemas.microsoft.com/office/drawing/2014/main" id="{80CE7616-4F15-ADA0-D8CA-FF04C4638089}"/>
+              </a:ext>
+            </a:extLst>
+          </p:cNvPr>
+          <p:cNvSpPr/>
+          <p:nvPr/>
+        </p:nvSpPr>
+        <p:spPr>
+          <a:xfrm>
+            <a:off x="3256788" y="1783118"/>
+            <a:ext cx="7333488" cy="513307"/>
+          </a:xfrm>
+          <a:prstGeom prst="rect">
+            <a:avLst/>
+          </a:prstGeom>
+        </p:spPr>
+        <p:style>
+          <a:lnRef idx="2">
+            <a:schemeClr val="dk1"/>
+          </a:lnRef>
+          <a:fillRef idx="1">
+            <a:schemeClr val="lt1"/>
+          </a:fillRef>
+          <a:effectRef idx="0">
+            <a:schemeClr val="dk1"/>
+          </a:effectRef>
+          <a:fontRef idx="minor">
+            <a:schemeClr val="dk1"/>
+          </a:fontRef>
+        </p:style>
+        <p:txBody>
+          <a:bodyPr rtlCol="0" anchor="ctr"/>
+          <a:lstStyle/>
+          <a:p>
+            <a:pPr algn="ctr"/>
+            <a:endParaRPr kumimoji="1" lang="ja-JP" altLang="en-US"/>
+          </a:p>
+        </p:txBody>
+      </p:sp>
+      <p:sp>
+        <p:nvSpPr>
+          <p:cNvPr id="28" name="正方形/長方形 27">
+            <a:extLst>
+              <a:ext uri="{FF2B5EF4-FFF2-40B4-BE49-F238E27FC236}">
+                <a16:creationId xmlns:a16="http://schemas.microsoft.com/office/drawing/2014/main" id="{6A7D27DA-76B3-848D-8440-767D6D45ACC1}"/>
+              </a:ext>
+            </a:extLst>
+          </p:cNvPr>
+          <p:cNvSpPr/>
+          <p:nvPr/>
+        </p:nvSpPr>
+        <p:spPr>
+          <a:xfrm>
+            <a:off x="3256788" y="4048286"/>
+            <a:ext cx="7333488" cy="399017"/>
+          </a:xfrm>
+          <a:prstGeom prst="rect">
+            <a:avLst/>
+          </a:prstGeom>
+        </p:spPr>
+        <p:style>
+          <a:lnRef idx="2">
+            <a:schemeClr val="dk1"/>
+          </a:lnRef>
+          <a:fillRef idx="1">
+            <a:schemeClr val="lt1"/>
+          </a:fillRef>
+          <a:effectRef idx="0">
+            <a:schemeClr val="dk1"/>
+          </a:effectRef>
+          <a:fontRef idx="minor">
+            <a:schemeClr val="dk1"/>
+          </a:fontRef>
+        </p:style>
+        <p:txBody>
+          <a:bodyPr rtlCol="0" anchor="ctr"/>
+          <a:lstStyle/>
+          <a:p>
+            <a:pPr algn="ctr"/>
+            <a:endParaRPr kumimoji="1" lang="ja-JP" altLang="en-US"/>
+          </a:p>
+        </p:txBody>
+      </p:sp>
+      <p:sp>
+        <p:nvSpPr>
+          <p:cNvPr id="29" name="正方形/長方形 28">
+            <a:extLst>
+              <a:ext uri="{FF2B5EF4-FFF2-40B4-BE49-F238E27FC236}">
+                <a16:creationId xmlns:a16="http://schemas.microsoft.com/office/drawing/2014/main" id="{F4249E5C-BE21-6ACA-15F8-6096A111F1F5}"/>
+              </a:ext>
+            </a:extLst>
+          </p:cNvPr>
+          <p:cNvSpPr/>
+          <p:nvPr/>
+        </p:nvSpPr>
+        <p:spPr>
+          <a:xfrm>
+            <a:off x="3256788" y="4645423"/>
+            <a:ext cx="7333488" cy="399016"/>
+          </a:xfrm>
+          <a:prstGeom prst="rect">
+            <a:avLst/>
+          </a:prstGeom>
+        </p:spPr>
+        <p:style>
+          <a:lnRef idx="2">
+            <a:schemeClr val="dk1"/>
+          </a:lnRef>
+          <a:fillRef idx="1">
+            <a:schemeClr val="lt1"/>
+          </a:fillRef>
+          <a:effectRef idx="0">
+            <a:schemeClr val="dk1"/>
+          </a:effectRef>
+          <a:fontRef idx="minor">
+            <a:schemeClr val="dk1"/>
+          </a:fontRef>
+        </p:style>
+        <p:txBody>
+          <a:bodyPr rtlCol="0" anchor="ctr"/>
+          <a:lstStyle/>
+          <a:p>
+            <a:pPr algn="ctr"/>
+            <a:endParaRPr kumimoji="1" lang="ja-JP" altLang="en-US"/>
+          </a:p>
+        </p:txBody>
+      </p:sp>
+      <p:grpSp>
+        <p:nvGrpSpPr>
+          <p:cNvPr id="30" name="グループ化 29">
+            <a:extLst>
+              <a:ext uri="{FF2B5EF4-FFF2-40B4-BE49-F238E27FC236}">
+                <a16:creationId xmlns:a16="http://schemas.microsoft.com/office/drawing/2014/main" id="{0F3D960B-459F-72F2-3D8D-FAE8639DF6BD}"/>
+              </a:ext>
+            </a:extLst>
+          </p:cNvPr>
+          <p:cNvGrpSpPr/>
+          <p:nvPr/>
+        </p:nvGrpSpPr>
+        <p:grpSpPr>
+          <a:xfrm>
+            <a:off x="5553457" y="396987"/>
+            <a:ext cx="2583941" cy="246221"/>
+            <a:chOff x="5553457" y="396987"/>
+            <a:chExt cx="2583941" cy="246221"/>
+          </a:xfrm>
+        </p:grpSpPr>
+        <p:sp>
+          <p:nvSpPr>
+            <p:cNvPr id="31" name="正方形/長方形 30">
+              <a:extLst>
+                <a:ext uri="{FF2B5EF4-FFF2-40B4-BE49-F238E27FC236}">
+                  <a16:creationId xmlns:a16="http://schemas.microsoft.com/office/drawing/2014/main" id="{DC088C3E-C3E7-6F57-865A-E007E90A05DE}"/>
+                </a:ext>
+              </a:extLst>
+            </p:cNvPr>
+            <p:cNvSpPr/>
+            <p:nvPr/>
+          </p:nvSpPr>
+          <p:spPr>
+            <a:xfrm>
+              <a:off x="5553457" y="415745"/>
+              <a:ext cx="2583941" cy="188082"/>
+            </a:xfrm>
+            <a:prstGeom prst="rect">
+              <a:avLst/>
+            </a:prstGeom>
+          </p:spPr>
+          <p:style>
+            <a:lnRef idx="2">
+              <a:schemeClr val="dk1"/>
+            </a:lnRef>
+            <a:fillRef idx="1">
+              <a:schemeClr val="lt1"/>
+            </a:fillRef>
+            <a:effectRef idx="0">
+              <a:schemeClr val="dk1"/>
+            </a:effectRef>
+            <a:fontRef idx="minor">
+              <a:schemeClr val="dk1"/>
+            </a:fontRef>
+          </p:style>
+          <p:txBody>
+            <a:bodyPr rtlCol="0" anchor="ctr"/>
+            <a:lstStyle/>
+            <a:p>
+              <a:pPr algn="ctr"/>
+              <a:endParaRPr kumimoji="1" lang="ja-JP" altLang="en-US"/>
+            </a:p>
+          </p:txBody>
+        </p:sp>
+        <p:sp>
+          <p:nvSpPr>
+            <p:cNvPr id="32" name="テキスト ボックス 31">
+              <a:extLst>
+                <a:ext uri="{FF2B5EF4-FFF2-40B4-BE49-F238E27FC236}">
+                  <a16:creationId xmlns:a16="http://schemas.microsoft.com/office/drawing/2014/main" id="{F015ECDB-B44C-A313-A6E2-A7CF1AB54B4A}"/>
+                </a:ext>
+              </a:extLst>
+            </p:cNvPr>
+            <p:cNvSpPr txBox="1"/>
+            <p:nvPr/>
+          </p:nvSpPr>
+          <p:spPr>
+            <a:xfrm>
+              <a:off x="5650230" y="396987"/>
+              <a:ext cx="1874520" cy="246221"/>
+            </a:xfrm>
+            <a:prstGeom prst="rect">
+              <a:avLst/>
+            </a:prstGeom>
+            <a:noFill/>
+          </p:spPr>
+          <p:txBody>
+            <a:bodyPr wrap="square" rtlCol="0">
+              <a:spAutoFit/>
+            </a:bodyPr>
+            <a:lstStyle/>
+            <a:p>
+              <a:r>
+                <a:rPr lang="ja-JP" altLang="en-US" sz="1000" dirty="0"/>
+                <a:t>ホーム画面に戻るボタン</a:t>
+              </a:r>
+              <a:endParaRPr kumimoji="1" lang="ja-JP" altLang="en-US" sz="1000" dirty="0"/>
+            </a:p>
+          </p:txBody>
+        </p:sp>
+      </p:grpSp>
+    </p:spTree>
+    <p:extLst>
+      <p:ext uri="{BB962C8B-B14F-4D97-AF65-F5344CB8AC3E}">
+        <p14:creationId xmlns:p14="http://schemas.microsoft.com/office/powerpoint/2010/main" val="325745941"/>
+      </p:ext>
+    </p:extLst>
+  </p:cSld>
+  <p:clrMapOvr>
+    <a:masterClrMapping/>
+  </p:clrMapOvr>
+</p:sld>
+</file>
+
+<file path=ppt/slides/slide7.xml><?xml version="1.0" encoding="utf-8"?>
 <p:sld xmlns:a="http://schemas.openxmlformats.org/drawingml/2006/main" xmlns:r="http://schemas.openxmlformats.org/officeDocument/2006/relationships" xmlns:p="http://schemas.openxmlformats.org/presentationml/2006/main">
   <p:cSld>
     <p:spTree>
@@ -7648,10 +11735,10 @@
       </p:sp>
       <p:grpSp>
         <p:nvGrpSpPr>
-          <p:cNvPr id="14" name="グループ化 13">
-            <a:extLst>
-              <a:ext uri="{FF2B5EF4-FFF2-40B4-BE49-F238E27FC236}">
-                <a16:creationId xmlns:a16="http://schemas.microsoft.com/office/drawing/2014/main" id="{443E0606-04BE-7F25-9D12-49134EBF4442}"/>
+          <p:cNvPr id="17" name="グループ化 16">
+            <a:extLst>
+              <a:ext uri="{FF2B5EF4-FFF2-40B4-BE49-F238E27FC236}">
+                <a16:creationId xmlns:a16="http://schemas.microsoft.com/office/drawing/2014/main" id="{D52641D5-9ECE-5109-6D03-CAED8B13C7D5}"/>
               </a:ext>
             </a:extLst>
           </p:cNvPr>
@@ -7660,18 +11747,18 @@
         </p:nvGrpSpPr>
         <p:grpSpPr>
           <a:xfrm>
-            <a:off x="1600200" y="2212848"/>
-            <a:ext cx="9134856" cy="2862056"/>
+            <a:off x="1694688" y="2384993"/>
+            <a:ext cx="9134856" cy="1609343"/>
             <a:chOff x="1600200" y="1709928"/>
             <a:chExt cx="9134856" cy="2862056"/>
           </a:xfrm>
         </p:grpSpPr>
         <p:sp>
           <p:nvSpPr>
-            <p:cNvPr id="5" name="正方形/長方形 4">
+            <p:cNvPr id="18" name="正方形/長方形 17">
               <a:extLst>
                 <a:ext uri="{FF2B5EF4-FFF2-40B4-BE49-F238E27FC236}">
-                  <a16:creationId xmlns:a16="http://schemas.microsoft.com/office/drawing/2014/main" id="{23A5F0BD-7207-771A-AF98-533B9629147D}"/>
+                  <a16:creationId xmlns:a16="http://schemas.microsoft.com/office/drawing/2014/main" id="{916E4E02-012B-AFD9-3E59-F8832E8CCCEE}"/>
                 </a:ext>
               </a:extLst>
             </p:cNvPr>
@@ -7712,10 +11799,10 @@
         </p:sp>
         <p:sp>
           <p:nvSpPr>
-            <p:cNvPr id="3" name="テキスト ボックス 2">
+            <p:cNvPr id="19" name="テキスト ボックス 18">
               <a:extLst>
                 <a:ext uri="{FF2B5EF4-FFF2-40B4-BE49-F238E27FC236}">
-                  <a16:creationId xmlns:a16="http://schemas.microsoft.com/office/drawing/2014/main" id="{96A0832D-52F4-03A2-6982-83191B6902B8}"/>
+                  <a16:creationId xmlns:a16="http://schemas.microsoft.com/office/drawing/2014/main" id="{71E2CA0C-3D83-83A9-A195-CC59E5EBAE56}"/>
                 </a:ext>
               </a:extLst>
             </p:cNvPr>
@@ -7725,7 +11812,7 @@
           <p:spPr>
             <a:xfrm>
               <a:off x="1920240" y="1837944"/>
-              <a:ext cx="8229600" cy="1477328"/>
+              <a:ext cx="8229600" cy="2627280"/>
             </a:xfrm>
             <a:prstGeom prst="rect">
               <a:avLst/>
@@ -7740,7 +11827,11 @@
             <a:p>
               <a:r>
                 <a:rPr kumimoji="1" lang="ja-JP" altLang="en-US" dirty="0"/>
-                <a:t>お知らせ一覧</a:t>
+                <a:t>お知らせ</a:t>
+              </a:r>
+              <a:r>
+                <a:rPr lang="en-US" altLang="ja-JP" dirty="0"/>
+                <a:t>A</a:t>
               </a:r>
               <a:endParaRPr kumimoji="1" lang="en-US" altLang="ja-JP" dirty="0"/>
             </a:p>
@@ -7787,6 +11878,331 @@
           </p:txBody>
         </p:sp>
       </p:grpSp>
+      <p:grpSp>
+        <p:nvGrpSpPr>
+          <p:cNvPr id="20" name="グループ化 19">
+            <a:extLst>
+              <a:ext uri="{FF2B5EF4-FFF2-40B4-BE49-F238E27FC236}">
+                <a16:creationId xmlns:a16="http://schemas.microsoft.com/office/drawing/2014/main" id="{290E7AD3-0899-6FBA-410C-E8F0390F0266}"/>
+              </a:ext>
+            </a:extLst>
+          </p:cNvPr>
+          <p:cNvGrpSpPr/>
+          <p:nvPr/>
+        </p:nvGrpSpPr>
+        <p:grpSpPr>
+          <a:xfrm>
+            <a:off x="1694688" y="4261096"/>
+            <a:ext cx="9134856" cy="1543313"/>
+            <a:chOff x="1600200" y="1709928"/>
+            <a:chExt cx="9134856" cy="2994136"/>
+          </a:xfrm>
+        </p:grpSpPr>
+        <p:sp>
+          <p:nvSpPr>
+            <p:cNvPr id="21" name="正方形/長方形 20">
+              <a:extLst>
+                <a:ext uri="{FF2B5EF4-FFF2-40B4-BE49-F238E27FC236}">
+                  <a16:creationId xmlns:a16="http://schemas.microsoft.com/office/drawing/2014/main" id="{4FC18E8D-9DF7-350D-C531-B69EE46AE1C9}"/>
+                </a:ext>
+              </a:extLst>
+            </p:cNvPr>
+            <p:cNvSpPr/>
+            <p:nvPr/>
+          </p:nvSpPr>
+          <p:spPr>
+            <a:xfrm>
+              <a:off x="1600200" y="1709928"/>
+              <a:ext cx="9134856" cy="2862056"/>
+            </a:xfrm>
+            <a:prstGeom prst="rect">
+              <a:avLst/>
+            </a:prstGeom>
+          </p:spPr>
+          <p:style>
+            <a:lnRef idx="2">
+              <a:schemeClr val="dk1"/>
+            </a:lnRef>
+            <a:fillRef idx="1">
+              <a:schemeClr val="lt1"/>
+            </a:fillRef>
+            <a:effectRef idx="0">
+              <a:schemeClr val="dk1"/>
+            </a:effectRef>
+            <a:fontRef idx="minor">
+              <a:schemeClr val="dk1"/>
+            </a:fontRef>
+          </p:style>
+          <p:txBody>
+            <a:bodyPr rtlCol="0" anchor="ctr"/>
+            <a:lstStyle/>
+            <a:p>
+              <a:pPr algn="ctr"/>
+              <a:endParaRPr kumimoji="1" lang="ja-JP" altLang="en-US"/>
+            </a:p>
+          </p:txBody>
+        </p:sp>
+        <p:sp>
+          <p:nvSpPr>
+            <p:cNvPr id="22" name="テキスト ボックス 21">
+              <a:extLst>
+                <a:ext uri="{FF2B5EF4-FFF2-40B4-BE49-F238E27FC236}">
+                  <a16:creationId xmlns:a16="http://schemas.microsoft.com/office/drawing/2014/main" id="{208619DA-6C7E-D8DC-11EE-01582A2B8578}"/>
+                </a:ext>
+              </a:extLst>
+            </p:cNvPr>
+            <p:cNvSpPr txBox="1"/>
+            <p:nvPr/>
+          </p:nvSpPr>
+          <p:spPr>
+            <a:xfrm>
+              <a:off x="1920240" y="1837944"/>
+              <a:ext cx="8229600" cy="2866120"/>
+            </a:xfrm>
+            <a:prstGeom prst="rect">
+              <a:avLst/>
+            </a:prstGeom>
+            <a:noFill/>
+          </p:spPr>
+          <p:txBody>
+            <a:bodyPr wrap="square" rtlCol="0">
+              <a:spAutoFit/>
+            </a:bodyPr>
+            <a:lstStyle/>
+            <a:p>
+              <a:r>
+                <a:rPr kumimoji="1" lang="ja-JP" altLang="en-US" dirty="0"/>
+                <a:t>お知らせ</a:t>
+              </a:r>
+              <a:r>
+                <a:rPr lang="en-US" altLang="ja-JP" dirty="0"/>
+                <a:t>B</a:t>
+              </a:r>
+              <a:endParaRPr kumimoji="1" lang="en-US" altLang="ja-JP" dirty="0"/>
+            </a:p>
+            <a:p>
+              <a:r>
+                <a:rPr lang="ja-JP" altLang="en-US" dirty="0"/>
+                <a:t>タイトルをクリックで詳細に遷移</a:t>
+              </a:r>
+              <a:endParaRPr lang="en-US" altLang="ja-JP" dirty="0"/>
+            </a:p>
+            <a:p>
+              <a:pPr marL="285750" indent="-285750">
+                <a:buFont typeface="Arial" panose="020B0604020202020204" pitchFamily="34" charset="0"/>
+                <a:buChar char="•"/>
+              </a:pPr>
+              <a:r>
+                <a:rPr kumimoji="1" lang="ja-JP" altLang="en-US" dirty="0"/>
+                <a:t>タイトル</a:t>
+              </a:r>
+              <a:endParaRPr lang="en-US" altLang="ja-JP" dirty="0"/>
+            </a:p>
+            <a:p>
+              <a:pPr marL="285750" indent="-285750">
+                <a:buFont typeface="Arial" panose="020B0604020202020204" pitchFamily="34" charset="0"/>
+                <a:buChar char="•"/>
+              </a:pPr>
+              <a:r>
+                <a:rPr kumimoji="1" lang="ja-JP" altLang="en-US" dirty="0"/>
+                <a:t>公開日時</a:t>
+              </a:r>
+              <a:endParaRPr kumimoji="1" lang="en-US" altLang="ja-JP" dirty="0"/>
+            </a:p>
+            <a:p>
+              <a:pPr marL="285750" indent="-285750">
+                <a:buFont typeface="Arial" panose="020B0604020202020204" pitchFamily="34" charset="0"/>
+                <a:buChar char="•"/>
+              </a:pPr>
+              <a:r>
+                <a:rPr lang="ja-JP" altLang="en-US" dirty="0"/>
+                <a:t>掲載者</a:t>
+              </a:r>
+              <a:endParaRPr kumimoji="1" lang="ja-JP" altLang="en-US" dirty="0"/>
+            </a:p>
+          </p:txBody>
+        </p:sp>
+      </p:grpSp>
+      <p:sp>
+        <p:nvSpPr>
+          <p:cNvPr id="24" name="正方形/長方形 23">
+            <a:extLst>
+              <a:ext uri="{FF2B5EF4-FFF2-40B4-BE49-F238E27FC236}">
+                <a16:creationId xmlns:a16="http://schemas.microsoft.com/office/drawing/2014/main" id="{EC3F1D34-2BF3-83C9-F057-9AD55AFFFAAE}"/>
+              </a:ext>
+            </a:extLst>
+          </p:cNvPr>
+          <p:cNvSpPr/>
+          <p:nvPr/>
+        </p:nvSpPr>
+        <p:spPr>
+          <a:xfrm>
+            <a:off x="1694688" y="1792224"/>
+            <a:ext cx="2191512" cy="369332"/>
+          </a:xfrm>
+          <a:prstGeom prst="rect">
+            <a:avLst/>
+          </a:prstGeom>
+        </p:spPr>
+        <p:style>
+          <a:lnRef idx="2">
+            <a:schemeClr val="dk1"/>
+          </a:lnRef>
+          <a:fillRef idx="1">
+            <a:schemeClr val="lt1"/>
+          </a:fillRef>
+          <a:effectRef idx="0">
+            <a:schemeClr val="dk1"/>
+          </a:effectRef>
+          <a:fontRef idx="minor">
+            <a:schemeClr val="dk1"/>
+          </a:fontRef>
+        </p:style>
+        <p:txBody>
+          <a:bodyPr rtlCol="0" anchor="ctr"/>
+          <a:lstStyle/>
+          <a:p>
+            <a:pPr algn="ctr"/>
+            <a:endParaRPr kumimoji="1" lang="ja-JP" altLang="en-US"/>
+          </a:p>
+        </p:txBody>
+      </p:sp>
+      <p:sp>
+        <p:nvSpPr>
+          <p:cNvPr id="23" name="テキスト ボックス 22">
+            <a:extLst>
+              <a:ext uri="{FF2B5EF4-FFF2-40B4-BE49-F238E27FC236}">
+                <a16:creationId xmlns:a16="http://schemas.microsoft.com/office/drawing/2014/main" id="{1581E2EA-4D99-DD81-AA79-C4F5CB28986B}"/>
+              </a:ext>
+            </a:extLst>
+          </p:cNvPr>
+          <p:cNvSpPr txBox="1"/>
+          <p:nvPr/>
+        </p:nvSpPr>
+        <p:spPr>
+          <a:xfrm>
+            <a:off x="1938528" y="1792224"/>
+            <a:ext cx="2514600" cy="369332"/>
+          </a:xfrm>
+          <a:prstGeom prst="rect">
+            <a:avLst/>
+          </a:prstGeom>
+          <a:noFill/>
+        </p:spPr>
+        <p:txBody>
+          <a:bodyPr wrap="square" rtlCol="0">
+            <a:spAutoFit/>
+          </a:bodyPr>
+          <a:lstStyle/>
+          <a:p>
+            <a:r>
+              <a:rPr kumimoji="1" lang="ja-JP" altLang="en-US" dirty="0"/>
+              <a:t>お知らせ一覧</a:t>
+            </a:r>
+          </a:p>
+        </p:txBody>
+      </p:sp>
+      <p:grpSp>
+        <p:nvGrpSpPr>
+          <p:cNvPr id="25" name="グループ化 24">
+            <a:extLst>
+              <a:ext uri="{FF2B5EF4-FFF2-40B4-BE49-F238E27FC236}">
+                <a16:creationId xmlns:a16="http://schemas.microsoft.com/office/drawing/2014/main" id="{5D8B6968-84A0-F36A-3BB8-E6E7C58A3D5D}"/>
+              </a:ext>
+            </a:extLst>
+          </p:cNvPr>
+          <p:cNvGrpSpPr/>
+          <p:nvPr/>
+        </p:nvGrpSpPr>
+        <p:grpSpPr>
+          <a:xfrm>
+            <a:off x="5553457" y="396987"/>
+            <a:ext cx="2583941" cy="246221"/>
+            <a:chOff x="5553457" y="396987"/>
+            <a:chExt cx="2583941" cy="246221"/>
+          </a:xfrm>
+        </p:grpSpPr>
+        <p:sp>
+          <p:nvSpPr>
+            <p:cNvPr id="26" name="正方形/長方形 25">
+              <a:extLst>
+                <a:ext uri="{FF2B5EF4-FFF2-40B4-BE49-F238E27FC236}">
+                  <a16:creationId xmlns:a16="http://schemas.microsoft.com/office/drawing/2014/main" id="{9D6E5C30-FD6B-9FD8-D578-E51444D6921E}"/>
+                </a:ext>
+              </a:extLst>
+            </p:cNvPr>
+            <p:cNvSpPr/>
+            <p:nvPr/>
+          </p:nvSpPr>
+          <p:spPr>
+            <a:xfrm>
+              <a:off x="5553457" y="415745"/>
+              <a:ext cx="2583941" cy="188082"/>
+            </a:xfrm>
+            <a:prstGeom prst="rect">
+              <a:avLst/>
+            </a:prstGeom>
+          </p:spPr>
+          <p:style>
+            <a:lnRef idx="2">
+              <a:schemeClr val="dk1"/>
+            </a:lnRef>
+            <a:fillRef idx="1">
+              <a:schemeClr val="lt1"/>
+            </a:fillRef>
+            <a:effectRef idx="0">
+              <a:schemeClr val="dk1"/>
+            </a:effectRef>
+            <a:fontRef idx="minor">
+              <a:schemeClr val="dk1"/>
+            </a:fontRef>
+          </p:style>
+          <p:txBody>
+            <a:bodyPr rtlCol="0" anchor="ctr"/>
+            <a:lstStyle/>
+            <a:p>
+              <a:pPr algn="ctr"/>
+              <a:endParaRPr kumimoji="1" lang="ja-JP" altLang="en-US"/>
+            </a:p>
+          </p:txBody>
+        </p:sp>
+        <p:sp>
+          <p:nvSpPr>
+            <p:cNvPr id="27" name="テキスト ボックス 26">
+              <a:extLst>
+                <a:ext uri="{FF2B5EF4-FFF2-40B4-BE49-F238E27FC236}">
+                  <a16:creationId xmlns:a16="http://schemas.microsoft.com/office/drawing/2014/main" id="{890B15EC-C32C-C986-9C03-1ACF172760FB}"/>
+                </a:ext>
+              </a:extLst>
+            </p:cNvPr>
+            <p:cNvSpPr txBox="1"/>
+            <p:nvPr/>
+          </p:nvSpPr>
+          <p:spPr>
+            <a:xfrm>
+              <a:off x="5650230" y="396987"/>
+              <a:ext cx="1874520" cy="246221"/>
+            </a:xfrm>
+            <a:prstGeom prst="rect">
+              <a:avLst/>
+            </a:prstGeom>
+            <a:noFill/>
+          </p:spPr>
+          <p:txBody>
+            <a:bodyPr wrap="square" rtlCol="0">
+              <a:spAutoFit/>
+            </a:bodyPr>
+            <a:lstStyle/>
+            <a:p>
+              <a:r>
+                <a:rPr lang="ja-JP" altLang="en-US" sz="1000" dirty="0"/>
+                <a:t>ホーム画面に戻るボタン</a:t>
+              </a:r>
+              <a:endParaRPr kumimoji="1" lang="ja-JP" altLang="en-US" sz="1000" dirty="0"/>
+            </a:p>
+          </p:txBody>
+        </p:sp>
+      </p:grpSp>
     </p:spTree>
     <p:extLst>
       <p:ext uri="{BB962C8B-B14F-4D97-AF65-F5344CB8AC3E}">
@@ -7800,7 +12216,7 @@
 </p:sld>
 </file>
 
-<file path=ppt/slides/slide6.xml><?xml version="1.0" encoding="utf-8"?>
+<file path=ppt/slides/slide8.xml><?xml version="1.0" encoding="utf-8"?>
 <p:sld xmlns:a="http://schemas.openxmlformats.org/drawingml/2006/main" xmlns:r="http://schemas.openxmlformats.org/officeDocument/2006/relationships" xmlns:p="http://schemas.openxmlformats.org/presentationml/2006/main">
   <p:cSld>
     <p:spTree>
@@ -8236,7 +12652,7 @@
         <p:grpSpPr>
           <a:xfrm>
             <a:off x="1792224" y="2655351"/>
-            <a:ext cx="8705088" cy="3449238"/>
+            <a:ext cx="8705088" cy="1267423"/>
             <a:chOff x="1792224" y="1783080"/>
             <a:chExt cx="8705088" cy="4321509"/>
           </a:xfrm>
@@ -8299,8 +12715,319 @@
           </p:nvSpPr>
           <p:spPr>
             <a:xfrm>
-              <a:off x="2331720" y="2139696"/>
-              <a:ext cx="7909560" cy="1850927"/>
+              <a:off x="2331720" y="2139695"/>
+              <a:ext cx="7909560" cy="3148261"/>
+            </a:xfrm>
+            <a:prstGeom prst="rect">
+              <a:avLst/>
+            </a:prstGeom>
+            <a:noFill/>
+          </p:spPr>
+          <p:txBody>
+            <a:bodyPr wrap="square" rtlCol="0">
+              <a:spAutoFit/>
+            </a:bodyPr>
+            <a:lstStyle/>
+            <a:p>
+              <a:r>
+                <a:rPr kumimoji="1" lang="ja-JP" altLang="en-US" dirty="0"/>
+                <a:t>詳細情報</a:t>
+              </a:r>
+              <a:r>
+                <a:rPr lang="ja-JP" altLang="en-US" dirty="0"/>
+                <a:t>をまとめて表示</a:t>
+              </a:r>
+              <a:endParaRPr kumimoji="1" lang="en-US" altLang="ja-JP" dirty="0"/>
+            </a:p>
+            <a:p>
+              <a:pPr marL="285750" indent="-285750">
+                <a:buFont typeface="Arial" panose="020B0604020202020204" pitchFamily="34" charset="0"/>
+                <a:buChar char="•"/>
+              </a:pPr>
+              <a:r>
+                <a:rPr kumimoji="1" lang="ja-JP" altLang="en-US" dirty="0"/>
+                <a:t>公開日時（最終更新日時）</a:t>
+              </a:r>
+              <a:endParaRPr kumimoji="1" lang="en-US" altLang="ja-JP" dirty="0"/>
+            </a:p>
+            <a:p>
+              <a:pPr marL="285750" indent="-285750">
+                <a:buFont typeface="Arial" panose="020B0604020202020204" pitchFamily="34" charset="0"/>
+                <a:buChar char="•"/>
+              </a:pPr>
+              <a:r>
+                <a:rPr kumimoji="1" lang="ja-JP" altLang="en-US" dirty="0"/>
+                <a:t>掲載者</a:t>
+              </a:r>
+              <a:endParaRPr kumimoji="1" lang="en-US" altLang="ja-JP" dirty="0"/>
+            </a:p>
+          </p:txBody>
+        </p:sp>
+      </p:grpSp>
+      <p:sp>
+        <p:nvSpPr>
+          <p:cNvPr id="15" name="正方形/長方形 14">
+            <a:extLst>
+              <a:ext uri="{FF2B5EF4-FFF2-40B4-BE49-F238E27FC236}">
+                <a16:creationId xmlns:a16="http://schemas.microsoft.com/office/drawing/2014/main" id="{A6B22F9F-D077-28CE-A664-11BD0CDFD20F}"/>
+              </a:ext>
+            </a:extLst>
+          </p:cNvPr>
+          <p:cNvSpPr/>
+          <p:nvPr/>
+        </p:nvSpPr>
+        <p:spPr>
+          <a:xfrm>
+            <a:off x="1837944" y="1819656"/>
+            <a:ext cx="3886200" cy="651027"/>
+          </a:xfrm>
+          <a:prstGeom prst="rect">
+            <a:avLst/>
+          </a:prstGeom>
+        </p:spPr>
+        <p:style>
+          <a:lnRef idx="2">
+            <a:schemeClr val="dk1"/>
+          </a:lnRef>
+          <a:fillRef idx="1">
+            <a:schemeClr val="lt1"/>
+          </a:fillRef>
+          <a:effectRef idx="0">
+            <a:schemeClr val="dk1"/>
+          </a:effectRef>
+          <a:fontRef idx="minor">
+            <a:schemeClr val="dk1"/>
+          </a:fontRef>
+        </p:style>
+        <p:txBody>
+          <a:bodyPr rtlCol="0" anchor="ctr"/>
+          <a:lstStyle/>
+          <a:p>
+            <a:pPr algn="ctr"/>
+            <a:endParaRPr kumimoji="1" lang="ja-JP" altLang="en-US"/>
+          </a:p>
+        </p:txBody>
+      </p:sp>
+      <p:sp>
+        <p:nvSpPr>
+          <p:cNvPr id="16" name="テキスト ボックス 15">
+            <a:extLst>
+              <a:ext uri="{FF2B5EF4-FFF2-40B4-BE49-F238E27FC236}">
+                <a16:creationId xmlns:a16="http://schemas.microsoft.com/office/drawing/2014/main" id="{83FCD7AA-1C74-2109-4375-0FB2BA66BBF8}"/>
+              </a:ext>
+            </a:extLst>
+          </p:cNvPr>
+          <p:cNvSpPr txBox="1"/>
+          <p:nvPr/>
+        </p:nvSpPr>
+        <p:spPr>
+          <a:xfrm>
+            <a:off x="2057400" y="1938528"/>
+            <a:ext cx="3209544" cy="369332"/>
+          </a:xfrm>
+          <a:prstGeom prst="rect">
+            <a:avLst/>
+          </a:prstGeom>
+          <a:noFill/>
+        </p:spPr>
+        <p:txBody>
+          <a:bodyPr wrap="square" rtlCol="0">
+            <a:spAutoFit/>
+          </a:bodyPr>
+          <a:lstStyle/>
+          <a:p>
+            <a:r>
+              <a:rPr lang="ja-JP" altLang="en-US" dirty="0"/>
+              <a:t>お知らせ</a:t>
+            </a:r>
+            <a:r>
+              <a:rPr kumimoji="1" lang="ja-JP" altLang="en-US" dirty="0"/>
+              <a:t>タイトル</a:t>
+            </a:r>
+          </a:p>
+        </p:txBody>
+      </p:sp>
+      <p:grpSp>
+        <p:nvGrpSpPr>
+          <p:cNvPr id="17" name="グループ化 16">
+            <a:extLst>
+              <a:ext uri="{FF2B5EF4-FFF2-40B4-BE49-F238E27FC236}">
+                <a16:creationId xmlns:a16="http://schemas.microsoft.com/office/drawing/2014/main" id="{220E1EF5-FB49-8CF5-DC7F-8D9A14DD7CEC}"/>
+              </a:ext>
+            </a:extLst>
+          </p:cNvPr>
+          <p:cNvGrpSpPr/>
+          <p:nvPr/>
+        </p:nvGrpSpPr>
+        <p:grpSpPr>
+          <a:xfrm>
+            <a:off x="5553457" y="396987"/>
+            <a:ext cx="2583941" cy="246221"/>
+            <a:chOff x="5553457" y="396987"/>
+            <a:chExt cx="2583941" cy="246221"/>
+          </a:xfrm>
+        </p:grpSpPr>
+        <p:sp>
+          <p:nvSpPr>
+            <p:cNvPr id="18" name="正方形/長方形 17">
+              <a:extLst>
+                <a:ext uri="{FF2B5EF4-FFF2-40B4-BE49-F238E27FC236}">
+                  <a16:creationId xmlns:a16="http://schemas.microsoft.com/office/drawing/2014/main" id="{6F6A4638-CBAE-716E-D0B9-8C736463D1EB}"/>
+                </a:ext>
+              </a:extLst>
+            </p:cNvPr>
+            <p:cNvSpPr/>
+            <p:nvPr/>
+          </p:nvSpPr>
+          <p:spPr>
+            <a:xfrm>
+              <a:off x="5553457" y="415745"/>
+              <a:ext cx="2583941" cy="188082"/>
+            </a:xfrm>
+            <a:prstGeom prst="rect">
+              <a:avLst/>
+            </a:prstGeom>
+          </p:spPr>
+          <p:style>
+            <a:lnRef idx="2">
+              <a:schemeClr val="dk1"/>
+            </a:lnRef>
+            <a:fillRef idx="1">
+              <a:schemeClr val="lt1"/>
+            </a:fillRef>
+            <a:effectRef idx="0">
+              <a:schemeClr val="dk1"/>
+            </a:effectRef>
+            <a:fontRef idx="minor">
+              <a:schemeClr val="dk1"/>
+            </a:fontRef>
+          </p:style>
+          <p:txBody>
+            <a:bodyPr rtlCol="0" anchor="ctr"/>
+            <a:lstStyle/>
+            <a:p>
+              <a:pPr algn="ctr"/>
+              <a:endParaRPr kumimoji="1" lang="ja-JP" altLang="en-US"/>
+            </a:p>
+          </p:txBody>
+        </p:sp>
+        <p:sp>
+          <p:nvSpPr>
+            <p:cNvPr id="19" name="テキスト ボックス 18">
+              <a:extLst>
+                <a:ext uri="{FF2B5EF4-FFF2-40B4-BE49-F238E27FC236}">
+                  <a16:creationId xmlns:a16="http://schemas.microsoft.com/office/drawing/2014/main" id="{BCA4E61F-3A77-D323-DB88-5C02E7A8541E}"/>
+                </a:ext>
+              </a:extLst>
+            </p:cNvPr>
+            <p:cNvSpPr txBox="1"/>
+            <p:nvPr/>
+          </p:nvSpPr>
+          <p:spPr>
+            <a:xfrm>
+              <a:off x="5650230" y="396987"/>
+              <a:ext cx="1874520" cy="246221"/>
+            </a:xfrm>
+            <a:prstGeom prst="rect">
+              <a:avLst/>
+            </a:prstGeom>
+            <a:noFill/>
+          </p:spPr>
+          <p:txBody>
+            <a:bodyPr wrap="square" rtlCol="0">
+              <a:spAutoFit/>
+            </a:bodyPr>
+            <a:lstStyle/>
+            <a:p>
+              <a:r>
+                <a:rPr lang="ja-JP" altLang="en-US" sz="1000" dirty="0"/>
+                <a:t>ホーム画面に戻るボタン</a:t>
+              </a:r>
+              <a:endParaRPr kumimoji="1" lang="ja-JP" altLang="en-US" sz="1000" dirty="0"/>
+            </a:p>
+          </p:txBody>
+        </p:sp>
+      </p:grpSp>
+      <p:grpSp>
+        <p:nvGrpSpPr>
+          <p:cNvPr id="20" name="グループ化 19">
+            <a:extLst>
+              <a:ext uri="{FF2B5EF4-FFF2-40B4-BE49-F238E27FC236}">
+                <a16:creationId xmlns:a16="http://schemas.microsoft.com/office/drawing/2014/main" id="{60FFD28D-46D4-5D43-A259-D04AB9C996BE}"/>
+              </a:ext>
+            </a:extLst>
+          </p:cNvPr>
+          <p:cNvGrpSpPr/>
+          <p:nvPr/>
+        </p:nvGrpSpPr>
+        <p:grpSpPr>
+          <a:xfrm>
+            <a:off x="1837944" y="4215927"/>
+            <a:ext cx="8705088" cy="1267423"/>
+            <a:chOff x="1792224" y="1783080"/>
+            <a:chExt cx="8705088" cy="4321509"/>
+          </a:xfrm>
+        </p:grpSpPr>
+        <p:sp>
+          <p:nvSpPr>
+            <p:cNvPr id="21" name="正方形/長方形 20">
+              <a:extLst>
+                <a:ext uri="{FF2B5EF4-FFF2-40B4-BE49-F238E27FC236}">
+                  <a16:creationId xmlns:a16="http://schemas.microsoft.com/office/drawing/2014/main" id="{3CE0D2EA-DE10-F179-142D-B63FFBF3DEE8}"/>
+                </a:ext>
+              </a:extLst>
+            </p:cNvPr>
+            <p:cNvSpPr/>
+            <p:nvPr/>
+          </p:nvSpPr>
+          <p:spPr>
+            <a:xfrm>
+              <a:off x="1792224" y="1783080"/>
+              <a:ext cx="8705088" cy="4321509"/>
+            </a:xfrm>
+            <a:prstGeom prst="rect">
+              <a:avLst/>
+            </a:prstGeom>
+          </p:spPr>
+          <p:style>
+            <a:lnRef idx="2">
+              <a:schemeClr val="dk1"/>
+            </a:lnRef>
+            <a:fillRef idx="1">
+              <a:schemeClr val="lt1"/>
+            </a:fillRef>
+            <a:effectRef idx="0">
+              <a:schemeClr val="dk1"/>
+            </a:effectRef>
+            <a:fontRef idx="minor">
+              <a:schemeClr val="dk1"/>
+            </a:fontRef>
+          </p:style>
+          <p:txBody>
+            <a:bodyPr rtlCol="0" anchor="ctr"/>
+            <a:lstStyle/>
+            <a:p>
+              <a:pPr algn="ctr"/>
+              <a:endParaRPr kumimoji="1" lang="ja-JP" altLang="en-US"/>
+            </a:p>
+          </p:txBody>
+        </p:sp>
+        <p:sp>
+          <p:nvSpPr>
+            <p:cNvPr id="22" name="テキスト ボックス 21">
+              <a:extLst>
+                <a:ext uri="{FF2B5EF4-FFF2-40B4-BE49-F238E27FC236}">
+                  <a16:creationId xmlns:a16="http://schemas.microsoft.com/office/drawing/2014/main" id="{F3B26065-EAFE-9B4F-7916-350ECDFF08F1}"/>
+                </a:ext>
+              </a:extLst>
+            </p:cNvPr>
+            <p:cNvSpPr txBox="1"/>
+            <p:nvPr/>
+          </p:nvSpPr>
+          <p:spPr>
+            <a:xfrm>
+              <a:off x="2331720" y="2139695"/>
+              <a:ext cx="7909560" cy="1259305"/>
             </a:xfrm>
             <a:prstGeom prst="rect">
               <a:avLst/>
@@ -8315,55 +13042,7 @@
             <a:p>
               <a:r>
                 <a:rPr lang="ja-JP" altLang="en-US" dirty="0"/>
-                <a:t>お知らせ</a:t>
-              </a:r>
-              <a:r>
-                <a:rPr kumimoji="1" lang="ja-JP" altLang="en-US" dirty="0"/>
-                <a:t>詳細</a:t>
-              </a:r>
-              <a:endParaRPr kumimoji="1" lang="en-US" altLang="ja-JP" dirty="0"/>
-            </a:p>
-            <a:p>
-              <a:pPr marL="285750" indent="-285750">
-                <a:buFont typeface="Arial" panose="020B0604020202020204" pitchFamily="34" charset="0"/>
-                <a:buChar char="•"/>
-              </a:pPr>
-              <a:r>
-                <a:rPr lang="ja-JP" altLang="en-US" dirty="0"/>
-                <a:t>本文</a:t>
-              </a:r>
-              <a:endParaRPr lang="en-US" altLang="ja-JP" dirty="0"/>
-            </a:p>
-            <a:p>
-              <a:pPr marL="285750" indent="-285750">
-                <a:buFont typeface="Arial" panose="020B0604020202020204" pitchFamily="34" charset="0"/>
-                <a:buChar char="•"/>
-              </a:pPr>
-              <a:r>
-                <a:rPr kumimoji="1" lang="ja-JP" altLang="en-US" dirty="0"/>
-                <a:t>公開日時</a:t>
-              </a:r>
-              <a:endParaRPr kumimoji="1" lang="en-US" altLang="ja-JP" dirty="0"/>
-            </a:p>
-            <a:p>
-              <a:pPr marL="285750" indent="-285750">
-                <a:buFont typeface="Arial" panose="020B0604020202020204" pitchFamily="34" charset="0"/>
-                <a:buChar char="•"/>
-              </a:pPr>
-              <a:r>
-                <a:rPr kumimoji="1" lang="ja-JP" altLang="en-US" dirty="0"/>
-                <a:t>掲載者</a:t>
-              </a:r>
-              <a:endParaRPr kumimoji="1" lang="en-US" altLang="ja-JP" dirty="0"/>
-            </a:p>
-            <a:p>
-              <a:pPr marL="285750" indent="-285750">
-                <a:buFont typeface="Arial" panose="020B0604020202020204" pitchFamily="34" charset="0"/>
-                <a:buChar char="•"/>
-              </a:pPr>
-              <a:r>
-                <a:rPr lang="ja-JP" altLang="en-US" dirty="0"/>
-                <a:t>一覧に戻るボタン</a:t>
+                <a:t>お知らせの本文</a:t>
               </a:r>
               <a:endParaRPr kumimoji="1" lang="en-US" altLang="ja-JP" dirty="0"/>
             </a:p>
@@ -8372,10 +13051,10 @@
       </p:grpSp>
       <p:sp>
         <p:nvSpPr>
-          <p:cNvPr id="15" name="正方形/長方形 14">
-            <a:extLst>
-              <a:ext uri="{FF2B5EF4-FFF2-40B4-BE49-F238E27FC236}">
-                <a16:creationId xmlns:a16="http://schemas.microsoft.com/office/drawing/2014/main" id="{A6B22F9F-D077-28CE-A664-11BD0CDFD20F}"/>
+          <p:cNvPr id="23" name="正方形/長方形 22">
+            <a:extLst>
+              <a:ext uri="{FF2B5EF4-FFF2-40B4-BE49-F238E27FC236}">
+                <a16:creationId xmlns:a16="http://schemas.microsoft.com/office/drawing/2014/main" id="{A3CBEA06-E2D1-E79E-DBF4-8CC4D509610E}"/>
               </a:ext>
             </a:extLst>
           </p:cNvPr>
@@ -8384,8 +13063,8 @@
         </p:nvSpPr>
         <p:spPr>
           <a:xfrm>
-            <a:off x="1837944" y="1819656"/>
-            <a:ext cx="3886200" cy="651027"/>
+            <a:off x="8137398" y="5687568"/>
+            <a:ext cx="2268474" cy="466319"/>
           </a:xfrm>
           <a:prstGeom prst="rect">
             <a:avLst/>
@@ -8416,10 +13095,10 @@
       </p:sp>
       <p:sp>
         <p:nvSpPr>
-          <p:cNvPr id="16" name="テキスト ボックス 15">
-            <a:extLst>
-              <a:ext uri="{FF2B5EF4-FFF2-40B4-BE49-F238E27FC236}">
-                <a16:creationId xmlns:a16="http://schemas.microsoft.com/office/drawing/2014/main" id="{83FCD7AA-1C74-2109-4375-0FB2BA66BBF8}"/>
+          <p:cNvPr id="24" name="テキスト ボックス 23">
+            <a:extLst>
+              <a:ext uri="{FF2B5EF4-FFF2-40B4-BE49-F238E27FC236}">
+                <a16:creationId xmlns:a16="http://schemas.microsoft.com/office/drawing/2014/main" id="{38681679-5518-E6F4-C43C-EDB45056DEB2}"/>
               </a:ext>
             </a:extLst>
           </p:cNvPr>
@@ -8428,8 +13107,8 @@
         </p:nvSpPr>
         <p:spPr>
           <a:xfrm>
-            <a:off x="2057400" y="1938528"/>
-            <a:ext cx="3209544" cy="369332"/>
+            <a:off x="8339328" y="5769864"/>
+            <a:ext cx="1746504" cy="307777"/>
           </a:xfrm>
           <a:prstGeom prst="rect">
             <a:avLst/>
@@ -8443,12 +13122,87 @@
           <a:lstStyle/>
           <a:p>
             <a:r>
-              <a:rPr lang="ja-JP" altLang="en-US" dirty="0"/>
-              <a:t>お知らせ</a:t>
-            </a:r>
+              <a:rPr kumimoji="1" lang="ja-JP" altLang="en-US" sz="1400" dirty="0"/>
+              <a:t>一覧に戻るボタン</a:t>
+            </a:r>
+          </a:p>
+        </p:txBody>
+      </p:sp>
+      <p:sp>
+        <p:nvSpPr>
+          <p:cNvPr id="25" name="正方形/長方形 24">
+            <a:extLst>
+              <a:ext uri="{FF2B5EF4-FFF2-40B4-BE49-F238E27FC236}">
+                <a16:creationId xmlns:a16="http://schemas.microsoft.com/office/drawing/2014/main" id="{E383FD73-2085-E965-DFD0-B44A51849666}"/>
+              </a:ext>
+            </a:extLst>
+          </p:cNvPr>
+          <p:cNvSpPr/>
+          <p:nvPr/>
+        </p:nvSpPr>
+        <p:spPr>
+          <a:xfrm>
+            <a:off x="5650230" y="5687568"/>
+            <a:ext cx="2167128" cy="390073"/>
+          </a:xfrm>
+          <a:prstGeom prst="rect">
+            <a:avLst/>
+          </a:prstGeom>
+        </p:spPr>
+        <p:style>
+          <a:lnRef idx="2">
+            <a:schemeClr val="dk1"/>
+          </a:lnRef>
+          <a:fillRef idx="1">
+            <a:schemeClr val="lt1"/>
+          </a:fillRef>
+          <a:effectRef idx="0">
+            <a:schemeClr val="dk1"/>
+          </a:effectRef>
+          <a:fontRef idx="minor">
+            <a:schemeClr val="dk1"/>
+          </a:fontRef>
+        </p:style>
+        <p:txBody>
+          <a:bodyPr rtlCol="0" anchor="ctr"/>
+          <a:lstStyle/>
+          <a:p>
+            <a:pPr algn="ctr"/>
+            <a:endParaRPr kumimoji="1" lang="ja-JP" altLang="en-US"/>
+          </a:p>
+        </p:txBody>
+      </p:sp>
+      <p:sp>
+        <p:nvSpPr>
+          <p:cNvPr id="26" name="テキスト ボックス 25">
+            <a:extLst>
+              <a:ext uri="{FF2B5EF4-FFF2-40B4-BE49-F238E27FC236}">
+                <a16:creationId xmlns:a16="http://schemas.microsoft.com/office/drawing/2014/main" id="{0D847FD6-E3C8-3082-528C-33DC54F5C851}"/>
+              </a:ext>
+            </a:extLst>
+          </p:cNvPr>
+          <p:cNvSpPr txBox="1"/>
+          <p:nvPr/>
+        </p:nvSpPr>
+        <p:spPr>
+          <a:xfrm>
+            <a:off x="5788152" y="5687568"/>
+            <a:ext cx="1736598" cy="369332"/>
+          </a:xfrm>
+          <a:prstGeom prst="rect">
+            <a:avLst/>
+          </a:prstGeom>
+          <a:noFill/>
+        </p:spPr>
+        <p:txBody>
+          <a:bodyPr wrap="square" rtlCol="0">
+            <a:spAutoFit/>
+          </a:bodyPr>
+          <a:lstStyle/>
+          <a:p>
             <a:r>
               <a:rPr kumimoji="1" lang="ja-JP" altLang="en-US" dirty="0"/>
-              <a:t>タイトル</a:t>
+              <a:t>編集ボタン</a:t>
             </a:r>
           </a:p>
         </p:txBody>
@@ -8466,7 +13220,7 @@
 </p:sld>
 </file>
 
-<file path=ppt/slides/slide7.xml><?xml version="1.0" encoding="utf-8"?>
+<file path=ppt/slides/slide9.xml><?xml version="1.0" encoding="utf-8"?>
 <p:sld xmlns:a="http://schemas.openxmlformats.org/drawingml/2006/main" xmlns:r="http://schemas.openxmlformats.org/officeDocument/2006/relationships" xmlns:p="http://schemas.openxmlformats.org/presentationml/2006/main">
   <p:cSld>
     <p:spTree>
@@ -8474,7 +13228,7 @@
         <p:cNvPr id="1" name="">
           <a:extLst>
             <a:ext uri="{FF2B5EF4-FFF2-40B4-BE49-F238E27FC236}">
-              <a16:creationId xmlns:a16="http://schemas.microsoft.com/office/drawing/2014/main" id="{D8CBE962-AB0F-A9CC-0540-288403548C7C}"/>
+              <a16:creationId xmlns:a16="http://schemas.microsoft.com/office/drawing/2014/main" id="{DB410BE3-18EC-42F1-37F1-87535CD30294}"/>
             </a:ext>
           </a:extLst>
         </p:cNvPr>
@@ -8494,7 +13248,7 @@
           <p:cNvPr id="2" name="正方形/長方形 1">
             <a:extLst>
               <a:ext uri="{FF2B5EF4-FFF2-40B4-BE49-F238E27FC236}">
-                <a16:creationId xmlns:a16="http://schemas.microsoft.com/office/drawing/2014/main" id="{F54B1125-67DE-78F8-3ABD-64C04A2B0459}"/>
+                <a16:creationId xmlns:a16="http://schemas.microsoft.com/office/drawing/2014/main" id="{7D9B6D54-9C7B-FC9E-A759-D8228E4BBA76}"/>
               </a:ext>
             </a:extLst>
           </p:cNvPr>
@@ -8538,7 +13292,7 @@
           <p:cNvPr id="4" name="直線コネクタ 3">
             <a:extLst>
               <a:ext uri="{FF2B5EF4-FFF2-40B4-BE49-F238E27FC236}">
-                <a16:creationId xmlns:a16="http://schemas.microsoft.com/office/drawing/2014/main" id="{837463C2-75C6-C0D0-E3C0-F7E19B3DA1B0}"/>
+                <a16:creationId xmlns:a16="http://schemas.microsoft.com/office/drawing/2014/main" id="{9296A6CC-6582-8DDB-43B0-D4AB0301E32B}"/>
               </a:ext>
             </a:extLst>
           </p:cNvPr>
@@ -8574,7 +13328,7 @@
           <p:cNvPr id="6" name="正方形/長方形 5">
             <a:extLst>
               <a:ext uri="{FF2B5EF4-FFF2-40B4-BE49-F238E27FC236}">
-                <a16:creationId xmlns:a16="http://schemas.microsoft.com/office/drawing/2014/main" id="{10EFF72A-B276-623D-B936-D5047E2795E6}"/>
+                <a16:creationId xmlns:a16="http://schemas.microsoft.com/office/drawing/2014/main" id="{8E1A1CAC-973D-B8F1-76D9-5FE015AF9622}"/>
               </a:ext>
             </a:extLst>
           </p:cNvPr>
@@ -8618,7 +13372,7 @@
           <p:cNvPr id="7" name="正方形/長方形 6">
             <a:extLst>
               <a:ext uri="{FF2B5EF4-FFF2-40B4-BE49-F238E27FC236}">
-                <a16:creationId xmlns:a16="http://schemas.microsoft.com/office/drawing/2014/main" id="{2A528630-3706-5488-3EAF-C002387CBF11}"/>
+                <a16:creationId xmlns:a16="http://schemas.microsoft.com/office/drawing/2014/main" id="{11D4C8CA-3CEE-0C28-5FF0-7412BBCD4AC6}"/>
               </a:ext>
             </a:extLst>
           </p:cNvPr>
@@ -8662,7 +13416,7 @@
           <p:cNvPr id="8" name="正方形/長方形 7">
             <a:extLst>
               <a:ext uri="{FF2B5EF4-FFF2-40B4-BE49-F238E27FC236}">
-                <a16:creationId xmlns:a16="http://schemas.microsoft.com/office/drawing/2014/main" id="{D5F1E020-0784-C032-2B97-ACFDEFA70CC5}"/>
+                <a16:creationId xmlns:a16="http://schemas.microsoft.com/office/drawing/2014/main" id="{DACD7339-4B4E-120E-F7AB-DC9111F4030E}"/>
               </a:ext>
             </a:extLst>
           </p:cNvPr>
@@ -8706,7 +13460,7 @@
           <p:cNvPr id="9" name="正方形/長方形 8">
             <a:extLst>
               <a:ext uri="{FF2B5EF4-FFF2-40B4-BE49-F238E27FC236}">
-                <a16:creationId xmlns:a16="http://schemas.microsoft.com/office/drawing/2014/main" id="{D196FFB4-DEA6-73FF-A63A-36B2887F8C74}"/>
+                <a16:creationId xmlns:a16="http://schemas.microsoft.com/office/drawing/2014/main" id="{E91180B2-7CFD-0733-CAC4-E69B5CD54C2B}"/>
               </a:ext>
             </a:extLst>
           </p:cNvPr>
@@ -8750,7 +13504,7 @@
           <p:cNvPr id="10" name="テキスト ボックス 9">
             <a:extLst>
               <a:ext uri="{FF2B5EF4-FFF2-40B4-BE49-F238E27FC236}">
-                <a16:creationId xmlns:a16="http://schemas.microsoft.com/office/drawing/2014/main" id="{B3B843F4-8BD0-8DB6-C9E4-04B0ABC1F382}"/>
+                <a16:creationId xmlns:a16="http://schemas.microsoft.com/office/drawing/2014/main" id="{D7C1A343-54AB-B62D-A4F5-7106B52B4B69}"/>
               </a:ext>
             </a:extLst>
           </p:cNvPr>
@@ -8785,7 +13539,7 @@
           <p:cNvPr id="11" name="テキスト ボックス 10">
             <a:extLst>
               <a:ext uri="{FF2B5EF4-FFF2-40B4-BE49-F238E27FC236}">
-                <a16:creationId xmlns:a16="http://schemas.microsoft.com/office/drawing/2014/main" id="{CEBB229B-5217-314C-0F2A-8157C708748D}"/>
+                <a16:creationId xmlns:a16="http://schemas.microsoft.com/office/drawing/2014/main" id="{6BDDA873-20B4-2A35-BF4A-F31D0277C8CF}"/>
               </a:ext>
             </a:extLst>
           </p:cNvPr>
@@ -8820,7 +13574,7 @@
           <p:cNvPr id="12" name="テキスト ボックス 11">
             <a:extLst>
               <a:ext uri="{FF2B5EF4-FFF2-40B4-BE49-F238E27FC236}">
-                <a16:creationId xmlns:a16="http://schemas.microsoft.com/office/drawing/2014/main" id="{0E294FF1-7879-E2AF-CAC8-5FA4B7D4FDB4}"/>
+                <a16:creationId xmlns:a16="http://schemas.microsoft.com/office/drawing/2014/main" id="{DFE40F74-6B86-9A18-0D50-512A7A278FB4}"/>
               </a:ext>
             </a:extLst>
           </p:cNvPr>
@@ -8856,7 +13610,7 @@
           <p:cNvPr id="13" name="テキスト ボックス 12">
             <a:extLst>
               <a:ext uri="{FF2B5EF4-FFF2-40B4-BE49-F238E27FC236}">
-                <a16:creationId xmlns:a16="http://schemas.microsoft.com/office/drawing/2014/main" id="{A90825B5-D9EB-6E91-B770-F0C423C600E6}"/>
+                <a16:creationId xmlns:a16="http://schemas.microsoft.com/office/drawing/2014/main" id="{BFB2A1FE-AFE0-2FB8-3A8B-2EA0EF94DC4E}"/>
               </a:ext>
             </a:extLst>
           </p:cNvPr>
@@ -8892,7 +13646,7 @@
           <p:cNvPr id="3" name="正方形/長方形 2">
             <a:extLst>
               <a:ext uri="{FF2B5EF4-FFF2-40B4-BE49-F238E27FC236}">
-                <a16:creationId xmlns:a16="http://schemas.microsoft.com/office/drawing/2014/main" id="{A961D747-42D7-860F-9293-281ECBAE4780}"/>
+                <a16:creationId xmlns:a16="http://schemas.microsoft.com/office/drawing/2014/main" id="{86B5A7F4-2395-8130-AAFC-838A5CCE902F}"/>
               </a:ext>
             </a:extLst>
           </p:cNvPr>
@@ -8901,8 +13655,8 @@
         </p:nvSpPr>
         <p:spPr>
           <a:xfrm>
-            <a:off x="1993392" y="1883664"/>
-            <a:ext cx="8522208" cy="3072377"/>
+            <a:off x="3256788" y="2470684"/>
+            <a:ext cx="7333488" cy="2640811"/>
           </a:xfrm>
           <a:prstGeom prst="rect">
             <a:avLst/>
@@ -8931,12 +13685,216 @@
           </a:p>
         </p:txBody>
       </p:sp>
-      <p:sp>
-        <p:nvSpPr>
-          <p:cNvPr id="5" name="テキスト ボックス 4">
-            <a:extLst>
-              <a:ext uri="{FF2B5EF4-FFF2-40B4-BE49-F238E27FC236}">
-                <a16:creationId xmlns:a16="http://schemas.microsoft.com/office/drawing/2014/main" id="{10999E0C-C00A-8501-FD6E-B8EB230D119D}"/>
+      <p:grpSp>
+        <p:nvGrpSpPr>
+          <p:cNvPr id="19" name="グループ化 18">
+            <a:extLst>
+              <a:ext uri="{FF2B5EF4-FFF2-40B4-BE49-F238E27FC236}">
+                <a16:creationId xmlns:a16="http://schemas.microsoft.com/office/drawing/2014/main" id="{91CF0DF5-0114-DE55-7CCB-A5D4154011B0}"/>
+              </a:ext>
+            </a:extLst>
+          </p:cNvPr>
+          <p:cNvGrpSpPr/>
+          <p:nvPr/>
+        </p:nvGrpSpPr>
+        <p:grpSpPr>
+          <a:xfrm>
+            <a:off x="8165592" y="5349240"/>
+            <a:ext cx="1892808" cy="584775"/>
+            <a:chOff x="8165592" y="5349240"/>
+            <a:chExt cx="1892808" cy="584775"/>
+          </a:xfrm>
+        </p:grpSpPr>
+        <p:sp>
+          <p:nvSpPr>
+            <p:cNvPr id="17" name="正方形/長方形 16">
+              <a:extLst>
+                <a:ext uri="{FF2B5EF4-FFF2-40B4-BE49-F238E27FC236}">
+                  <a16:creationId xmlns:a16="http://schemas.microsoft.com/office/drawing/2014/main" id="{79FA891E-2DDC-AB6E-3B1D-D8DED0B724E4}"/>
+                </a:ext>
+              </a:extLst>
+            </p:cNvPr>
+            <p:cNvSpPr/>
+            <p:nvPr/>
+          </p:nvSpPr>
+          <p:spPr>
+            <a:xfrm>
+              <a:off x="8165592" y="5349240"/>
+              <a:ext cx="1892808" cy="512054"/>
+            </a:xfrm>
+            <a:prstGeom prst="rect">
+              <a:avLst/>
+            </a:prstGeom>
+          </p:spPr>
+          <p:style>
+            <a:lnRef idx="2">
+              <a:schemeClr val="dk1"/>
+            </a:lnRef>
+            <a:fillRef idx="1">
+              <a:schemeClr val="lt1"/>
+            </a:fillRef>
+            <a:effectRef idx="0">
+              <a:schemeClr val="dk1"/>
+            </a:effectRef>
+            <a:fontRef idx="minor">
+              <a:schemeClr val="dk1"/>
+            </a:fontRef>
+          </p:style>
+          <p:txBody>
+            <a:bodyPr rtlCol="0" anchor="ctr"/>
+            <a:lstStyle/>
+            <a:p>
+              <a:pPr algn="ctr"/>
+              <a:endParaRPr kumimoji="1" lang="ja-JP" altLang="en-US"/>
+            </a:p>
+          </p:txBody>
+        </p:sp>
+        <p:sp>
+          <p:nvSpPr>
+            <p:cNvPr id="18" name="テキスト ボックス 17">
+              <a:extLst>
+                <a:ext uri="{FF2B5EF4-FFF2-40B4-BE49-F238E27FC236}">
+                  <a16:creationId xmlns:a16="http://schemas.microsoft.com/office/drawing/2014/main" id="{8A93B73A-87E7-E187-C8A1-6343C0343C0F}"/>
+                </a:ext>
+              </a:extLst>
+            </p:cNvPr>
+            <p:cNvSpPr txBox="1"/>
+            <p:nvPr/>
+          </p:nvSpPr>
+          <p:spPr>
+            <a:xfrm>
+              <a:off x="8339328" y="5349240"/>
+              <a:ext cx="1371600" cy="584775"/>
+            </a:xfrm>
+            <a:prstGeom prst="rect">
+              <a:avLst/>
+            </a:prstGeom>
+            <a:noFill/>
+          </p:spPr>
+          <p:txBody>
+            <a:bodyPr wrap="square" rtlCol="0">
+              <a:spAutoFit/>
+            </a:bodyPr>
+            <a:lstStyle/>
+            <a:p>
+              <a:r>
+                <a:rPr lang="ja-JP" altLang="en-US" sz="1600" dirty="0"/>
+                <a:t>編集キャンセル</a:t>
+              </a:r>
+              <a:r>
+                <a:rPr kumimoji="1" lang="ja-JP" altLang="en-US" sz="1600" dirty="0"/>
+                <a:t>ボタン</a:t>
+              </a:r>
+            </a:p>
+          </p:txBody>
+        </p:sp>
+      </p:grpSp>
+      <p:grpSp>
+        <p:nvGrpSpPr>
+          <p:cNvPr id="20" name="グループ化 19">
+            <a:extLst>
+              <a:ext uri="{FF2B5EF4-FFF2-40B4-BE49-F238E27FC236}">
+                <a16:creationId xmlns:a16="http://schemas.microsoft.com/office/drawing/2014/main" id="{23CA9A38-5545-447B-BCD2-7280CC59E9C8}"/>
+              </a:ext>
+            </a:extLst>
+          </p:cNvPr>
+          <p:cNvGrpSpPr/>
+          <p:nvPr/>
+        </p:nvGrpSpPr>
+        <p:grpSpPr>
+          <a:xfrm>
+            <a:off x="5934456" y="5349239"/>
+            <a:ext cx="1892808" cy="512054"/>
+            <a:chOff x="8165592" y="5349240"/>
+            <a:chExt cx="1892808" cy="512054"/>
+          </a:xfrm>
+        </p:grpSpPr>
+        <p:sp>
+          <p:nvSpPr>
+            <p:cNvPr id="21" name="正方形/長方形 20">
+              <a:extLst>
+                <a:ext uri="{FF2B5EF4-FFF2-40B4-BE49-F238E27FC236}">
+                  <a16:creationId xmlns:a16="http://schemas.microsoft.com/office/drawing/2014/main" id="{987F8A2D-C7A9-39E3-F164-C0507DC9C355}"/>
+                </a:ext>
+              </a:extLst>
+            </p:cNvPr>
+            <p:cNvSpPr/>
+            <p:nvPr/>
+          </p:nvSpPr>
+          <p:spPr>
+            <a:xfrm>
+              <a:off x="8165592" y="5349240"/>
+              <a:ext cx="1892808" cy="512054"/>
+            </a:xfrm>
+            <a:prstGeom prst="rect">
+              <a:avLst/>
+            </a:prstGeom>
+          </p:spPr>
+          <p:style>
+            <a:lnRef idx="2">
+              <a:schemeClr val="dk1"/>
+            </a:lnRef>
+            <a:fillRef idx="1">
+              <a:schemeClr val="lt1"/>
+            </a:fillRef>
+            <a:effectRef idx="0">
+              <a:schemeClr val="dk1"/>
+            </a:effectRef>
+            <a:fontRef idx="minor">
+              <a:schemeClr val="dk1"/>
+            </a:fontRef>
+          </p:style>
+          <p:txBody>
+            <a:bodyPr rtlCol="0" anchor="ctr"/>
+            <a:lstStyle/>
+            <a:p>
+              <a:pPr algn="ctr"/>
+              <a:endParaRPr kumimoji="1" lang="ja-JP" altLang="en-US"/>
+            </a:p>
+          </p:txBody>
+        </p:sp>
+        <p:sp>
+          <p:nvSpPr>
+            <p:cNvPr id="22" name="テキスト ボックス 21">
+              <a:extLst>
+                <a:ext uri="{FF2B5EF4-FFF2-40B4-BE49-F238E27FC236}">
+                  <a16:creationId xmlns:a16="http://schemas.microsoft.com/office/drawing/2014/main" id="{4F61BC06-9096-076B-CA17-321814BFD8C5}"/>
+                </a:ext>
+              </a:extLst>
+            </p:cNvPr>
+            <p:cNvSpPr txBox="1"/>
+            <p:nvPr/>
+          </p:nvSpPr>
+          <p:spPr>
+            <a:xfrm>
+              <a:off x="8339328" y="5349240"/>
+              <a:ext cx="1371600" cy="338554"/>
+            </a:xfrm>
+            <a:prstGeom prst="rect">
+              <a:avLst/>
+            </a:prstGeom>
+            <a:noFill/>
+          </p:spPr>
+          <p:txBody>
+            <a:bodyPr wrap="square" rtlCol="0">
+              <a:spAutoFit/>
+            </a:bodyPr>
+            <a:lstStyle/>
+            <a:p>
+              <a:r>
+                <a:rPr kumimoji="1" lang="ja-JP" altLang="en-US" sz="1600" dirty="0"/>
+                <a:t>確定ボタン</a:t>
+              </a:r>
+            </a:p>
+          </p:txBody>
+        </p:sp>
+      </p:grpSp>
+      <p:sp>
+        <p:nvSpPr>
+          <p:cNvPr id="23" name="テキスト ボックス 22">
+            <a:extLst>
+              <a:ext uri="{FF2B5EF4-FFF2-40B4-BE49-F238E27FC236}">
+                <a16:creationId xmlns:a16="http://schemas.microsoft.com/office/drawing/2014/main" id="{E84E5EAD-7F01-2F5C-BE2F-3ADF92351B5A}"/>
               </a:ext>
             </a:extLst>
           </p:cNvPr>
@@ -8945,8 +13903,8 @@
         </p:nvSpPr>
         <p:spPr>
           <a:xfrm>
-            <a:off x="2331720" y="2203704"/>
-            <a:ext cx="7866888" cy="1200329"/>
+            <a:off x="1600200" y="2642616"/>
+            <a:ext cx="1207008" cy="369332"/>
           </a:xfrm>
           <a:prstGeom prst="rect">
             <a:avLst/>
@@ -8961,87 +13919,56 @@
           <a:p>
             <a:r>
               <a:rPr kumimoji="1" lang="ja-JP" altLang="en-US" dirty="0"/>
-              <a:t>社員リスト</a:t>
-            </a:r>
-            <a:endParaRPr lang="en-US" altLang="ja-JP" dirty="0"/>
-          </a:p>
-          <a:p>
-            <a:pPr marL="285750" indent="-285750">
-              <a:buFont typeface="Arial" panose="020B0604020202020204" pitchFamily="34" charset="0"/>
-              <a:buChar char="•"/>
-            </a:pPr>
+              <a:t>本文：</a:t>
+            </a:r>
+          </a:p>
+        </p:txBody>
+      </p:sp>
+      <p:sp>
+        <p:nvSpPr>
+          <p:cNvPr id="25" name="テキスト ボックス 24">
+            <a:extLst>
+              <a:ext uri="{FF2B5EF4-FFF2-40B4-BE49-F238E27FC236}">
+                <a16:creationId xmlns:a16="http://schemas.microsoft.com/office/drawing/2014/main" id="{3E794E1E-6006-0FDF-1539-9FA1EFB2A85F}"/>
+              </a:ext>
+            </a:extLst>
+          </p:cNvPr>
+          <p:cNvSpPr txBox="1"/>
+          <p:nvPr/>
+        </p:nvSpPr>
+        <p:spPr>
+          <a:xfrm>
+            <a:off x="1600200" y="1909310"/>
+            <a:ext cx="1517904" cy="369332"/>
+          </a:xfrm>
+          <a:prstGeom prst="rect">
+            <a:avLst/>
+          </a:prstGeom>
+          <a:noFill/>
+        </p:spPr>
+        <p:txBody>
+          <a:bodyPr wrap="square" rtlCol="0">
+            <a:spAutoFit/>
+          </a:bodyPr>
+          <a:lstStyle/>
+          <a:p>
+            <a:r>
+              <a:rPr lang="ja-JP" altLang="en-US" dirty="0"/>
+              <a:t>タイトル</a:t>
+            </a:r>
             <a:r>
               <a:rPr kumimoji="1" lang="ja-JP" altLang="en-US" dirty="0"/>
-              <a:t>名前</a:t>
-            </a:r>
-            <a:endParaRPr kumimoji="1" lang="en-US" altLang="ja-JP" dirty="0"/>
-          </a:p>
-          <a:p>
-            <a:pPr marL="285750" indent="-285750">
-              <a:buFont typeface="Arial" panose="020B0604020202020204" pitchFamily="34" charset="0"/>
-              <a:buChar char="•"/>
-            </a:pPr>
-            <a:r>
-              <a:rPr lang="ja-JP" altLang="en-US" dirty="0"/>
-              <a:t>所属</a:t>
-            </a:r>
-            <a:endParaRPr lang="en-US" altLang="ja-JP" dirty="0"/>
-          </a:p>
-          <a:p>
-            <a:pPr marL="285750" indent="-285750">
-              <a:buFont typeface="Arial" panose="020B0604020202020204" pitchFamily="34" charset="0"/>
-              <a:buChar char="•"/>
-            </a:pPr>
-            <a:r>
-              <a:rPr kumimoji="1" lang="ja-JP" altLang="en-US" dirty="0"/>
-              <a:t>（プロフィール写真）</a:t>
-            </a:r>
-            <a:endParaRPr kumimoji="1" lang="en-US" altLang="ja-JP" dirty="0"/>
-          </a:p>
-        </p:txBody>
-      </p:sp>
-    </p:spTree>
-    <p:extLst>
-      <p:ext uri="{BB962C8B-B14F-4D97-AF65-F5344CB8AC3E}">
-        <p14:creationId xmlns:p14="http://schemas.microsoft.com/office/powerpoint/2010/main" val="892108531"/>
-      </p:ext>
-    </p:extLst>
-  </p:cSld>
-  <p:clrMapOvr>
-    <a:masterClrMapping/>
-  </p:clrMapOvr>
-</p:sld>
-</file>
-
-<file path=ppt/slides/slide8.xml><?xml version="1.0" encoding="utf-8"?>
-<p:sld xmlns:a="http://schemas.openxmlformats.org/drawingml/2006/main" xmlns:r="http://schemas.openxmlformats.org/officeDocument/2006/relationships" xmlns:p="http://schemas.openxmlformats.org/presentationml/2006/main">
-  <p:cSld>
-    <p:spTree>
-      <p:nvGrpSpPr>
-        <p:cNvPr id="1" name="">
-          <a:extLst>
-            <a:ext uri="{FF2B5EF4-FFF2-40B4-BE49-F238E27FC236}">
-              <a16:creationId xmlns:a16="http://schemas.microsoft.com/office/drawing/2014/main" id="{DC487313-2453-9577-FC60-6583D010E92F}"/>
-            </a:ext>
-          </a:extLst>
-        </p:cNvPr>
-        <p:cNvGrpSpPr/>
-        <p:nvPr/>
-      </p:nvGrpSpPr>
-      <p:grpSpPr>
-        <a:xfrm>
-          <a:off x="0" y="0"/>
-          <a:ext cx="0" cy="0"/>
-          <a:chOff x="0" y="0"/>
-          <a:chExt cx="0" cy="0"/>
-        </a:xfrm>
-      </p:grpSpPr>
-      <p:sp>
-        <p:nvSpPr>
-          <p:cNvPr id="2" name="正方形/長方形 1">
-            <a:extLst>
-              <a:ext uri="{FF2B5EF4-FFF2-40B4-BE49-F238E27FC236}">
-                <a16:creationId xmlns:a16="http://schemas.microsoft.com/office/drawing/2014/main" id="{A5543FDD-FB23-3888-6776-03EA062DCF79}"/>
+              <a:t>：</a:t>
+            </a:r>
+          </a:p>
+        </p:txBody>
+      </p:sp>
+      <p:sp>
+        <p:nvSpPr>
+          <p:cNvPr id="27" name="正方形/長方形 26">
+            <a:extLst>
+              <a:ext uri="{FF2B5EF4-FFF2-40B4-BE49-F238E27FC236}">
+                <a16:creationId xmlns:a16="http://schemas.microsoft.com/office/drawing/2014/main" id="{3FD8B25B-CDAA-A6C7-7B5B-3BF020B9EC13}"/>
               </a:ext>
             </a:extLst>
           </p:cNvPr>
@@ -9050,8 +13977,8 @@
         </p:nvSpPr>
         <p:spPr>
           <a:xfrm>
-            <a:off x="1362456" y="283464"/>
-            <a:ext cx="9646920" cy="6089904"/>
+            <a:off x="3256788" y="1783118"/>
+            <a:ext cx="7333488" cy="513307"/>
           </a:xfrm>
           <a:prstGeom prst="rect">
             <a:avLst/>
@@ -9080,510 +14007,111 @@
           </a:p>
         </p:txBody>
       </p:sp>
-      <p:cxnSp>
-        <p:nvCxnSpPr>
-          <p:cNvPr id="4" name="直線コネクタ 3">
-            <a:extLst>
-              <a:ext uri="{FF2B5EF4-FFF2-40B4-BE49-F238E27FC236}">
-                <a16:creationId xmlns:a16="http://schemas.microsoft.com/office/drawing/2014/main" id="{D87DE9E2-784C-5B38-3FDA-BD99D2A51E57}"/>
-              </a:ext>
-            </a:extLst>
-          </p:cNvPr>
-          <p:cNvCxnSpPr/>
-          <p:nvPr/>
-        </p:nvCxnSpPr>
-        <p:spPr>
-          <a:xfrm>
-            <a:off x="1362456" y="1545336"/>
-            <a:ext cx="9646920" cy="0"/>
-          </a:xfrm>
-          <a:prstGeom prst="line">
-            <a:avLst/>
-          </a:prstGeom>
-        </p:spPr>
-        <p:style>
-          <a:lnRef idx="2">
-            <a:schemeClr val="accent1"/>
-          </a:lnRef>
-          <a:fillRef idx="0">
-            <a:schemeClr val="accent1"/>
-          </a:fillRef>
-          <a:effectRef idx="1">
-            <a:schemeClr val="accent1"/>
-          </a:effectRef>
-          <a:fontRef idx="minor">
-            <a:schemeClr val="tx1"/>
-          </a:fontRef>
-        </p:style>
-      </p:cxnSp>
-      <p:sp>
-        <p:nvSpPr>
-          <p:cNvPr id="6" name="正方形/長方形 5">
-            <a:extLst>
-              <a:ext uri="{FF2B5EF4-FFF2-40B4-BE49-F238E27FC236}">
-                <a16:creationId xmlns:a16="http://schemas.microsoft.com/office/drawing/2014/main" id="{94152BFC-B00D-6CA0-DF7D-128B9105FB38}"/>
-              </a:ext>
-            </a:extLst>
-          </p:cNvPr>
-          <p:cNvSpPr/>
-          <p:nvPr/>
-        </p:nvSpPr>
-        <p:spPr>
-          <a:xfrm>
-            <a:off x="1600200" y="753411"/>
-            <a:ext cx="2852928" cy="640068"/>
-          </a:xfrm>
-          <a:prstGeom prst="rect">
-            <a:avLst/>
-          </a:prstGeom>
-        </p:spPr>
-        <p:style>
-          <a:lnRef idx="2">
-            <a:schemeClr val="dk1"/>
-          </a:lnRef>
-          <a:fillRef idx="1">
-            <a:schemeClr val="lt1"/>
-          </a:fillRef>
-          <a:effectRef idx="0">
-            <a:schemeClr val="dk1"/>
-          </a:effectRef>
-          <a:fontRef idx="minor">
-            <a:schemeClr val="dk1"/>
-          </a:fontRef>
-        </p:style>
-        <p:txBody>
-          <a:bodyPr rtlCol="0" anchor="ctr"/>
-          <a:lstStyle/>
-          <a:p>
-            <a:pPr algn="ctr"/>
-            <a:endParaRPr kumimoji="1" lang="ja-JP" altLang="en-US"/>
-          </a:p>
-        </p:txBody>
-      </p:sp>
-      <p:sp>
-        <p:nvSpPr>
-          <p:cNvPr id="7" name="正方形/長方形 6">
-            <a:extLst>
-              <a:ext uri="{FF2B5EF4-FFF2-40B4-BE49-F238E27FC236}">
-                <a16:creationId xmlns:a16="http://schemas.microsoft.com/office/drawing/2014/main" id="{30C59DDB-93F5-FF46-1ABE-2D4B6C674814}"/>
-              </a:ext>
-            </a:extLst>
-          </p:cNvPr>
-          <p:cNvSpPr/>
-          <p:nvPr/>
-        </p:nvSpPr>
-        <p:spPr>
-          <a:xfrm>
-            <a:off x="4788408" y="704113"/>
-            <a:ext cx="2852928" cy="640068"/>
-          </a:xfrm>
-          <a:prstGeom prst="rect">
-            <a:avLst/>
-          </a:prstGeom>
-        </p:spPr>
-        <p:style>
-          <a:lnRef idx="2">
-            <a:schemeClr val="dk1"/>
-          </a:lnRef>
-          <a:fillRef idx="1">
-            <a:schemeClr val="lt1"/>
-          </a:fillRef>
-          <a:effectRef idx="0">
-            <a:schemeClr val="dk1"/>
-          </a:effectRef>
-          <a:fontRef idx="minor">
-            <a:schemeClr val="dk1"/>
-          </a:fontRef>
-        </p:style>
-        <p:txBody>
-          <a:bodyPr rtlCol="0" anchor="ctr"/>
-          <a:lstStyle/>
-          <a:p>
-            <a:pPr algn="ctr"/>
-            <a:endParaRPr kumimoji="1" lang="ja-JP" altLang="en-US"/>
-          </a:p>
-        </p:txBody>
-      </p:sp>
-      <p:sp>
-        <p:nvSpPr>
-          <p:cNvPr id="8" name="正方形/長方形 7">
-            <a:extLst>
-              <a:ext uri="{FF2B5EF4-FFF2-40B4-BE49-F238E27FC236}">
-                <a16:creationId xmlns:a16="http://schemas.microsoft.com/office/drawing/2014/main" id="{2E62F195-802E-1A97-6E65-B4232ACAA2A7}"/>
-              </a:ext>
-            </a:extLst>
-          </p:cNvPr>
-          <p:cNvSpPr/>
-          <p:nvPr/>
-        </p:nvSpPr>
-        <p:spPr>
-          <a:xfrm>
-            <a:off x="7976616" y="704113"/>
-            <a:ext cx="2852928" cy="640068"/>
-          </a:xfrm>
-          <a:prstGeom prst="rect">
-            <a:avLst/>
-          </a:prstGeom>
-        </p:spPr>
-        <p:style>
-          <a:lnRef idx="2">
-            <a:schemeClr val="dk1"/>
-          </a:lnRef>
-          <a:fillRef idx="1">
-            <a:schemeClr val="lt1"/>
-          </a:fillRef>
-          <a:effectRef idx="0">
-            <a:schemeClr val="dk1"/>
-          </a:effectRef>
-          <a:fontRef idx="minor">
-            <a:schemeClr val="dk1"/>
-          </a:fontRef>
-        </p:style>
-        <p:txBody>
-          <a:bodyPr rtlCol="0" anchor="ctr"/>
-          <a:lstStyle/>
-          <a:p>
-            <a:pPr algn="ctr"/>
-            <a:endParaRPr kumimoji="1" lang="ja-JP" altLang="en-US"/>
-          </a:p>
-        </p:txBody>
-      </p:sp>
-      <p:sp>
-        <p:nvSpPr>
-          <p:cNvPr id="9" name="正方形/長方形 8">
-            <a:extLst>
-              <a:ext uri="{FF2B5EF4-FFF2-40B4-BE49-F238E27FC236}">
-                <a16:creationId xmlns:a16="http://schemas.microsoft.com/office/drawing/2014/main" id="{519B7246-2F37-C00A-BBA6-A0F61B725769}"/>
-              </a:ext>
-            </a:extLst>
-          </p:cNvPr>
-          <p:cNvSpPr/>
-          <p:nvPr/>
-        </p:nvSpPr>
-        <p:spPr>
-          <a:xfrm>
-            <a:off x="8339328" y="402336"/>
-            <a:ext cx="2395728" cy="219456"/>
-          </a:xfrm>
-          <a:prstGeom prst="rect">
-            <a:avLst/>
-          </a:prstGeom>
-        </p:spPr>
-        <p:style>
-          <a:lnRef idx="2">
-            <a:schemeClr val="dk1"/>
-          </a:lnRef>
-          <a:fillRef idx="1">
-            <a:schemeClr val="lt1"/>
-          </a:fillRef>
-          <a:effectRef idx="0">
-            <a:schemeClr val="dk1"/>
-          </a:effectRef>
-          <a:fontRef idx="minor">
-            <a:schemeClr val="dk1"/>
-          </a:fontRef>
-        </p:style>
-        <p:txBody>
-          <a:bodyPr rtlCol="0" anchor="ctr"/>
-          <a:lstStyle/>
-          <a:p>
-            <a:pPr algn="ctr"/>
-            <a:endParaRPr kumimoji="1" lang="ja-JP" altLang="en-US"/>
-          </a:p>
-        </p:txBody>
-      </p:sp>
-      <p:sp>
-        <p:nvSpPr>
-          <p:cNvPr id="10" name="テキスト ボックス 9">
-            <a:extLst>
-              <a:ext uri="{FF2B5EF4-FFF2-40B4-BE49-F238E27FC236}">
-                <a16:creationId xmlns:a16="http://schemas.microsoft.com/office/drawing/2014/main" id="{D7A8ABD4-C3FF-FD26-2108-B7DCA93651D1}"/>
-              </a:ext>
-            </a:extLst>
-          </p:cNvPr>
-          <p:cNvSpPr txBox="1"/>
-          <p:nvPr/>
-        </p:nvSpPr>
-        <p:spPr>
-          <a:xfrm>
-            <a:off x="8531352" y="402336"/>
-            <a:ext cx="1874520" cy="246221"/>
-          </a:xfrm>
-          <a:prstGeom prst="rect">
-            <a:avLst/>
-          </a:prstGeom>
-          <a:noFill/>
-        </p:spPr>
-        <p:txBody>
-          <a:bodyPr wrap="square" rtlCol="0">
-            <a:spAutoFit/>
-          </a:bodyPr>
-          <a:lstStyle/>
-          <a:p>
-            <a:r>
-              <a:rPr kumimoji="1" lang="ja-JP" altLang="en-US" sz="1000" dirty="0"/>
-              <a:t>ログアウト</a:t>
-            </a:r>
-          </a:p>
-        </p:txBody>
-      </p:sp>
-      <p:sp>
-        <p:nvSpPr>
-          <p:cNvPr id="11" name="テキスト ボックス 10">
-            <a:extLst>
-              <a:ext uri="{FF2B5EF4-FFF2-40B4-BE49-F238E27FC236}">
-                <a16:creationId xmlns:a16="http://schemas.microsoft.com/office/drawing/2014/main" id="{215C0BAC-46D5-786F-FDC9-25E0D2E1F683}"/>
-              </a:ext>
-            </a:extLst>
-          </p:cNvPr>
-          <p:cNvSpPr txBox="1"/>
-          <p:nvPr/>
-        </p:nvSpPr>
-        <p:spPr>
-          <a:xfrm>
-            <a:off x="2157984" y="888779"/>
-            <a:ext cx="2295144" cy="369332"/>
-          </a:xfrm>
-          <a:prstGeom prst="rect">
-            <a:avLst/>
-          </a:prstGeom>
-          <a:noFill/>
-        </p:spPr>
-        <p:txBody>
-          <a:bodyPr wrap="square" rtlCol="0">
-            <a:spAutoFit/>
-          </a:bodyPr>
-          <a:lstStyle/>
-          <a:p>
-            <a:r>
-              <a:rPr kumimoji="1" lang="ja-JP" altLang="en-US" dirty="0"/>
-              <a:t>スケジュール</a:t>
-            </a:r>
-          </a:p>
-        </p:txBody>
-      </p:sp>
-      <p:sp>
-        <p:nvSpPr>
-          <p:cNvPr id="12" name="テキスト ボックス 11">
-            <a:extLst>
-              <a:ext uri="{FF2B5EF4-FFF2-40B4-BE49-F238E27FC236}">
-                <a16:creationId xmlns:a16="http://schemas.microsoft.com/office/drawing/2014/main" id="{24217F78-8762-E448-77A9-FD21F8864D45}"/>
-              </a:ext>
-            </a:extLst>
-          </p:cNvPr>
-          <p:cNvSpPr txBox="1"/>
-          <p:nvPr/>
-        </p:nvSpPr>
-        <p:spPr>
-          <a:xfrm>
-            <a:off x="5346192" y="839481"/>
-            <a:ext cx="2295144" cy="369332"/>
-          </a:xfrm>
-          <a:prstGeom prst="rect">
-            <a:avLst/>
-          </a:prstGeom>
-          <a:noFill/>
-        </p:spPr>
-        <p:txBody>
-          <a:bodyPr wrap="square" rtlCol="0">
-            <a:spAutoFit/>
-          </a:bodyPr>
-          <a:lstStyle/>
-          <a:p>
-            <a:r>
-              <a:rPr lang="ja-JP" altLang="en-US" dirty="0"/>
-              <a:t>お知らせ</a:t>
-            </a:r>
-            <a:endParaRPr kumimoji="1" lang="ja-JP" altLang="en-US" dirty="0"/>
-          </a:p>
-        </p:txBody>
-      </p:sp>
-      <p:sp>
-        <p:nvSpPr>
-          <p:cNvPr id="13" name="テキスト ボックス 12">
-            <a:extLst>
-              <a:ext uri="{FF2B5EF4-FFF2-40B4-BE49-F238E27FC236}">
-                <a16:creationId xmlns:a16="http://schemas.microsoft.com/office/drawing/2014/main" id="{D2DD27FC-F48E-CF77-32C8-811B48949926}"/>
-              </a:ext>
-            </a:extLst>
-          </p:cNvPr>
-          <p:cNvSpPr txBox="1"/>
-          <p:nvPr/>
-        </p:nvSpPr>
-        <p:spPr>
-          <a:xfrm>
-            <a:off x="8439912" y="856513"/>
-            <a:ext cx="2295144" cy="369332"/>
-          </a:xfrm>
-          <a:prstGeom prst="rect">
-            <a:avLst/>
-          </a:prstGeom>
-          <a:noFill/>
-        </p:spPr>
-        <p:txBody>
-          <a:bodyPr wrap="square" rtlCol="0">
-            <a:spAutoFit/>
-          </a:bodyPr>
-          <a:lstStyle/>
-          <a:p>
-            <a:r>
-              <a:rPr lang="ja-JP" altLang="en-US" dirty="0"/>
-              <a:t>社員紹介</a:t>
-            </a:r>
-            <a:endParaRPr kumimoji="1" lang="ja-JP" altLang="en-US" dirty="0"/>
-          </a:p>
-        </p:txBody>
-      </p:sp>
-      <p:sp>
-        <p:nvSpPr>
-          <p:cNvPr id="3" name="正方形/長方形 2">
-            <a:extLst>
-              <a:ext uri="{FF2B5EF4-FFF2-40B4-BE49-F238E27FC236}">
-                <a16:creationId xmlns:a16="http://schemas.microsoft.com/office/drawing/2014/main" id="{223D012A-C55D-8047-05F6-5405C166E81D}"/>
-              </a:ext>
-            </a:extLst>
-          </p:cNvPr>
-          <p:cNvSpPr/>
-          <p:nvPr/>
-        </p:nvSpPr>
-        <p:spPr>
-          <a:xfrm>
-            <a:off x="1993392" y="1883664"/>
-            <a:ext cx="8522208" cy="3072377"/>
-          </a:xfrm>
-          <a:prstGeom prst="rect">
-            <a:avLst/>
-          </a:prstGeom>
-        </p:spPr>
-        <p:style>
-          <a:lnRef idx="2">
-            <a:schemeClr val="dk1"/>
-          </a:lnRef>
-          <a:fillRef idx="1">
-            <a:schemeClr val="lt1"/>
-          </a:fillRef>
-          <a:effectRef idx="0">
-            <a:schemeClr val="dk1"/>
-          </a:effectRef>
-          <a:fontRef idx="minor">
-            <a:schemeClr val="dk1"/>
-          </a:fontRef>
-        </p:style>
-        <p:txBody>
-          <a:bodyPr rtlCol="0" anchor="ctr"/>
-          <a:lstStyle/>
-          <a:p>
-            <a:pPr algn="ctr"/>
-            <a:endParaRPr kumimoji="1" lang="ja-JP" altLang="en-US"/>
-          </a:p>
-        </p:txBody>
-      </p:sp>
-      <p:sp>
-        <p:nvSpPr>
-          <p:cNvPr id="5" name="テキスト ボックス 4">
-            <a:extLst>
-              <a:ext uri="{FF2B5EF4-FFF2-40B4-BE49-F238E27FC236}">
-                <a16:creationId xmlns:a16="http://schemas.microsoft.com/office/drawing/2014/main" id="{724B36CE-9C9D-5B57-290E-073CE06B2481}"/>
-              </a:ext>
-            </a:extLst>
-          </p:cNvPr>
-          <p:cNvSpPr txBox="1"/>
-          <p:nvPr/>
-        </p:nvSpPr>
-        <p:spPr>
-          <a:xfrm>
-            <a:off x="2331720" y="2203704"/>
-            <a:ext cx="7866888" cy="2031325"/>
-          </a:xfrm>
-          <a:prstGeom prst="rect">
-            <a:avLst/>
-          </a:prstGeom>
-          <a:noFill/>
-        </p:spPr>
-        <p:txBody>
-          <a:bodyPr wrap="square" rtlCol="0">
-            <a:spAutoFit/>
-          </a:bodyPr>
-          <a:lstStyle/>
-          <a:p>
-            <a:r>
-              <a:rPr lang="ja-JP" altLang="en-US" dirty="0"/>
-              <a:t>個人の紹介画面</a:t>
-            </a:r>
-            <a:endParaRPr lang="en-US" altLang="ja-JP" dirty="0"/>
-          </a:p>
-          <a:p>
-            <a:pPr marL="285750" indent="-285750">
-              <a:buFont typeface="Arial" panose="020B0604020202020204" pitchFamily="34" charset="0"/>
-              <a:buChar char="•"/>
-            </a:pPr>
-            <a:r>
-              <a:rPr kumimoji="1" lang="ja-JP" altLang="en-US" dirty="0"/>
-              <a:t>名前</a:t>
-            </a:r>
-            <a:endParaRPr kumimoji="1" lang="en-US" altLang="ja-JP" dirty="0"/>
-          </a:p>
-          <a:p>
-            <a:pPr marL="285750" indent="-285750">
-              <a:buFont typeface="Arial" panose="020B0604020202020204" pitchFamily="34" charset="0"/>
-              <a:buChar char="•"/>
-            </a:pPr>
-            <a:r>
-              <a:rPr lang="ja-JP" altLang="en-US" dirty="0"/>
-              <a:t>所属</a:t>
-            </a:r>
-            <a:endParaRPr lang="en-US" altLang="ja-JP" dirty="0"/>
-          </a:p>
-          <a:p>
-            <a:pPr marL="285750" indent="-285750">
-              <a:buFont typeface="Arial" panose="020B0604020202020204" pitchFamily="34" charset="0"/>
-              <a:buChar char="•"/>
-            </a:pPr>
-            <a:r>
-              <a:rPr kumimoji="1" lang="ja-JP" altLang="en-US" dirty="0"/>
-              <a:t>（プロフィール写真）</a:t>
-            </a:r>
-            <a:endParaRPr kumimoji="1" lang="en-US" altLang="ja-JP" dirty="0"/>
-          </a:p>
-          <a:p>
-            <a:pPr marL="285750" indent="-285750">
-              <a:buFont typeface="Arial" panose="020B0604020202020204" pitchFamily="34" charset="0"/>
-              <a:buChar char="•"/>
-            </a:pPr>
-            <a:r>
-              <a:rPr lang="ja-JP" altLang="en-US" dirty="0"/>
-              <a:t>挨拶（コメント）</a:t>
-            </a:r>
-            <a:endParaRPr lang="en-US" altLang="ja-JP" dirty="0"/>
-          </a:p>
-          <a:p>
-            <a:pPr marL="285750" indent="-285750">
-              <a:buFont typeface="Arial" panose="020B0604020202020204" pitchFamily="34" charset="0"/>
-              <a:buChar char="•"/>
-            </a:pPr>
-            <a:r>
-              <a:rPr lang="ja-JP" altLang="en-US" dirty="0"/>
-              <a:t>編集ボタン</a:t>
-            </a:r>
-            <a:endParaRPr lang="en-US" altLang="ja-JP" dirty="0"/>
-          </a:p>
-          <a:p>
-            <a:pPr marL="285750" indent="-285750">
-              <a:buFont typeface="Arial" panose="020B0604020202020204" pitchFamily="34" charset="0"/>
-              <a:buChar char="•"/>
-            </a:pPr>
-            <a:r>
-              <a:rPr lang="ja-JP" altLang="en-US" dirty="0"/>
-              <a:t>削除ボタン</a:t>
-            </a:r>
-            <a:endParaRPr lang="en-US" altLang="ja-JP" dirty="0"/>
-          </a:p>
-        </p:txBody>
-      </p:sp>
+      <p:grpSp>
+        <p:nvGrpSpPr>
+          <p:cNvPr id="30" name="グループ化 29">
+            <a:extLst>
+              <a:ext uri="{FF2B5EF4-FFF2-40B4-BE49-F238E27FC236}">
+                <a16:creationId xmlns:a16="http://schemas.microsoft.com/office/drawing/2014/main" id="{8DA06C1C-0DB2-E3D1-795F-EFD7F5539983}"/>
+              </a:ext>
+            </a:extLst>
+          </p:cNvPr>
+          <p:cNvGrpSpPr/>
+          <p:nvPr/>
+        </p:nvGrpSpPr>
+        <p:grpSpPr>
+          <a:xfrm>
+            <a:off x="5553457" y="396987"/>
+            <a:ext cx="2583941" cy="246221"/>
+            <a:chOff x="5553457" y="396987"/>
+            <a:chExt cx="2583941" cy="246221"/>
+          </a:xfrm>
+        </p:grpSpPr>
+        <p:sp>
+          <p:nvSpPr>
+            <p:cNvPr id="31" name="正方形/長方形 30">
+              <a:extLst>
+                <a:ext uri="{FF2B5EF4-FFF2-40B4-BE49-F238E27FC236}">
+                  <a16:creationId xmlns:a16="http://schemas.microsoft.com/office/drawing/2014/main" id="{61B2E488-EE10-F65E-2BD1-6AD3D067DBF2}"/>
+                </a:ext>
+              </a:extLst>
+            </p:cNvPr>
+            <p:cNvSpPr/>
+            <p:nvPr/>
+          </p:nvSpPr>
+          <p:spPr>
+            <a:xfrm>
+              <a:off x="5553457" y="415745"/>
+              <a:ext cx="2583941" cy="188082"/>
+            </a:xfrm>
+            <a:prstGeom prst="rect">
+              <a:avLst/>
+            </a:prstGeom>
+          </p:spPr>
+          <p:style>
+            <a:lnRef idx="2">
+              <a:schemeClr val="dk1"/>
+            </a:lnRef>
+            <a:fillRef idx="1">
+              <a:schemeClr val="lt1"/>
+            </a:fillRef>
+            <a:effectRef idx="0">
+              <a:schemeClr val="dk1"/>
+            </a:effectRef>
+            <a:fontRef idx="minor">
+              <a:schemeClr val="dk1"/>
+            </a:fontRef>
+          </p:style>
+          <p:txBody>
+            <a:bodyPr rtlCol="0" anchor="ctr"/>
+            <a:lstStyle/>
+            <a:p>
+              <a:pPr algn="ctr"/>
+              <a:endParaRPr kumimoji="1" lang="ja-JP" altLang="en-US"/>
+            </a:p>
+          </p:txBody>
+        </p:sp>
+        <p:sp>
+          <p:nvSpPr>
+            <p:cNvPr id="32" name="テキスト ボックス 31">
+              <a:extLst>
+                <a:ext uri="{FF2B5EF4-FFF2-40B4-BE49-F238E27FC236}">
+                  <a16:creationId xmlns:a16="http://schemas.microsoft.com/office/drawing/2014/main" id="{61A18E9B-7894-1E0E-8732-F70173E2EB3E}"/>
+                </a:ext>
+              </a:extLst>
+            </p:cNvPr>
+            <p:cNvSpPr txBox="1"/>
+            <p:nvPr/>
+          </p:nvSpPr>
+          <p:spPr>
+            <a:xfrm>
+              <a:off x="5650230" y="396987"/>
+              <a:ext cx="1874520" cy="246221"/>
+            </a:xfrm>
+            <a:prstGeom prst="rect">
+              <a:avLst/>
+            </a:prstGeom>
+            <a:noFill/>
+          </p:spPr>
+          <p:txBody>
+            <a:bodyPr wrap="square" rtlCol="0">
+              <a:spAutoFit/>
+            </a:bodyPr>
+            <a:lstStyle/>
+            <a:p>
+              <a:r>
+                <a:rPr lang="ja-JP" altLang="en-US" sz="1000" dirty="0"/>
+                <a:t>ホーム画面に戻るボタン</a:t>
+              </a:r>
+              <a:endParaRPr kumimoji="1" lang="ja-JP" altLang="en-US" sz="1000" dirty="0"/>
+            </a:p>
+          </p:txBody>
+        </p:sp>
+      </p:grpSp>
     </p:spTree>
     <p:extLst>
       <p:ext uri="{BB962C8B-B14F-4D97-AF65-F5344CB8AC3E}">
-        <p14:creationId xmlns:p14="http://schemas.microsoft.com/office/powerpoint/2010/main" val="2996944598"/>
+        <p14:creationId xmlns:p14="http://schemas.microsoft.com/office/powerpoint/2010/main" val="3102683870"/>
       </p:ext>
     </p:extLst>
   </p:cSld>

--- a/画面デザイン.pptx
+++ b/画面デザイン.pptx
@@ -5,7 +5,7 @@
     <p:sldMasterId id="2147483648" r:id="rId1"/>
   </p:sldMasterIdLst>
   <p:notesMasterIdLst>
-    <p:notesMasterId r:id="rId13"/>
+    <p:notesMasterId r:id="rId14"/>
   </p:notesMasterIdLst>
   <p:sldIdLst>
     <p:sldId id="258" r:id="rId2"/>
@@ -19,6 +19,7 @@
     <p:sldId id="268" r:id="rId10"/>
     <p:sldId id="260" r:id="rId11"/>
     <p:sldId id="264" r:id="rId12"/>
+    <p:sldId id="269" r:id="rId13"/>
   </p:sldIdLst>
   <p:sldSz cx="12192000" cy="6858000"/>
   <p:notesSz cx="6858000" cy="9144000"/>
@@ -830,6 +831,117 @@
     <p:extLst>
       <p:ext uri="{BB962C8B-B14F-4D97-AF65-F5344CB8AC3E}">
         <p14:creationId xmlns:p14="http://schemas.microsoft.com/office/powerpoint/2010/main" val="563426724"/>
+      </p:ext>
+    </p:extLst>
+  </p:cSld>
+  <p:clrMapOvr>
+    <a:masterClrMapping/>
+  </p:clrMapOvr>
+</p:notes>
+</file>
+
+<file path=ppt/notesSlides/notesSlide12.xml><?xml version="1.0" encoding="utf-8"?>
+<p:notes xmlns:a="http://schemas.openxmlformats.org/drawingml/2006/main" xmlns:r="http://schemas.openxmlformats.org/officeDocument/2006/relationships" xmlns:p="http://schemas.openxmlformats.org/presentationml/2006/main">
+  <p:cSld>
+    <p:spTree>
+      <p:nvGrpSpPr>
+        <p:cNvPr id="1" name="">
+          <a:extLst>
+            <a:ext uri="{FF2B5EF4-FFF2-40B4-BE49-F238E27FC236}">
+              <a16:creationId xmlns:a16="http://schemas.microsoft.com/office/drawing/2014/main" id="{5C6FF430-F489-60FF-2DF0-93489E83B77B}"/>
+            </a:ext>
+          </a:extLst>
+        </p:cNvPr>
+        <p:cNvGrpSpPr/>
+        <p:nvPr/>
+      </p:nvGrpSpPr>
+      <p:grpSpPr>
+        <a:xfrm>
+          <a:off x="0" y="0"/>
+          <a:ext cx="0" cy="0"/>
+          <a:chOff x="0" y="0"/>
+          <a:chExt cx="0" cy="0"/>
+        </a:xfrm>
+      </p:grpSpPr>
+      <p:sp>
+        <p:nvSpPr>
+          <p:cNvPr id="2" name="スライド イメージ プレースホルダー 1">
+            <a:extLst>
+              <a:ext uri="{FF2B5EF4-FFF2-40B4-BE49-F238E27FC236}">
+                <a16:creationId xmlns:a16="http://schemas.microsoft.com/office/drawing/2014/main" id="{8AD3EC6D-4526-2535-8FEE-626F3F2CC896}"/>
+              </a:ext>
+            </a:extLst>
+          </p:cNvPr>
+          <p:cNvSpPr>
+            <a:spLocks noGrp="1" noRot="1" noChangeAspect="1"/>
+          </p:cNvSpPr>
+          <p:nvPr>
+            <p:ph type="sldImg"/>
+          </p:nvPr>
+        </p:nvSpPr>
+        <p:spPr/>
+      </p:sp>
+      <p:sp>
+        <p:nvSpPr>
+          <p:cNvPr id="3" name="ノート プレースホルダー 2">
+            <a:extLst>
+              <a:ext uri="{FF2B5EF4-FFF2-40B4-BE49-F238E27FC236}">
+                <a16:creationId xmlns:a16="http://schemas.microsoft.com/office/drawing/2014/main" id="{5989D395-C8B3-51E2-F64B-983B7473DE9D}"/>
+              </a:ext>
+            </a:extLst>
+          </p:cNvPr>
+          <p:cNvSpPr>
+            <a:spLocks noGrp="1"/>
+          </p:cNvSpPr>
+          <p:nvPr>
+            <p:ph type="body" idx="1"/>
+          </p:nvPr>
+        </p:nvSpPr>
+        <p:spPr/>
+        <p:txBody>
+          <a:bodyPr/>
+          <a:lstStyle/>
+          <a:p>
+            <a:r>
+              <a:rPr kumimoji="1" lang="ja-JP" altLang="en-US" dirty="0"/>
+              <a:t>個人紹介ページの編集（編集の為のロールは要検討）</a:t>
+            </a:r>
+          </a:p>
+        </p:txBody>
+      </p:sp>
+      <p:sp>
+        <p:nvSpPr>
+          <p:cNvPr id="4" name="スライド番号プレースホルダー 3">
+            <a:extLst>
+              <a:ext uri="{FF2B5EF4-FFF2-40B4-BE49-F238E27FC236}">
+                <a16:creationId xmlns:a16="http://schemas.microsoft.com/office/drawing/2014/main" id="{591483AF-3DA1-CA51-A2E7-92F363ECD56D}"/>
+              </a:ext>
+            </a:extLst>
+          </p:cNvPr>
+          <p:cNvSpPr>
+            <a:spLocks noGrp="1"/>
+          </p:cNvSpPr>
+          <p:nvPr>
+            <p:ph type="sldNum" sz="quarter" idx="5"/>
+          </p:nvPr>
+        </p:nvSpPr>
+        <p:spPr/>
+        <p:txBody>
+          <a:bodyPr/>
+          <a:lstStyle/>
+          <a:p>
+            <a:fld id="{56685100-E143-4576-864F-ED8A1259C883}" type="slidenum">
+              <a:rPr kumimoji="1" lang="ja-JP" altLang="en-US" smtClean="0"/>
+              <a:t>12</a:t>
+            </a:fld>
+            <a:endParaRPr kumimoji="1" lang="ja-JP" altLang="en-US"/>
+          </a:p>
+        </p:txBody>
+      </p:sp>
+    </p:spTree>
+    <p:extLst>
+      <p:ext uri="{BB962C8B-B14F-4D97-AF65-F5344CB8AC3E}">
+        <p14:creationId xmlns:p14="http://schemas.microsoft.com/office/powerpoint/2010/main" val="1022802096"/>
       </p:ext>
     </p:extLst>
   </p:cSld>
@@ -6164,6 +6276,639 @@
           </p:txBody>
         </p:sp>
       </p:grpSp>
+      <p:grpSp>
+        <p:nvGrpSpPr>
+          <p:cNvPr id="17" name="グループ化 16">
+            <a:extLst>
+              <a:ext uri="{FF2B5EF4-FFF2-40B4-BE49-F238E27FC236}">
+                <a16:creationId xmlns:a16="http://schemas.microsoft.com/office/drawing/2014/main" id="{47ABA172-E85C-460F-A1AA-282131ED6823}"/>
+              </a:ext>
+            </a:extLst>
+          </p:cNvPr>
+          <p:cNvGrpSpPr/>
+          <p:nvPr/>
+        </p:nvGrpSpPr>
+        <p:grpSpPr>
+          <a:xfrm>
+            <a:off x="2374392" y="2869187"/>
+            <a:ext cx="7443216" cy="576079"/>
+            <a:chOff x="2395728" y="2029968"/>
+            <a:chExt cx="7443216" cy="576079"/>
+          </a:xfrm>
+        </p:grpSpPr>
+        <p:sp>
+          <p:nvSpPr>
+            <p:cNvPr id="3" name="正方形/長方形 2">
+              <a:extLst>
+                <a:ext uri="{FF2B5EF4-FFF2-40B4-BE49-F238E27FC236}">
+                  <a16:creationId xmlns:a16="http://schemas.microsoft.com/office/drawing/2014/main" id="{9BF4F7CE-4CB5-6D34-FC96-FE7569C5A8BF}"/>
+                </a:ext>
+              </a:extLst>
+            </p:cNvPr>
+            <p:cNvSpPr/>
+            <p:nvPr/>
+          </p:nvSpPr>
+          <p:spPr>
+            <a:xfrm>
+              <a:off x="2395728" y="2029968"/>
+              <a:ext cx="7443216" cy="576079"/>
+            </a:xfrm>
+            <a:prstGeom prst="rect">
+              <a:avLst/>
+            </a:prstGeom>
+          </p:spPr>
+          <p:style>
+            <a:lnRef idx="2">
+              <a:schemeClr val="dk1"/>
+            </a:lnRef>
+            <a:fillRef idx="1">
+              <a:schemeClr val="lt1"/>
+            </a:fillRef>
+            <a:effectRef idx="0">
+              <a:schemeClr val="dk1"/>
+            </a:effectRef>
+            <a:fontRef idx="minor">
+              <a:schemeClr val="dk1"/>
+            </a:fontRef>
+          </p:style>
+          <p:txBody>
+            <a:bodyPr rtlCol="0" anchor="ctr"/>
+            <a:lstStyle/>
+            <a:p>
+              <a:pPr algn="ctr"/>
+              <a:endParaRPr kumimoji="1" lang="ja-JP" altLang="en-US"/>
+            </a:p>
+          </p:txBody>
+        </p:sp>
+        <p:sp>
+          <p:nvSpPr>
+            <p:cNvPr id="5" name="テキスト ボックス 4">
+              <a:extLst>
+                <a:ext uri="{FF2B5EF4-FFF2-40B4-BE49-F238E27FC236}">
+                  <a16:creationId xmlns:a16="http://schemas.microsoft.com/office/drawing/2014/main" id="{F6B8E291-7FC4-6605-252F-6E1808E73413}"/>
+                </a:ext>
+              </a:extLst>
+            </p:cNvPr>
+            <p:cNvSpPr txBox="1"/>
+            <p:nvPr/>
+          </p:nvSpPr>
+          <p:spPr>
+            <a:xfrm>
+              <a:off x="2843784" y="2029968"/>
+              <a:ext cx="6007608" cy="369332"/>
+            </a:xfrm>
+            <a:prstGeom prst="rect">
+              <a:avLst/>
+            </a:prstGeom>
+            <a:noFill/>
+          </p:spPr>
+          <p:txBody>
+            <a:bodyPr wrap="square" rtlCol="0">
+              <a:spAutoFit/>
+            </a:bodyPr>
+            <a:lstStyle/>
+            <a:p>
+              <a:r>
+                <a:rPr kumimoji="1" lang="ja-JP" altLang="en-US" dirty="0"/>
+                <a:t>社員</a:t>
+              </a:r>
+              <a:r>
+                <a:rPr kumimoji="1" lang="en-US" altLang="ja-JP" dirty="0"/>
+                <a:t>A</a:t>
+              </a:r>
+              <a:r>
+                <a:rPr kumimoji="1" lang="ja-JP" altLang="en-US" dirty="0"/>
+                <a:t>の名前、所属、写真などの簡易的な情報</a:t>
+              </a:r>
+            </a:p>
+          </p:txBody>
+        </p:sp>
+      </p:grpSp>
+      <p:grpSp>
+        <p:nvGrpSpPr>
+          <p:cNvPr id="18" name="グループ化 17">
+            <a:extLst>
+              <a:ext uri="{FF2B5EF4-FFF2-40B4-BE49-F238E27FC236}">
+                <a16:creationId xmlns:a16="http://schemas.microsoft.com/office/drawing/2014/main" id="{592A95D1-DA95-6FE2-8ED5-5E8006913B1C}"/>
+              </a:ext>
+            </a:extLst>
+          </p:cNvPr>
+          <p:cNvGrpSpPr/>
+          <p:nvPr/>
+        </p:nvGrpSpPr>
+        <p:grpSpPr>
+          <a:xfrm>
+            <a:off x="2374392" y="3675875"/>
+            <a:ext cx="7443216" cy="576079"/>
+            <a:chOff x="2395728" y="2029968"/>
+            <a:chExt cx="7443216" cy="576079"/>
+          </a:xfrm>
+        </p:grpSpPr>
+        <p:sp>
+          <p:nvSpPr>
+            <p:cNvPr id="19" name="正方形/長方形 18">
+              <a:extLst>
+                <a:ext uri="{FF2B5EF4-FFF2-40B4-BE49-F238E27FC236}">
+                  <a16:creationId xmlns:a16="http://schemas.microsoft.com/office/drawing/2014/main" id="{7E3610C0-F9A3-8576-5EAD-DF4B1E771E4E}"/>
+                </a:ext>
+              </a:extLst>
+            </p:cNvPr>
+            <p:cNvSpPr/>
+            <p:nvPr/>
+          </p:nvSpPr>
+          <p:spPr>
+            <a:xfrm>
+              <a:off x="2395728" y="2029968"/>
+              <a:ext cx="7443216" cy="576079"/>
+            </a:xfrm>
+            <a:prstGeom prst="rect">
+              <a:avLst/>
+            </a:prstGeom>
+          </p:spPr>
+          <p:style>
+            <a:lnRef idx="2">
+              <a:schemeClr val="dk1"/>
+            </a:lnRef>
+            <a:fillRef idx="1">
+              <a:schemeClr val="lt1"/>
+            </a:fillRef>
+            <a:effectRef idx="0">
+              <a:schemeClr val="dk1"/>
+            </a:effectRef>
+            <a:fontRef idx="minor">
+              <a:schemeClr val="dk1"/>
+            </a:fontRef>
+          </p:style>
+          <p:txBody>
+            <a:bodyPr rtlCol="0" anchor="ctr"/>
+            <a:lstStyle/>
+            <a:p>
+              <a:pPr algn="ctr"/>
+              <a:endParaRPr kumimoji="1" lang="ja-JP" altLang="en-US"/>
+            </a:p>
+          </p:txBody>
+        </p:sp>
+        <p:sp>
+          <p:nvSpPr>
+            <p:cNvPr id="20" name="テキスト ボックス 19">
+              <a:extLst>
+                <a:ext uri="{FF2B5EF4-FFF2-40B4-BE49-F238E27FC236}">
+                  <a16:creationId xmlns:a16="http://schemas.microsoft.com/office/drawing/2014/main" id="{D1071955-55D2-82FC-CDC4-FBA34386B4A2}"/>
+                </a:ext>
+              </a:extLst>
+            </p:cNvPr>
+            <p:cNvSpPr txBox="1"/>
+            <p:nvPr/>
+          </p:nvSpPr>
+          <p:spPr>
+            <a:xfrm>
+              <a:off x="2843784" y="2029968"/>
+              <a:ext cx="6007608" cy="369332"/>
+            </a:xfrm>
+            <a:prstGeom prst="rect">
+              <a:avLst/>
+            </a:prstGeom>
+            <a:noFill/>
+          </p:spPr>
+          <p:txBody>
+            <a:bodyPr wrap="square" rtlCol="0">
+              <a:spAutoFit/>
+            </a:bodyPr>
+            <a:lstStyle/>
+            <a:p>
+              <a:r>
+                <a:rPr kumimoji="1" lang="ja-JP" altLang="en-US" dirty="0"/>
+                <a:t>社員</a:t>
+              </a:r>
+              <a:r>
+                <a:rPr kumimoji="1" lang="en-US" altLang="ja-JP" dirty="0"/>
+                <a:t>A</a:t>
+              </a:r>
+              <a:r>
+                <a:rPr kumimoji="1" lang="ja-JP" altLang="en-US" dirty="0"/>
+                <a:t>の名前、所属、写真などの簡易的な情報</a:t>
+              </a:r>
+            </a:p>
+          </p:txBody>
+        </p:sp>
+      </p:grpSp>
+      <p:grpSp>
+        <p:nvGrpSpPr>
+          <p:cNvPr id="21" name="グループ化 20">
+            <a:extLst>
+              <a:ext uri="{FF2B5EF4-FFF2-40B4-BE49-F238E27FC236}">
+                <a16:creationId xmlns:a16="http://schemas.microsoft.com/office/drawing/2014/main" id="{9F3C1B43-EC36-E5F9-4F87-385E87D73745}"/>
+              </a:ext>
+            </a:extLst>
+          </p:cNvPr>
+          <p:cNvGrpSpPr/>
+          <p:nvPr/>
+        </p:nvGrpSpPr>
+        <p:grpSpPr>
+          <a:xfrm>
+            <a:off x="2374392" y="4505976"/>
+            <a:ext cx="7443216" cy="576079"/>
+            <a:chOff x="2395728" y="2029968"/>
+            <a:chExt cx="7443216" cy="576079"/>
+          </a:xfrm>
+        </p:grpSpPr>
+        <p:sp>
+          <p:nvSpPr>
+            <p:cNvPr id="22" name="正方形/長方形 21">
+              <a:extLst>
+                <a:ext uri="{FF2B5EF4-FFF2-40B4-BE49-F238E27FC236}">
+                  <a16:creationId xmlns:a16="http://schemas.microsoft.com/office/drawing/2014/main" id="{B29400EB-F4A3-DCFB-EEF6-81F13A71D221}"/>
+                </a:ext>
+              </a:extLst>
+            </p:cNvPr>
+            <p:cNvSpPr/>
+            <p:nvPr/>
+          </p:nvSpPr>
+          <p:spPr>
+            <a:xfrm>
+              <a:off x="2395728" y="2029968"/>
+              <a:ext cx="7443216" cy="576079"/>
+            </a:xfrm>
+            <a:prstGeom prst="rect">
+              <a:avLst/>
+            </a:prstGeom>
+          </p:spPr>
+          <p:style>
+            <a:lnRef idx="2">
+              <a:schemeClr val="dk1"/>
+            </a:lnRef>
+            <a:fillRef idx="1">
+              <a:schemeClr val="lt1"/>
+            </a:fillRef>
+            <a:effectRef idx="0">
+              <a:schemeClr val="dk1"/>
+            </a:effectRef>
+            <a:fontRef idx="minor">
+              <a:schemeClr val="dk1"/>
+            </a:fontRef>
+          </p:style>
+          <p:txBody>
+            <a:bodyPr rtlCol="0" anchor="ctr"/>
+            <a:lstStyle/>
+            <a:p>
+              <a:pPr algn="ctr"/>
+              <a:endParaRPr kumimoji="1" lang="ja-JP" altLang="en-US" dirty="0"/>
+            </a:p>
+          </p:txBody>
+        </p:sp>
+        <p:sp>
+          <p:nvSpPr>
+            <p:cNvPr id="23" name="テキスト ボックス 22">
+              <a:extLst>
+                <a:ext uri="{FF2B5EF4-FFF2-40B4-BE49-F238E27FC236}">
+                  <a16:creationId xmlns:a16="http://schemas.microsoft.com/office/drawing/2014/main" id="{88DEE620-2F83-CD20-0F46-A53AEB01EDA7}"/>
+                </a:ext>
+              </a:extLst>
+            </p:cNvPr>
+            <p:cNvSpPr txBox="1"/>
+            <p:nvPr/>
+          </p:nvSpPr>
+          <p:spPr>
+            <a:xfrm>
+              <a:off x="2843784" y="2029968"/>
+              <a:ext cx="6007608" cy="369332"/>
+            </a:xfrm>
+            <a:prstGeom prst="rect">
+              <a:avLst/>
+            </a:prstGeom>
+            <a:noFill/>
+          </p:spPr>
+          <p:txBody>
+            <a:bodyPr wrap="square" rtlCol="0">
+              <a:spAutoFit/>
+            </a:bodyPr>
+            <a:lstStyle/>
+            <a:p>
+              <a:r>
+                <a:rPr kumimoji="1" lang="ja-JP" altLang="en-US" dirty="0"/>
+                <a:t>社員</a:t>
+              </a:r>
+              <a:r>
+                <a:rPr kumimoji="1" lang="en-US" altLang="ja-JP" dirty="0"/>
+                <a:t>A</a:t>
+              </a:r>
+              <a:r>
+                <a:rPr kumimoji="1" lang="ja-JP" altLang="en-US" dirty="0"/>
+                <a:t>の名前、所属、写真などの簡易的な情報</a:t>
+              </a:r>
+            </a:p>
+          </p:txBody>
+        </p:sp>
+      </p:grpSp>
+      <p:grpSp>
+        <p:nvGrpSpPr>
+          <p:cNvPr id="24" name="グループ化 23">
+            <a:extLst>
+              <a:ext uri="{FF2B5EF4-FFF2-40B4-BE49-F238E27FC236}">
+                <a16:creationId xmlns:a16="http://schemas.microsoft.com/office/drawing/2014/main" id="{1DEEA992-560D-0297-D0DD-B8889F0A7034}"/>
+              </a:ext>
+            </a:extLst>
+          </p:cNvPr>
+          <p:cNvGrpSpPr/>
+          <p:nvPr/>
+        </p:nvGrpSpPr>
+        <p:grpSpPr>
+          <a:xfrm>
+            <a:off x="2374392" y="5312664"/>
+            <a:ext cx="7443216" cy="576079"/>
+            <a:chOff x="2395728" y="2029968"/>
+            <a:chExt cx="7443216" cy="576079"/>
+          </a:xfrm>
+        </p:grpSpPr>
+        <p:sp>
+          <p:nvSpPr>
+            <p:cNvPr id="25" name="正方形/長方形 24">
+              <a:extLst>
+                <a:ext uri="{FF2B5EF4-FFF2-40B4-BE49-F238E27FC236}">
+                  <a16:creationId xmlns:a16="http://schemas.microsoft.com/office/drawing/2014/main" id="{4C6AEC16-9450-6DCF-B2DE-2C070177D640}"/>
+                </a:ext>
+              </a:extLst>
+            </p:cNvPr>
+            <p:cNvSpPr/>
+            <p:nvPr/>
+          </p:nvSpPr>
+          <p:spPr>
+            <a:xfrm>
+              <a:off x="2395728" y="2029968"/>
+              <a:ext cx="7443216" cy="576079"/>
+            </a:xfrm>
+            <a:prstGeom prst="rect">
+              <a:avLst/>
+            </a:prstGeom>
+          </p:spPr>
+          <p:style>
+            <a:lnRef idx="2">
+              <a:schemeClr val="dk1"/>
+            </a:lnRef>
+            <a:fillRef idx="1">
+              <a:schemeClr val="lt1"/>
+            </a:fillRef>
+            <a:effectRef idx="0">
+              <a:schemeClr val="dk1"/>
+            </a:effectRef>
+            <a:fontRef idx="minor">
+              <a:schemeClr val="dk1"/>
+            </a:fontRef>
+          </p:style>
+          <p:txBody>
+            <a:bodyPr rtlCol="0" anchor="ctr"/>
+            <a:lstStyle/>
+            <a:p>
+              <a:pPr algn="ctr"/>
+              <a:endParaRPr kumimoji="1" lang="ja-JP" altLang="en-US"/>
+            </a:p>
+          </p:txBody>
+        </p:sp>
+        <p:sp>
+          <p:nvSpPr>
+            <p:cNvPr id="26" name="テキスト ボックス 25">
+              <a:extLst>
+                <a:ext uri="{FF2B5EF4-FFF2-40B4-BE49-F238E27FC236}">
+                  <a16:creationId xmlns:a16="http://schemas.microsoft.com/office/drawing/2014/main" id="{5938CA0E-B029-9DC0-C0A4-45DB12E00AF9}"/>
+                </a:ext>
+              </a:extLst>
+            </p:cNvPr>
+            <p:cNvSpPr txBox="1"/>
+            <p:nvPr/>
+          </p:nvSpPr>
+          <p:spPr>
+            <a:xfrm>
+              <a:off x="2843784" y="2029968"/>
+              <a:ext cx="6007608" cy="369332"/>
+            </a:xfrm>
+            <a:prstGeom prst="rect">
+              <a:avLst/>
+            </a:prstGeom>
+            <a:noFill/>
+          </p:spPr>
+          <p:txBody>
+            <a:bodyPr wrap="square" rtlCol="0">
+              <a:spAutoFit/>
+            </a:bodyPr>
+            <a:lstStyle/>
+            <a:p>
+              <a:r>
+                <a:rPr kumimoji="1" lang="ja-JP" altLang="en-US" dirty="0"/>
+                <a:t>社員</a:t>
+              </a:r>
+              <a:r>
+                <a:rPr kumimoji="1" lang="en-US" altLang="ja-JP" dirty="0"/>
+                <a:t>A</a:t>
+              </a:r>
+              <a:r>
+                <a:rPr kumimoji="1" lang="ja-JP" altLang="en-US" dirty="0"/>
+                <a:t>の名前、所属、写真などの簡易的な情報</a:t>
+              </a:r>
+            </a:p>
+          </p:txBody>
+        </p:sp>
+      </p:grpSp>
+      <p:grpSp>
+        <p:nvGrpSpPr>
+          <p:cNvPr id="29" name="グループ化 28">
+            <a:extLst>
+              <a:ext uri="{FF2B5EF4-FFF2-40B4-BE49-F238E27FC236}">
+                <a16:creationId xmlns:a16="http://schemas.microsoft.com/office/drawing/2014/main" id="{2F0D3027-BCDF-590A-117A-E22367FADD96}"/>
+              </a:ext>
+            </a:extLst>
+          </p:cNvPr>
+          <p:cNvGrpSpPr/>
+          <p:nvPr/>
+        </p:nvGrpSpPr>
+        <p:grpSpPr>
+          <a:xfrm>
+            <a:off x="2450592" y="2258568"/>
+            <a:ext cx="2121408" cy="261610"/>
+            <a:chOff x="2450592" y="2258568"/>
+            <a:chExt cx="2121408" cy="261610"/>
+          </a:xfrm>
+        </p:grpSpPr>
+        <p:sp>
+          <p:nvSpPr>
+            <p:cNvPr id="28" name="正方形/長方形 27">
+              <a:extLst>
+                <a:ext uri="{FF2B5EF4-FFF2-40B4-BE49-F238E27FC236}">
+                  <a16:creationId xmlns:a16="http://schemas.microsoft.com/office/drawing/2014/main" id="{8ED640E6-3119-DD0C-6B4A-E3B6A914C936}"/>
+                </a:ext>
+              </a:extLst>
+            </p:cNvPr>
+            <p:cNvSpPr/>
+            <p:nvPr/>
+          </p:nvSpPr>
+          <p:spPr>
+            <a:xfrm>
+              <a:off x="2450592" y="2258568"/>
+              <a:ext cx="2121408" cy="261413"/>
+            </a:xfrm>
+            <a:prstGeom prst="rect">
+              <a:avLst/>
+            </a:prstGeom>
+          </p:spPr>
+          <p:style>
+            <a:lnRef idx="2">
+              <a:schemeClr val="dk1"/>
+            </a:lnRef>
+            <a:fillRef idx="1">
+              <a:schemeClr val="lt1"/>
+            </a:fillRef>
+            <a:effectRef idx="0">
+              <a:schemeClr val="dk1"/>
+            </a:effectRef>
+            <a:fontRef idx="minor">
+              <a:schemeClr val="dk1"/>
+            </a:fontRef>
+          </p:style>
+          <p:txBody>
+            <a:bodyPr rtlCol="0" anchor="ctr"/>
+            <a:lstStyle/>
+            <a:p>
+              <a:pPr algn="ctr"/>
+              <a:endParaRPr kumimoji="1" lang="ja-JP" altLang="en-US"/>
+            </a:p>
+          </p:txBody>
+        </p:sp>
+        <p:sp>
+          <p:nvSpPr>
+            <p:cNvPr id="27" name="テキスト ボックス 26">
+              <a:extLst>
+                <a:ext uri="{FF2B5EF4-FFF2-40B4-BE49-F238E27FC236}">
+                  <a16:creationId xmlns:a16="http://schemas.microsoft.com/office/drawing/2014/main" id="{F3C9DB80-A3D7-94CC-6BFB-3A5AD4838FD4}"/>
+                </a:ext>
+              </a:extLst>
+            </p:cNvPr>
+            <p:cNvSpPr txBox="1"/>
+            <p:nvPr/>
+          </p:nvSpPr>
+          <p:spPr>
+            <a:xfrm>
+              <a:off x="2642616" y="2258568"/>
+              <a:ext cx="1527048" cy="261610"/>
+            </a:xfrm>
+            <a:prstGeom prst="rect">
+              <a:avLst/>
+            </a:prstGeom>
+            <a:noFill/>
+          </p:spPr>
+          <p:txBody>
+            <a:bodyPr wrap="square" rtlCol="0">
+              <a:spAutoFit/>
+            </a:bodyPr>
+            <a:lstStyle/>
+            <a:p>
+              <a:r>
+                <a:rPr lang="ja-JP" altLang="en-US" sz="1100" dirty="0"/>
+                <a:t>検索窓</a:t>
+              </a:r>
+              <a:endParaRPr kumimoji="1" lang="ja-JP" altLang="en-US" sz="1100" dirty="0"/>
+            </a:p>
+          </p:txBody>
+        </p:sp>
+      </p:grpSp>
+      <p:grpSp>
+        <p:nvGrpSpPr>
+          <p:cNvPr id="30" name="グループ化 29">
+            <a:extLst>
+              <a:ext uri="{FF2B5EF4-FFF2-40B4-BE49-F238E27FC236}">
+                <a16:creationId xmlns:a16="http://schemas.microsoft.com/office/drawing/2014/main" id="{218BA19D-6045-3F4C-D2B6-DCAFD74EFAF6}"/>
+              </a:ext>
+            </a:extLst>
+          </p:cNvPr>
+          <p:cNvGrpSpPr/>
+          <p:nvPr/>
+        </p:nvGrpSpPr>
+        <p:grpSpPr>
+          <a:xfrm>
+            <a:off x="4724019" y="2258565"/>
+            <a:ext cx="1064133" cy="261610"/>
+            <a:chOff x="2450592" y="2258568"/>
+            <a:chExt cx="2121408" cy="298966"/>
+          </a:xfrm>
+        </p:grpSpPr>
+        <p:sp>
+          <p:nvSpPr>
+            <p:cNvPr id="31" name="正方形/長方形 30">
+              <a:extLst>
+                <a:ext uri="{FF2B5EF4-FFF2-40B4-BE49-F238E27FC236}">
+                  <a16:creationId xmlns:a16="http://schemas.microsoft.com/office/drawing/2014/main" id="{3EF64CA0-2CCA-0B03-7C49-C86E2FA36710}"/>
+                </a:ext>
+              </a:extLst>
+            </p:cNvPr>
+            <p:cNvSpPr/>
+            <p:nvPr/>
+          </p:nvSpPr>
+          <p:spPr>
+            <a:xfrm>
+              <a:off x="2450592" y="2258568"/>
+              <a:ext cx="2121408" cy="261413"/>
+            </a:xfrm>
+            <a:prstGeom prst="rect">
+              <a:avLst/>
+            </a:prstGeom>
+          </p:spPr>
+          <p:style>
+            <a:lnRef idx="2">
+              <a:schemeClr val="dk1"/>
+            </a:lnRef>
+            <a:fillRef idx="1">
+              <a:schemeClr val="lt1"/>
+            </a:fillRef>
+            <a:effectRef idx="0">
+              <a:schemeClr val="dk1"/>
+            </a:effectRef>
+            <a:fontRef idx="minor">
+              <a:schemeClr val="dk1"/>
+            </a:fontRef>
+          </p:style>
+          <p:txBody>
+            <a:bodyPr rtlCol="0" anchor="ctr"/>
+            <a:lstStyle/>
+            <a:p>
+              <a:pPr algn="ctr"/>
+              <a:endParaRPr kumimoji="1" lang="ja-JP" altLang="en-US"/>
+            </a:p>
+          </p:txBody>
+        </p:sp>
+        <p:sp>
+          <p:nvSpPr>
+            <p:cNvPr id="32" name="テキスト ボックス 31">
+              <a:extLst>
+                <a:ext uri="{FF2B5EF4-FFF2-40B4-BE49-F238E27FC236}">
+                  <a16:creationId xmlns:a16="http://schemas.microsoft.com/office/drawing/2014/main" id="{0FC30C0C-1451-B390-46B7-12F46899D039}"/>
+                </a:ext>
+              </a:extLst>
+            </p:cNvPr>
+            <p:cNvSpPr txBox="1"/>
+            <p:nvPr/>
+          </p:nvSpPr>
+          <p:spPr>
+            <a:xfrm>
+              <a:off x="2642615" y="2258568"/>
+              <a:ext cx="1527047" cy="298966"/>
+            </a:xfrm>
+            <a:prstGeom prst="rect">
+              <a:avLst/>
+            </a:prstGeom>
+            <a:noFill/>
+          </p:spPr>
+          <p:txBody>
+            <a:bodyPr wrap="square" rtlCol="0">
+              <a:spAutoFit/>
+            </a:bodyPr>
+            <a:lstStyle/>
+            <a:p>
+              <a:r>
+                <a:rPr kumimoji="1" lang="ja-JP" altLang="en-US" sz="1100" dirty="0"/>
+                <a:t>ボタン</a:t>
+              </a:r>
+            </a:p>
+          </p:txBody>
+        </p:sp>
+      </p:grpSp>
     </p:spTree>
     <p:extLst>
       <p:ext uri="{BB962C8B-B14F-4D97-AF65-F5344CB8AC3E}">
@@ -6613,7 +7358,7 @@
         <p:spPr>
           <a:xfrm>
             <a:off x="1993392" y="1883664"/>
-            <a:ext cx="8522208" cy="3072377"/>
+            <a:ext cx="8522208" cy="3429000"/>
           </a:xfrm>
           <a:prstGeom prst="rect">
             <a:avLst/>
@@ -6657,7 +7402,7 @@
         <p:spPr>
           <a:xfrm>
             <a:off x="2331720" y="2203704"/>
-            <a:ext cx="7866888" cy="2308324"/>
+            <a:ext cx="7866888" cy="1754326"/>
           </a:xfrm>
           <a:prstGeom prst="rect">
             <a:avLst/>
@@ -6728,28 +7473,6 @@
             <a:r>
               <a:rPr lang="ja-JP" altLang="en-US" dirty="0"/>
               <a:t>挨拶（コメント）</a:t>
-            </a:r>
-            <a:endParaRPr lang="en-US" altLang="ja-JP" dirty="0"/>
-          </a:p>
-          <a:p>
-            <a:pPr marL="285750" indent="-285750">
-              <a:buFont typeface="Arial" panose="020B0604020202020204" pitchFamily="34" charset="0"/>
-              <a:buChar char="•"/>
-            </a:pPr>
-            <a:r>
-              <a:rPr lang="ja-JP" altLang="en-US" dirty="0"/>
-              <a:t>編集ボタン</a:t>
-            </a:r>
-            <a:endParaRPr lang="en-US" altLang="ja-JP" dirty="0"/>
-          </a:p>
-          <a:p>
-            <a:pPr marL="285750" indent="-285750">
-              <a:buFont typeface="Arial" panose="020B0604020202020204" pitchFamily="34" charset="0"/>
-              <a:buChar char="•"/>
-            </a:pPr>
-            <a:r>
-              <a:rPr lang="ja-JP" altLang="en-US" dirty="0"/>
-              <a:t>削除ボタン</a:t>
             </a:r>
             <a:endParaRPr lang="en-US" altLang="ja-JP" dirty="0"/>
           </a:p>
@@ -6856,10 +7579,1090 @@
           </p:txBody>
         </p:sp>
       </p:grpSp>
+      <p:grpSp>
+        <p:nvGrpSpPr>
+          <p:cNvPr id="24" name="グループ化 23">
+            <a:extLst>
+              <a:ext uri="{FF2B5EF4-FFF2-40B4-BE49-F238E27FC236}">
+                <a16:creationId xmlns:a16="http://schemas.microsoft.com/office/drawing/2014/main" id="{0C53F781-E5D0-B0C1-EFE7-2D88DABD1CDB}"/>
+              </a:ext>
+            </a:extLst>
+          </p:cNvPr>
+          <p:cNvGrpSpPr/>
+          <p:nvPr/>
+        </p:nvGrpSpPr>
+        <p:grpSpPr>
+          <a:xfrm>
+            <a:off x="5650230" y="5687568"/>
+            <a:ext cx="4755642" cy="466319"/>
+            <a:chOff x="5650230" y="5687568"/>
+            <a:chExt cx="4755642" cy="466319"/>
+          </a:xfrm>
+        </p:grpSpPr>
+        <p:sp>
+          <p:nvSpPr>
+            <p:cNvPr id="25" name="正方形/長方形 24">
+              <a:extLst>
+                <a:ext uri="{FF2B5EF4-FFF2-40B4-BE49-F238E27FC236}">
+                  <a16:creationId xmlns:a16="http://schemas.microsoft.com/office/drawing/2014/main" id="{5B8837A1-6197-752F-366E-969EA1FC0ED3}"/>
+                </a:ext>
+              </a:extLst>
+            </p:cNvPr>
+            <p:cNvSpPr/>
+            <p:nvPr/>
+          </p:nvSpPr>
+          <p:spPr>
+            <a:xfrm>
+              <a:off x="8137398" y="5687568"/>
+              <a:ext cx="2268474" cy="466319"/>
+            </a:xfrm>
+            <a:prstGeom prst="rect">
+              <a:avLst/>
+            </a:prstGeom>
+          </p:spPr>
+          <p:style>
+            <a:lnRef idx="2">
+              <a:schemeClr val="dk1"/>
+            </a:lnRef>
+            <a:fillRef idx="1">
+              <a:schemeClr val="lt1"/>
+            </a:fillRef>
+            <a:effectRef idx="0">
+              <a:schemeClr val="dk1"/>
+            </a:effectRef>
+            <a:fontRef idx="minor">
+              <a:schemeClr val="dk1"/>
+            </a:fontRef>
+          </p:style>
+          <p:txBody>
+            <a:bodyPr rtlCol="0" anchor="ctr"/>
+            <a:lstStyle/>
+            <a:p>
+              <a:pPr algn="ctr"/>
+              <a:endParaRPr kumimoji="1" lang="ja-JP" altLang="en-US"/>
+            </a:p>
+          </p:txBody>
+        </p:sp>
+        <p:sp>
+          <p:nvSpPr>
+            <p:cNvPr id="26" name="テキスト ボックス 25">
+              <a:extLst>
+                <a:ext uri="{FF2B5EF4-FFF2-40B4-BE49-F238E27FC236}">
+                  <a16:creationId xmlns:a16="http://schemas.microsoft.com/office/drawing/2014/main" id="{8233E918-CE1E-4786-0EFB-F9F2088E09F8}"/>
+                </a:ext>
+              </a:extLst>
+            </p:cNvPr>
+            <p:cNvSpPr txBox="1"/>
+            <p:nvPr/>
+          </p:nvSpPr>
+          <p:spPr>
+            <a:xfrm>
+              <a:off x="8339328" y="5769864"/>
+              <a:ext cx="1746504" cy="307777"/>
+            </a:xfrm>
+            <a:prstGeom prst="rect">
+              <a:avLst/>
+            </a:prstGeom>
+            <a:noFill/>
+          </p:spPr>
+          <p:txBody>
+            <a:bodyPr wrap="square" rtlCol="0">
+              <a:spAutoFit/>
+            </a:bodyPr>
+            <a:lstStyle/>
+            <a:p>
+              <a:r>
+                <a:rPr kumimoji="1" lang="ja-JP" altLang="en-US" sz="1400" dirty="0"/>
+                <a:t>一覧に戻るボタン</a:t>
+              </a:r>
+            </a:p>
+          </p:txBody>
+        </p:sp>
+        <p:sp>
+          <p:nvSpPr>
+            <p:cNvPr id="27" name="正方形/長方形 26">
+              <a:extLst>
+                <a:ext uri="{FF2B5EF4-FFF2-40B4-BE49-F238E27FC236}">
+                  <a16:creationId xmlns:a16="http://schemas.microsoft.com/office/drawing/2014/main" id="{59017C3E-BA0C-504E-EA44-0BF5842CD3FD}"/>
+                </a:ext>
+              </a:extLst>
+            </p:cNvPr>
+            <p:cNvSpPr/>
+            <p:nvPr/>
+          </p:nvSpPr>
+          <p:spPr>
+            <a:xfrm>
+              <a:off x="5650230" y="5687568"/>
+              <a:ext cx="2167128" cy="390073"/>
+            </a:xfrm>
+            <a:prstGeom prst="rect">
+              <a:avLst/>
+            </a:prstGeom>
+          </p:spPr>
+          <p:style>
+            <a:lnRef idx="2">
+              <a:schemeClr val="dk1"/>
+            </a:lnRef>
+            <a:fillRef idx="1">
+              <a:schemeClr val="lt1"/>
+            </a:fillRef>
+            <a:effectRef idx="0">
+              <a:schemeClr val="dk1"/>
+            </a:effectRef>
+            <a:fontRef idx="minor">
+              <a:schemeClr val="dk1"/>
+            </a:fontRef>
+          </p:style>
+          <p:txBody>
+            <a:bodyPr rtlCol="0" anchor="ctr"/>
+            <a:lstStyle/>
+            <a:p>
+              <a:pPr algn="ctr"/>
+              <a:endParaRPr kumimoji="1" lang="ja-JP" altLang="en-US"/>
+            </a:p>
+          </p:txBody>
+        </p:sp>
+        <p:sp>
+          <p:nvSpPr>
+            <p:cNvPr id="28" name="テキスト ボックス 27">
+              <a:extLst>
+                <a:ext uri="{FF2B5EF4-FFF2-40B4-BE49-F238E27FC236}">
+                  <a16:creationId xmlns:a16="http://schemas.microsoft.com/office/drawing/2014/main" id="{A90CE652-87C8-614C-2EF1-30C2F2082349}"/>
+                </a:ext>
+              </a:extLst>
+            </p:cNvPr>
+            <p:cNvSpPr txBox="1"/>
+            <p:nvPr/>
+          </p:nvSpPr>
+          <p:spPr>
+            <a:xfrm>
+              <a:off x="5788152" y="5687568"/>
+              <a:ext cx="1736598" cy="369332"/>
+            </a:xfrm>
+            <a:prstGeom prst="rect">
+              <a:avLst/>
+            </a:prstGeom>
+            <a:noFill/>
+          </p:spPr>
+          <p:txBody>
+            <a:bodyPr wrap="square" rtlCol="0">
+              <a:spAutoFit/>
+            </a:bodyPr>
+            <a:lstStyle/>
+            <a:p>
+              <a:r>
+                <a:rPr kumimoji="1" lang="ja-JP" altLang="en-US" dirty="0"/>
+                <a:t>編集ボタン</a:t>
+              </a:r>
+            </a:p>
+          </p:txBody>
+        </p:sp>
+      </p:grpSp>
     </p:spTree>
     <p:extLst>
       <p:ext uri="{BB962C8B-B14F-4D97-AF65-F5344CB8AC3E}">
         <p14:creationId xmlns:p14="http://schemas.microsoft.com/office/powerpoint/2010/main" val="2996944598"/>
+      </p:ext>
+    </p:extLst>
+  </p:cSld>
+  <p:clrMapOvr>
+    <a:masterClrMapping/>
+  </p:clrMapOvr>
+</p:sld>
+</file>
+
+<file path=ppt/slides/slide12.xml><?xml version="1.0" encoding="utf-8"?>
+<p:sld xmlns:a="http://schemas.openxmlformats.org/drawingml/2006/main" xmlns:r="http://schemas.openxmlformats.org/officeDocument/2006/relationships" xmlns:p="http://schemas.openxmlformats.org/presentationml/2006/main">
+  <p:cSld>
+    <p:spTree>
+      <p:nvGrpSpPr>
+        <p:cNvPr id="1" name="">
+          <a:extLst>
+            <a:ext uri="{FF2B5EF4-FFF2-40B4-BE49-F238E27FC236}">
+              <a16:creationId xmlns:a16="http://schemas.microsoft.com/office/drawing/2014/main" id="{88DB9CD4-C17A-DCEB-E3FE-DA7D1F2C44A2}"/>
+            </a:ext>
+          </a:extLst>
+        </p:cNvPr>
+        <p:cNvGrpSpPr/>
+        <p:nvPr/>
+      </p:nvGrpSpPr>
+      <p:grpSpPr>
+        <a:xfrm>
+          <a:off x="0" y="0"/>
+          <a:ext cx="0" cy="0"/>
+          <a:chOff x="0" y="0"/>
+          <a:chExt cx="0" cy="0"/>
+        </a:xfrm>
+      </p:grpSpPr>
+      <p:sp>
+        <p:nvSpPr>
+          <p:cNvPr id="2" name="正方形/長方形 1">
+            <a:extLst>
+              <a:ext uri="{FF2B5EF4-FFF2-40B4-BE49-F238E27FC236}">
+                <a16:creationId xmlns:a16="http://schemas.microsoft.com/office/drawing/2014/main" id="{0064309F-509C-0661-9F33-08EFE1289802}"/>
+              </a:ext>
+            </a:extLst>
+          </p:cNvPr>
+          <p:cNvSpPr/>
+          <p:nvPr/>
+        </p:nvSpPr>
+        <p:spPr>
+          <a:xfrm>
+            <a:off x="1362456" y="283464"/>
+            <a:ext cx="9646920" cy="6089904"/>
+          </a:xfrm>
+          <a:prstGeom prst="rect">
+            <a:avLst/>
+          </a:prstGeom>
+        </p:spPr>
+        <p:style>
+          <a:lnRef idx="2">
+            <a:schemeClr val="dk1"/>
+          </a:lnRef>
+          <a:fillRef idx="1">
+            <a:schemeClr val="lt1"/>
+          </a:fillRef>
+          <a:effectRef idx="0">
+            <a:schemeClr val="dk1"/>
+          </a:effectRef>
+          <a:fontRef idx="minor">
+            <a:schemeClr val="dk1"/>
+          </a:fontRef>
+        </p:style>
+        <p:txBody>
+          <a:bodyPr rtlCol="0" anchor="ctr"/>
+          <a:lstStyle/>
+          <a:p>
+            <a:pPr algn="ctr"/>
+            <a:endParaRPr kumimoji="1" lang="ja-JP" altLang="en-US"/>
+          </a:p>
+        </p:txBody>
+      </p:sp>
+      <p:cxnSp>
+        <p:nvCxnSpPr>
+          <p:cNvPr id="4" name="直線コネクタ 3">
+            <a:extLst>
+              <a:ext uri="{FF2B5EF4-FFF2-40B4-BE49-F238E27FC236}">
+                <a16:creationId xmlns:a16="http://schemas.microsoft.com/office/drawing/2014/main" id="{73E4ED73-53CC-5953-09CF-F20925C85808}"/>
+              </a:ext>
+            </a:extLst>
+          </p:cNvPr>
+          <p:cNvCxnSpPr/>
+          <p:nvPr/>
+        </p:nvCxnSpPr>
+        <p:spPr>
+          <a:xfrm>
+            <a:off x="1362456" y="1545336"/>
+            <a:ext cx="9646920" cy="0"/>
+          </a:xfrm>
+          <a:prstGeom prst="line">
+            <a:avLst/>
+          </a:prstGeom>
+        </p:spPr>
+        <p:style>
+          <a:lnRef idx="2">
+            <a:schemeClr val="accent1"/>
+          </a:lnRef>
+          <a:fillRef idx="0">
+            <a:schemeClr val="accent1"/>
+          </a:fillRef>
+          <a:effectRef idx="1">
+            <a:schemeClr val="accent1"/>
+          </a:effectRef>
+          <a:fontRef idx="minor">
+            <a:schemeClr val="tx1"/>
+          </a:fontRef>
+        </p:style>
+      </p:cxnSp>
+      <p:sp>
+        <p:nvSpPr>
+          <p:cNvPr id="6" name="正方形/長方形 5">
+            <a:extLst>
+              <a:ext uri="{FF2B5EF4-FFF2-40B4-BE49-F238E27FC236}">
+                <a16:creationId xmlns:a16="http://schemas.microsoft.com/office/drawing/2014/main" id="{118F7500-4940-D34A-03A8-DDEB0B3547D7}"/>
+              </a:ext>
+            </a:extLst>
+          </p:cNvPr>
+          <p:cNvSpPr/>
+          <p:nvPr/>
+        </p:nvSpPr>
+        <p:spPr>
+          <a:xfrm>
+            <a:off x="1600200" y="753411"/>
+            <a:ext cx="2852928" cy="640068"/>
+          </a:xfrm>
+          <a:prstGeom prst="rect">
+            <a:avLst/>
+          </a:prstGeom>
+        </p:spPr>
+        <p:style>
+          <a:lnRef idx="2">
+            <a:schemeClr val="dk1"/>
+          </a:lnRef>
+          <a:fillRef idx="1">
+            <a:schemeClr val="lt1"/>
+          </a:fillRef>
+          <a:effectRef idx="0">
+            <a:schemeClr val="dk1"/>
+          </a:effectRef>
+          <a:fontRef idx="minor">
+            <a:schemeClr val="dk1"/>
+          </a:fontRef>
+        </p:style>
+        <p:txBody>
+          <a:bodyPr rtlCol="0" anchor="ctr"/>
+          <a:lstStyle/>
+          <a:p>
+            <a:pPr algn="ctr"/>
+            <a:endParaRPr kumimoji="1" lang="ja-JP" altLang="en-US"/>
+          </a:p>
+        </p:txBody>
+      </p:sp>
+      <p:sp>
+        <p:nvSpPr>
+          <p:cNvPr id="7" name="正方形/長方形 6">
+            <a:extLst>
+              <a:ext uri="{FF2B5EF4-FFF2-40B4-BE49-F238E27FC236}">
+                <a16:creationId xmlns:a16="http://schemas.microsoft.com/office/drawing/2014/main" id="{EE24F7EC-BAE8-17CB-F6FB-B440BA35CAFB}"/>
+              </a:ext>
+            </a:extLst>
+          </p:cNvPr>
+          <p:cNvSpPr/>
+          <p:nvPr/>
+        </p:nvSpPr>
+        <p:spPr>
+          <a:xfrm>
+            <a:off x="4788408" y="704113"/>
+            <a:ext cx="2852928" cy="640068"/>
+          </a:xfrm>
+          <a:prstGeom prst="rect">
+            <a:avLst/>
+          </a:prstGeom>
+        </p:spPr>
+        <p:style>
+          <a:lnRef idx="2">
+            <a:schemeClr val="dk1"/>
+          </a:lnRef>
+          <a:fillRef idx="1">
+            <a:schemeClr val="lt1"/>
+          </a:fillRef>
+          <a:effectRef idx="0">
+            <a:schemeClr val="dk1"/>
+          </a:effectRef>
+          <a:fontRef idx="minor">
+            <a:schemeClr val="dk1"/>
+          </a:fontRef>
+        </p:style>
+        <p:txBody>
+          <a:bodyPr rtlCol="0" anchor="ctr"/>
+          <a:lstStyle/>
+          <a:p>
+            <a:pPr algn="ctr"/>
+            <a:endParaRPr kumimoji="1" lang="ja-JP" altLang="en-US"/>
+          </a:p>
+        </p:txBody>
+      </p:sp>
+      <p:sp>
+        <p:nvSpPr>
+          <p:cNvPr id="8" name="正方形/長方形 7">
+            <a:extLst>
+              <a:ext uri="{FF2B5EF4-FFF2-40B4-BE49-F238E27FC236}">
+                <a16:creationId xmlns:a16="http://schemas.microsoft.com/office/drawing/2014/main" id="{8A0EBDD0-2657-469D-1C7A-6A128ED59140}"/>
+              </a:ext>
+            </a:extLst>
+          </p:cNvPr>
+          <p:cNvSpPr/>
+          <p:nvPr/>
+        </p:nvSpPr>
+        <p:spPr>
+          <a:xfrm>
+            <a:off x="7976616" y="704113"/>
+            <a:ext cx="2852928" cy="640068"/>
+          </a:xfrm>
+          <a:prstGeom prst="rect">
+            <a:avLst/>
+          </a:prstGeom>
+        </p:spPr>
+        <p:style>
+          <a:lnRef idx="2">
+            <a:schemeClr val="dk1"/>
+          </a:lnRef>
+          <a:fillRef idx="1">
+            <a:schemeClr val="lt1"/>
+          </a:fillRef>
+          <a:effectRef idx="0">
+            <a:schemeClr val="dk1"/>
+          </a:effectRef>
+          <a:fontRef idx="minor">
+            <a:schemeClr val="dk1"/>
+          </a:fontRef>
+        </p:style>
+        <p:txBody>
+          <a:bodyPr rtlCol="0" anchor="ctr"/>
+          <a:lstStyle/>
+          <a:p>
+            <a:pPr algn="ctr"/>
+            <a:endParaRPr kumimoji="1" lang="ja-JP" altLang="en-US"/>
+          </a:p>
+        </p:txBody>
+      </p:sp>
+      <p:sp>
+        <p:nvSpPr>
+          <p:cNvPr id="9" name="正方形/長方形 8">
+            <a:extLst>
+              <a:ext uri="{FF2B5EF4-FFF2-40B4-BE49-F238E27FC236}">
+                <a16:creationId xmlns:a16="http://schemas.microsoft.com/office/drawing/2014/main" id="{EA83E106-C6D0-C2CA-F053-5991C7A09351}"/>
+              </a:ext>
+            </a:extLst>
+          </p:cNvPr>
+          <p:cNvSpPr/>
+          <p:nvPr/>
+        </p:nvSpPr>
+        <p:spPr>
+          <a:xfrm>
+            <a:off x="8339328" y="402336"/>
+            <a:ext cx="2395728" cy="219456"/>
+          </a:xfrm>
+          <a:prstGeom prst="rect">
+            <a:avLst/>
+          </a:prstGeom>
+        </p:spPr>
+        <p:style>
+          <a:lnRef idx="2">
+            <a:schemeClr val="dk1"/>
+          </a:lnRef>
+          <a:fillRef idx="1">
+            <a:schemeClr val="lt1"/>
+          </a:fillRef>
+          <a:effectRef idx="0">
+            <a:schemeClr val="dk1"/>
+          </a:effectRef>
+          <a:fontRef idx="minor">
+            <a:schemeClr val="dk1"/>
+          </a:fontRef>
+        </p:style>
+        <p:txBody>
+          <a:bodyPr rtlCol="0" anchor="ctr"/>
+          <a:lstStyle/>
+          <a:p>
+            <a:pPr algn="ctr"/>
+            <a:endParaRPr kumimoji="1" lang="ja-JP" altLang="en-US"/>
+          </a:p>
+        </p:txBody>
+      </p:sp>
+      <p:sp>
+        <p:nvSpPr>
+          <p:cNvPr id="10" name="テキスト ボックス 9">
+            <a:extLst>
+              <a:ext uri="{FF2B5EF4-FFF2-40B4-BE49-F238E27FC236}">
+                <a16:creationId xmlns:a16="http://schemas.microsoft.com/office/drawing/2014/main" id="{3C1EB73F-760C-7A76-9D4F-E97E4B85362B}"/>
+              </a:ext>
+            </a:extLst>
+          </p:cNvPr>
+          <p:cNvSpPr txBox="1"/>
+          <p:nvPr/>
+        </p:nvSpPr>
+        <p:spPr>
+          <a:xfrm>
+            <a:off x="8531352" y="402336"/>
+            <a:ext cx="1874520" cy="246221"/>
+          </a:xfrm>
+          <a:prstGeom prst="rect">
+            <a:avLst/>
+          </a:prstGeom>
+          <a:noFill/>
+        </p:spPr>
+        <p:txBody>
+          <a:bodyPr wrap="square" rtlCol="0">
+            <a:spAutoFit/>
+          </a:bodyPr>
+          <a:lstStyle/>
+          <a:p>
+            <a:r>
+              <a:rPr kumimoji="1" lang="ja-JP" altLang="en-US" sz="1000" dirty="0"/>
+              <a:t>ログアウト</a:t>
+            </a:r>
+          </a:p>
+        </p:txBody>
+      </p:sp>
+      <p:sp>
+        <p:nvSpPr>
+          <p:cNvPr id="11" name="テキスト ボックス 10">
+            <a:extLst>
+              <a:ext uri="{FF2B5EF4-FFF2-40B4-BE49-F238E27FC236}">
+                <a16:creationId xmlns:a16="http://schemas.microsoft.com/office/drawing/2014/main" id="{7162221E-4F78-FA6E-128F-7FF0C14E98E3}"/>
+              </a:ext>
+            </a:extLst>
+          </p:cNvPr>
+          <p:cNvSpPr txBox="1"/>
+          <p:nvPr/>
+        </p:nvSpPr>
+        <p:spPr>
+          <a:xfrm>
+            <a:off x="2157984" y="888779"/>
+            <a:ext cx="2295144" cy="369332"/>
+          </a:xfrm>
+          <a:prstGeom prst="rect">
+            <a:avLst/>
+          </a:prstGeom>
+          <a:noFill/>
+        </p:spPr>
+        <p:txBody>
+          <a:bodyPr wrap="square" rtlCol="0">
+            <a:spAutoFit/>
+          </a:bodyPr>
+          <a:lstStyle/>
+          <a:p>
+            <a:r>
+              <a:rPr kumimoji="1" lang="ja-JP" altLang="en-US" dirty="0"/>
+              <a:t>スケジュール</a:t>
+            </a:r>
+          </a:p>
+        </p:txBody>
+      </p:sp>
+      <p:sp>
+        <p:nvSpPr>
+          <p:cNvPr id="12" name="テキスト ボックス 11">
+            <a:extLst>
+              <a:ext uri="{FF2B5EF4-FFF2-40B4-BE49-F238E27FC236}">
+                <a16:creationId xmlns:a16="http://schemas.microsoft.com/office/drawing/2014/main" id="{9B112D88-C742-EBF1-16FC-3481FCDA75FB}"/>
+              </a:ext>
+            </a:extLst>
+          </p:cNvPr>
+          <p:cNvSpPr txBox="1"/>
+          <p:nvPr/>
+        </p:nvSpPr>
+        <p:spPr>
+          <a:xfrm>
+            <a:off x="5346192" y="839481"/>
+            <a:ext cx="2295144" cy="369332"/>
+          </a:xfrm>
+          <a:prstGeom prst="rect">
+            <a:avLst/>
+          </a:prstGeom>
+          <a:noFill/>
+        </p:spPr>
+        <p:txBody>
+          <a:bodyPr wrap="square" rtlCol="0">
+            <a:spAutoFit/>
+          </a:bodyPr>
+          <a:lstStyle/>
+          <a:p>
+            <a:r>
+              <a:rPr lang="ja-JP" altLang="en-US" dirty="0"/>
+              <a:t>お知らせ</a:t>
+            </a:r>
+            <a:endParaRPr kumimoji="1" lang="ja-JP" altLang="en-US" dirty="0"/>
+          </a:p>
+        </p:txBody>
+      </p:sp>
+      <p:sp>
+        <p:nvSpPr>
+          <p:cNvPr id="13" name="テキスト ボックス 12">
+            <a:extLst>
+              <a:ext uri="{FF2B5EF4-FFF2-40B4-BE49-F238E27FC236}">
+                <a16:creationId xmlns:a16="http://schemas.microsoft.com/office/drawing/2014/main" id="{A206C194-1DFE-3B0B-D272-952B65782571}"/>
+              </a:ext>
+            </a:extLst>
+          </p:cNvPr>
+          <p:cNvSpPr txBox="1"/>
+          <p:nvPr/>
+        </p:nvSpPr>
+        <p:spPr>
+          <a:xfrm>
+            <a:off x="8439912" y="856513"/>
+            <a:ext cx="2295144" cy="369332"/>
+          </a:xfrm>
+          <a:prstGeom prst="rect">
+            <a:avLst/>
+          </a:prstGeom>
+          <a:noFill/>
+        </p:spPr>
+        <p:txBody>
+          <a:bodyPr wrap="square" rtlCol="0">
+            <a:spAutoFit/>
+          </a:bodyPr>
+          <a:lstStyle/>
+          <a:p>
+            <a:r>
+              <a:rPr lang="ja-JP" altLang="en-US" dirty="0"/>
+              <a:t>社員紹介</a:t>
+            </a:r>
+            <a:endParaRPr kumimoji="1" lang="ja-JP" altLang="en-US" dirty="0"/>
+          </a:p>
+        </p:txBody>
+      </p:sp>
+      <p:sp>
+        <p:nvSpPr>
+          <p:cNvPr id="3" name="正方形/長方形 2">
+            <a:extLst>
+              <a:ext uri="{FF2B5EF4-FFF2-40B4-BE49-F238E27FC236}">
+                <a16:creationId xmlns:a16="http://schemas.microsoft.com/office/drawing/2014/main" id="{E8ED32EF-E120-A2DE-6162-EB02CA4A4D7A}"/>
+              </a:ext>
+            </a:extLst>
+          </p:cNvPr>
+          <p:cNvSpPr/>
+          <p:nvPr/>
+        </p:nvSpPr>
+        <p:spPr>
+          <a:xfrm>
+            <a:off x="3256788" y="2470684"/>
+            <a:ext cx="7333488" cy="2640811"/>
+          </a:xfrm>
+          <a:prstGeom prst="rect">
+            <a:avLst/>
+          </a:prstGeom>
+        </p:spPr>
+        <p:style>
+          <a:lnRef idx="2">
+            <a:schemeClr val="dk1"/>
+          </a:lnRef>
+          <a:fillRef idx="1">
+            <a:schemeClr val="lt1"/>
+          </a:fillRef>
+          <a:effectRef idx="0">
+            <a:schemeClr val="dk1"/>
+          </a:effectRef>
+          <a:fontRef idx="minor">
+            <a:schemeClr val="dk1"/>
+          </a:fontRef>
+        </p:style>
+        <p:txBody>
+          <a:bodyPr rtlCol="0" anchor="ctr"/>
+          <a:lstStyle/>
+          <a:p>
+            <a:pPr algn="ctr"/>
+            <a:endParaRPr kumimoji="1" lang="ja-JP" altLang="en-US"/>
+          </a:p>
+        </p:txBody>
+      </p:sp>
+      <p:grpSp>
+        <p:nvGrpSpPr>
+          <p:cNvPr id="19" name="グループ化 18">
+            <a:extLst>
+              <a:ext uri="{FF2B5EF4-FFF2-40B4-BE49-F238E27FC236}">
+                <a16:creationId xmlns:a16="http://schemas.microsoft.com/office/drawing/2014/main" id="{106342DF-B4DA-CED6-DDD0-94B0C41997F6}"/>
+              </a:ext>
+            </a:extLst>
+          </p:cNvPr>
+          <p:cNvGrpSpPr/>
+          <p:nvPr/>
+        </p:nvGrpSpPr>
+        <p:grpSpPr>
+          <a:xfrm>
+            <a:off x="8165592" y="5349240"/>
+            <a:ext cx="1892808" cy="584775"/>
+            <a:chOff x="8165592" y="5349240"/>
+            <a:chExt cx="1892808" cy="584775"/>
+          </a:xfrm>
+        </p:grpSpPr>
+        <p:sp>
+          <p:nvSpPr>
+            <p:cNvPr id="17" name="正方形/長方形 16">
+              <a:extLst>
+                <a:ext uri="{FF2B5EF4-FFF2-40B4-BE49-F238E27FC236}">
+                  <a16:creationId xmlns:a16="http://schemas.microsoft.com/office/drawing/2014/main" id="{76A664B5-648F-57BE-1A0B-E6735266A340}"/>
+                </a:ext>
+              </a:extLst>
+            </p:cNvPr>
+            <p:cNvSpPr/>
+            <p:nvPr/>
+          </p:nvSpPr>
+          <p:spPr>
+            <a:xfrm>
+              <a:off x="8165592" y="5349240"/>
+              <a:ext cx="1892808" cy="512054"/>
+            </a:xfrm>
+            <a:prstGeom prst="rect">
+              <a:avLst/>
+            </a:prstGeom>
+          </p:spPr>
+          <p:style>
+            <a:lnRef idx="2">
+              <a:schemeClr val="dk1"/>
+            </a:lnRef>
+            <a:fillRef idx="1">
+              <a:schemeClr val="lt1"/>
+            </a:fillRef>
+            <a:effectRef idx="0">
+              <a:schemeClr val="dk1"/>
+            </a:effectRef>
+            <a:fontRef idx="minor">
+              <a:schemeClr val="dk1"/>
+            </a:fontRef>
+          </p:style>
+          <p:txBody>
+            <a:bodyPr rtlCol="0" anchor="ctr"/>
+            <a:lstStyle/>
+            <a:p>
+              <a:pPr algn="ctr"/>
+              <a:endParaRPr kumimoji="1" lang="ja-JP" altLang="en-US"/>
+            </a:p>
+          </p:txBody>
+        </p:sp>
+        <p:sp>
+          <p:nvSpPr>
+            <p:cNvPr id="18" name="テキスト ボックス 17">
+              <a:extLst>
+                <a:ext uri="{FF2B5EF4-FFF2-40B4-BE49-F238E27FC236}">
+                  <a16:creationId xmlns:a16="http://schemas.microsoft.com/office/drawing/2014/main" id="{042FB3B2-9440-B805-364C-0EEBCA54F976}"/>
+                </a:ext>
+              </a:extLst>
+            </p:cNvPr>
+            <p:cNvSpPr txBox="1"/>
+            <p:nvPr/>
+          </p:nvSpPr>
+          <p:spPr>
+            <a:xfrm>
+              <a:off x="8339328" y="5349240"/>
+              <a:ext cx="1371600" cy="584775"/>
+            </a:xfrm>
+            <a:prstGeom prst="rect">
+              <a:avLst/>
+            </a:prstGeom>
+            <a:noFill/>
+          </p:spPr>
+          <p:txBody>
+            <a:bodyPr wrap="square" rtlCol="0">
+              <a:spAutoFit/>
+            </a:bodyPr>
+            <a:lstStyle/>
+            <a:p>
+              <a:r>
+                <a:rPr lang="ja-JP" altLang="en-US" sz="1600" dirty="0"/>
+                <a:t>編集キャンセル</a:t>
+              </a:r>
+              <a:r>
+                <a:rPr kumimoji="1" lang="ja-JP" altLang="en-US" sz="1600" dirty="0"/>
+                <a:t>ボタン</a:t>
+              </a:r>
+            </a:p>
+          </p:txBody>
+        </p:sp>
+      </p:grpSp>
+      <p:grpSp>
+        <p:nvGrpSpPr>
+          <p:cNvPr id="20" name="グループ化 19">
+            <a:extLst>
+              <a:ext uri="{FF2B5EF4-FFF2-40B4-BE49-F238E27FC236}">
+                <a16:creationId xmlns:a16="http://schemas.microsoft.com/office/drawing/2014/main" id="{5BE2CF7F-9FE9-BE81-5E15-8AF898648182}"/>
+              </a:ext>
+            </a:extLst>
+          </p:cNvPr>
+          <p:cNvGrpSpPr/>
+          <p:nvPr/>
+        </p:nvGrpSpPr>
+        <p:grpSpPr>
+          <a:xfrm>
+            <a:off x="5934456" y="5349239"/>
+            <a:ext cx="1892808" cy="512054"/>
+            <a:chOff x="8165592" y="5349240"/>
+            <a:chExt cx="1892808" cy="512054"/>
+          </a:xfrm>
+        </p:grpSpPr>
+        <p:sp>
+          <p:nvSpPr>
+            <p:cNvPr id="21" name="正方形/長方形 20">
+              <a:extLst>
+                <a:ext uri="{FF2B5EF4-FFF2-40B4-BE49-F238E27FC236}">
+                  <a16:creationId xmlns:a16="http://schemas.microsoft.com/office/drawing/2014/main" id="{B1FAE05E-A874-EE57-4664-9E33B8AEAD7F}"/>
+                </a:ext>
+              </a:extLst>
+            </p:cNvPr>
+            <p:cNvSpPr/>
+            <p:nvPr/>
+          </p:nvSpPr>
+          <p:spPr>
+            <a:xfrm>
+              <a:off x="8165592" y="5349240"/>
+              <a:ext cx="1892808" cy="512054"/>
+            </a:xfrm>
+            <a:prstGeom prst="rect">
+              <a:avLst/>
+            </a:prstGeom>
+          </p:spPr>
+          <p:style>
+            <a:lnRef idx="2">
+              <a:schemeClr val="dk1"/>
+            </a:lnRef>
+            <a:fillRef idx="1">
+              <a:schemeClr val="lt1"/>
+            </a:fillRef>
+            <a:effectRef idx="0">
+              <a:schemeClr val="dk1"/>
+            </a:effectRef>
+            <a:fontRef idx="minor">
+              <a:schemeClr val="dk1"/>
+            </a:fontRef>
+          </p:style>
+          <p:txBody>
+            <a:bodyPr rtlCol="0" anchor="ctr"/>
+            <a:lstStyle/>
+            <a:p>
+              <a:pPr algn="ctr"/>
+              <a:endParaRPr kumimoji="1" lang="ja-JP" altLang="en-US"/>
+            </a:p>
+          </p:txBody>
+        </p:sp>
+        <p:sp>
+          <p:nvSpPr>
+            <p:cNvPr id="22" name="テキスト ボックス 21">
+              <a:extLst>
+                <a:ext uri="{FF2B5EF4-FFF2-40B4-BE49-F238E27FC236}">
+                  <a16:creationId xmlns:a16="http://schemas.microsoft.com/office/drawing/2014/main" id="{EDF4290B-748F-D8EC-39B1-DBCD01390A17}"/>
+                </a:ext>
+              </a:extLst>
+            </p:cNvPr>
+            <p:cNvSpPr txBox="1"/>
+            <p:nvPr/>
+          </p:nvSpPr>
+          <p:spPr>
+            <a:xfrm>
+              <a:off x="8339328" y="5349240"/>
+              <a:ext cx="1371600" cy="338554"/>
+            </a:xfrm>
+            <a:prstGeom prst="rect">
+              <a:avLst/>
+            </a:prstGeom>
+            <a:noFill/>
+          </p:spPr>
+          <p:txBody>
+            <a:bodyPr wrap="square" rtlCol="0">
+              <a:spAutoFit/>
+            </a:bodyPr>
+            <a:lstStyle/>
+            <a:p>
+              <a:r>
+                <a:rPr kumimoji="1" lang="ja-JP" altLang="en-US" sz="1600" dirty="0"/>
+                <a:t>確定ボタン</a:t>
+              </a:r>
+            </a:p>
+          </p:txBody>
+        </p:sp>
+      </p:grpSp>
+      <p:sp>
+        <p:nvSpPr>
+          <p:cNvPr id="23" name="テキスト ボックス 22">
+            <a:extLst>
+              <a:ext uri="{FF2B5EF4-FFF2-40B4-BE49-F238E27FC236}">
+                <a16:creationId xmlns:a16="http://schemas.microsoft.com/office/drawing/2014/main" id="{0EF6E01B-26CF-CFE7-11AA-399E53AF5D94}"/>
+              </a:ext>
+            </a:extLst>
+          </p:cNvPr>
+          <p:cNvSpPr txBox="1"/>
+          <p:nvPr/>
+        </p:nvSpPr>
+        <p:spPr>
+          <a:xfrm>
+            <a:off x="1600200" y="2642616"/>
+            <a:ext cx="1207008" cy="369332"/>
+          </a:xfrm>
+          <a:prstGeom prst="rect">
+            <a:avLst/>
+          </a:prstGeom>
+          <a:noFill/>
+        </p:spPr>
+        <p:txBody>
+          <a:bodyPr wrap="square" rtlCol="0">
+            <a:spAutoFit/>
+          </a:bodyPr>
+          <a:lstStyle/>
+          <a:p>
+            <a:r>
+              <a:rPr kumimoji="1" lang="ja-JP" altLang="en-US" dirty="0"/>
+              <a:t>本文：</a:t>
+            </a:r>
+          </a:p>
+        </p:txBody>
+      </p:sp>
+      <p:sp>
+        <p:nvSpPr>
+          <p:cNvPr id="25" name="テキスト ボックス 24">
+            <a:extLst>
+              <a:ext uri="{FF2B5EF4-FFF2-40B4-BE49-F238E27FC236}">
+                <a16:creationId xmlns:a16="http://schemas.microsoft.com/office/drawing/2014/main" id="{CFD6963B-8595-EDBD-EEA9-F24A74F915C3}"/>
+              </a:ext>
+            </a:extLst>
+          </p:cNvPr>
+          <p:cNvSpPr txBox="1"/>
+          <p:nvPr/>
+        </p:nvSpPr>
+        <p:spPr>
+          <a:xfrm>
+            <a:off x="1600200" y="1909310"/>
+            <a:ext cx="1517904" cy="369332"/>
+          </a:xfrm>
+          <a:prstGeom prst="rect">
+            <a:avLst/>
+          </a:prstGeom>
+          <a:noFill/>
+        </p:spPr>
+        <p:txBody>
+          <a:bodyPr wrap="square" rtlCol="0">
+            <a:spAutoFit/>
+          </a:bodyPr>
+          <a:lstStyle/>
+          <a:p>
+            <a:r>
+              <a:rPr lang="ja-JP" altLang="en-US" dirty="0"/>
+              <a:t>タイトル</a:t>
+            </a:r>
+            <a:r>
+              <a:rPr kumimoji="1" lang="ja-JP" altLang="en-US" dirty="0"/>
+              <a:t>：</a:t>
+            </a:r>
+          </a:p>
+        </p:txBody>
+      </p:sp>
+      <p:sp>
+        <p:nvSpPr>
+          <p:cNvPr id="27" name="正方形/長方形 26">
+            <a:extLst>
+              <a:ext uri="{FF2B5EF4-FFF2-40B4-BE49-F238E27FC236}">
+                <a16:creationId xmlns:a16="http://schemas.microsoft.com/office/drawing/2014/main" id="{BE9166EF-3634-FC09-35A2-F46D85893688}"/>
+              </a:ext>
+            </a:extLst>
+          </p:cNvPr>
+          <p:cNvSpPr/>
+          <p:nvPr/>
+        </p:nvSpPr>
+        <p:spPr>
+          <a:xfrm>
+            <a:off x="3256788" y="1783118"/>
+            <a:ext cx="7333488" cy="513307"/>
+          </a:xfrm>
+          <a:prstGeom prst="rect">
+            <a:avLst/>
+          </a:prstGeom>
+        </p:spPr>
+        <p:style>
+          <a:lnRef idx="2">
+            <a:schemeClr val="dk1"/>
+          </a:lnRef>
+          <a:fillRef idx="1">
+            <a:schemeClr val="lt1"/>
+          </a:fillRef>
+          <a:effectRef idx="0">
+            <a:schemeClr val="dk1"/>
+          </a:effectRef>
+          <a:fontRef idx="minor">
+            <a:schemeClr val="dk1"/>
+          </a:fontRef>
+        </p:style>
+        <p:txBody>
+          <a:bodyPr rtlCol="0" anchor="ctr"/>
+          <a:lstStyle/>
+          <a:p>
+            <a:pPr algn="ctr"/>
+            <a:endParaRPr kumimoji="1" lang="ja-JP" altLang="en-US"/>
+          </a:p>
+        </p:txBody>
+      </p:sp>
+      <p:grpSp>
+        <p:nvGrpSpPr>
+          <p:cNvPr id="30" name="グループ化 29">
+            <a:extLst>
+              <a:ext uri="{FF2B5EF4-FFF2-40B4-BE49-F238E27FC236}">
+                <a16:creationId xmlns:a16="http://schemas.microsoft.com/office/drawing/2014/main" id="{1BFE1DFF-A30D-DF99-3981-1B1F011ACBA5}"/>
+              </a:ext>
+            </a:extLst>
+          </p:cNvPr>
+          <p:cNvGrpSpPr/>
+          <p:nvPr/>
+        </p:nvGrpSpPr>
+        <p:grpSpPr>
+          <a:xfrm>
+            <a:off x="5553457" y="396987"/>
+            <a:ext cx="2583941" cy="246221"/>
+            <a:chOff x="5553457" y="396987"/>
+            <a:chExt cx="2583941" cy="246221"/>
+          </a:xfrm>
+        </p:grpSpPr>
+        <p:sp>
+          <p:nvSpPr>
+            <p:cNvPr id="31" name="正方形/長方形 30">
+              <a:extLst>
+                <a:ext uri="{FF2B5EF4-FFF2-40B4-BE49-F238E27FC236}">
+                  <a16:creationId xmlns:a16="http://schemas.microsoft.com/office/drawing/2014/main" id="{DF4A3A0D-9E09-4AE2-00AB-B6DA6A6F5AFF}"/>
+                </a:ext>
+              </a:extLst>
+            </p:cNvPr>
+            <p:cNvSpPr/>
+            <p:nvPr/>
+          </p:nvSpPr>
+          <p:spPr>
+            <a:xfrm>
+              <a:off x="5553457" y="415745"/>
+              <a:ext cx="2583941" cy="188082"/>
+            </a:xfrm>
+            <a:prstGeom prst="rect">
+              <a:avLst/>
+            </a:prstGeom>
+          </p:spPr>
+          <p:style>
+            <a:lnRef idx="2">
+              <a:schemeClr val="dk1"/>
+            </a:lnRef>
+            <a:fillRef idx="1">
+              <a:schemeClr val="lt1"/>
+            </a:fillRef>
+            <a:effectRef idx="0">
+              <a:schemeClr val="dk1"/>
+            </a:effectRef>
+            <a:fontRef idx="minor">
+              <a:schemeClr val="dk1"/>
+            </a:fontRef>
+          </p:style>
+          <p:txBody>
+            <a:bodyPr rtlCol="0" anchor="ctr"/>
+            <a:lstStyle/>
+            <a:p>
+              <a:pPr algn="ctr"/>
+              <a:endParaRPr kumimoji="1" lang="ja-JP" altLang="en-US"/>
+            </a:p>
+          </p:txBody>
+        </p:sp>
+        <p:sp>
+          <p:nvSpPr>
+            <p:cNvPr id="32" name="テキスト ボックス 31">
+              <a:extLst>
+                <a:ext uri="{FF2B5EF4-FFF2-40B4-BE49-F238E27FC236}">
+                  <a16:creationId xmlns:a16="http://schemas.microsoft.com/office/drawing/2014/main" id="{48B6946E-F1C8-041B-9BCA-27E5D2EB8F68}"/>
+                </a:ext>
+              </a:extLst>
+            </p:cNvPr>
+            <p:cNvSpPr txBox="1"/>
+            <p:nvPr/>
+          </p:nvSpPr>
+          <p:spPr>
+            <a:xfrm>
+              <a:off x="5650230" y="396987"/>
+              <a:ext cx="1874520" cy="246221"/>
+            </a:xfrm>
+            <a:prstGeom prst="rect">
+              <a:avLst/>
+            </a:prstGeom>
+            <a:noFill/>
+          </p:spPr>
+          <p:txBody>
+            <a:bodyPr wrap="square" rtlCol="0">
+              <a:spAutoFit/>
+            </a:bodyPr>
+            <a:lstStyle/>
+            <a:p>
+              <a:r>
+                <a:rPr lang="ja-JP" altLang="en-US" sz="1000" dirty="0"/>
+                <a:t>ホーム画面に戻るボタン</a:t>
+              </a:r>
+              <a:endParaRPr kumimoji="1" lang="ja-JP" altLang="en-US" sz="1000" dirty="0"/>
+            </a:p>
+          </p:txBody>
+        </p:sp>
+      </p:grpSp>
+    </p:spTree>
+    <p:extLst>
+      <p:ext uri="{BB962C8B-B14F-4D97-AF65-F5344CB8AC3E}">
+        <p14:creationId xmlns:p14="http://schemas.microsoft.com/office/powerpoint/2010/main" val="435829852"/>
       </p:ext>
     </p:extLst>
   </p:cSld>
@@ -11299,6 +13102,110 @@
           </p:txBody>
         </p:sp>
       </p:grpSp>
+      <p:grpSp>
+        <p:nvGrpSpPr>
+          <p:cNvPr id="5" name="グループ化 4">
+            <a:extLst>
+              <a:ext uri="{FF2B5EF4-FFF2-40B4-BE49-F238E27FC236}">
+                <a16:creationId xmlns:a16="http://schemas.microsoft.com/office/drawing/2014/main" id="{53AC8528-89D2-8F6E-E511-D4B72DC572AA}"/>
+              </a:ext>
+            </a:extLst>
+          </p:cNvPr>
+          <p:cNvGrpSpPr/>
+          <p:nvPr/>
+        </p:nvGrpSpPr>
+        <p:grpSpPr>
+          <a:xfrm>
+            <a:off x="3660649" y="5349239"/>
+            <a:ext cx="1892808" cy="512054"/>
+            <a:chOff x="8165592" y="5349240"/>
+            <a:chExt cx="1892808" cy="512054"/>
+          </a:xfrm>
+        </p:grpSpPr>
+        <p:sp>
+          <p:nvSpPr>
+            <p:cNvPr id="14" name="正方形/長方形 13">
+              <a:extLst>
+                <a:ext uri="{FF2B5EF4-FFF2-40B4-BE49-F238E27FC236}">
+                  <a16:creationId xmlns:a16="http://schemas.microsoft.com/office/drawing/2014/main" id="{7CA74675-96A2-137F-18B7-48BE39EA0D8D}"/>
+                </a:ext>
+              </a:extLst>
+            </p:cNvPr>
+            <p:cNvSpPr/>
+            <p:nvPr/>
+          </p:nvSpPr>
+          <p:spPr>
+            <a:xfrm>
+              <a:off x="8165592" y="5349240"/>
+              <a:ext cx="1892808" cy="512054"/>
+            </a:xfrm>
+            <a:prstGeom prst="rect">
+              <a:avLst/>
+            </a:prstGeom>
+          </p:spPr>
+          <p:style>
+            <a:lnRef idx="2">
+              <a:schemeClr val="dk1"/>
+            </a:lnRef>
+            <a:fillRef idx="1">
+              <a:schemeClr val="lt1"/>
+            </a:fillRef>
+            <a:effectRef idx="0">
+              <a:schemeClr val="dk1"/>
+            </a:effectRef>
+            <a:fontRef idx="minor">
+              <a:schemeClr val="dk1"/>
+            </a:fontRef>
+          </p:style>
+          <p:txBody>
+            <a:bodyPr rtlCol="0" anchor="ctr"/>
+            <a:lstStyle/>
+            <a:p>
+              <a:pPr algn="ctr"/>
+              <a:endParaRPr kumimoji="1" lang="ja-JP" altLang="en-US"/>
+            </a:p>
+          </p:txBody>
+        </p:sp>
+        <p:sp>
+          <p:nvSpPr>
+            <p:cNvPr id="15" name="テキスト ボックス 14">
+              <a:extLst>
+                <a:ext uri="{FF2B5EF4-FFF2-40B4-BE49-F238E27FC236}">
+                  <a16:creationId xmlns:a16="http://schemas.microsoft.com/office/drawing/2014/main" id="{9987EA0F-9332-9CFB-0963-066B69E11E91}"/>
+                </a:ext>
+              </a:extLst>
+            </p:cNvPr>
+            <p:cNvSpPr txBox="1"/>
+            <p:nvPr/>
+          </p:nvSpPr>
+          <p:spPr>
+            <a:xfrm>
+              <a:off x="8339328" y="5349240"/>
+              <a:ext cx="1719072" cy="338554"/>
+            </a:xfrm>
+            <a:prstGeom prst="rect">
+              <a:avLst/>
+            </a:prstGeom>
+            <a:noFill/>
+          </p:spPr>
+          <p:txBody>
+            <a:bodyPr wrap="square" rtlCol="0">
+              <a:spAutoFit/>
+            </a:bodyPr>
+            <a:lstStyle/>
+            <a:p>
+              <a:r>
+                <a:rPr lang="ja-JP" altLang="en-US" sz="1600" dirty="0"/>
+                <a:t>投稿削除</a:t>
+              </a:r>
+              <a:r>
+                <a:rPr kumimoji="1" lang="ja-JP" altLang="en-US" sz="1600" dirty="0"/>
+                <a:t>ボタン</a:t>
+              </a:r>
+            </a:p>
+          </p:txBody>
+        </p:sp>
+      </p:grpSp>
     </p:spTree>
     <p:extLst>
       <p:ext uri="{BB962C8B-B14F-4D97-AF65-F5344CB8AC3E}">
@@ -13049,164 +14956,185 @@
           </p:txBody>
         </p:sp>
       </p:grpSp>
-      <p:sp>
-        <p:nvSpPr>
-          <p:cNvPr id="23" name="正方形/長方形 22">
-            <a:extLst>
-              <a:ext uri="{FF2B5EF4-FFF2-40B4-BE49-F238E27FC236}">
-                <a16:creationId xmlns:a16="http://schemas.microsoft.com/office/drawing/2014/main" id="{A3CBEA06-E2D1-E79E-DBF4-8CC4D509610E}"/>
-              </a:ext>
-            </a:extLst>
-          </p:cNvPr>
-          <p:cNvSpPr/>
-          <p:nvPr/>
-        </p:nvSpPr>
-        <p:spPr>
-          <a:xfrm>
-            <a:off x="8137398" y="5687568"/>
-            <a:ext cx="2268474" cy="466319"/>
-          </a:xfrm>
-          <a:prstGeom prst="rect">
-            <a:avLst/>
-          </a:prstGeom>
-        </p:spPr>
-        <p:style>
-          <a:lnRef idx="2">
-            <a:schemeClr val="dk1"/>
-          </a:lnRef>
-          <a:fillRef idx="1">
-            <a:schemeClr val="lt1"/>
-          </a:fillRef>
-          <a:effectRef idx="0">
-            <a:schemeClr val="dk1"/>
-          </a:effectRef>
-          <a:fontRef idx="minor">
-            <a:schemeClr val="dk1"/>
-          </a:fontRef>
-        </p:style>
-        <p:txBody>
-          <a:bodyPr rtlCol="0" anchor="ctr"/>
-          <a:lstStyle/>
-          <a:p>
-            <a:pPr algn="ctr"/>
-            <a:endParaRPr kumimoji="1" lang="ja-JP" altLang="en-US"/>
-          </a:p>
-        </p:txBody>
-      </p:sp>
-      <p:sp>
-        <p:nvSpPr>
-          <p:cNvPr id="24" name="テキスト ボックス 23">
-            <a:extLst>
-              <a:ext uri="{FF2B5EF4-FFF2-40B4-BE49-F238E27FC236}">
-                <a16:creationId xmlns:a16="http://schemas.microsoft.com/office/drawing/2014/main" id="{38681679-5518-E6F4-C43C-EDB45056DEB2}"/>
-              </a:ext>
-            </a:extLst>
-          </p:cNvPr>
-          <p:cNvSpPr txBox="1"/>
-          <p:nvPr/>
-        </p:nvSpPr>
-        <p:spPr>
-          <a:xfrm>
-            <a:off x="8339328" y="5769864"/>
-            <a:ext cx="1746504" cy="307777"/>
-          </a:xfrm>
-          <a:prstGeom prst="rect">
-            <a:avLst/>
-          </a:prstGeom>
-          <a:noFill/>
-        </p:spPr>
-        <p:txBody>
-          <a:bodyPr wrap="square" rtlCol="0">
-            <a:spAutoFit/>
-          </a:bodyPr>
-          <a:lstStyle/>
-          <a:p>
-            <a:r>
-              <a:rPr kumimoji="1" lang="ja-JP" altLang="en-US" sz="1400" dirty="0"/>
-              <a:t>一覧に戻るボタン</a:t>
-            </a:r>
-          </a:p>
-        </p:txBody>
-      </p:sp>
-      <p:sp>
-        <p:nvSpPr>
-          <p:cNvPr id="25" name="正方形/長方形 24">
-            <a:extLst>
-              <a:ext uri="{FF2B5EF4-FFF2-40B4-BE49-F238E27FC236}">
-                <a16:creationId xmlns:a16="http://schemas.microsoft.com/office/drawing/2014/main" id="{E383FD73-2085-E965-DFD0-B44A51849666}"/>
-              </a:ext>
-            </a:extLst>
-          </p:cNvPr>
-          <p:cNvSpPr/>
-          <p:nvPr/>
-        </p:nvSpPr>
-        <p:spPr>
+      <p:grpSp>
+        <p:nvGrpSpPr>
+          <p:cNvPr id="27" name="グループ化 26">
+            <a:extLst>
+              <a:ext uri="{FF2B5EF4-FFF2-40B4-BE49-F238E27FC236}">
+                <a16:creationId xmlns:a16="http://schemas.microsoft.com/office/drawing/2014/main" id="{3B5A5C11-D4F9-6333-A0FD-AA234EE55CF6}"/>
+              </a:ext>
+            </a:extLst>
+          </p:cNvPr>
+          <p:cNvGrpSpPr/>
+          <p:nvPr/>
+        </p:nvGrpSpPr>
+        <p:grpSpPr>
           <a:xfrm>
             <a:off x="5650230" y="5687568"/>
-            <a:ext cx="2167128" cy="390073"/>
-          </a:xfrm>
-          <a:prstGeom prst="rect">
-            <a:avLst/>
-          </a:prstGeom>
-        </p:spPr>
-        <p:style>
-          <a:lnRef idx="2">
-            <a:schemeClr val="dk1"/>
-          </a:lnRef>
-          <a:fillRef idx="1">
-            <a:schemeClr val="lt1"/>
-          </a:fillRef>
-          <a:effectRef idx="0">
-            <a:schemeClr val="dk1"/>
-          </a:effectRef>
-          <a:fontRef idx="minor">
-            <a:schemeClr val="dk1"/>
-          </a:fontRef>
-        </p:style>
-        <p:txBody>
-          <a:bodyPr rtlCol="0" anchor="ctr"/>
-          <a:lstStyle/>
-          <a:p>
-            <a:pPr algn="ctr"/>
-            <a:endParaRPr kumimoji="1" lang="ja-JP" altLang="en-US"/>
-          </a:p>
-        </p:txBody>
-      </p:sp>
-      <p:sp>
-        <p:nvSpPr>
-          <p:cNvPr id="26" name="テキスト ボックス 25">
-            <a:extLst>
-              <a:ext uri="{FF2B5EF4-FFF2-40B4-BE49-F238E27FC236}">
-                <a16:creationId xmlns:a16="http://schemas.microsoft.com/office/drawing/2014/main" id="{0D847FD6-E3C8-3082-528C-33DC54F5C851}"/>
-              </a:ext>
-            </a:extLst>
-          </p:cNvPr>
-          <p:cNvSpPr txBox="1"/>
-          <p:nvPr/>
-        </p:nvSpPr>
-        <p:spPr>
-          <a:xfrm>
-            <a:off x="5788152" y="5687568"/>
-            <a:ext cx="1736598" cy="369332"/>
-          </a:xfrm>
-          <a:prstGeom prst="rect">
-            <a:avLst/>
-          </a:prstGeom>
-          <a:noFill/>
-        </p:spPr>
-        <p:txBody>
-          <a:bodyPr wrap="square" rtlCol="0">
-            <a:spAutoFit/>
-          </a:bodyPr>
-          <a:lstStyle/>
-          <a:p>
-            <a:r>
-              <a:rPr kumimoji="1" lang="ja-JP" altLang="en-US" dirty="0"/>
-              <a:t>編集ボタン</a:t>
-            </a:r>
-          </a:p>
-        </p:txBody>
-      </p:sp>
+            <a:ext cx="4755642" cy="466319"/>
+            <a:chOff x="5650230" y="5687568"/>
+            <a:chExt cx="4755642" cy="466319"/>
+          </a:xfrm>
+        </p:grpSpPr>
+        <p:sp>
+          <p:nvSpPr>
+            <p:cNvPr id="23" name="正方形/長方形 22">
+              <a:extLst>
+                <a:ext uri="{FF2B5EF4-FFF2-40B4-BE49-F238E27FC236}">
+                  <a16:creationId xmlns:a16="http://schemas.microsoft.com/office/drawing/2014/main" id="{A3CBEA06-E2D1-E79E-DBF4-8CC4D509610E}"/>
+                </a:ext>
+              </a:extLst>
+            </p:cNvPr>
+            <p:cNvSpPr/>
+            <p:nvPr/>
+          </p:nvSpPr>
+          <p:spPr>
+            <a:xfrm>
+              <a:off x="8137398" y="5687568"/>
+              <a:ext cx="2268474" cy="466319"/>
+            </a:xfrm>
+            <a:prstGeom prst="rect">
+              <a:avLst/>
+            </a:prstGeom>
+          </p:spPr>
+          <p:style>
+            <a:lnRef idx="2">
+              <a:schemeClr val="dk1"/>
+            </a:lnRef>
+            <a:fillRef idx="1">
+              <a:schemeClr val="lt1"/>
+            </a:fillRef>
+            <a:effectRef idx="0">
+              <a:schemeClr val="dk1"/>
+            </a:effectRef>
+            <a:fontRef idx="minor">
+              <a:schemeClr val="dk1"/>
+            </a:fontRef>
+          </p:style>
+          <p:txBody>
+            <a:bodyPr rtlCol="0" anchor="ctr"/>
+            <a:lstStyle/>
+            <a:p>
+              <a:pPr algn="ctr"/>
+              <a:endParaRPr kumimoji="1" lang="ja-JP" altLang="en-US"/>
+            </a:p>
+          </p:txBody>
+        </p:sp>
+        <p:sp>
+          <p:nvSpPr>
+            <p:cNvPr id="24" name="テキスト ボックス 23">
+              <a:extLst>
+                <a:ext uri="{FF2B5EF4-FFF2-40B4-BE49-F238E27FC236}">
+                  <a16:creationId xmlns:a16="http://schemas.microsoft.com/office/drawing/2014/main" id="{38681679-5518-E6F4-C43C-EDB45056DEB2}"/>
+                </a:ext>
+              </a:extLst>
+            </p:cNvPr>
+            <p:cNvSpPr txBox="1"/>
+            <p:nvPr/>
+          </p:nvSpPr>
+          <p:spPr>
+            <a:xfrm>
+              <a:off x="8339328" y="5769864"/>
+              <a:ext cx="1746504" cy="307777"/>
+            </a:xfrm>
+            <a:prstGeom prst="rect">
+              <a:avLst/>
+            </a:prstGeom>
+            <a:noFill/>
+          </p:spPr>
+          <p:txBody>
+            <a:bodyPr wrap="square" rtlCol="0">
+              <a:spAutoFit/>
+            </a:bodyPr>
+            <a:lstStyle/>
+            <a:p>
+              <a:r>
+                <a:rPr kumimoji="1" lang="ja-JP" altLang="en-US" sz="1400" dirty="0"/>
+                <a:t>一覧に戻るボタン</a:t>
+              </a:r>
+            </a:p>
+          </p:txBody>
+        </p:sp>
+        <p:sp>
+          <p:nvSpPr>
+            <p:cNvPr id="25" name="正方形/長方形 24">
+              <a:extLst>
+                <a:ext uri="{FF2B5EF4-FFF2-40B4-BE49-F238E27FC236}">
+                  <a16:creationId xmlns:a16="http://schemas.microsoft.com/office/drawing/2014/main" id="{E383FD73-2085-E965-DFD0-B44A51849666}"/>
+                </a:ext>
+              </a:extLst>
+            </p:cNvPr>
+            <p:cNvSpPr/>
+            <p:nvPr/>
+          </p:nvSpPr>
+          <p:spPr>
+            <a:xfrm>
+              <a:off x="5650230" y="5687568"/>
+              <a:ext cx="2167128" cy="390073"/>
+            </a:xfrm>
+            <a:prstGeom prst="rect">
+              <a:avLst/>
+            </a:prstGeom>
+          </p:spPr>
+          <p:style>
+            <a:lnRef idx="2">
+              <a:schemeClr val="dk1"/>
+            </a:lnRef>
+            <a:fillRef idx="1">
+              <a:schemeClr val="lt1"/>
+            </a:fillRef>
+            <a:effectRef idx="0">
+              <a:schemeClr val="dk1"/>
+            </a:effectRef>
+            <a:fontRef idx="minor">
+              <a:schemeClr val="dk1"/>
+            </a:fontRef>
+          </p:style>
+          <p:txBody>
+            <a:bodyPr rtlCol="0" anchor="ctr"/>
+            <a:lstStyle/>
+            <a:p>
+              <a:pPr algn="ctr"/>
+              <a:endParaRPr kumimoji="1" lang="ja-JP" altLang="en-US"/>
+            </a:p>
+          </p:txBody>
+        </p:sp>
+        <p:sp>
+          <p:nvSpPr>
+            <p:cNvPr id="26" name="テキスト ボックス 25">
+              <a:extLst>
+                <a:ext uri="{FF2B5EF4-FFF2-40B4-BE49-F238E27FC236}">
+                  <a16:creationId xmlns:a16="http://schemas.microsoft.com/office/drawing/2014/main" id="{0D847FD6-E3C8-3082-528C-33DC54F5C851}"/>
+                </a:ext>
+              </a:extLst>
+            </p:cNvPr>
+            <p:cNvSpPr txBox="1"/>
+            <p:nvPr/>
+          </p:nvSpPr>
+          <p:spPr>
+            <a:xfrm>
+              <a:off x="5788152" y="5687568"/>
+              <a:ext cx="1736598" cy="369332"/>
+            </a:xfrm>
+            <a:prstGeom prst="rect">
+              <a:avLst/>
+            </a:prstGeom>
+            <a:noFill/>
+          </p:spPr>
+          <p:txBody>
+            <a:bodyPr wrap="square" rtlCol="0">
+              <a:spAutoFit/>
+            </a:bodyPr>
+            <a:lstStyle/>
+            <a:p>
+              <a:r>
+                <a:rPr kumimoji="1" lang="ja-JP" altLang="en-US" dirty="0"/>
+                <a:t>編集ボタン</a:t>
+              </a:r>
+            </a:p>
+          </p:txBody>
+        </p:sp>
+      </p:grpSp>
     </p:spTree>
     <p:extLst>
       <p:ext uri="{BB962C8B-B14F-4D97-AF65-F5344CB8AC3E}">
@@ -14104,6 +16032,110 @@
                 <a:t>ホーム画面に戻るボタン</a:t>
               </a:r>
               <a:endParaRPr kumimoji="1" lang="ja-JP" altLang="en-US" sz="1000" dirty="0"/>
+            </a:p>
+          </p:txBody>
+        </p:sp>
+      </p:grpSp>
+      <p:grpSp>
+        <p:nvGrpSpPr>
+          <p:cNvPr id="5" name="グループ化 4">
+            <a:extLst>
+              <a:ext uri="{FF2B5EF4-FFF2-40B4-BE49-F238E27FC236}">
+                <a16:creationId xmlns:a16="http://schemas.microsoft.com/office/drawing/2014/main" id="{F2BE7044-CA7F-AD0D-C866-62CD7D75DC20}"/>
+              </a:ext>
+            </a:extLst>
+          </p:cNvPr>
+          <p:cNvGrpSpPr/>
+          <p:nvPr/>
+        </p:nvGrpSpPr>
+        <p:grpSpPr>
+          <a:xfrm>
+            <a:off x="3660649" y="5349239"/>
+            <a:ext cx="1892808" cy="512054"/>
+            <a:chOff x="8165592" y="5349240"/>
+            <a:chExt cx="1892808" cy="512054"/>
+          </a:xfrm>
+        </p:grpSpPr>
+        <p:sp>
+          <p:nvSpPr>
+            <p:cNvPr id="14" name="正方形/長方形 13">
+              <a:extLst>
+                <a:ext uri="{FF2B5EF4-FFF2-40B4-BE49-F238E27FC236}">
+                  <a16:creationId xmlns:a16="http://schemas.microsoft.com/office/drawing/2014/main" id="{7193E1AB-960E-17B5-36F0-FE5CC9D9B8DB}"/>
+                </a:ext>
+              </a:extLst>
+            </p:cNvPr>
+            <p:cNvSpPr/>
+            <p:nvPr/>
+          </p:nvSpPr>
+          <p:spPr>
+            <a:xfrm>
+              <a:off x="8165592" y="5349240"/>
+              <a:ext cx="1892808" cy="512054"/>
+            </a:xfrm>
+            <a:prstGeom prst="rect">
+              <a:avLst/>
+            </a:prstGeom>
+          </p:spPr>
+          <p:style>
+            <a:lnRef idx="2">
+              <a:schemeClr val="dk1"/>
+            </a:lnRef>
+            <a:fillRef idx="1">
+              <a:schemeClr val="lt1"/>
+            </a:fillRef>
+            <a:effectRef idx="0">
+              <a:schemeClr val="dk1"/>
+            </a:effectRef>
+            <a:fontRef idx="minor">
+              <a:schemeClr val="dk1"/>
+            </a:fontRef>
+          </p:style>
+          <p:txBody>
+            <a:bodyPr rtlCol="0" anchor="ctr"/>
+            <a:lstStyle/>
+            <a:p>
+              <a:pPr algn="ctr"/>
+              <a:endParaRPr kumimoji="1" lang="ja-JP" altLang="en-US"/>
+            </a:p>
+          </p:txBody>
+        </p:sp>
+        <p:sp>
+          <p:nvSpPr>
+            <p:cNvPr id="15" name="テキスト ボックス 14">
+              <a:extLst>
+                <a:ext uri="{FF2B5EF4-FFF2-40B4-BE49-F238E27FC236}">
+                  <a16:creationId xmlns:a16="http://schemas.microsoft.com/office/drawing/2014/main" id="{C89F3CA4-FCEC-7AAB-22C9-27896036CBEF}"/>
+                </a:ext>
+              </a:extLst>
+            </p:cNvPr>
+            <p:cNvSpPr txBox="1"/>
+            <p:nvPr/>
+          </p:nvSpPr>
+          <p:spPr>
+            <a:xfrm>
+              <a:off x="8339328" y="5349240"/>
+              <a:ext cx="1719072" cy="338554"/>
+            </a:xfrm>
+            <a:prstGeom prst="rect">
+              <a:avLst/>
+            </a:prstGeom>
+            <a:noFill/>
+          </p:spPr>
+          <p:txBody>
+            <a:bodyPr wrap="square" rtlCol="0">
+              <a:spAutoFit/>
+            </a:bodyPr>
+            <a:lstStyle/>
+            <a:p>
+              <a:r>
+                <a:rPr lang="ja-JP" altLang="en-US" sz="1600" dirty="0"/>
+                <a:t>投稿削除</a:t>
+              </a:r>
+              <a:r>
+                <a:rPr kumimoji="1" lang="ja-JP" altLang="en-US" sz="1600" dirty="0"/>
+                <a:t>ボタン</a:t>
+              </a:r>
             </a:p>
           </p:txBody>
         </p:sp>
